--- a/supports/P4_presentation v1.pptx
+++ b/supports/P4_presentation v1.pptx
@@ -5,10 +5,10 @@
     <p:sldMasterId id="2147483648" r:id="rId1"/>
   </p:sldMasterIdLst>
   <p:notesMasterIdLst>
-    <p:notesMasterId r:id="rId50"/>
+    <p:notesMasterId r:id="rId52"/>
   </p:notesMasterIdLst>
   <p:handoutMasterIdLst>
-    <p:handoutMasterId r:id="rId51"/>
+    <p:handoutMasterId r:id="rId53"/>
   </p:handoutMasterIdLst>
   <p:sldIdLst>
     <p:sldId id="368" r:id="rId2"/>
@@ -53,12 +53,14 @@
     <p:sldId id="509" r:id="rId41"/>
     <p:sldId id="506" r:id="rId42"/>
     <p:sldId id="507" r:id="rId43"/>
-    <p:sldId id="452" r:id="rId44"/>
-    <p:sldId id="450" r:id="rId45"/>
-    <p:sldId id="425" r:id="rId46"/>
-    <p:sldId id="426" r:id="rId47"/>
-    <p:sldId id="483" r:id="rId48"/>
-    <p:sldId id="482" r:id="rId49"/>
+    <p:sldId id="511" r:id="rId44"/>
+    <p:sldId id="512" r:id="rId45"/>
+    <p:sldId id="452" r:id="rId46"/>
+    <p:sldId id="450" r:id="rId47"/>
+    <p:sldId id="425" r:id="rId48"/>
+    <p:sldId id="426" r:id="rId49"/>
+    <p:sldId id="483" r:id="rId50"/>
+    <p:sldId id="482" r:id="rId51"/>
   </p:sldIdLst>
   <p:sldSz cx="12192000" cy="6858000"/>
   <p:notesSz cx="6858000" cy="9144000"/>
@@ -277,7 +279,7 @@
           <a:p>
             <a:fld id="{081908C2-F1FA-4AA1-810C-31F86594FA86}" type="datetimeFigureOut">
               <a:rPr lang="en-US" smtClean="0"/>
-              <a:t>9/2/2021</a:t>
+              <a:t>9/3/2021</a:t>
             </a:fld>
             <a:endParaRPr lang="en-US"/>
           </a:p>
@@ -442,7 +444,7 @@
           <a:p>
             <a:fld id="{56E8D31E-EEDD-42CA-A79A-B9539977145E}" type="datetimeFigureOut">
               <a:rPr lang="en-US" smtClean="0"/>
-              <a:t>9/2/2021</a:t>
+              <a:t>9/3/2021</a:t>
             </a:fld>
             <a:endParaRPr lang="en-US"/>
           </a:p>
@@ -3423,9 +3425,9 @@
           <a:bodyPr/>
           <a:lstStyle/>
           <a:p>
-            <a:pPr marL="171450" indent="-171450">
-              <a:buFont typeface="Wingdings" panose="05000000000000000000" pitchFamily="2" charset="2"/>
-              <a:buChar char="§"/>
+            <a:pPr marL="457200" lvl="1" indent="0">
+              <a:buFontTx/>
+              <a:buNone/>
             </a:pPr>
             <a:endParaRPr lang="fr-FR" dirty="0"/>
           </a:p>
@@ -3457,7 +3459,7 @@
     </p:spTree>
     <p:extLst>
       <p:ext uri="{BB962C8B-B14F-4D97-AF65-F5344CB8AC3E}">
-        <p14:creationId xmlns:p14="http://schemas.microsoft.com/office/powerpoint/2010/main" val="4170600326"/>
+        <p14:creationId xmlns:p14="http://schemas.microsoft.com/office/powerpoint/2010/main" val="2990357520"/>
       </p:ext>
     </p:extLst>
   </p:cSld>
@@ -3511,29 +3513,10 @@
           <a:bodyPr/>
           <a:lstStyle/>
           <a:p>
-            <a:pPr marL="0" marR="0" lvl="0" indent="0" algn="l" defTabSz="914400" rtl="0" eaLnBrk="1" fontAlgn="auto" latinLnBrk="0" hangingPunct="1">
-              <a:lnSpc>
-                <a:spcPct val="100000"/>
-              </a:lnSpc>
-              <a:spcBef>
-                <a:spcPts val="0"/>
-              </a:spcBef>
-              <a:spcAft>
-                <a:spcPts val="0"/>
-              </a:spcAft>
-              <a:buClrTx/>
-              <a:buSzTx/>
-              <a:buFontTx/>
-              <a:buNone/>
-              <a:tabLst/>
-              <a:defRPr/>
+            <a:pPr marL="171450" indent="-171450">
+              <a:buFont typeface="Wingdings" panose="05000000000000000000" pitchFamily="2" charset="2"/>
+              <a:buChar char="§"/>
             </a:pPr>
-            <a:r>
-              <a:rPr lang="fr-FR" dirty="0"/>
-              <a:t>On arrive à le processus de Nettoyage de jeu de données</a:t>
-            </a:r>
-          </a:p>
-          <a:p>
             <a:endParaRPr lang="fr-FR" dirty="0"/>
           </a:p>
         </p:txBody>
@@ -3555,7 +3538,7 @@
           <a:p>
             <a:fld id="{B2BE2823-3393-479C-B299-87C7B63AEB2B}" type="slidenum">
               <a:rPr lang="en-US" smtClean="0"/>
-              <a:t>47</a:t>
+              <a:t>46</a:t>
             </a:fld>
             <a:endParaRPr lang="en-US"/>
           </a:p>
@@ -3564,7 +3547,7 @@
     </p:spTree>
     <p:extLst>
       <p:ext uri="{BB962C8B-B14F-4D97-AF65-F5344CB8AC3E}">
-        <p14:creationId xmlns:p14="http://schemas.microsoft.com/office/powerpoint/2010/main" val="1536806245"/>
+        <p14:creationId xmlns:p14="http://schemas.microsoft.com/office/powerpoint/2010/main" val="4170600326"/>
       </p:ext>
     </p:extLst>
   </p:cSld>
@@ -3618,10 +3601,29 @@
           <a:bodyPr/>
           <a:lstStyle/>
           <a:p>
-            <a:pPr marL="457200" lvl="1" indent="0">
+            <a:pPr marL="0" marR="0" lvl="0" indent="0" algn="l" defTabSz="914400" rtl="0" eaLnBrk="1" fontAlgn="auto" latinLnBrk="0" hangingPunct="1">
+              <a:lnSpc>
+                <a:spcPct val="100000"/>
+              </a:lnSpc>
+              <a:spcBef>
+                <a:spcPts val="0"/>
+              </a:spcBef>
+              <a:spcAft>
+                <a:spcPts val="0"/>
+              </a:spcAft>
+              <a:buClrTx/>
+              <a:buSzTx/>
               <a:buFontTx/>
               <a:buNone/>
+              <a:tabLst/>
+              <a:defRPr/>
             </a:pPr>
+            <a:r>
+              <a:rPr lang="fr-FR" dirty="0"/>
+              <a:t>On arrive à le processus de Nettoyage de jeu de données</a:t>
+            </a:r>
+          </a:p>
+          <a:p>
             <a:endParaRPr lang="fr-FR" dirty="0"/>
           </a:p>
         </p:txBody>
@@ -3643,7 +3645,7 @@
           <a:p>
             <a:fld id="{B2BE2823-3393-479C-B299-87C7B63AEB2B}" type="slidenum">
               <a:rPr lang="en-US" smtClean="0"/>
-              <a:t>48</a:t>
+              <a:t>49</a:t>
             </a:fld>
             <a:endParaRPr lang="en-US"/>
           </a:p>
@@ -3652,7 +3654,7 @@
     </p:spTree>
     <p:extLst>
       <p:ext uri="{BB962C8B-B14F-4D97-AF65-F5344CB8AC3E}">
-        <p14:creationId xmlns:p14="http://schemas.microsoft.com/office/powerpoint/2010/main" val="2574012196"/>
+        <p14:creationId xmlns:p14="http://schemas.microsoft.com/office/powerpoint/2010/main" val="1536806245"/>
       </p:ext>
     </p:extLst>
   </p:cSld>
@@ -3737,6 +3739,94 @@
     <p:extLst>
       <p:ext uri="{BB962C8B-B14F-4D97-AF65-F5344CB8AC3E}">
         <p14:creationId xmlns:p14="http://schemas.microsoft.com/office/powerpoint/2010/main" val="1900405525"/>
+      </p:ext>
+    </p:extLst>
+  </p:cSld>
+  <p:clrMapOvr>
+    <a:masterClrMapping/>
+  </p:clrMapOvr>
+</p:notes>
+</file>
+
+<file path=ppt/notesSlides/notesSlide40.xml><?xml version="1.0" encoding="utf-8"?>
+<p:notes xmlns:a="http://schemas.openxmlformats.org/drawingml/2006/main" xmlns:r="http://schemas.openxmlformats.org/officeDocument/2006/relationships" xmlns:p="http://schemas.openxmlformats.org/presentationml/2006/main">
+  <p:cSld>
+    <p:spTree>
+      <p:nvGrpSpPr>
+        <p:cNvPr id="1" name=""/>
+        <p:cNvGrpSpPr/>
+        <p:nvPr/>
+      </p:nvGrpSpPr>
+      <p:grpSpPr>
+        <a:xfrm>
+          <a:off x="0" y="0"/>
+          <a:ext cx="0" cy="0"/>
+          <a:chOff x="0" y="0"/>
+          <a:chExt cx="0" cy="0"/>
+        </a:xfrm>
+      </p:grpSpPr>
+      <p:sp>
+        <p:nvSpPr>
+          <p:cNvPr id="2" name="Espace réservé de l'image des diapositives 1"/>
+          <p:cNvSpPr>
+            <a:spLocks noGrp="1" noRot="1" noChangeAspect="1"/>
+          </p:cNvSpPr>
+          <p:nvPr>
+            <p:ph type="sldImg"/>
+          </p:nvPr>
+        </p:nvSpPr>
+        <p:spPr/>
+      </p:sp>
+      <p:sp>
+        <p:nvSpPr>
+          <p:cNvPr id="3" name="Espace réservé des notes 2"/>
+          <p:cNvSpPr>
+            <a:spLocks noGrp="1"/>
+          </p:cNvSpPr>
+          <p:nvPr>
+            <p:ph type="body" idx="1"/>
+          </p:nvPr>
+        </p:nvSpPr>
+        <p:spPr/>
+        <p:txBody>
+          <a:bodyPr/>
+          <a:lstStyle/>
+          <a:p>
+            <a:pPr marL="457200" lvl="1" indent="0">
+              <a:buFontTx/>
+              <a:buNone/>
+            </a:pPr>
+            <a:endParaRPr lang="fr-FR" dirty="0"/>
+          </a:p>
+        </p:txBody>
+      </p:sp>
+      <p:sp>
+        <p:nvSpPr>
+          <p:cNvPr id="4" name="Espace réservé du numéro de diapositive 3"/>
+          <p:cNvSpPr>
+            <a:spLocks noGrp="1"/>
+          </p:cNvSpPr>
+          <p:nvPr>
+            <p:ph type="sldNum" sz="quarter" idx="5"/>
+          </p:nvPr>
+        </p:nvSpPr>
+        <p:spPr/>
+        <p:txBody>
+          <a:bodyPr/>
+          <a:lstStyle/>
+          <a:p>
+            <a:fld id="{B2BE2823-3393-479C-B299-87C7B63AEB2B}" type="slidenum">
+              <a:rPr lang="en-US" smtClean="0"/>
+              <a:t>50</a:t>
+            </a:fld>
+            <a:endParaRPr lang="en-US"/>
+          </a:p>
+        </p:txBody>
+      </p:sp>
+    </p:spTree>
+    <p:extLst>
+      <p:ext uri="{BB962C8B-B14F-4D97-AF65-F5344CB8AC3E}">
+        <p14:creationId xmlns:p14="http://schemas.microsoft.com/office/powerpoint/2010/main" val="2574012196"/>
       </p:ext>
     </p:extLst>
   </p:cSld>
@@ -4561,7 +4651,7 @@
           <a:p>
             <a:fld id="{E1DCD729-31D5-4480-98D7-69012EF3B7DD}" type="datetimeFigureOut">
               <a:rPr lang="en-US" smtClean="0"/>
-              <a:t>9/2/2021</a:t>
+              <a:t>9/3/2021</a:t>
             </a:fld>
             <a:endParaRPr lang="en-US"/>
           </a:p>
@@ -4759,7 +4849,7 @@
           <a:p>
             <a:fld id="{E1DCD729-31D5-4480-98D7-69012EF3B7DD}" type="datetimeFigureOut">
               <a:rPr lang="en-US" smtClean="0"/>
-              <a:t>9/2/2021</a:t>
+              <a:t>9/3/2021</a:t>
             </a:fld>
             <a:endParaRPr lang="en-US"/>
           </a:p>
@@ -4967,7 +5057,7 @@
           <a:p>
             <a:fld id="{E1DCD729-31D5-4480-98D7-69012EF3B7DD}" type="datetimeFigureOut">
               <a:rPr lang="en-US" smtClean="0"/>
-              <a:t>9/2/2021</a:t>
+              <a:t>9/3/2021</a:t>
             </a:fld>
             <a:endParaRPr lang="en-US"/>
           </a:p>
@@ -5165,7 +5255,7 @@
           <a:p>
             <a:fld id="{E1DCD729-31D5-4480-98D7-69012EF3B7DD}" type="datetimeFigureOut">
               <a:rPr lang="en-US" smtClean="0"/>
-              <a:t>9/2/2021</a:t>
+              <a:t>9/3/2021</a:t>
             </a:fld>
             <a:endParaRPr lang="en-US"/>
           </a:p>
@@ -5440,7 +5530,7 @@
           <a:p>
             <a:fld id="{E1DCD729-31D5-4480-98D7-69012EF3B7DD}" type="datetimeFigureOut">
               <a:rPr lang="en-US" smtClean="0"/>
-              <a:t>9/2/2021</a:t>
+              <a:t>9/3/2021</a:t>
             </a:fld>
             <a:endParaRPr lang="en-US"/>
           </a:p>
@@ -5705,7 +5795,7 @@
           <a:p>
             <a:fld id="{E1DCD729-31D5-4480-98D7-69012EF3B7DD}" type="datetimeFigureOut">
               <a:rPr lang="en-US" smtClean="0"/>
-              <a:t>9/2/2021</a:t>
+              <a:t>9/3/2021</a:t>
             </a:fld>
             <a:endParaRPr lang="en-US"/>
           </a:p>
@@ -6117,7 +6207,7 @@
           <a:p>
             <a:fld id="{E1DCD729-31D5-4480-98D7-69012EF3B7DD}" type="datetimeFigureOut">
               <a:rPr lang="en-US" smtClean="0"/>
-              <a:t>9/2/2021</a:t>
+              <a:t>9/3/2021</a:t>
             </a:fld>
             <a:endParaRPr lang="en-US"/>
           </a:p>
@@ -6258,7 +6348,7 @@
           <a:p>
             <a:fld id="{E1DCD729-31D5-4480-98D7-69012EF3B7DD}" type="datetimeFigureOut">
               <a:rPr lang="en-US" smtClean="0"/>
-              <a:t>9/2/2021</a:t>
+              <a:t>9/3/2021</a:t>
             </a:fld>
             <a:endParaRPr lang="en-US"/>
           </a:p>
@@ -6371,7 +6461,7 @@
           <a:p>
             <a:fld id="{E1DCD729-31D5-4480-98D7-69012EF3B7DD}" type="datetimeFigureOut">
               <a:rPr lang="en-US" smtClean="0"/>
-              <a:t>9/2/2021</a:t>
+              <a:t>9/3/2021</a:t>
             </a:fld>
             <a:endParaRPr lang="en-US"/>
           </a:p>
@@ -6682,7 +6772,7 @@
           <a:p>
             <a:fld id="{E1DCD729-31D5-4480-98D7-69012EF3B7DD}" type="datetimeFigureOut">
               <a:rPr lang="en-US" smtClean="0"/>
-              <a:t>9/2/2021</a:t>
+              <a:t>9/3/2021</a:t>
             </a:fld>
             <a:endParaRPr lang="en-US"/>
           </a:p>
@@ -6970,7 +7060,7 @@
           <a:p>
             <a:fld id="{E1DCD729-31D5-4480-98D7-69012EF3B7DD}" type="datetimeFigureOut">
               <a:rPr lang="en-US" smtClean="0"/>
-              <a:t>9/2/2021</a:t>
+              <a:t>9/3/2021</a:t>
             </a:fld>
             <a:endParaRPr lang="en-US"/>
           </a:p>
@@ -7220,7 +7310,7 @@
           <a:p>
             <a:fld id="{E1DCD729-31D5-4480-98D7-69012EF3B7DD}" type="datetimeFigureOut">
               <a:rPr lang="en-US" smtClean="0"/>
-              <a:t>9/2/2021</a:t>
+              <a:t>9/3/2021</a:t>
             </a:fld>
             <a:endParaRPr lang="en-US"/>
           </a:p>
@@ -40164,8 +40254,47 @@
                 </a:effectLst>
                 <a:latin typeface="Google Sans"/>
               </a:rPr>
-              <a:t>Conclusions</a:t>
-            </a:r>
+              <a:t>L'importance d'</a:t>
+            </a:r>
+            <a:r>
+              <a:rPr lang="fr-FR" b="1" dirty="0" err="1">
+                <a:ln>
+                  <a:solidFill>
+                    <a:srgbClr val="7451EB"/>
+                  </a:solidFill>
+                </a:ln>
+                <a:solidFill>
+                  <a:srgbClr val="7451EB"/>
+                </a:solidFill>
+                <a:effectLst>
+                  <a:outerShdw blurRad="38100" dist="38100" dir="2700000" algn="tl">
+                    <a:srgbClr val="000000">
+                      <a:alpha val="43137"/>
+                    </a:srgbClr>
+                  </a:outerShdw>
+                </a:effectLst>
+                <a:latin typeface="Google Sans"/>
+              </a:rPr>
+              <a:t>EnergyStarScore</a:t>
+            </a:r>
+            <a:endParaRPr lang="fr-FR" b="1" dirty="0">
+              <a:ln>
+                <a:solidFill>
+                  <a:srgbClr val="7451EB"/>
+                </a:solidFill>
+              </a:ln>
+              <a:solidFill>
+                <a:srgbClr val="7451EB"/>
+              </a:solidFill>
+              <a:effectLst>
+                <a:outerShdw blurRad="38100" dist="38100" dir="2700000" algn="tl">
+                  <a:srgbClr val="000000">
+                    <a:alpha val="43137"/>
+                  </a:srgbClr>
+                </a:outerShdw>
+              </a:effectLst>
+              <a:latin typeface="Google Sans"/>
+            </a:endParaRPr>
           </a:p>
         </p:txBody>
       </p:sp>
@@ -40234,7 +40363,7 @@
                   </a:outerShdw>
                 </a:effectLst>
               </a:rPr>
-              <a:t>6.</a:t>
+              <a:t>5.2</a:t>
             </a:r>
             <a:endParaRPr lang="es-419" sz="5400" b="1" u="sng" dirty="0">
               <a:ln>
@@ -40256,624 +40385,646 @@
           </a:p>
         </p:txBody>
       </p:sp>
-      <p:cxnSp>
-        <p:nvCxnSpPr>
-          <p:cNvPr id="22" name="Straight Connector 21">
-            <a:extLst>
-              <a:ext uri="{FF2B5EF4-FFF2-40B4-BE49-F238E27FC236}">
-                <a16:creationId xmlns:a16="http://schemas.microsoft.com/office/drawing/2014/main" id="{395936B0-0B3B-410D-AA09-D12A1CE78FF8}"/>
-              </a:ext>
-            </a:extLst>
-          </p:cNvPr>
-          <p:cNvCxnSpPr/>
-          <p:nvPr/>
-        </p:nvCxnSpPr>
-        <p:spPr>
-          <a:xfrm>
-            <a:off x="5173057" y="6400273"/>
-            <a:ext cx="0" cy="0"/>
-          </a:xfrm>
-          <a:prstGeom prst="line">
-            <a:avLst/>
-          </a:prstGeom>
+      <p:grpSp>
+        <p:nvGrpSpPr>
+          <p:cNvPr id="21" name="Groupe 20">
+            <a:extLst>
+              <a:ext uri="{FF2B5EF4-FFF2-40B4-BE49-F238E27FC236}">
+                <a16:creationId xmlns:a16="http://schemas.microsoft.com/office/drawing/2014/main" id="{C18C3AC2-AF70-45FC-A824-6C4E5F376360}"/>
+              </a:ext>
+            </a:extLst>
+          </p:cNvPr>
+          <p:cNvGrpSpPr/>
+          <p:nvPr/>
+        </p:nvGrpSpPr>
+        <p:grpSpPr>
+          <a:xfrm>
+            <a:off x="4285445" y="5975261"/>
+            <a:ext cx="3621110" cy="425012"/>
+            <a:chOff x="4953000" y="5975261"/>
+            <a:chExt cx="3621110" cy="425012"/>
+          </a:xfrm>
           <a:noFill/>
-        </p:spPr>
-        <p:style>
-          <a:lnRef idx="1">
-            <a:schemeClr val="accent1"/>
-          </a:lnRef>
-          <a:fillRef idx="0">
-            <a:schemeClr val="accent1"/>
-          </a:fillRef>
-          <a:effectRef idx="0">
-            <a:schemeClr val="accent1"/>
-          </a:effectRef>
-          <a:fontRef idx="minor">
-            <a:schemeClr val="tx1"/>
-          </a:fontRef>
-        </p:style>
-      </p:cxnSp>
-      <p:sp>
-        <p:nvSpPr>
-          <p:cNvPr id="23" name="Oval 19">
-            <a:extLst>
-              <a:ext uri="{FF2B5EF4-FFF2-40B4-BE49-F238E27FC236}">
-                <a16:creationId xmlns:a16="http://schemas.microsoft.com/office/drawing/2014/main" id="{467EC350-A60A-4878-AC10-60F565A47FFA}"/>
-              </a:ext>
-            </a:extLst>
-          </p:cNvPr>
-          <p:cNvSpPr/>
-          <p:nvPr/>
-        </p:nvSpPr>
-        <p:spPr>
-          <a:xfrm>
-            <a:off x="4953000" y="5975263"/>
-            <a:ext cx="283335" cy="283335"/>
-          </a:xfrm>
-          <a:prstGeom prst="ellipse">
-            <a:avLst/>
-          </a:prstGeom>
-          <a:noFill/>
-          <a:ln>
+        </p:grpSpPr>
+        <p:cxnSp>
+          <p:nvCxnSpPr>
+            <p:cNvPr id="22" name="Straight Connector 21">
+              <a:extLst>
+                <a:ext uri="{FF2B5EF4-FFF2-40B4-BE49-F238E27FC236}">
+                  <a16:creationId xmlns:a16="http://schemas.microsoft.com/office/drawing/2014/main" id="{3CB1662A-2056-4892-96BE-60D28F662125}"/>
+                </a:ext>
+              </a:extLst>
+            </p:cNvPr>
+            <p:cNvCxnSpPr/>
+            <p:nvPr/>
+          </p:nvCxnSpPr>
+          <p:spPr>
+            <a:xfrm>
+              <a:off x="5840612" y="6400273"/>
+              <a:ext cx="0" cy="0"/>
+            </a:xfrm>
+            <a:prstGeom prst="line">
+              <a:avLst/>
+            </a:prstGeom>
+            <a:grpFill/>
+          </p:spPr>
+          <p:style>
+            <a:lnRef idx="1">
+              <a:schemeClr val="accent1"/>
+            </a:lnRef>
+            <a:fillRef idx="0">
+              <a:schemeClr val="accent1"/>
+            </a:fillRef>
+            <a:effectRef idx="0">
+              <a:schemeClr val="accent1"/>
+            </a:effectRef>
+            <a:fontRef idx="minor">
+              <a:schemeClr val="tx1"/>
+            </a:fontRef>
+          </p:style>
+        </p:cxnSp>
+        <p:sp>
+          <p:nvSpPr>
+            <p:cNvPr id="23" name="Oval 19">
+              <a:extLst>
+                <a:ext uri="{FF2B5EF4-FFF2-40B4-BE49-F238E27FC236}">
+                  <a16:creationId xmlns:a16="http://schemas.microsoft.com/office/drawing/2014/main" id="{78B655E1-1E74-459A-B1D5-D1194E5F039F}"/>
+                </a:ext>
+              </a:extLst>
+            </p:cNvPr>
+            <p:cNvSpPr/>
+            <p:nvPr/>
+          </p:nvSpPr>
+          <p:spPr>
+            <a:xfrm>
+              <a:off x="5620555" y="5975263"/>
+              <a:ext cx="283335" cy="283335"/>
+            </a:xfrm>
+            <a:prstGeom prst="ellipse">
+              <a:avLst/>
+            </a:prstGeom>
+            <a:grpFill/>
+            <a:ln>
+              <a:solidFill>
+                <a:schemeClr val="bg1"/>
+              </a:solidFill>
+            </a:ln>
+            <a:effectLst>
+              <a:outerShdw blurRad="50800" dist="38100" dir="2700000" algn="tl" rotWithShape="0">
+                <a:prstClr val="black">
+                  <a:alpha val="40000"/>
+                </a:prstClr>
+              </a:outerShdw>
+            </a:effectLst>
+          </p:spPr>
+          <p:style>
+            <a:lnRef idx="2">
+              <a:schemeClr val="accent1">
+                <a:shade val="50000"/>
+              </a:schemeClr>
+            </a:lnRef>
+            <a:fillRef idx="1">
+              <a:schemeClr val="accent1"/>
+            </a:fillRef>
+            <a:effectRef idx="0">
+              <a:schemeClr val="accent1"/>
+            </a:effectRef>
+            <a:fontRef idx="minor">
+              <a:schemeClr val="lt1"/>
+            </a:fontRef>
+          </p:style>
+          <p:txBody>
+            <a:bodyPr rtlCol="0" anchor="ctr"/>
+            <a:lstStyle/>
+            <a:p>
+              <a:pPr algn="ctr"/>
+              <a:endParaRPr lang="en-US"/>
+            </a:p>
+          </p:txBody>
+        </p:sp>
+        <p:sp>
+          <p:nvSpPr>
+            <p:cNvPr id="24" name="Oval 20">
+              <a:extLst>
+                <a:ext uri="{FF2B5EF4-FFF2-40B4-BE49-F238E27FC236}">
+                  <a16:creationId xmlns:a16="http://schemas.microsoft.com/office/drawing/2014/main" id="{752093DD-5D37-4115-B172-77F45043D46B}"/>
+                </a:ext>
+              </a:extLst>
+            </p:cNvPr>
+            <p:cNvSpPr/>
+            <p:nvPr/>
+          </p:nvSpPr>
+          <p:spPr>
+            <a:xfrm>
+              <a:off x="6288110" y="5975262"/>
+              <a:ext cx="283335" cy="283335"/>
+            </a:xfrm>
+            <a:prstGeom prst="ellipse">
+              <a:avLst/>
+            </a:prstGeom>
+            <a:grpFill/>
+            <a:ln>
+              <a:solidFill>
+                <a:schemeClr val="bg1"/>
+              </a:solidFill>
+            </a:ln>
+            <a:effectLst>
+              <a:outerShdw blurRad="50800" dist="38100" dir="2700000" algn="tl" rotWithShape="0">
+                <a:prstClr val="black">
+                  <a:alpha val="40000"/>
+                </a:prstClr>
+              </a:outerShdw>
+            </a:effectLst>
+          </p:spPr>
+          <p:style>
+            <a:lnRef idx="2">
+              <a:schemeClr val="accent1">
+                <a:shade val="50000"/>
+              </a:schemeClr>
+            </a:lnRef>
+            <a:fillRef idx="1">
+              <a:schemeClr val="accent1"/>
+            </a:fillRef>
+            <a:effectRef idx="0">
+              <a:schemeClr val="accent1"/>
+            </a:effectRef>
+            <a:fontRef idx="minor">
+              <a:schemeClr val="lt1"/>
+            </a:fontRef>
+          </p:style>
+          <p:txBody>
+            <a:bodyPr rtlCol="0" anchor="ctr"/>
+            <a:lstStyle/>
+            <a:p>
+              <a:pPr algn="ctr"/>
+              <a:endParaRPr lang="en-US"/>
+            </a:p>
+          </p:txBody>
+        </p:sp>
+        <p:cxnSp>
+          <p:nvCxnSpPr>
+            <p:cNvPr id="25" name="Straight Connector 22">
+              <a:extLst>
+                <a:ext uri="{FF2B5EF4-FFF2-40B4-BE49-F238E27FC236}">
+                  <a16:creationId xmlns:a16="http://schemas.microsoft.com/office/drawing/2014/main" id="{07509757-0BC2-4F1C-B9D2-EC44903770A0}"/>
+                </a:ext>
+              </a:extLst>
+            </p:cNvPr>
+            <p:cNvCxnSpPr>
+              <a:stCxn id="23" idx="6"/>
+              <a:endCxn id="24" idx="2"/>
+            </p:cNvCxnSpPr>
+            <p:nvPr/>
+          </p:nvCxnSpPr>
+          <p:spPr>
+            <a:xfrm flipV="1">
+              <a:off x="5903890" y="6116929"/>
+              <a:ext cx="384220" cy="0"/>
+            </a:xfrm>
+            <a:prstGeom prst="line">
+              <a:avLst/>
+            </a:prstGeom>
+            <a:grpFill/>
+            <a:ln>
+              <a:solidFill>
+                <a:schemeClr val="bg1"/>
+              </a:solidFill>
+            </a:ln>
+          </p:spPr>
+          <p:style>
+            <a:lnRef idx="2">
+              <a:schemeClr val="dk1"/>
+            </a:lnRef>
+            <a:fillRef idx="0">
+              <a:schemeClr val="dk1"/>
+            </a:fillRef>
+            <a:effectRef idx="1">
+              <a:schemeClr val="dk1"/>
+            </a:effectRef>
+            <a:fontRef idx="minor">
+              <a:schemeClr val="tx1"/>
+            </a:fontRef>
+          </p:style>
+        </p:cxnSp>
+        <p:sp>
+          <p:nvSpPr>
+            <p:cNvPr id="26" name="Oval 23">
+              <a:extLst>
+                <a:ext uri="{FF2B5EF4-FFF2-40B4-BE49-F238E27FC236}">
+                  <a16:creationId xmlns:a16="http://schemas.microsoft.com/office/drawing/2014/main" id="{225C53D1-6CA1-4B8A-972D-2EAA92AB4001}"/>
+                </a:ext>
+              </a:extLst>
+            </p:cNvPr>
+            <p:cNvSpPr/>
+            <p:nvPr/>
+          </p:nvSpPr>
+          <p:spPr>
+            <a:xfrm>
+              <a:off x="6955665" y="5975261"/>
+              <a:ext cx="283335" cy="283335"/>
+            </a:xfrm>
+            <a:prstGeom prst="ellipse">
+              <a:avLst/>
+            </a:prstGeom>
+            <a:grpFill/>
+            <a:ln>
+              <a:solidFill>
+                <a:schemeClr val="bg1"/>
+              </a:solidFill>
+            </a:ln>
+            <a:effectLst>
+              <a:outerShdw blurRad="50800" dist="38100" dir="2700000" algn="tl" rotWithShape="0">
+                <a:prstClr val="black">
+                  <a:alpha val="40000"/>
+                </a:prstClr>
+              </a:outerShdw>
+            </a:effectLst>
+          </p:spPr>
+          <p:style>
+            <a:lnRef idx="2">
+              <a:schemeClr val="accent1">
+                <a:shade val="50000"/>
+              </a:schemeClr>
+            </a:lnRef>
+            <a:fillRef idx="1">
+              <a:schemeClr val="accent1"/>
+            </a:fillRef>
+            <a:effectRef idx="0">
+              <a:schemeClr val="accent1"/>
+            </a:effectRef>
+            <a:fontRef idx="minor">
+              <a:schemeClr val="lt1"/>
+            </a:fontRef>
+          </p:style>
+          <p:txBody>
+            <a:bodyPr rtlCol="0" anchor="ctr"/>
+            <a:lstStyle/>
+            <a:p>
+              <a:pPr algn="ctr"/>
+              <a:endParaRPr lang="en-US" dirty="0"/>
+            </a:p>
+          </p:txBody>
+        </p:sp>
+        <p:cxnSp>
+          <p:nvCxnSpPr>
+            <p:cNvPr id="27" name="Straight Connector 24">
+              <a:extLst>
+                <a:ext uri="{FF2B5EF4-FFF2-40B4-BE49-F238E27FC236}">
+                  <a16:creationId xmlns:a16="http://schemas.microsoft.com/office/drawing/2014/main" id="{2A18889B-47F9-450C-B115-489961F12F31}"/>
+                </a:ext>
+              </a:extLst>
+            </p:cNvPr>
+            <p:cNvCxnSpPr>
+              <a:endCxn id="26" idx="2"/>
+            </p:cNvCxnSpPr>
+            <p:nvPr/>
+          </p:nvCxnSpPr>
+          <p:spPr>
+            <a:xfrm flipV="1">
+              <a:off x="6571445" y="6116928"/>
+              <a:ext cx="384220" cy="0"/>
+            </a:xfrm>
+            <a:prstGeom prst="line">
+              <a:avLst/>
+            </a:prstGeom>
+            <a:grpFill/>
+            <a:ln>
+              <a:solidFill>
+                <a:schemeClr val="bg1"/>
+              </a:solidFill>
+            </a:ln>
+          </p:spPr>
+          <p:style>
+            <a:lnRef idx="2">
+              <a:schemeClr val="dk1"/>
+            </a:lnRef>
+            <a:fillRef idx="0">
+              <a:schemeClr val="dk1"/>
+            </a:fillRef>
+            <a:effectRef idx="1">
+              <a:schemeClr val="dk1"/>
+            </a:effectRef>
+            <a:fontRef idx="minor">
+              <a:schemeClr val="tx1"/>
+            </a:fontRef>
+          </p:style>
+        </p:cxnSp>
+        <p:sp>
+          <p:nvSpPr>
+            <p:cNvPr id="28" name="Oval 11">
+              <a:extLst>
+                <a:ext uri="{FF2B5EF4-FFF2-40B4-BE49-F238E27FC236}">
+                  <a16:creationId xmlns:a16="http://schemas.microsoft.com/office/drawing/2014/main" id="{3D0C18DB-14BC-49F5-B576-2A793A140EAB}"/>
+                </a:ext>
+              </a:extLst>
+            </p:cNvPr>
+            <p:cNvSpPr/>
+            <p:nvPr/>
+          </p:nvSpPr>
+          <p:spPr>
+            <a:xfrm>
+              <a:off x="4953000" y="5985995"/>
+              <a:ext cx="283335" cy="283335"/>
+            </a:xfrm>
+            <a:prstGeom prst="ellipse">
+              <a:avLst/>
+            </a:prstGeom>
+            <a:grpFill/>
+            <a:ln>
+              <a:solidFill>
+                <a:schemeClr val="bg1"/>
+              </a:solidFill>
+            </a:ln>
+            <a:effectLst>
+              <a:outerShdw blurRad="50800" dist="38100" dir="2700000" algn="tl" rotWithShape="0">
+                <a:prstClr val="black">
+                  <a:alpha val="40000"/>
+                </a:prstClr>
+              </a:outerShdw>
+            </a:effectLst>
+          </p:spPr>
+          <p:style>
+            <a:lnRef idx="2">
+              <a:schemeClr val="accent1">
+                <a:shade val="50000"/>
+              </a:schemeClr>
+            </a:lnRef>
+            <a:fillRef idx="1">
+              <a:schemeClr val="accent1"/>
+            </a:fillRef>
+            <a:effectRef idx="0">
+              <a:schemeClr val="accent1"/>
+            </a:effectRef>
+            <a:fontRef idx="minor">
+              <a:schemeClr val="lt1"/>
+            </a:fontRef>
+          </p:style>
+          <p:txBody>
+            <a:bodyPr rtlCol="0" anchor="ctr"/>
+            <a:lstStyle/>
+            <a:p>
+              <a:pPr algn="ctr"/>
+              <a:endParaRPr lang="en-US"/>
+            </a:p>
+          </p:txBody>
+        </p:sp>
+        <p:cxnSp>
+          <p:nvCxnSpPr>
+            <p:cNvPr id="29" name="Straight Connector 16">
+              <a:extLst>
+                <a:ext uri="{FF2B5EF4-FFF2-40B4-BE49-F238E27FC236}">
+                  <a16:creationId xmlns:a16="http://schemas.microsoft.com/office/drawing/2014/main" id="{9261FF12-2D49-48AF-A796-A7325344A0B4}"/>
+                </a:ext>
+              </a:extLst>
+            </p:cNvPr>
+            <p:cNvCxnSpPr/>
+            <p:nvPr/>
+          </p:nvCxnSpPr>
+          <p:spPr>
+            <a:xfrm flipV="1">
+              <a:off x="5236335" y="6127662"/>
+              <a:ext cx="384220" cy="0"/>
+            </a:xfrm>
+            <a:prstGeom prst="line">
+              <a:avLst/>
+            </a:prstGeom>
+            <a:grpFill/>
+            <a:ln>
+              <a:solidFill>
+                <a:schemeClr val="bg1"/>
+              </a:solidFill>
+            </a:ln>
+          </p:spPr>
+          <p:style>
+            <a:lnRef idx="2">
+              <a:schemeClr val="dk1"/>
+            </a:lnRef>
+            <a:fillRef idx="0">
+              <a:schemeClr val="dk1"/>
+            </a:fillRef>
+            <a:effectRef idx="1">
+              <a:schemeClr val="dk1"/>
+            </a:effectRef>
+            <a:fontRef idx="minor">
+              <a:schemeClr val="tx1"/>
+            </a:fontRef>
+          </p:style>
+        </p:cxnSp>
+        <p:sp>
+          <p:nvSpPr>
+            <p:cNvPr id="30" name="Oval 23">
+              <a:extLst>
+                <a:ext uri="{FF2B5EF4-FFF2-40B4-BE49-F238E27FC236}">
+                  <a16:creationId xmlns:a16="http://schemas.microsoft.com/office/drawing/2014/main" id="{1FBE8608-2E00-4AFD-86B8-35BD1720028F}"/>
+                </a:ext>
+              </a:extLst>
+            </p:cNvPr>
+            <p:cNvSpPr/>
+            <p:nvPr/>
+          </p:nvSpPr>
+          <p:spPr>
+            <a:xfrm>
+              <a:off x="7623220" y="5994398"/>
+              <a:ext cx="283335" cy="283335"/>
+            </a:xfrm>
+            <a:prstGeom prst="ellipse">
+              <a:avLst/>
+            </a:prstGeom>
             <a:solidFill>
               <a:schemeClr val="bg1"/>
             </a:solidFill>
-          </a:ln>
-          <a:effectLst>
-            <a:outerShdw blurRad="50800" dist="38100" dir="2700000" algn="tl" rotWithShape="0">
-              <a:prstClr val="black">
-                <a:alpha val="40000"/>
-              </a:prstClr>
-            </a:outerShdw>
-          </a:effectLst>
-        </p:spPr>
-        <p:style>
-          <a:lnRef idx="2">
-            <a:schemeClr val="accent1">
-              <a:shade val="50000"/>
-            </a:schemeClr>
-          </a:lnRef>
-          <a:fillRef idx="1">
-            <a:schemeClr val="accent1"/>
-          </a:fillRef>
-          <a:effectRef idx="0">
-            <a:schemeClr val="accent1"/>
-          </a:effectRef>
-          <a:fontRef idx="minor">
-            <a:schemeClr val="lt1"/>
-          </a:fontRef>
-        </p:style>
-        <p:txBody>
-          <a:bodyPr rtlCol="0" anchor="ctr"/>
-          <a:lstStyle/>
-          <a:p>
-            <a:pPr algn="ctr"/>
-            <a:endParaRPr lang="en-US"/>
-          </a:p>
-        </p:txBody>
-      </p:sp>
-      <p:sp>
-        <p:nvSpPr>
-          <p:cNvPr id="24" name="Oval 20">
-            <a:extLst>
-              <a:ext uri="{FF2B5EF4-FFF2-40B4-BE49-F238E27FC236}">
-                <a16:creationId xmlns:a16="http://schemas.microsoft.com/office/drawing/2014/main" id="{913AC283-2856-4C45-9D97-71F0602BF6C3}"/>
-              </a:ext>
-            </a:extLst>
-          </p:cNvPr>
-          <p:cNvSpPr/>
-          <p:nvPr/>
-        </p:nvSpPr>
-        <p:spPr>
-          <a:xfrm>
-            <a:off x="5620555" y="5975262"/>
-            <a:ext cx="283335" cy="283335"/>
-          </a:xfrm>
-          <a:prstGeom prst="ellipse">
-            <a:avLst/>
-          </a:prstGeom>
-          <a:noFill/>
-          <a:ln>
-            <a:solidFill>
-              <a:schemeClr val="bg1"/>
-            </a:solidFill>
-          </a:ln>
-          <a:effectLst>
-            <a:outerShdw blurRad="50800" dist="38100" dir="2700000" algn="tl" rotWithShape="0">
-              <a:prstClr val="black">
-                <a:alpha val="40000"/>
-              </a:prstClr>
-            </a:outerShdw>
-          </a:effectLst>
-        </p:spPr>
-        <p:style>
-          <a:lnRef idx="2">
-            <a:schemeClr val="accent1">
-              <a:shade val="50000"/>
-            </a:schemeClr>
-          </a:lnRef>
-          <a:fillRef idx="1">
-            <a:schemeClr val="accent1"/>
-          </a:fillRef>
-          <a:effectRef idx="0">
-            <a:schemeClr val="accent1"/>
-          </a:effectRef>
-          <a:fontRef idx="minor">
-            <a:schemeClr val="lt1"/>
-          </a:fontRef>
-        </p:style>
-        <p:txBody>
-          <a:bodyPr rtlCol="0" anchor="ctr"/>
-          <a:lstStyle/>
-          <a:p>
-            <a:pPr algn="ctr"/>
-            <a:endParaRPr lang="en-US"/>
-          </a:p>
-        </p:txBody>
-      </p:sp>
-      <p:cxnSp>
-        <p:nvCxnSpPr>
-          <p:cNvPr id="25" name="Straight Connector 22">
-            <a:extLst>
-              <a:ext uri="{FF2B5EF4-FFF2-40B4-BE49-F238E27FC236}">
-                <a16:creationId xmlns:a16="http://schemas.microsoft.com/office/drawing/2014/main" id="{AB5D4995-9044-41A5-98E9-C4959BF2C6BA}"/>
-              </a:ext>
-            </a:extLst>
-          </p:cNvPr>
-          <p:cNvCxnSpPr>
-            <a:stCxn id="23" idx="6"/>
-            <a:endCxn id="24" idx="2"/>
-          </p:cNvCxnSpPr>
-          <p:nvPr/>
-        </p:nvCxnSpPr>
-        <p:spPr>
-          <a:xfrm flipV="1">
-            <a:off x="5236335" y="6116929"/>
-            <a:ext cx="384220" cy="0"/>
-          </a:xfrm>
-          <a:prstGeom prst="line">
-            <a:avLst/>
-          </a:prstGeom>
-          <a:noFill/>
-          <a:ln>
-            <a:solidFill>
-              <a:schemeClr val="bg1"/>
-            </a:solidFill>
-          </a:ln>
-        </p:spPr>
-        <p:style>
-          <a:lnRef idx="2">
-            <a:schemeClr val="dk1"/>
-          </a:lnRef>
-          <a:fillRef idx="0">
-            <a:schemeClr val="dk1"/>
-          </a:fillRef>
-          <a:effectRef idx="1">
-            <a:schemeClr val="dk1"/>
-          </a:effectRef>
-          <a:fontRef idx="minor">
-            <a:schemeClr val="tx1"/>
-          </a:fontRef>
-        </p:style>
-      </p:cxnSp>
-      <p:sp>
-        <p:nvSpPr>
-          <p:cNvPr id="26" name="Oval 23">
-            <a:extLst>
-              <a:ext uri="{FF2B5EF4-FFF2-40B4-BE49-F238E27FC236}">
-                <a16:creationId xmlns:a16="http://schemas.microsoft.com/office/drawing/2014/main" id="{9EAF93CA-6E3C-4E85-9B7F-0E20AC077B3E}"/>
-              </a:ext>
-            </a:extLst>
-          </p:cNvPr>
-          <p:cNvSpPr/>
-          <p:nvPr/>
-        </p:nvSpPr>
-        <p:spPr>
-          <a:xfrm>
-            <a:off x="6288110" y="5975261"/>
-            <a:ext cx="283335" cy="283335"/>
-          </a:xfrm>
-          <a:prstGeom prst="ellipse">
-            <a:avLst/>
-          </a:prstGeom>
-          <a:noFill/>
-          <a:ln>
-            <a:solidFill>
-              <a:schemeClr val="bg1"/>
-            </a:solidFill>
-          </a:ln>
-          <a:effectLst>
-            <a:outerShdw blurRad="50800" dist="38100" dir="2700000" algn="tl" rotWithShape="0">
-              <a:prstClr val="black">
-                <a:alpha val="40000"/>
-              </a:prstClr>
-            </a:outerShdw>
-          </a:effectLst>
-        </p:spPr>
-        <p:style>
-          <a:lnRef idx="2">
-            <a:schemeClr val="accent1">
-              <a:shade val="50000"/>
-            </a:schemeClr>
-          </a:lnRef>
-          <a:fillRef idx="1">
-            <a:schemeClr val="accent1"/>
-          </a:fillRef>
-          <a:effectRef idx="0">
-            <a:schemeClr val="accent1"/>
-          </a:effectRef>
-          <a:fontRef idx="minor">
-            <a:schemeClr val="lt1"/>
-          </a:fontRef>
-        </p:style>
-        <p:txBody>
-          <a:bodyPr rtlCol="0" anchor="ctr"/>
-          <a:lstStyle/>
-          <a:p>
-            <a:pPr algn="ctr"/>
-            <a:endParaRPr lang="en-US" dirty="0"/>
-          </a:p>
-        </p:txBody>
-      </p:sp>
-      <p:cxnSp>
-        <p:nvCxnSpPr>
-          <p:cNvPr id="27" name="Straight Connector 24">
-            <a:extLst>
-              <a:ext uri="{FF2B5EF4-FFF2-40B4-BE49-F238E27FC236}">
-                <a16:creationId xmlns:a16="http://schemas.microsoft.com/office/drawing/2014/main" id="{28F712E7-7DD9-45D4-B9D8-82B491A42EC4}"/>
-              </a:ext>
-            </a:extLst>
-          </p:cNvPr>
-          <p:cNvCxnSpPr>
-            <a:endCxn id="26" idx="2"/>
-          </p:cNvCxnSpPr>
-          <p:nvPr/>
-        </p:nvCxnSpPr>
-        <p:spPr>
-          <a:xfrm flipV="1">
-            <a:off x="5903890" y="6116928"/>
-            <a:ext cx="384220" cy="0"/>
-          </a:xfrm>
-          <a:prstGeom prst="line">
-            <a:avLst/>
-          </a:prstGeom>
-          <a:noFill/>
-          <a:ln>
-            <a:solidFill>
-              <a:schemeClr val="bg1"/>
-            </a:solidFill>
-          </a:ln>
-        </p:spPr>
-        <p:style>
-          <a:lnRef idx="2">
-            <a:schemeClr val="dk1"/>
-          </a:lnRef>
-          <a:fillRef idx="0">
-            <a:schemeClr val="dk1"/>
-          </a:fillRef>
-          <a:effectRef idx="1">
-            <a:schemeClr val="dk1"/>
-          </a:effectRef>
-          <a:fontRef idx="minor">
-            <a:schemeClr val="tx1"/>
-          </a:fontRef>
-        </p:style>
-      </p:cxnSp>
-      <p:sp>
-        <p:nvSpPr>
-          <p:cNvPr id="28" name="Oval 11">
-            <a:extLst>
-              <a:ext uri="{FF2B5EF4-FFF2-40B4-BE49-F238E27FC236}">
-                <a16:creationId xmlns:a16="http://schemas.microsoft.com/office/drawing/2014/main" id="{9655ED37-BD3F-4598-B7EC-8FD035098E49}"/>
-              </a:ext>
-            </a:extLst>
-          </p:cNvPr>
-          <p:cNvSpPr/>
-          <p:nvPr/>
-        </p:nvSpPr>
-        <p:spPr>
-          <a:xfrm>
-            <a:off x="4285445" y="5985995"/>
-            <a:ext cx="283335" cy="283335"/>
-          </a:xfrm>
-          <a:prstGeom prst="ellipse">
-            <a:avLst/>
-          </a:prstGeom>
-          <a:noFill/>
-          <a:ln>
-            <a:solidFill>
-              <a:schemeClr val="bg1"/>
-            </a:solidFill>
-          </a:ln>
-          <a:effectLst>
-            <a:outerShdw blurRad="50800" dist="38100" dir="2700000" algn="tl" rotWithShape="0">
-              <a:prstClr val="black">
-                <a:alpha val="40000"/>
-              </a:prstClr>
-            </a:outerShdw>
-          </a:effectLst>
-        </p:spPr>
-        <p:style>
-          <a:lnRef idx="2">
-            <a:schemeClr val="accent1">
-              <a:shade val="50000"/>
-            </a:schemeClr>
-          </a:lnRef>
-          <a:fillRef idx="1">
-            <a:schemeClr val="accent1"/>
-          </a:fillRef>
-          <a:effectRef idx="0">
-            <a:schemeClr val="accent1"/>
-          </a:effectRef>
-          <a:fontRef idx="minor">
-            <a:schemeClr val="lt1"/>
-          </a:fontRef>
-        </p:style>
-        <p:txBody>
-          <a:bodyPr rtlCol="0" anchor="ctr"/>
-          <a:lstStyle/>
-          <a:p>
-            <a:pPr algn="ctr"/>
-            <a:endParaRPr lang="en-US"/>
-          </a:p>
-        </p:txBody>
-      </p:sp>
-      <p:cxnSp>
-        <p:nvCxnSpPr>
-          <p:cNvPr id="29" name="Straight Connector 16">
-            <a:extLst>
-              <a:ext uri="{FF2B5EF4-FFF2-40B4-BE49-F238E27FC236}">
-                <a16:creationId xmlns:a16="http://schemas.microsoft.com/office/drawing/2014/main" id="{3E5BD531-AA15-464A-8E37-EB91788BA1D5}"/>
-              </a:ext>
-            </a:extLst>
-          </p:cNvPr>
-          <p:cNvCxnSpPr/>
-          <p:nvPr/>
-        </p:nvCxnSpPr>
-        <p:spPr>
-          <a:xfrm flipV="1">
-            <a:off x="4568780" y="6127662"/>
-            <a:ext cx="384220" cy="0"/>
-          </a:xfrm>
-          <a:prstGeom prst="line">
-            <a:avLst/>
-          </a:prstGeom>
-          <a:noFill/>
-          <a:ln>
-            <a:solidFill>
-              <a:schemeClr val="bg1"/>
-            </a:solidFill>
-          </a:ln>
-        </p:spPr>
-        <p:style>
-          <a:lnRef idx="2">
-            <a:schemeClr val="dk1"/>
-          </a:lnRef>
-          <a:fillRef idx="0">
-            <a:schemeClr val="dk1"/>
-          </a:fillRef>
-          <a:effectRef idx="1">
-            <a:schemeClr val="dk1"/>
-          </a:effectRef>
-          <a:fontRef idx="minor">
-            <a:schemeClr val="tx1"/>
-          </a:fontRef>
-        </p:style>
-      </p:cxnSp>
-      <p:sp>
-        <p:nvSpPr>
-          <p:cNvPr id="30" name="Oval 23">
-            <a:extLst>
-              <a:ext uri="{FF2B5EF4-FFF2-40B4-BE49-F238E27FC236}">
-                <a16:creationId xmlns:a16="http://schemas.microsoft.com/office/drawing/2014/main" id="{95496252-57C0-4F72-A023-90AB21EA19A7}"/>
-              </a:ext>
-            </a:extLst>
-          </p:cNvPr>
-          <p:cNvSpPr/>
-          <p:nvPr/>
-        </p:nvSpPr>
-        <p:spPr>
-          <a:xfrm>
-            <a:off x="6955665" y="5994398"/>
-            <a:ext cx="283335" cy="283335"/>
-          </a:xfrm>
-          <a:prstGeom prst="ellipse">
-            <a:avLst/>
-          </a:prstGeom>
-          <a:noFill/>
-          <a:ln>
-            <a:solidFill>
-              <a:schemeClr val="bg1"/>
-            </a:solidFill>
-          </a:ln>
-          <a:effectLst>
-            <a:outerShdw blurRad="50800" dist="38100" dir="2700000" algn="tl" rotWithShape="0">
-              <a:prstClr val="black">
-                <a:alpha val="40000"/>
-              </a:prstClr>
-            </a:outerShdw>
-          </a:effectLst>
-        </p:spPr>
-        <p:style>
-          <a:lnRef idx="2">
-            <a:schemeClr val="accent1">
-              <a:shade val="50000"/>
-            </a:schemeClr>
-          </a:lnRef>
-          <a:fillRef idx="1">
-            <a:schemeClr val="accent1"/>
-          </a:fillRef>
-          <a:effectRef idx="0">
-            <a:schemeClr val="accent1"/>
-          </a:effectRef>
-          <a:fontRef idx="minor">
-            <a:schemeClr val="lt1"/>
-          </a:fontRef>
-        </p:style>
-        <p:txBody>
-          <a:bodyPr rtlCol="0" anchor="ctr"/>
-          <a:lstStyle/>
-          <a:p>
-            <a:pPr algn="ctr"/>
-            <a:endParaRPr lang="en-US"/>
-          </a:p>
-        </p:txBody>
-      </p:sp>
-      <p:cxnSp>
-        <p:nvCxnSpPr>
-          <p:cNvPr id="31" name="Straight Connector 24">
-            <a:extLst>
-              <a:ext uri="{FF2B5EF4-FFF2-40B4-BE49-F238E27FC236}">
-                <a16:creationId xmlns:a16="http://schemas.microsoft.com/office/drawing/2014/main" id="{E9E457C3-311D-49DF-8865-68E22DA5A9F2}"/>
-              </a:ext>
-            </a:extLst>
-          </p:cNvPr>
-          <p:cNvCxnSpPr>
-            <a:endCxn id="30" idx="2"/>
-          </p:cNvCxnSpPr>
-          <p:nvPr/>
-        </p:nvCxnSpPr>
-        <p:spPr>
-          <a:xfrm flipV="1">
-            <a:off x="6571445" y="6136065"/>
-            <a:ext cx="384220" cy="0"/>
-          </a:xfrm>
-          <a:prstGeom prst="line">
-            <a:avLst/>
-          </a:prstGeom>
-          <a:noFill/>
-          <a:ln>
-            <a:solidFill>
-              <a:schemeClr val="bg1"/>
-            </a:solidFill>
-          </a:ln>
-        </p:spPr>
-        <p:style>
-          <a:lnRef idx="2">
-            <a:schemeClr val="dk1"/>
-          </a:lnRef>
-          <a:fillRef idx="0">
-            <a:schemeClr val="dk1"/>
-          </a:fillRef>
-          <a:effectRef idx="1">
-            <a:schemeClr val="dk1"/>
-          </a:effectRef>
-          <a:fontRef idx="minor">
-            <a:schemeClr val="tx1"/>
-          </a:fontRef>
-        </p:style>
-      </p:cxnSp>
-      <p:sp>
-        <p:nvSpPr>
-          <p:cNvPr id="32" name="Oval 23">
-            <a:extLst>
-              <a:ext uri="{FF2B5EF4-FFF2-40B4-BE49-F238E27FC236}">
-                <a16:creationId xmlns:a16="http://schemas.microsoft.com/office/drawing/2014/main" id="{BCB9174A-E94D-4733-B998-DDBFAF2FE374}"/>
-              </a:ext>
-            </a:extLst>
-          </p:cNvPr>
-          <p:cNvSpPr/>
-          <p:nvPr/>
-        </p:nvSpPr>
-        <p:spPr>
-          <a:xfrm>
-            <a:off x="7623220" y="5989665"/>
-            <a:ext cx="283335" cy="283335"/>
-          </a:xfrm>
-          <a:prstGeom prst="ellipse">
-            <a:avLst/>
-          </a:prstGeom>
-          <a:solidFill>
-            <a:schemeClr val="bg1"/>
-          </a:solidFill>
-          <a:ln>
-            <a:solidFill>
-              <a:schemeClr val="bg1"/>
-            </a:solidFill>
-          </a:ln>
-          <a:effectLst>
-            <a:outerShdw blurRad="50800" dist="38100" dir="2700000" algn="tl" rotWithShape="0">
-              <a:prstClr val="black">
-                <a:alpha val="40000"/>
-              </a:prstClr>
-            </a:outerShdw>
-          </a:effectLst>
-        </p:spPr>
-        <p:style>
-          <a:lnRef idx="2">
-            <a:schemeClr val="accent1">
-              <a:shade val="50000"/>
-            </a:schemeClr>
-          </a:lnRef>
-          <a:fillRef idx="1">
-            <a:schemeClr val="accent1"/>
-          </a:fillRef>
-          <a:effectRef idx="0">
-            <a:schemeClr val="accent1"/>
-          </a:effectRef>
-          <a:fontRef idx="minor">
-            <a:schemeClr val="lt1"/>
-          </a:fontRef>
-        </p:style>
-        <p:txBody>
-          <a:bodyPr rtlCol="0" anchor="ctr"/>
-          <a:lstStyle/>
-          <a:p>
-            <a:pPr algn="ctr"/>
-            <a:endParaRPr lang="en-US"/>
-          </a:p>
-        </p:txBody>
-      </p:sp>
-      <p:cxnSp>
-        <p:nvCxnSpPr>
-          <p:cNvPr id="33" name="Straight Connector 24">
-            <a:extLst>
-              <a:ext uri="{FF2B5EF4-FFF2-40B4-BE49-F238E27FC236}">
-                <a16:creationId xmlns:a16="http://schemas.microsoft.com/office/drawing/2014/main" id="{39DC2D7D-C8DC-43D5-A751-397D5054362E}"/>
-              </a:ext>
-            </a:extLst>
-          </p:cNvPr>
-          <p:cNvCxnSpPr>
-            <a:endCxn id="32" idx="2"/>
-          </p:cNvCxnSpPr>
-          <p:nvPr/>
-        </p:nvCxnSpPr>
-        <p:spPr>
-          <a:xfrm flipV="1">
-            <a:off x="7239000" y="6131332"/>
-            <a:ext cx="384220" cy="0"/>
-          </a:xfrm>
-          <a:prstGeom prst="line">
-            <a:avLst/>
-          </a:prstGeom>
-          <a:noFill/>
-          <a:ln>
-            <a:solidFill>
-              <a:schemeClr val="bg1"/>
-            </a:solidFill>
-          </a:ln>
-        </p:spPr>
-        <p:style>
-          <a:lnRef idx="2">
-            <a:schemeClr val="dk1"/>
-          </a:lnRef>
-          <a:fillRef idx="0">
-            <a:schemeClr val="dk1"/>
-          </a:fillRef>
-          <a:effectRef idx="1">
-            <a:schemeClr val="dk1"/>
-          </a:effectRef>
-          <a:fontRef idx="minor">
-            <a:schemeClr val="tx1"/>
-          </a:fontRef>
-        </p:style>
-      </p:cxnSp>
-      <p:sp>
-        <p:nvSpPr>
-          <p:cNvPr id="20" name="TextBox 3">
-            <a:extLst>
-              <a:ext uri="{FF2B5EF4-FFF2-40B4-BE49-F238E27FC236}">
-                <a16:creationId xmlns:a16="http://schemas.microsoft.com/office/drawing/2014/main" id="{ED444C71-E46D-44D9-A44C-A00844439A2F}"/>
+            <a:ln>
+              <a:solidFill>
+                <a:schemeClr val="bg1"/>
+              </a:solidFill>
+            </a:ln>
+            <a:effectLst>
+              <a:outerShdw blurRad="50800" dist="38100" dir="2700000" algn="tl" rotWithShape="0">
+                <a:prstClr val="black">
+                  <a:alpha val="40000"/>
+                </a:prstClr>
+              </a:outerShdw>
+            </a:effectLst>
+          </p:spPr>
+          <p:style>
+            <a:lnRef idx="2">
+              <a:schemeClr val="accent1">
+                <a:shade val="50000"/>
+              </a:schemeClr>
+            </a:lnRef>
+            <a:fillRef idx="1">
+              <a:schemeClr val="accent1"/>
+            </a:fillRef>
+            <a:effectRef idx="0">
+              <a:schemeClr val="accent1"/>
+            </a:effectRef>
+            <a:fontRef idx="minor">
+              <a:schemeClr val="lt1"/>
+            </a:fontRef>
+          </p:style>
+          <p:txBody>
+            <a:bodyPr rtlCol="0" anchor="ctr"/>
+            <a:lstStyle/>
+            <a:p>
+              <a:pPr algn="ctr"/>
+              <a:endParaRPr lang="en-US"/>
+            </a:p>
+          </p:txBody>
+        </p:sp>
+        <p:cxnSp>
+          <p:nvCxnSpPr>
+            <p:cNvPr id="31" name="Straight Connector 24">
+              <a:extLst>
+                <a:ext uri="{FF2B5EF4-FFF2-40B4-BE49-F238E27FC236}">
+                  <a16:creationId xmlns:a16="http://schemas.microsoft.com/office/drawing/2014/main" id="{DDE9DA54-D249-4353-B4A0-10647C439F1D}"/>
+                </a:ext>
+              </a:extLst>
+            </p:cNvPr>
+            <p:cNvCxnSpPr>
+              <a:endCxn id="30" idx="2"/>
+            </p:cNvCxnSpPr>
+            <p:nvPr/>
+          </p:nvCxnSpPr>
+          <p:spPr>
+            <a:xfrm flipV="1">
+              <a:off x="7239000" y="6136065"/>
+              <a:ext cx="384220" cy="0"/>
+            </a:xfrm>
+            <a:prstGeom prst="line">
+              <a:avLst/>
+            </a:prstGeom>
+            <a:grpFill/>
+            <a:ln>
+              <a:solidFill>
+                <a:schemeClr val="bg1"/>
+              </a:solidFill>
+            </a:ln>
+          </p:spPr>
+          <p:style>
+            <a:lnRef idx="2">
+              <a:schemeClr val="dk1"/>
+            </a:lnRef>
+            <a:fillRef idx="0">
+              <a:schemeClr val="dk1"/>
+            </a:fillRef>
+            <a:effectRef idx="1">
+              <a:schemeClr val="dk1"/>
+            </a:effectRef>
+            <a:fontRef idx="minor">
+              <a:schemeClr val="tx1"/>
+            </a:fontRef>
+          </p:style>
+        </p:cxnSp>
+        <p:sp>
+          <p:nvSpPr>
+            <p:cNvPr id="32" name="Oval 23">
+              <a:extLst>
+                <a:ext uri="{FF2B5EF4-FFF2-40B4-BE49-F238E27FC236}">
+                  <a16:creationId xmlns:a16="http://schemas.microsoft.com/office/drawing/2014/main" id="{03F43125-F955-4C86-A9C6-0B33F4C3D5AC}"/>
+                </a:ext>
+              </a:extLst>
+            </p:cNvPr>
+            <p:cNvSpPr/>
+            <p:nvPr/>
+          </p:nvSpPr>
+          <p:spPr>
+            <a:xfrm>
+              <a:off x="8290775" y="5989665"/>
+              <a:ext cx="283335" cy="283335"/>
+            </a:xfrm>
+            <a:prstGeom prst="ellipse">
+              <a:avLst/>
+            </a:prstGeom>
+            <a:grpFill/>
+            <a:ln>
+              <a:solidFill>
+                <a:schemeClr val="bg1"/>
+              </a:solidFill>
+            </a:ln>
+            <a:effectLst>
+              <a:outerShdw blurRad="50800" dist="38100" dir="2700000" algn="tl" rotWithShape="0">
+                <a:prstClr val="black">
+                  <a:alpha val="40000"/>
+                </a:prstClr>
+              </a:outerShdw>
+            </a:effectLst>
+          </p:spPr>
+          <p:style>
+            <a:lnRef idx="2">
+              <a:schemeClr val="accent1">
+                <a:shade val="50000"/>
+              </a:schemeClr>
+            </a:lnRef>
+            <a:fillRef idx="1">
+              <a:schemeClr val="accent1"/>
+            </a:fillRef>
+            <a:effectRef idx="0">
+              <a:schemeClr val="accent1"/>
+            </a:effectRef>
+            <a:fontRef idx="minor">
+              <a:schemeClr val="lt1"/>
+            </a:fontRef>
+          </p:style>
+          <p:txBody>
+            <a:bodyPr rtlCol="0" anchor="ctr"/>
+            <a:lstStyle/>
+            <a:p>
+              <a:pPr algn="ctr"/>
+              <a:endParaRPr lang="en-US"/>
+            </a:p>
+          </p:txBody>
+        </p:sp>
+        <p:cxnSp>
+          <p:nvCxnSpPr>
+            <p:cNvPr id="33" name="Straight Connector 24">
+              <a:extLst>
+                <a:ext uri="{FF2B5EF4-FFF2-40B4-BE49-F238E27FC236}">
+                  <a16:creationId xmlns:a16="http://schemas.microsoft.com/office/drawing/2014/main" id="{BCFC3266-D230-4FCB-9574-D7C19799489A}"/>
+                </a:ext>
+              </a:extLst>
+            </p:cNvPr>
+            <p:cNvCxnSpPr>
+              <a:endCxn id="32" idx="2"/>
+            </p:cNvCxnSpPr>
+            <p:nvPr/>
+          </p:nvCxnSpPr>
+          <p:spPr>
+            <a:xfrm flipV="1">
+              <a:off x="7906555" y="6131332"/>
+              <a:ext cx="384220" cy="0"/>
+            </a:xfrm>
+            <a:prstGeom prst="line">
+              <a:avLst/>
+            </a:prstGeom>
+            <a:grpFill/>
+            <a:ln>
+              <a:solidFill>
+                <a:schemeClr val="bg1"/>
+              </a:solidFill>
+            </a:ln>
+          </p:spPr>
+          <p:style>
+            <a:lnRef idx="2">
+              <a:schemeClr val="dk1"/>
+            </a:lnRef>
+            <a:fillRef idx="0">
+              <a:schemeClr val="dk1"/>
+            </a:fillRef>
+            <a:effectRef idx="1">
+              <a:schemeClr val="dk1"/>
+            </a:effectRef>
+            <a:fontRef idx="minor">
+              <a:schemeClr val="tx1"/>
+            </a:fontRef>
+          </p:style>
+        </p:cxnSp>
+      </p:grpSp>
+      <p:sp>
+        <p:nvSpPr>
+          <p:cNvPr id="34" name="TextBox 3">
+            <a:extLst>
+              <a:ext uri="{FF2B5EF4-FFF2-40B4-BE49-F238E27FC236}">
+                <a16:creationId xmlns:a16="http://schemas.microsoft.com/office/drawing/2014/main" id="{4D97EDE0-20B6-470D-A1EC-704015E5FC78}"/>
               </a:ext>
             </a:extLst>
           </p:cNvPr>
@@ -40927,7 +41078,7 @@
     </p:spTree>
     <p:extLst>
       <p:ext uri="{BB962C8B-B14F-4D97-AF65-F5344CB8AC3E}">
-        <p14:creationId xmlns:p14="http://schemas.microsoft.com/office/powerpoint/2010/main" val="4143129589"/>
+        <p14:creationId xmlns:p14="http://schemas.microsoft.com/office/powerpoint/2010/main" val="509447796"/>
       </p:ext>
     </p:extLst>
   </p:cSld>
@@ -40954,6 +41105,52 @@
           <a:chExt cx="0" cy="0"/>
         </a:xfrm>
       </p:grpSpPr>
+      <p:pic>
+        <p:nvPicPr>
+          <p:cNvPr id="4" name="Image 3">
+            <a:extLst>
+              <a:ext uri="{FF2B5EF4-FFF2-40B4-BE49-F238E27FC236}">
+                <a16:creationId xmlns:a16="http://schemas.microsoft.com/office/drawing/2014/main" id="{728F47C4-1D8C-4753-B2F8-B970704ED7D8}"/>
+              </a:ext>
+            </a:extLst>
+          </p:cNvPr>
+          <p:cNvPicPr>
+            <a:picLocks noChangeAspect="1"/>
+          </p:cNvPicPr>
+          <p:nvPr/>
+        </p:nvPicPr>
+        <p:blipFill>
+          <a:blip r:embed="rId3">
+            <a:extLst>
+              <a:ext uri="{28A0092B-C50C-407E-A947-70E740481C1C}">
+                <a14:useLocalDpi xmlns:a14="http://schemas.microsoft.com/office/drawing/2010/main" val="0"/>
+              </a:ext>
+            </a:extLst>
+          </a:blip>
+          <a:stretch>
+            <a:fillRect/>
+          </a:stretch>
+        </p:blipFill>
+        <p:spPr>
+          <a:xfrm>
+            <a:off x="1399911" y="1261832"/>
+            <a:ext cx="8233474" cy="3293390"/>
+          </a:xfrm>
+          <a:prstGeom prst="rect">
+            <a:avLst/>
+          </a:prstGeom>
+          <a:ln>
+            <a:noFill/>
+          </a:ln>
+          <a:effectLst>
+            <a:outerShdw blurRad="292100" dist="139700" dir="2700000" algn="tl" rotWithShape="0">
+              <a:srgbClr val="333333">
+                <a:alpha val="65000"/>
+              </a:srgbClr>
+            </a:outerShdw>
+          </a:effectLst>
+        </p:spPr>
+      </p:pic>
       <p:sp>
         <p:nvSpPr>
           <p:cNvPr id="5" name="Rectangle 4">
@@ -41067,70 +41264,6 @@
       </p:sp>
       <p:sp>
         <p:nvSpPr>
-          <p:cNvPr id="10" name="Titre 1">
-            <a:extLst>
-              <a:ext uri="{FF2B5EF4-FFF2-40B4-BE49-F238E27FC236}">
-                <a16:creationId xmlns:a16="http://schemas.microsoft.com/office/drawing/2014/main" id="{224E5C7D-3656-459F-9C01-61200508167F}"/>
-              </a:ext>
-            </a:extLst>
-          </p:cNvPr>
-          <p:cNvSpPr txBox="1">
-            <a:spLocks/>
-          </p:cNvSpPr>
-          <p:nvPr/>
-        </p:nvSpPr>
-        <p:spPr>
-          <a:xfrm>
-            <a:off x="279918" y="432794"/>
-            <a:ext cx="11001492" cy="820048"/>
-          </a:xfrm>
-          <a:prstGeom prst="rect">
-            <a:avLst/>
-          </a:prstGeom>
-        </p:spPr>
-        <p:txBody>
-          <a:bodyPr vert="horz" lIns="91440" tIns="45720" rIns="91440" bIns="45720" rtlCol="0" anchor="ctr">
-            <a:normAutofit/>
-          </a:bodyPr>
-          <a:lstStyle>
-            <a:lvl1pPr algn="l" defTabSz="914400" rtl="0" eaLnBrk="1" latinLnBrk="0" hangingPunct="1">
-              <a:lnSpc>
-                <a:spcPct val="90000"/>
-              </a:lnSpc>
-              <a:spcBef>
-                <a:spcPct val="0"/>
-              </a:spcBef>
-              <a:buNone/>
-              <a:defRPr sz="4400" kern="1200">
-                <a:solidFill>
-                  <a:schemeClr val="tx1"/>
-                </a:solidFill>
-                <a:latin typeface="+mj-lt"/>
-                <a:ea typeface="+mj-ea"/>
-                <a:cs typeface="+mj-cs"/>
-              </a:defRPr>
-            </a:lvl1pPr>
-          </a:lstStyle>
-          <a:p>
-            <a:r>
-              <a:rPr lang="fr-FR" sz="4000" b="1" dirty="0">
-                <a:ln>
-                  <a:solidFill>
-                    <a:srgbClr val="7451EB"/>
-                  </a:solidFill>
-                </a:ln>
-                <a:solidFill>
-                  <a:srgbClr val="7451EB"/>
-                </a:solidFill>
-                <a:latin typeface="Google Sans"/>
-              </a:rPr>
-              <a:t>Les conclusions de la mission</a:t>
-            </a:r>
-          </a:p>
-        </p:txBody>
-      </p:sp>
-      <p:sp>
-        <p:nvSpPr>
           <p:cNvPr id="11" name="Rectángulo 4">
             <a:extLst>
               <a:ext uri="{FF2B5EF4-FFF2-40B4-BE49-F238E27FC236}">
@@ -41194,482 +41327,10 @@
       </p:sp>
       <p:sp>
         <p:nvSpPr>
-          <p:cNvPr id="7" name="ZoneTexte 6">
-            <a:extLst>
-              <a:ext uri="{FF2B5EF4-FFF2-40B4-BE49-F238E27FC236}">
-                <a16:creationId xmlns:a16="http://schemas.microsoft.com/office/drawing/2014/main" id="{76B79EDD-083C-4DEA-B579-B7304BDD18CF}"/>
-              </a:ext>
-            </a:extLst>
-          </p:cNvPr>
-          <p:cNvSpPr txBox="1"/>
-          <p:nvPr/>
-        </p:nvSpPr>
-        <p:spPr>
-          <a:xfrm>
-            <a:off x="844895" y="2478658"/>
-            <a:ext cx="10203406" cy="707886"/>
-          </a:xfrm>
-          <a:prstGeom prst="rect">
-            <a:avLst/>
-          </a:prstGeom>
-          <a:noFill/>
-        </p:spPr>
-        <p:txBody>
-          <a:bodyPr wrap="square">
-            <a:spAutoFit/>
-          </a:bodyPr>
-          <a:lstStyle/>
-          <a:p>
-            <a:r>
-              <a:rPr lang="fr-FR" sz="2000" dirty="0">
-                <a:latin typeface="Google Sans"/>
-              </a:rPr>
-              <a:t>Il faut prendre en compte des variables déclaratives numérique en relation avec la taille de </a:t>
-            </a:r>
-            <a:r>
-              <a:rPr lang="fr-FR" sz="2000" dirty="0" err="1">
-                <a:latin typeface="Google Sans"/>
-              </a:rPr>
-              <a:t>dataset</a:t>
-            </a:r>
-            <a:r>
-              <a:rPr lang="fr-FR" sz="2000" dirty="0">
-                <a:latin typeface="Google Sans"/>
-              </a:rPr>
-              <a:t>. </a:t>
-            </a:r>
-            <a:r>
-              <a:rPr lang="fr-FR" sz="1400" i="1" dirty="0" err="1">
-                <a:solidFill>
-                  <a:schemeClr val="bg1">
-                    <a:lumMod val="50000"/>
-                  </a:schemeClr>
-                </a:solidFill>
-                <a:latin typeface="Google Sans"/>
-              </a:rPr>
-              <a:t>PropertyGFABuilding</a:t>
-            </a:r>
-            <a:r>
-              <a:rPr lang="fr-FR" sz="1400" i="1" dirty="0">
-                <a:solidFill>
-                  <a:schemeClr val="bg1">
-                    <a:lumMod val="50000"/>
-                  </a:schemeClr>
-                </a:solidFill>
-                <a:latin typeface="Google Sans"/>
-              </a:rPr>
-              <a:t>(s), </a:t>
-            </a:r>
-            <a:r>
-              <a:rPr lang="fr-FR" sz="1400" i="1" dirty="0" err="1">
-                <a:solidFill>
-                  <a:schemeClr val="bg1">
-                    <a:lumMod val="50000"/>
-                  </a:schemeClr>
-                </a:solidFill>
-                <a:latin typeface="Google Sans"/>
-              </a:rPr>
-              <a:t>LargestPropertyUseTypeGFA</a:t>
-            </a:r>
-            <a:r>
-              <a:rPr lang="fr-FR" sz="1400" i="1" dirty="0">
-                <a:solidFill>
-                  <a:schemeClr val="bg1">
-                    <a:lumMod val="50000"/>
-                  </a:schemeClr>
-                </a:solidFill>
-                <a:latin typeface="Google Sans"/>
-              </a:rPr>
-              <a:t>, </a:t>
-            </a:r>
-            <a:r>
-              <a:rPr lang="fr-FR" sz="1400" i="1" dirty="0" err="1">
-                <a:solidFill>
-                  <a:schemeClr val="bg1">
-                    <a:lumMod val="50000"/>
-                  </a:schemeClr>
-                </a:solidFill>
-                <a:latin typeface="Google Sans"/>
-              </a:rPr>
-              <a:t>SecondLargestPropertyUseTypeGFA</a:t>
-            </a:r>
-            <a:r>
-              <a:rPr lang="fr-FR" sz="1400" i="1" dirty="0">
-                <a:solidFill>
-                  <a:schemeClr val="bg1">
-                    <a:lumMod val="50000"/>
-                  </a:schemeClr>
-                </a:solidFill>
-                <a:latin typeface="Google Sans"/>
-              </a:rPr>
-              <a:t>, etc.</a:t>
-            </a:r>
-            <a:endParaRPr lang="fr-FR" sz="1400" i="1" u="none" strike="noStrike" dirty="0">
-              <a:solidFill>
-                <a:schemeClr val="bg1">
-                  <a:lumMod val="50000"/>
-                </a:schemeClr>
-              </a:solidFill>
-              <a:effectLst/>
-              <a:latin typeface="Google Sans"/>
-            </a:endParaRPr>
-          </a:p>
-        </p:txBody>
-      </p:sp>
-      <p:pic>
-        <p:nvPicPr>
-          <p:cNvPr id="14" name="Image 13">
-            <a:extLst>
-              <a:ext uri="{FF2B5EF4-FFF2-40B4-BE49-F238E27FC236}">
-                <a16:creationId xmlns:a16="http://schemas.microsoft.com/office/drawing/2014/main" id="{A7C30329-4C74-49AC-9F32-4F3FEBA33001}"/>
-              </a:ext>
-            </a:extLst>
-          </p:cNvPr>
-          <p:cNvPicPr>
-            <a:picLocks noChangeAspect="1"/>
-          </p:cNvPicPr>
-          <p:nvPr/>
-        </p:nvPicPr>
-        <p:blipFill>
-          <a:blip r:embed="rId3">
-            <a:duotone>
-              <a:schemeClr val="accent6">
-                <a:shade val="45000"/>
-                <a:satMod val="135000"/>
-              </a:schemeClr>
-              <a:prstClr val="white"/>
-            </a:duotone>
-            <a:extLst>
-              <a:ext uri="{28A0092B-C50C-407E-A947-70E740481C1C}">
-                <a14:useLocalDpi xmlns:a14="http://schemas.microsoft.com/office/drawing/2010/main" val="0"/>
-              </a:ext>
-            </a:extLst>
-          </a:blip>
-          <a:stretch>
-            <a:fillRect/>
-          </a:stretch>
-        </p:blipFill>
-        <p:spPr>
-          <a:xfrm>
-            <a:off x="377906" y="1496447"/>
-            <a:ext cx="457727" cy="427272"/>
-          </a:xfrm>
-          <a:prstGeom prst="rect">
-            <a:avLst/>
-          </a:prstGeom>
-        </p:spPr>
-      </p:pic>
-      <p:sp>
-        <p:nvSpPr>
-          <p:cNvPr id="16" name="ZoneTexte 15">
-            <a:extLst>
-              <a:ext uri="{FF2B5EF4-FFF2-40B4-BE49-F238E27FC236}">
-                <a16:creationId xmlns:a16="http://schemas.microsoft.com/office/drawing/2014/main" id="{9575B878-1454-457A-B540-8EF6A5871670}"/>
-              </a:ext>
-            </a:extLst>
-          </p:cNvPr>
-          <p:cNvSpPr txBox="1"/>
-          <p:nvPr/>
-        </p:nvSpPr>
-        <p:spPr>
-          <a:xfrm>
-            <a:off x="844895" y="1491296"/>
-            <a:ext cx="10341550" cy="707886"/>
-          </a:xfrm>
-          <a:prstGeom prst="rect">
-            <a:avLst/>
-          </a:prstGeom>
-          <a:noFill/>
-        </p:spPr>
-        <p:txBody>
-          <a:bodyPr wrap="square">
-            <a:spAutoFit/>
-          </a:bodyPr>
-          <a:lstStyle/>
-          <a:p>
-            <a:r>
-              <a:rPr lang="fr-FR" sz="2000" dirty="0">
-                <a:latin typeface="Google Sans"/>
-              </a:rPr>
-              <a:t>Les courbes d’apprentissage montrent qu’il est nécessaire d’avoir plus de données pour obtenir de meilleurs résultats sur les modèles. </a:t>
-            </a:r>
-            <a:r>
-              <a:rPr lang="fr-FR" sz="1400" i="1" dirty="0">
-                <a:solidFill>
-                  <a:schemeClr val="bg1">
-                    <a:lumMod val="50000"/>
-                  </a:schemeClr>
-                </a:solidFill>
-                <a:latin typeface="Google Sans"/>
-              </a:rPr>
-              <a:t>La taille de </a:t>
-            </a:r>
-            <a:r>
-              <a:rPr lang="fr-FR" sz="1400" i="1" dirty="0" err="1">
-                <a:solidFill>
-                  <a:schemeClr val="bg1">
-                    <a:lumMod val="50000"/>
-                  </a:schemeClr>
-                </a:solidFill>
-                <a:latin typeface="Google Sans"/>
-              </a:rPr>
-              <a:t>datasets</a:t>
-            </a:r>
-            <a:r>
-              <a:rPr lang="fr-FR" sz="1400" i="1" dirty="0">
-                <a:solidFill>
-                  <a:schemeClr val="bg1">
-                    <a:lumMod val="50000"/>
-                  </a:schemeClr>
-                </a:solidFill>
-                <a:latin typeface="Google Sans"/>
-              </a:rPr>
-              <a:t> sans variables cibles est de 1614 x 11</a:t>
-            </a:r>
-            <a:endParaRPr lang="fr-FR" sz="2000" i="1" dirty="0">
-              <a:solidFill>
-                <a:schemeClr val="bg1">
-                  <a:lumMod val="50000"/>
-                </a:schemeClr>
-              </a:solidFill>
-              <a:latin typeface="Google Sans"/>
-            </a:endParaRPr>
-          </a:p>
-        </p:txBody>
-      </p:sp>
-      <p:pic>
-        <p:nvPicPr>
-          <p:cNvPr id="17" name="Image 16">
-            <a:extLst>
-              <a:ext uri="{FF2B5EF4-FFF2-40B4-BE49-F238E27FC236}">
-                <a16:creationId xmlns:a16="http://schemas.microsoft.com/office/drawing/2014/main" id="{C20AC3F1-B0BB-4E7D-8C73-85820D695E9A}"/>
-              </a:ext>
-            </a:extLst>
-          </p:cNvPr>
-          <p:cNvPicPr>
-            <a:picLocks noChangeAspect="1"/>
-          </p:cNvPicPr>
-          <p:nvPr/>
-        </p:nvPicPr>
-        <p:blipFill>
-          <a:blip r:embed="rId3">
-            <a:duotone>
-              <a:schemeClr val="accent6">
-                <a:shade val="45000"/>
-                <a:satMod val="135000"/>
-              </a:schemeClr>
-              <a:prstClr val="white"/>
-            </a:duotone>
-            <a:extLst>
-              <a:ext uri="{28A0092B-C50C-407E-A947-70E740481C1C}">
-                <a14:useLocalDpi xmlns:a14="http://schemas.microsoft.com/office/drawing/2010/main" val="0"/>
-              </a:ext>
-            </a:extLst>
-          </a:blip>
-          <a:stretch>
-            <a:fillRect/>
-          </a:stretch>
-        </p:blipFill>
-        <p:spPr>
-          <a:xfrm>
-            <a:off x="377906" y="2478658"/>
-            <a:ext cx="457727" cy="427272"/>
-          </a:xfrm>
-          <a:prstGeom prst="rect">
-            <a:avLst/>
-          </a:prstGeom>
-        </p:spPr>
-      </p:pic>
-      <p:sp>
-        <p:nvSpPr>
-          <p:cNvPr id="19" name="ZoneTexte 18">
-            <a:extLst>
-              <a:ext uri="{FF2B5EF4-FFF2-40B4-BE49-F238E27FC236}">
-                <a16:creationId xmlns:a16="http://schemas.microsoft.com/office/drawing/2014/main" id="{7FA8AB11-A5F4-4599-AF30-E2A153834B7D}"/>
-              </a:ext>
-            </a:extLst>
-          </p:cNvPr>
-          <p:cNvSpPr txBox="1"/>
-          <p:nvPr/>
-        </p:nvSpPr>
-        <p:spPr>
-          <a:xfrm>
-            <a:off x="844895" y="3479296"/>
-            <a:ext cx="10743202" cy="707886"/>
-          </a:xfrm>
-          <a:prstGeom prst="rect">
-            <a:avLst/>
-          </a:prstGeom>
-          <a:noFill/>
-        </p:spPr>
-        <p:txBody>
-          <a:bodyPr wrap="square">
-            <a:spAutoFit/>
-          </a:bodyPr>
-          <a:lstStyle/>
-          <a:p>
-            <a:r>
-              <a:rPr lang="fr-FR" sz="2000" dirty="0">
-                <a:latin typeface="Google Sans"/>
-              </a:rPr>
-              <a:t>Il est nécessaire de bien connaître le comportement de chaque modèle et ses paramètres pour en tirer le meilleur parti.</a:t>
-            </a:r>
-          </a:p>
-        </p:txBody>
-      </p:sp>
-      <p:pic>
-        <p:nvPicPr>
-          <p:cNvPr id="20" name="Image 19">
-            <a:extLst>
-              <a:ext uri="{FF2B5EF4-FFF2-40B4-BE49-F238E27FC236}">
-                <a16:creationId xmlns:a16="http://schemas.microsoft.com/office/drawing/2014/main" id="{F5EFC259-88FB-4D52-ABC5-921C62988A12}"/>
-              </a:ext>
-            </a:extLst>
-          </p:cNvPr>
-          <p:cNvPicPr>
-            <a:picLocks noChangeAspect="1"/>
-          </p:cNvPicPr>
-          <p:nvPr/>
-        </p:nvPicPr>
-        <p:blipFill>
-          <a:blip r:embed="rId3">
-            <a:duotone>
-              <a:schemeClr val="accent6">
-                <a:shade val="45000"/>
-                <a:satMod val="135000"/>
-              </a:schemeClr>
-              <a:prstClr val="white"/>
-            </a:duotone>
-            <a:extLst>
-              <a:ext uri="{28A0092B-C50C-407E-A947-70E740481C1C}">
-                <a14:useLocalDpi xmlns:a14="http://schemas.microsoft.com/office/drawing/2010/main" val="0"/>
-              </a:ext>
-            </a:extLst>
-          </a:blip>
-          <a:stretch>
-            <a:fillRect/>
-          </a:stretch>
-        </p:blipFill>
-        <p:spPr>
-          <a:xfrm>
-            <a:off x="377906" y="3479296"/>
-            <a:ext cx="457727" cy="427272"/>
-          </a:xfrm>
-          <a:prstGeom prst="rect">
-            <a:avLst/>
-          </a:prstGeom>
-        </p:spPr>
-      </p:pic>
-      <p:sp>
-        <p:nvSpPr>
-          <p:cNvPr id="18" name="ZoneTexte 17">
-            <a:extLst>
-              <a:ext uri="{FF2B5EF4-FFF2-40B4-BE49-F238E27FC236}">
-                <a16:creationId xmlns:a16="http://schemas.microsoft.com/office/drawing/2014/main" id="{4698BDD5-7EAD-4A55-8659-0C529C0E7C2C}"/>
-              </a:ext>
-            </a:extLst>
-          </p:cNvPr>
-          <p:cNvSpPr txBox="1"/>
-          <p:nvPr/>
-        </p:nvSpPr>
-        <p:spPr>
-          <a:xfrm>
-            <a:off x="830571" y="4333598"/>
-            <a:ext cx="10743202" cy="707886"/>
-          </a:xfrm>
-          <a:prstGeom prst="rect">
-            <a:avLst/>
-          </a:prstGeom>
-          <a:noFill/>
-        </p:spPr>
-        <p:txBody>
-          <a:bodyPr wrap="square">
-            <a:spAutoFit/>
-          </a:bodyPr>
-          <a:lstStyle/>
-          <a:p>
-            <a:r>
-              <a:rPr lang="fr-FR" sz="2000" dirty="0">
-                <a:latin typeface="Google Sans"/>
-              </a:rPr>
-              <a:t>Sur la base du meilleur résultat obtenu par Gradient </a:t>
-            </a:r>
-            <a:r>
-              <a:rPr lang="fr-FR" sz="2000" dirty="0" err="1">
-                <a:latin typeface="Google Sans"/>
-              </a:rPr>
-              <a:t>Boosting</a:t>
-            </a:r>
-            <a:r>
-              <a:rPr lang="fr-FR" sz="2000" dirty="0">
-                <a:latin typeface="Google Sans"/>
-              </a:rPr>
-              <a:t>, il faut prendre en compte le </a:t>
-            </a:r>
-            <a:r>
-              <a:rPr lang="fr-FR" sz="2000" dirty="0" err="1">
-                <a:latin typeface="Google Sans"/>
-              </a:rPr>
-              <a:t>XGBoost</a:t>
-            </a:r>
-            <a:r>
-              <a:rPr lang="fr-FR" sz="2000" dirty="0">
-                <a:latin typeface="Google Sans"/>
-              </a:rPr>
-              <a:t> pour faire la prédiction.</a:t>
-            </a:r>
-          </a:p>
-        </p:txBody>
-      </p:sp>
-      <p:pic>
-        <p:nvPicPr>
-          <p:cNvPr id="21" name="Image 20">
-            <a:extLst>
-              <a:ext uri="{FF2B5EF4-FFF2-40B4-BE49-F238E27FC236}">
-                <a16:creationId xmlns:a16="http://schemas.microsoft.com/office/drawing/2014/main" id="{64E6C78E-3D6E-42B1-8A3E-87391A96BEF9}"/>
-              </a:ext>
-            </a:extLst>
-          </p:cNvPr>
-          <p:cNvPicPr>
-            <a:picLocks noChangeAspect="1"/>
-          </p:cNvPicPr>
-          <p:nvPr/>
-        </p:nvPicPr>
-        <p:blipFill>
-          <a:blip r:embed="rId3">
-            <a:duotone>
-              <a:schemeClr val="accent6">
-                <a:shade val="45000"/>
-                <a:satMod val="135000"/>
-              </a:schemeClr>
-              <a:prstClr val="white"/>
-            </a:duotone>
-            <a:extLst>
-              <a:ext uri="{28A0092B-C50C-407E-A947-70E740481C1C}">
-                <a14:useLocalDpi xmlns:a14="http://schemas.microsoft.com/office/drawing/2010/main" val="0"/>
-              </a:ext>
-            </a:extLst>
-          </a:blip>
-          <a:stretch>
-            <a:fillRect/>
-          </a:stretch>
-        </p:blipFill>
-        <p:spPr>
-          <a:xfrm>
-            <a:off x="363581" y="4333598"/>
-            <a:ext cx="457727" cy="427272"/>
-          </a:xfrm>
-          <a:prstGeom prst="rect">
-            <a:avLst/>
-          </a:prstGeom>
-        </p:spPr>
-      </p:pic>
-      <p:sp>
-        <p:nvSpPr>
-          <p:cNvPr id="22" name="TextBox 3">
-            <a:extLst>
-              <a:ext uri="{FF2B5EF4-FFF2-40B4-BE49-F238E27FC236}">
-                <a16:creationId xmlns:a16="http://schemas.microsoft.com/office/drawing/2014/main" id="{2CE28751-E9A6-416A-97CD-5F27DC390646}"/>
+          <p:cNvPr id="19" name="TextBox 3">
+            <a:extLst>
+              <a:ext uri="{FF2B5EF4-FFF2-40B4-BE49-F238E27FC236}">
+                <a16:creationId xmlns:a16="http://schemas.microsoft.com/office/drawing/2014/main" id="{CCE82F76-2714-4FC6-B130-1CAB3A5EE413}"/>
               </a:ext>
             </a:extLst>
           </p:cNvPr>
@@ -41711,152 +41372,94 @@
       </p:sp>
       <p:sp>
         <p:nvSpPr>
-          <p:cNvPr id="23" name="ZoneTexte 22">
-            <a:extLst>
-              <a:ext uri="{FF2B5EF4-FFF2-40B4-BE49-F238E27FC236}">
-                <a16:creationId xmlns:a16="http://schemas.microsoft.com/office/drawing/2014/main" id="{1159D764-0A56-4863-B2CC-5954B09710CB}"/>
-              </a:ext>
-            </a:extLst>
-          </p:cNvPr>
-          <p:cNvSpPr txBox="1"/>
-          <p:nvPr/>
-        </p:nvSpPr>
-        <p:spPr>
-          <a:xfrm>
-            <a:off x="828946" y="5322222"/>
-            <a:ext cx="10743202" cy="400110"/>
+          <p:cNvPr id="20" name="Titre 1">
+            <a:extLst>
+              <a:ext uri="{FF2B5EF4-FFF2-40B4-BE49-F238E27FC236}">
+                <a16:creationId xmlns:a16="http://schemas.microsoft.com/office/drawing/2014/main" id="{1C59AB74-1D0C-4180-BA64-D9640506B40D}"/>
+              </a:ext>
+            </a:extLst>
+          </p:cNvPr>
+          <p:cNvSpPr txBox="1">
+            <a:spLocks/>
+          </p:cNvSpPr>
+          <p:nvPr/>
+        </p:nvSpPr>
+        <p:spPr>
+          <a:xfrm>
+            <a:off x="279917" y="432793"/>
+            <a:ext cx="9975536" cy="628234"/>
           </a:xfrm>
           <a:prstGeom prst="rect">
             <a:avLst/>
           </a:prstGeom>
-          <a:noFill/>
-        </p:spPr>
-        <p:txBody>
-          <a:bodyPr wrap="square">
-            <a:spAutoFit/>
+        </p:spPr>
+        <p:txBody>
+          <a:bodyPr vert="horz" lIns="91440" tIns="45720" rIns="91440" bIns="45720" rtlCol="0" anchor="ctr">
+            <a:normAutofit lnSpcReduction="10000"/>
           </a:bodyPr>
-          <a:lstStyle/>
-          <a:p>
-            <a:r>
-              <a:rPr lang="fr-FR" sz="2000" dirty="0">
+          <a:lstStyle>
+            <a:lvl1pPr algn="l" defTabSz="914400" rtl="0" eaLnBrk="1" latinLnBrk="0" hangingPunct="1">
+              <a:lnSpc>
+                <a:spcPct val="90000"/>
+              </a:lnSpc>
+              <a:spcBef>
+                <a:spcPct val="0"/>
+              </a:spcBef>
+              <a:buNone/>
+              <a:defRPr sz="4400" kern="1200">
+                <a:solidFill>
+                  <a:schemeClr val="tx1"/>
+                </a:solidFill>
+                <a:latin typeface="+mj-lt"/>
+                <a:ea typeface="+mj-ea"/>
+                <a:cs typeface="+mj-cs"/>
+              </a:defRPr>
+            </a:lvl1pPr>
+          </a:lstStyle>
+          <a:p>
+            <a:r>
+              <a:rPr lang="fr-FR" sz="4000" b="1" dirty="0">
+                <a:ln>
+                  <a:solidFill>
+                    <a:srgbClr val="7451EB"/>
+                  </a:solidFill>
+                </a:ln>
+                <a:solidFill>
+                  <a:srgbClr val="7451EB"/>
+                </a:solidFill>
                 <a:latin typeface="Google Sans"/>
               </a:rPr>
-              <a:t>Il est recommandé de considérer </a:t>
-            </a:r>
-            <a:r>
-              <a:rPr lang="fr-FR" sz="2000" dirty="0" err="1">
-                <a:latin typeface="Google Sans"/>
-              </a:rPr>
-              <a:t>EnergySTARScore</a:t>
-            </a:r>
-            <a:r>
-              <a:rPr lang="fr-FR" sz="2000" dirty="0">
-                <a:latin typeface="Google Sans"/>
-              </a:rPr>
-              <a:t> dès le début.</a:t>
-            </a:r>
-          </a:p>
-        </p:txBody>
-      </p:sp>
-      <p:pic>
-        <p:nvPicPr>
-          <p:cNvPr id="24" name="Image 23">
-            <a:extLst>
-              <a:ext uri="{FF2B5EF4-FFF2-40B4-BE49-F238E27FC236}">
-                <a16:creationId xmlns:a16="http://schemas.microsoft.com/office/drawing/2014/main" id="{E44DA846-4852-4498-9490-38E5F97B7719}"/>
-              </a:ext>
-            </a:extLst>
-          </p:cNvPr>
-          <p:cNvPicPr>
-            <a:picLocks noChangeAspect="1"/>
-          </p:cNvPicPr>
-          <p:nvPr/>
-        </p:nvPicPr>
-        <p:blipFill>
-          <a:blip r:embed="rId3">
-            <a:duotone>
-              <a:schemeClr val="accent6">
-                <a:shade val="45000"/>
-                <a:satMod val="135000"/>
-              </a:schemeClr>
-              <a:prstClr val="white"/>
-            </a:duotone>
-            <a:extLst>
-              <a:ext uri="{28A0092B-C50C-407E-A947-70E740481C1C}">
-                <a14:useLocalDpi xmlns:a14="http://schemas.microsoft.com/office/drawing/2010/main" val="0"/>
-              </a:ext>
-            </a:extLst>
-          </a:blip>
-          <a:stretch>
-            <a:fillRect/>
-          </a:stretch>
-        </p:blipFill>
-        <p:spPr>
-          <a:xfrm>
-            <a:off x="361956" y="5322222"/>
-            <a:ext cx="457727" cy="427272"/>
+              <a:t>Autres prédictions - CO2</a:t>
+            </a:r>
+          </a:p>
+        </p:txBody>
+      </p:sp>
+      <p:sp>
+        <p:nvSpPr>
+          <p:cNvPr id="23" name="Rectangle 22">
+            <a:extLst>
+              <a:ext uri="{FF2B5EF4-FFF2-40B4-BE49-F238E27FC236}">
+                <a16:creationId xmlns:a16="http://schemas.microsoft.com/office/drawing/2014/main" id="{8890A122-7E65-42B0-B106-E08AEE63351D}"/>
+              </a:ext>
+            </a:extLst>
+          </p:cNvPr>
+          <p:cNvSpPr/>
+          <p:nvPr/>
+        </p:nvSpPr>
+        <p:spPr>
+          <a:xfrm>
+            <a:off x="-1369" y="5676196"/>
+            <a:ext cx="5429045" cy="457727"/>
           </a:xfrm>
           <a:prstGeom prst="rect">
             <a:avLst/>
           </a:prstGeom>
-        </p:spPr>
-      </p:pic>
-    </p:spTree>
-    <p:extLst>
-      <p:ext uri="{BB962C8B-B14F-4D97-AF65-F5344CB8AC3E}">
-        <p14:creationId xmlns:p14="http://schemas.microsoft.com/office/powerpoint/2010/main" val="887499924"/>
-      </p:ext>
-    </p:extLst>
-  </p:cSld>
-  <p:clrMapOvr>
-    <a:masterClrMapping/>
-  </p:clrMapOvr>
-</p:sld>
-</file>
-
-<file path=ppt/slides/slide45.xml><?xml version="1.0" encoding="utf-8"?>
-<p:sld xmlns:a="http://schemas.openxmlformats.org/drawingml/2006/main" xmlns:r="http://schemas.openxmlformats.org/officeDocument/2006/relationships" xmlns:p="http://schemas.openxmlformats.org/presentationml/2006/main">
-  <p:cSld>
-    <p:spTree>
-      <p:nvGrpSpPr>
-        <p:cNvPr id="1" name=""/>
-        <p:cNvGrpSpPr/>
-        <p:nvPr/>
-      </p:nvGrpSpPr>
-      <p:grpSpPr>
-        <a:xfrm>
-          <a:off x="0" y="0"/>
-          <a:ext cx="0" cy="0"/>
-          <a:chOff x="0" y="0"/>
-          <a:chExt cx="0" cy="0"/>
-        </a:xfrm>
-      </p:grpSpPr>
-      <p:sp>
-        <p:nvSpPr>
-          <p:cNvPr id="5" name="Rectangle 4">
-            <a:extLst>
-              <a:ext uri="{FF2B5EF4-FFF2-40B4-BE49-F238E27FC236}">
-                <a16:creationId xmlns:a16="http://schemas.microsoft.com/office/drawing/2014/main" id="{A00233D2-38CE-441F-90C9-32F91999758A}"/>
-              </a:ext>
-            </a:extLst>
-          </p:cNvPr>
-          <p:cNvSpPr/>
-          <p:nvPr/>
-        </p:nvSpPr>
-        <p:spPr>
-          <a:xfrm>
-            <a:off x="0" y="6400273"/>
-            <a:ext cx="12192000" cy="457727"/>
-          </a:xfrm>
-          <a:prstGeom prst="rect">
-            <a:avLst/>
-          </a:prstGeom>
           <a:solidFill>
-            <a:srgbClr val="7451EB"/>
+            <a:srgbClr val="70AD47"/>
           </a:solidFill>
           <a:ln>
             <a:solidFill>
-              <a:srgbClr val="7451EB"/>
+              <a:srgbClr val="70AD47"/>
             </a:solidFill>
           </a:ln>
         </p:spPr>
@@ -41881,16 +41484,25 @@
           <a:lstStyle/>
           <a:p>
             <a:pPr algn="ctr"/>
-            <a:endParaRPr lang="en-US" dirty="0"/>
-          </a:p>
-        </p:txBody>
-      </p:sp>
-      <p:sp>
-        <p:nvSpPr>
-          <p:cNvPr id="15" name="TextBox 3">
-            <a:extLst>
-              <a:ext uri="{FF2B5EF4-FFF2-40B4-BE49-F238E27FC236}">
-                <a16:creationId xmlns:a16="http://schemas.microsoft.com/office/drawing/2014/main" id="{47FC2DCC-BDE9-485D-AF79-4177B5479110}"/>
+            <a:endParaRPr lang="en-US" dirty="0">
+              <a:ln>
+                <a:solidFill>
+                  <a:srgbClr val="70AD47"/>
+                </a:solidFill>
+              </a:ln>
+              <a:solidFill>
+                <a:srgbClr val="70AD47"/>
+              </a:solidFill>
+            </a:endParaRPr>
+          </a:p>
+        </p:txBody>
+      </p:sp>
+      <p:sp>
+        <p:nvSpPr>
+          <p:cNvPr id="24" name="ZoneTexte 23">
+            <a:extLst>
+              <a:ext uri="{FF2B5EF4-FFF2-40B4-BE49-F238E27FC236}">
+                <a16:creationId xmlns:a16="http://schemas.microsoft.com/office/drawing/2014/main" id="{5F033AFB-4F6D-47CD-B76D-13C34DD58802}"/>
               </a:ext>
             </a:extLst>
           </p:cNvPr>
@@ -41899,8 +41511,8 @@
         </p:nvSpPr>
         <p:spPr>
           <a:xfrm>
-            <a:off x="10543592" y="6475247"/>
-            <a:ext cx="1648408" cy="307777"/>
+            <a:off x="16646" y="5712269"/>
+            <a:ext cx="5335530" cy="369332"/>
           </a:xfrm>
           <a:prstGeom prst="rect">
             <a:avLst/>
@@ -41908,14 +41520,13 @@
           <a:noFill/>
         </p:spPr>
         <p:txBody>
-          <a:bodyPr wrap="square" rtlCol="0">
+          <a:bodyPr wrap="square">
             <a:spAutoFit/>
           </a:bodyPr>
           <a:lstStyle/>
           <a:p>
-            <a:pPr algn="r"/>
-            <a:r>
-              <a:rPr lang="es-CO" sz="1400" b="1" i="1" dirty="0" err="1">
+            <a:r>
+              <a:rPr lang="fr-FR" dirty="0">
                 <a:ln>
                   <a:solidFill>
                     <a:schemeClr val="bg1"/>
@@ -41924,132 +41535,54 @@
                 <a:solidFill>
                   <a:schemeClr val="bg1"/>
                 </a:solidFill>
-                <a:latin typeface="+mj-lt"/>
-              </a:rPr>
-              <a:t>OpenClassrooms</a:t>
-            </a:r>
-            <a:endParaRPr lang="en-US" sz="1400" b="1" i="1" dirty="0">
+                <a:latin typeface="docs-Roboto"/>
+              </a:rPr>
+              <a:t>Les données originales ont obtenus le meilleur résultat</a:t>
+            </a:r>
+            <a:endParaRPr lang="fr-FR" sz="1100" b="1" i="1" dirty="0">
               <a:ln>
                 <a:solidFill>
-                  <a:schemeClr val="bg1"/>
+                  <a:schemeClr val="bg1">
+                    <a:lumMod val="85000"/>
+                  </a:schemeClr>
                 </a:solidFill>
               </a:ln>
               <a:solidFill>
-                <a:schemeClr val="bg1"/>
+                <a:schemeClr val="bg1">
+                  <a:lumMod val="85000"/>
+                </a:schemeClr>
               </a:solidFill>
-              <a:latin typeface="+mj-lt"/>
+              <a:latin typeface="Google Sans"/>
             </a:endParaRPr>
           </a:p>
         </p:txBody>
       </p:sp>
       <p:sp>
         <p:nvSpPr>
-          <p:cNvPr id="10" name="Titre 1">
-            <a:extLst>
-              <a:ext uri="{FF2B5EF4-FFF2-40B4-BE49-F238E27FC236}">
-                <a16:creationId xmlns:a16="http://schemas.microsoft.com/office/drawing/2014/main" id="{224E5C7D-3656-459F-9C01-61200508167F}"/>
-              </a:ext>
-            </a:extLst>
-          </p:cNvPr>
-          <p:cNvSpPr txBox="1">
-            <a:spLocks/>
-          </p:cNvSpPr>
-          <p:nvPr/>
-        </p:nvSpPr>
-        <p:spPr>
-          <a:xfrm>
-            <a:off x="279916" y="432794"/>
-            <a:ext cx="11112333" cy="820048"/>
+          <p:cNvPr id="25" name="Rectangle 24">
+            <a:extLst>
+              <a:ext uri="{FF2B5EF4-FFF2-40B4-BE49-F238E27FC236}">
+                <a16:creationId xmlns:a16="http://schemas.microsoft.com/office/drawing/2014/main" id="{BE2A59BD-8D88-47C1-9F13-352A1C4813F7}"/>
+              </a:ext>
+            </a:extLst>
+          </p:cNvPr>
+          <p:cNvSpPr/>
+          <p:nvPr/>
+        </p:nvSpPr>
+        <p:spPr>
+          <a:xfrm>
+            <a:off x="6682949" y="1781175"/>
+            <a:ext cx="2056928" cy="2599894"/>
           </a:xfrm>
           <a:prstGeom prst="rect">
             <a:avLst/>
           </a:prstGeom>
-        </p:spPr>
-        <p:txBody>
-          <a:bodyPr vert="horz" lIns="91440" tIns="45720" rIns="91440" bIns="45720" rtlCol="0" anchor="ctr">
-            <a:noAutofit/>
-          </a:bodyPr>
-          <a:lstStyle>
-            <a:lvl1pPr algn="l" defTabSz="914400" rtl="0" eaLnBrk="1" latinLnBrk="0" hangingPunct="1">
-              <a:lnSpc>
-                <a:spcPct val="90000"/>
-              </a:lnSpc>
-              <a:spcBef>
-                <a:spcPct val="0"/>
-              </a:spcBef>
-              <a:buNone/>
-              <a:defRPr sz="4400" kern="1200">
-                <a:solidFill>
-                  <a:schemeClr val="tx1"/>
-                </a:solidFill>
-                <a:latin typeface="+mj-lt"/>
-                <a:ea typeface="+mj-ea"/>
-                <a:cs typeface="+mj-cs"/>
-              </a:defRPr>
-            </a:lvl1pPr>
-          </a:lstStyle>
-          <a:p>
-            <a:r>
-              <a:rPr lang="fr-FR" sz="4000" b="1" dirty="0">
-                <a:ln>
-                  <a:solidFill>
-                    <a:srgbClr val="7451EB"/>
-                  </a:solidFill>
-                </a:ln>
-                <a:solidFill>
-                  <a:srgbClr val="7451EB"/>
-                </a:solidFill>
-                <a:latin typeface="Google Sans"/>
-              </a:rPr>
-              <a:t>Avez-vous des questions ?</a:t>
-            </a:r>
-            <a:endParaRPr lang="es-419" sz="4000" b="1" u="sng" dirty="0">
-              <a:ln>
-                <a:solidFill>
-                  <a:srgbClr val="7451EB"/>
-                </a:solidFill>
-              </a:ln>
-              <a:solidFill>
-                <a:srgbClr val="7451EB"/>
-              </a:solidFill>
-              <a:effectLst>
-                <a:outerShdw blurRad="38100" dist="38100" dir="2700000" algn="tl">
-                  <a:srgbClr val="000000">
-                    <a:alpha val="43137"/>
-                  </a:srgbClr>
-                </a:outerShdw>
-              </a:effectLst>
-            </a:endParaRPr>
-          </a:p>
-        </p:txBody>
-      </p:sp>
-      <p:sp>
-        <p:nvSpPr>
-          <p:cNvPr id="11" name="Rectángulo 4">
-            <a:extLst>
-              <a:ext uri="{FF2B5EF4-FFF2-40B4-BE49-F238E27FC236}">
-                <a16:creationId xmlns:a16="http://schemas.microsoft.com/office/drawing/2014/main" id="{B84F0FDC-2C73-4C87-9CC7-F9F129B3A699}"/>
-              </a:ext>
-            </a:extLst>
-          </p:cNvPr>
-          <p:cNvSpPr/>
-          <p:nvPr/>
-        </p:nvSpPr>
-        <p:spPr>
-          <a:xfrm>
-            <a:off x="377906" y="378794"/>
-            <a:ext cx="366721" cy="54000"/>
-          </a:xfrm>
-          <a:prstGeom prst="rect">
-            <a:avLst/>
-          </a:prstGeom>
-          <a:solidFill>
-            <a:srgbClr val="7451EB"/>
-          </a:solidFill>
-          <a:ln>
+          <a:noFill/>
+          <a:ln w="38100">
             <a:solidFill>
-              <a:srgbClr val="7451EB"/>
+              <a:srgbClr val="00B0F0"/>
             </a:solidFill>
+            <a:prstDash val="lgDash"/>
           </a:ln>
         </p:spPr>
         <p:style>
@@ -42073,7 +41606,482 @@
           <a:lstStyle/>
           <a:p>
             <a:pPr algn="ctr"/>
-            <a:endParaRPr lang="es-AR">
+            <a:endParaRPr lang="fr-FR">
+              <a:solidFill>
+                <a:srgbClr val="00B0F0"/>
+              </a:solidFill>
+            </a:endParaRPr>
+          </a:p>
+        </p:txBody>
+      </p:sp>
+      <p:sp>
+        <p:nvSpPr>
+          <p:cNvPr id="41" name="Rectangle 40">
+            <a:extLst>
+              <a:ext uri="{FF2B5EF4-FFF2-40B4-BE49-F238E27FC236}">
+                <a16:creationId xmlns:a16="http://schemas.microsoft.com/office/drawing/2014/main" id="{66114B24-9232-42AD-99A5-5E6ED9277342}"/>
+              </a:ext>
+            </a:extLst>
+          </p:cNvPr>
+          <p:cNvSpPr/>
+          <p:nvPr/>
+        </p:nvSpPr>
+        <p:spPr>
+          <a:xfrm>
+            <a:off x="1984502" y="1476462"/>
+            <a:ext cx="2056928" cy="2950037"/>
+          </a:xfrm>
+          <a:prstGeom prst="rect">
+            <a:avLst/>
+          </a:prstGeom>
+          <a:noFill/>
+          <a:ln w="38100">
+            <a:solidFill>
+              <a:srgbClr val="70AD47"/>
+            </a:solidFill>
+            <a:prstDash val="solid"/>
+          </a:ln>
+        </p:spPr>
+        <p:style>
+          <a:lnRef idx="2">
+            <a:schemeClr val="accent1">
+              <a:shade val="50000"/>
+            </a:schemeClr>
+          </a:lnRef>
+          <a:fillRef idx="1">
+            <a:schemeClr val="accent1"/>
+          </a:fillRef>
+          <a:effectRef idx="0">
+            <a:schemeClr val="accent1"/>
+          </a:effectRef>
+          <a:fontRef idx="minor">
+            <a:schemeClr val="lt1"/>
+          </a:fontRef>
+        </p:style>
+        <p:txBody>
+          <a:bodyPr rtlCol="0" anchor="ctr"/>
+          <a:lstStyle/>
+          <a:p>
+            <a:pPr algn="ctr"/>
+            <a:endParaRPr lang="fr-FR">
+              <a:solidFill>
+                <a:srgbClr val="00B0F0"/>
+              </a:solidFill>
+            </a:endParaRPr>
+          </a:p>
+        </p:txBody>
+      </p:sp>
+      <p:cxnSp>
+        <p:nvCxnSpPr>
+          <p:cNvPr id="42" name="Google Shape;1027;p27">
+            <a:extLst>
+              <a:ext uri="{FF2B5EF4-FFF2-40B4-BE49-F238E27FC236}">
+                <a16:creationId xmlns:a16="http://schemas.microsoft.com/office/drawing/2014/main" id="{BA5713CB-6EE8-40B0-AE0F-B3E31E3E2B75}"/>
+              </a:ext>
+            </a:extLst>
+          </p:cNvPr>
+          <p:cNvCxnSpPr>
+            <a:cxnSpLocks/>
+            <a:stCxn id="23" idx="0"/>
+            <a:endCxn id="41" idx="2"/>
+          </p:cNvCxnSpPr>
+          <p:nvPr/>
+        </p:nvCxnSpPr>
+        <p:spPr>
+          <a:xfrm flipV="1">
+            <a:off x="2713154" y="4426499"/>
+            <a:ext cx="299812" cy="1249697"/>
+          </a:xfrm>
+          <a:prstGeom prst="straightConnector1">
+            <a:avLst/>
+          </a:prstGeom>
+          <a:noFill/>
+          <a:ln w="38100" cap="flat" cmpd="sng">
+            <a:solidFill>
+              <a:srgbClr val="70AD47"/>
+            </a:solidFill>
+            <a:prstDash val="solid"/>
+            <a:round/>
+            <a:headEnd type="none" w="med" len="med"/>
+            <a:tailEnd type="none" w="med" len="med"/>
+          </a:ln>
+        </p:spPr>
+      </p:cxnSp>
+      <p:sp>
+        <p:nvSpPr>
+          <p:cNvPr id="16" name="Accolade fermante 15">
+            <a:extLst>
+              <a:ext uri="{FF2B5EF4-FFF2-40B4-BE49-F238E27FC236}">
+                <a16:creationId xmlns:a16="http://schemas.microsoft.com/office/drawing/2014/main" id="{51DD03CB-2537-4928-9A8E-7ED060568A73}"/>
+              </a:ext>
+            </a:extLst>
+          </p:cNvPr>
+          <p:cNvSpPr/>
+          <p:nvPr/>
+        </p:nvSpPr>
+        <p:spPr>
+          <a:xfrm rot="10800000">
+            <a:off x="8964198" y="2643292"/>
+            <a:ext cx="443493" cy="1359511"/>
+          </a:xfrm>
+          <a:prstGeom prst="rightBrace">
+            <a:avLst>
+              <a:gd name="adj1" fmla="val 32071"/>
+              <a:gd name="adj2" fmla="val 50000"/>
+            </a:avLst>
+          </a:prstGeom>
+          <a:ln w="38100">
+            <a:solidFill>
+              <a:srgbClr val="00B0F0"/>
+            </a:solidFill>
+          </a:ln>
+        </p:spPr>
+        <p:style>
+          <a:lnRef idx="1">
+            <a:schemeClr val="accent1"/>
+          </a:lnRef>
+          <a:fillRef idx="0">
+            <a:schemeClr val="accent1"/>
+          </a:fillRef>
+          <a:effectRef idx="0">
+            <a:schemeClr val="accent1"/>
+          </a:effectRef>
+          <a:fontRef idx="minor">
+            <a:schemeClr val="tx1"/>
+          </a:fontRef>
+        </p:style>
+        <p:txBody>
+          <a:bodyPr rtlCol="0" anchor="ctr"/>
+          <a:lstStyle/>
+          <a:p>
+            <a:pPr algn="ctr"/>
+            <a:endParaRPr lang="fr-FR" dirty="0"/>
+          </a:p>
+        </p:txBody>
+      </p:sp>
+      <p:cxnSp>
+        <p:nvCxnSpPr>
+          <p:cNvPr id="17" name="Google Shape;1027;p27">
+            <a:extLst>
+              <a:ext uri="{FF2B5EF4-FFF2-40B4-BE49-F238E27FC236}">
+                <a16:creationId xmlns:a16="http://schemas.microsoft.com/office/drawing/2014/main" id="{EDE979A8-3F50-42EC-9927-3DF315847314}"/>
+              </a:ext>
+            </a:extLst>
+          </p:cNvPr>
+          <p:cNvCxnSpPr>
+            <a:cxnSpLocks/>
+          </p:cNvCxnSpPr>
+          <p:nvPr/>
+        </p:nvCxnSpPr>
+        <p:spPr>
+          <a:xfrm>
+            <a:off x="8739877" y="3323049"/>
+            <a:ext cx="286677" cy="0"/>
+          </a:xfrm>
+          <a:prstGeom prst="straightConnector1">
+            <a:avLst/>
+          </a:prstGeom>
+          <a:noFill/>
+          <a:ln w="38100" cap="flat" cmpd="sng">
+            <a:solidFill>
+              <a:srgbClr val="00B0F0"/>
+            </a:solidFill>
+            <a:prstDash val="solid"/>
+            <a:round/>
+            <a:headEnd type="none" w="med" len="med"/>
+            <a:tailEnd type="none" w="med" len="med"/>
+          </a:ln>
+        </p:spPr>
+      </p:cxnSp>
+      <p:sp>
+        <p:nvSpPr>
+          <p:cNvPr id="18" name="ZoneTexte 17">
+            <a:extLst>
+              <a:ext uri="{FF2B5EF4-FFF2-40B4-BE49-F238E27FC236}">
+                <a16:creationId xmlns:a16="http://schemas.microsoft.com/office/drawing/2014/main" id="{FF696E28-5487-4028-8367-2703569B7FF8}"/>
+              </a:ext>
+            </a:extLst>
+          </p:cNvPr>
+          <p:cNvSpPr txBox="1"/>
+          <p:nvPr/>
+        </p:nvSpPr>
+        <p:spPr>
+          <a:xfrm>
+            <a:off x="9250875" y="2738271"/>
+            <a:ext cx="2677951" cy="1169551"/>
+          </a:xfrm>
+          <a:prstGeom prst="rect">
+            <a:avLst/>
+          </a:prstGeom>
+          <a:noFill/>
+        </p:spPr>
+        <p:txBody>
+          <a:bodyPr wrap="square">
+            <a:spAutoFit/>
+          </a:bodyPr>
+          <a:lstStyle/>
+          <a:p>
+            <a:r>
+              <a:rPr lang="fr-FR" sz="1400" b="1" u="none" strike="noStrike" dirty="0">
+                <a:solidFill>
+                  <a:srgbClr val="000000"/>
+                </a:solidFill>
+                <a:effectLst/>
+                <a:latin typeface="Google Sans"/>
+              </a:rPr>
+              <a:t> Données effacées</a:t>
+            </a:r>
+          </a:p>
+          <a:p>
+            <a:pPr marL="342900" indent="-342900">
+              <a:buFont typeface="Wingdings" panose="05000000000000000000" pitchFamily="2" charset="2"/>
+              <a:buChar char="§"/>
+            </a:pPr>
+            <a:r>
+              <a:rPr lang="fr-FR" sz="1400" u="none" strike="noStrike" dirty="0" err="1">
+                <a:solidFill>
+                  <a:srgbClr val="000000"/>
+                </a:solidFill>
+                <a:effectLst/>
+                <a:latin typeface="Google Sans"/>
+              </a:rPr>
+              <a:t>Number</a:t>
+            </a:r>
+            <a:r>
+              <a:rPr lang="fr-FR" sz="1400" u="none" strike="noStrike" dirty="0">
+                <a:solidFill>
+                  <a:srgbClr val="000000"/>
+                </a:solidFill>
+                <a:effectLst/>
+                <a:latin typeface="Google Sans"/>
+              </a:rPr>
+              <a:t> of buildings</a:t>
+            </a:r>
+          </a:p>
+          <a:p>
+            <a:pPr marL="342900" indent="-342900">
+              <a:buFont typeface="Wingdings" panose="05000000000000000000" pitchFamily="2" charset="2"/>
+              <a:buChar char="§"/>
+            </a:pPr>
+            <a:r>
+              <a:rPr lang="fr-FR" sz="1400" dirty="0" err="1">
+                <a:solidFill>
+                  <a:srgbClr val="000000"/>
+                </a:solidFill>
+                <a:latin typeface="Google Sans"/>
+              </a:rPr>
+              <a:t>Property</a:t>
+            </a:r>
+            <a:r>
+              <a:rPr lang="fr-FR" sz="1400" dirty="0">
+                <a:solidFill>
+                  <a:srgbClr val="000000"/>
+                </a:solidFill>
+                <a:latin typeface="Google Sans"/>
+              </a:rPr>
+              <a:t> GFA total </a:t>
+            </a:r>
+            <a:r>
+              <a:rPr lang="fr-FR" sz="1400" dirty="0" err="1">
+                <a:solidFill>
+                  <a:srgbClr val="000000"/>
+                </a:solidFill>
+                <a:latin typeface="Google Sans"/>
+              </a:rPr>
+              <a:t>binned</a:t>
+            </a:r>
+            <a:endParaRPr lang="fr-FR" sz="1400" dirty="0">
+              <a:solidFill>
+                <a:srgbClr val="000000"/>
+              </a:solidFill>
+              <a:latin typeface="Google Sans"/>
+            </a:endParaRPr>
+          </a:p>
+          <a:p>
+            <a:pPr marL="342900" indent="-342900">
+              <a:buFont typeface="Wingdings" panose="05000000000000000000" pitchFamily="2" charset="2"/>
+              <a:buChar char="§"/>
+            </a:pPr>
+            <a:r>
+              <a:rPr lang="fr-FR" sz="1400" u="none" strike="noStrike" dirty="0">
+                <a:solidFill>
+                  <a:srgbClr val="000000"/>
+                </a:solidFill>
+                <a:effectLst/>
+                <a:latin typeface="Google Sans"/>
+              </a:rPr>
+              <a:t>Steam use</a:t>
+            </a:r>
+          </a:p>
+          <a:p>
+            <a:pPr marL="342900" indent="-342900">
+              <a:buFont typeface="Wingdings" panose="05000000000000000000" pitchFamily="2" charset="2"/>
+              <a:buChar char="§"/>
+            </a:pPr>
+            <a:r>
+              <a:rPr lang="fr-FR" sz="1400" dirty="0" err="1">
+                <a:solidFill>
+                  <a:srgbClr val="000000"/>
+                </a:solidFill>
+                <a:latin typeface="Google Sans"/>
+              </a:rPr>
+              <a:t>Other</a:t>
+            </a:r>
+            <a:r>
+              <a:rPr lang="fr-FR" sz="1400" dirty="0">
+                <a:solidFill>
+                  <a:srgbClr val="000000"/>
+                </a:solidFill>
+                <a:latin typeface="Google Sans"/>
+              </a:rPr>
+              <a:t> fuel use</a:t>
+            </a:r>
+            <a:endParaRPr lang="fr-FR" sz="1400" u="none" strike="noStrike" dirty="0">
+              <a:solidFill>
+                <a:srgbClr val="000000"/>
+              </a:solidFill>
+              <a:effectLst/>
+              <a:latin typeface="Google Sans"/>
+            </a:endParaRPr>
+          </a:p>
+        </p:txBody>
+      </p:sp>
+    </p:spTree>
+    <p:extLst>
+      <p:ext uri="{BB962C8B-B14F-4D97-AF65-F5344CB8AC3E}">
+        <p14:creationId xmlns:p14="http://schemas.microsoft.com/office/powerpoint/2010/main" val="921292472"/>
+      </p:ext>
+    </p:extLst>
+  </p:cSld>
+  <p:clrMapOvr>
+    <a:masterClrMapping/>
+  </p:clrMapOvr>
+</p:sld>
+</file>
+
+<file path=ppt/slides/slide45.xml><?xml version="1.0" encoding="utf-8"?>
+<p:sld xmlns:a="http://schemas.openxmlformats.org/drawingml/2006/main" xmlns:r="http://schemas.openxmlformats.org/officeDocument/2006/relationships" xmlns:p="http://schemas.openxmlformats.org/presentationml/2006/main">
+  <p:cSld>
+    <p:bg>
+      <p:bgPr>
+        <a:solidFill>
+          <a:srgbClr val="7451EB"/>
+        </a:solidFill>
+        <a:effectLst/>
+      </p:bgPr>
+    </p:bg>
+    <p:spTree>
+      <p:nvGrpSpPr>
+        <p:cNvPr id="1" name=""/>
+        <p:cNvGrpSpPr/>
+        <p:nvPr/>
+      </p:nvGrpSpPr>
+      <p:grpSpPr>
+        <a:xfrm>
+          <a:off x="0" y="0"/>
+          <a:ext cx="0" cy="0"/>
+          <a:chOff x="0" y="0"/>
+          <a:chExt cx="0" cy="0"/>
+        </a:xfrm>
+      </p:grpSpPr>
+      <p:sp>
+        <p:nvSpPr>
+          <p:cNvPr id="5" name="Rectangle 4">
+            <a:extLst>
+              <a:ext uri="{FF2B5EF4-FFF2-40B4-BE49-F238E27FC236}">
+                <a16:creationId xmlns:a16="http://schemas.microsoft.com/office/drawing/2014/main" id="{A00233D2-38CE-441F-90C9-32F91999758A}"/>
+              </a:ext>
+            </a:extLst>
+          </p:cNvPr>
+          <p:cNvSpPr/>
+          <p:nvPr/>
+        </p:nvSpPr>
+        <p:spPr>
+          <a:xfrm>
+            <a:off x="0" y="6400273"/>
+            <a:ext cx="12192000" cy="457727"/>
+          </a:xfrm>
+          <a:prstGeom prst="rect">
+            <a:avLst/>
+          </a:prstGeom>
+          <a:solidFill>
+            <a:schemeClr val="bg1"/>
+          </a:solidFill>
+          <a:ln>
+            <a:solidFill>
+              <a:schemeClr val="bg1"/>
+            </a:solidFill>
+          </a:ln>
+        </p:spPr>
+        <p:style>
+          <a:lnRef idx="2">
+            <a:schemeClr val="accent1">
+              <a:shade val="50000"/>
+            </a:schemeClr>
+          </a:lnRef>
+          <a:fillRef idx="1">
+            <a:schemeClr val="accent1"/>
+          </a:fillRef>
+          <a:effectRef idx="0">
+            <a:schemeClr val="accent1"/>
+          </a:effectRef>
+          <a:fontRef idx="minor">
+            <a:schemeClr val="lt1"/>
+          </a:fontRef>
+        </p:style>
+        <p:txBody>
+          <a:bodyPr rtlCol="0" anchor="ctr"/>
+          <a:lstStyle/>
+          <a:p>
+            <a:pPr algn="ctr"/>
+            <a:endParaRPr lang="en-US" dirty="0"/>
+          </a:p>
+        </p:txBody>
+      </p:sp>
+      <p:sp>
+        <p:nvSpPr>
+          <p:cNvPr id="15" name="TextBox 3">
+            <a:extLst>
+              <a:ext uri="{FF2B5EF4-FFF2-40B4-BE49-F238E27FC236}">
+                <a16:creationId xmlns:a16="http://schemas.microsoft.com/office/drawing/2014/main" id="{47FC2DCC-BDE9-485D-AF79-4177B5479110}"/>
+              </a:ext>
+            </a:extLst>
+          </p:cNvPr>
+          <p:cNvSpPr txBox="1"/>
+          <p:nvPr/>
+        </p:nvSpPr>
+        <p:spPr>
+          <a:xfrm>
+            <a:off x="10543592" y="6475247"/>
+            <a:ext cx="1648408" cy="307777"/>
+          </a:xfrm>
+          <a:prstGeom prst="rect">
+            <a:avLst/>
+          </a:prstGeom>
+          <a:noFill/>
+        </p:spPr>
+        <p:txBody>
+          <a:bodyPr wrap="square" rtlCol="0">
+            <a:spAutoFit/>
+          </a:bodyPr>
+          <a:lstStyle/>
+          <a:p>
+            <a:pPr algn="r"/>
+            <a:r>
+              <a:rPr lang="es-CO" sz="1400" b="1" i="1" dirty="0" err="1">
+                <a:ln>
+                  <a:solidFill>
+                    <a:srgbClr val="7451EB"/>
+                  </a:solidFill>
+                </a:ln>
+                <a:solidFill>
+                  <a:srgbClr val="7451EB"/>
+                </a:solidFill>
+                <a:latin typeface="+mj-lt"/>
+              </a:rPr>
+              <a:t>OpenClassrooms</a:t>
+            </a:r>
+            <a:endParaRPr lang="en-US" sz="1400" b="1" i="1" dirty="0">
               <a:ln>
                 <a:solidFill>
                   <a:srgbClr val="7451EB"/>
@@ -42082,76 +42090,139 @@
               <a:solidFill>
                 <a:srgbClr val="7451EB"/>
               </a:solidFill>
+              <a:latin typeface="+mj-lt"/>
             </a:endParaRPr>
           </a:p>
         </p:txBody>
       </p:sp>
-      <p:pic>
-        <p:nvPicPr>
-          <p:cNvPr id="17" name="Image 16">
-            <a:extLst>
-              <a:ext uri="{FF2B5EF4-FFF2-40B4-BE49-F238E27FC236}">
-                <a16:creationId xmlns:a16="http://schemas.microsoft.com/office/drawing/2014/main" id="{0C190DD1-771B-47D2-995B-97EE291D94F0}"/>
-              </a:ext>
-            </a:extLst>
-          </p:cNvPr>
-          <p:cNvPicPr>
-            <a:picLocks noChangeAspect="1"/>
-          </p:cNvPicPr>
-          <p:nvPr/>
-        </p:nvPicPr>
-        <p:blipFill>
-          <a:blip r:embed="rId2">
-            <a:extLst>
-              <a:ext uri="{28A0092B-C50C-407E-A947-70E740481C1C}">
-                <a14:useLocalDpi xmlns:a14="http://schemas.microsoft.com/office/drawing/2010/main" val="0"/>
-              </a:ext>
-            </a:extLst>
-          </a:blip>
-          <a:stretch>
-            <a:fillRect/>
-          </a:stretch>
-        </p:blipFill>
-        <p:spPr>
-          <a:xfrm>
-            <a:off x="2909481" y="1447892"/>
-            <a:ext cx="6373038" cy="4412022"/>
+      <p:sp>
+        <p:nvSpPr>
+          <p:cNvPr id="10" name="Titre 1">
+            <a:extLst>
+              <a:ext uri="{FF2B5EF4-FFF2-40B4-BE49-F238E27FC236}">
+                <a16:creationId xmlns:a16="http://schemas.microsoft.com/office/drawing/2014/main" id="{56659258-1A46-4A0F-B0E4-1AF391BF8DF3}"/>
+              </a:ext>
+            </a:extLst>
+          </p:cNvPr>
+          <p:cNvSpPr txBox="1">
+            <a:spLocks/>
+          </p:cNvSpPr>
+          <p:nvPr/>
+        </p:nvSpPr>
+        <p:spPr>
+          <a:xfrm>
+            <a:off x="279917" y="3128369"/>
+            <a:ext cx="9559407" cy="820048"/>
           </a:xfrm>
           <a:prstGeom prst="rect">
             <a:avLst/>
           </a:prstGeom>
-        </p:spPr>
-      </p:pic>
-      <p:sp>
-        <p:nvSpPr>
-          <p:cNvPr id="12" name="TextBox 3">
-            <a:extLst>
-              <a:ext uri="{FF2B5EF4-FFF2-40B4-BE49-F238E27FC236}">
-                <a16:creationId xmlns:a16="http://schemas.microsoft.com/office/drawing/2014/main" id="{523B975D-1A42-46D2-A986-E758F08E51C0}"/>
-              </a:ext>
-            </a:extLst>
-          </p:cNvPr>
-          <p:cNvSpPr txBox="1"/>
-          <p:nvPr/>
-        </p:nvSpPr>
-        <p:spPr>
-          <a:xfrm>
-            <a:off x="0" y="6475247"/>
-            <a:ext cx="6743700" cy="307777"/>
+          <a:solidFill>
+            <a:schemeClr val="bg1"/>
+          </a:solidFill>
+          <a:ln>
+            <a:solidFill>
+              <a:schemeClr val="bg1"/>
+            </a:solidFill>
+          </a:ln>
+        </p:spPr>
+        <p:txBody>
+          <a:bodyPr vert="horz" lIns="91440" tIns="45720" rIns="91440" bIns="45720" rtlCol="0" anchor="ctr">
+            <a:normAutofit/>
+          </a:bodyPr>
+          <a:lstStyle>
+            <a:lvl1pPr algn="l" defTabSz="914400" rtl="0" eaLnBrk="1" latinLnBrk="0" hangingPunct="1">
+              <a:lnSpc>
+                <a:spcPct val="90000"/>
+              </a:lnSpc>
+              <a:spcBef>
+                <a:spcPct val="0"/>
+              </a:spcBef>
+              <a:buNone/>
+              <a:defRPr sz="4400" kern="1200">
+                <a:solidFill>
+                  <a:schemeClr val="tx1"/>
+                </a:solidFill>
+                <a:latin typeface="+mj-lt"/>
+                <a:ea typeface="+mj-ea"/>
+                <a:cs typeface="+mj-cs"/>
+              </a:defRPr>
+            </a:lvl1pPr>
+          </a:lstStyle>
+          <a:p>
+            <a:r>
+              <a:rPr lang="fr-FR" b="1" dirty="0">
+                <a:ln>
+                  <a:solidFill>
+                    <a:srgbClr val="7451EB"/>
+                  </a:solidFill>
+                </a:ln>
+                <a:solidFill>
+                  <a:srgbClr val="7451EB"/>
+                </a:solidFill>
+                <a:effectLst>
+                  <a:outerShdw blurRad="38100" dist="38100" dir="2700000" algn="tl">
+                    <a:srgbClr val="000000">
+                      <a:alpha val="43137"/>
+                    </a:srgbClr>
+                  </a:outerShdw>
+                </a:effectLst>
+                <a:latin typeface="Google Sans"/>
+              </a:rPr>
+              <a:t>Conclusions</a:t>
+            </a:r>
+          </a:p>
+        </p:txBody>
+      </p:sp>
+      <p:sp>
+        <p:nvSpPr>
+          <p:cNvPr id="12" name="Titre 1">
+            <a:extLst>
+              <a:ext uri="{FF2B5EF4-FFF2-40B4-BE49-F238E27FC236}">
+                <a16:creationId xmlns:a16="http://schemas.microsoft.com/office/drawing/2014/main" id="{85CD6998-9B19-4373-B68C-154C11EE68A5}"/>
+              </a:ext>
+            </a:extLst>
+          </p:cNvPr>
+          <p:cNvSpPr txBox="1">
+            <a:spLocks/>
+          </p:cNvSpPr>
+          <p:nvPr/>
+        </p:nvSpPr>
+        <p:spPr>
+          <a:xfrm>
+            <a:off x="279918" y="2308321"/>
+            <a:ext cx="6944616" cy="820048"/>
           </a:xfrm>
           <a:prstGeom prst="rect">
             <a:avLst/>
           </a:prstGeom>
-          <a:noFill/>
-        </p:spPr>
-        <p:txBody>
-          <a:bodyPr wrap="square" rtlCol="0">
-            <a:spAutoFit/>
+        </p:spPr>
+        <p:txBody>
+          <a:bodyPr vert="horz" lIns="91440" tIns="45720" rIns="91440" bIns="45720" rtlCol="0" anchor="ctr">
+            <a:normAutofit/>
           </a:bodyPr>
-          <a:lstStyle/>
-          <a:p>
-            <a:r>
-              <a:rPr lang="fr-FR" sz="1400" b="1" dirty="0">
+          <a:lstStyle>
+            <a:lvl1pPr algn="l" defTabSz="914400" rtl="0" eaLnBrk="1" latinLnBrk="0" hangingPunct="1">
+              <a:lnSpc>
+                <a:spcPct val="90000"/>
+              </a:lnSpc>
+              <a:spcBef>
+                <a:spcPct val="0"/>
+              </a:spcBef>
+              <a:buNone/>
+              <a:defRPr sz="4400" kern="1200">
+                <a:solidFill>
+                  <a:schemeClr val="tx1"/>
+                </a:solidFill>
+                <a:latin typeface="+mj-lt"/>
+                <a:ea typeface="+mj-ea"/>
+                <a:cs typeface="+mj-cs"/>
+              </a:defRPr>
+            </a:lvl1pPr>
+          </a:lstStyle>
+          <a:p>
+            <a:r>
+              <a:rPr lang="es-ES" b="1" dirty="0">
                 <a:ln>
                   <a:solidFill>
                     <a:schemeClr val="bg1"/>
@@ -42160,17 +42231,708 @@
                 <a:solidFill>
                   <a:schemeClr val="bg1"/>
                 </a:solidFill>
-                <a:latin typeface="+mj-lt"/>
+                <a:effectLst>
+                  <a:outerShdw blurRad="38100" dist="38100" dir="2700000" algn="tl">
+                    <a:srgbClr val="000000">
+                      <a:alpha val="43137"/>
+                    </a:srgbClr>
+                  </a:outerShdw>
+                </a:effectLst>
+              </a:rPr>
+              <a:t>6.</a:t>
+            </a:r>
+            <a:endParaRPr lang="es-419" sz="5400" b="1" u="sng" dirty="0">
+              <a:ln>
+                <a:solidFill>
+                  <a:schemeClr val="bg1"/>
+                </a:solidFill>
+              </a:ln>
+              <a:solidFill>
+                <a:schemeClr val="bg1"/>
+              </a:solidFill>
+              <a:effectLst>
+                <a:outerShdw blurRad="38100" dist="38100" dir="2700000" algn="tl">
+                  <a:srgbClr val="000000">
+                    <a:alpha val="43137"/>
+                  </a:srgbClr>
+                </a:outerShdw>
+              </a:effectLst>
+            </a:endParaRPr>
+          </a:p>
+        </p:txBody>
+      </p:sp>
+      <p:cxnSp>
+        <p:nvCxnSpPr>
+          <p:cNvPr id="22" name="Straight Connector 21">
+            <a:extLst>
+              <a:ext uri="{FF2B5EF4-FFF2-40B4-BE49-F238E27FC236}">
+                <a16:creationId xmlns:a16="http://schemas.microsoft.com/office/drawing/2014/main" id="{395936B0-0B3B-410D-AA09-D12A1CE78FF8}"/>
+              </a:ext>
+            </a:extLst>
+          </p:cNvPr>
+          <p:cNvCxnSpPr/>
+          <p:nvPr/>
+        </p:nvCxnSpPr>
+        <p:spPr>
+          <a:xfrm>
+            <a:off x="5173057" y="6400273"/>
+            <a:ext cx="0" cy="0"/>
+          </a:xfrm>
+          <a:prstGeom prst="line">
+            <a:avLst/>
+          </a:prstGeom>
+          <a:noFill/>
+        </p:spPr>
+        <p:style>
+          <a:lnRef idx="1">
+            <a:schemeClr val="accent1"/>
+          </a:lnRef>
+          <a:fillRef idx="0">
+            <a:schemeClr val="accent1"/>
+          </a:fillRef>
+          <a:effectRef idx="0">
+            <a:schemeClr val="accent1"/>
+          </a:effectRef>
+          <a:fontRef idx="minor">
+            <a:schemeClr val="tx1"/>
+          </a:fontRef>
+        </p:style>
+      </p:cxnSp>
+      <p:sp>
+        <p:nvSpPr>
+          <p:cNvPr id="23" name="Oval 19">
+            <a:extLst>
+              <a:ext uri="{FF2B5EF4-FFF2-40B4-BE49-F238E27FC236}">
+                <a16:creationId xmlns:a16="http://schemas.microsoft.com/office/drawing/2014/main" id="{467EC350-A60A-4878-AC10-60F565A47FFA}"/>
+              </a:ext>
+            </a:extLst>
+          </p:cNvPr>
+          <p:cNvSpPr/>
+          <p:nvPr/>
+        </p:nvSpPr>
+        <p:spPr>
+          <a:xfrm>
+            <a:off x="4953000" y="5975263"/>
+            <a:ext cx="283335" cy="283335"/>
+          </a:xfrm>
+          <a:prstGeom prst="ellipse">
+            <a:avLst/>
+          </a:prstGeom>
+          <a:noFill/>
+          <a:ln>
+            <a:solidFill>
+              <a:schemeClr val="bg1"/>
+            </a:solidFill>
+          </a:ln>
+          <a:effectLst>
+            <a:outerShdw blurRad="50800" dist="38100" dir="2700000" algn="tl" rotWithShape="0">
+              <a:prstClr val="black">
+                <a:alpha val="40000"/>
+              </a:prstClr>
+            </a:outerShdw>
+          </a:effectLst>
+        </p:spPr>
+        <p:style>
+          <a:lnRef idx="2">
+            <a:schemeClr val="accent1">
+              <a:shade val="50000"/>
+            </a:schemeClr>
+          </a:lnRef>
+          <a:fillRef idx="1">
+            <a:schemeClr val="accent1"/>
+          </a:fillRef>
+          <a:effectRef idx="0">
+            <a:schemeClr val="accent1"/>
+          </a:effectRef>
+          <a:fontRef idx="minor">
+            <a:schemeClr val="lt1"/>
+          </a:fontRef>
+        </p:style>
+        <p:txBody>
+          <a:bodyPr rtlCol="0" anchor="ctr"/>
+          <a:lstStyle/>
+          <a:p>
+            <a:pPr algn="ctr"/>
+            <a:endParaRPr lang="en-US"/>
+          </a:p>
+        </p:txBody>
+      </p:sp>
+      <p:sp>
+        <p:nvSpPr>
+          <p:cNvPr id="24" name="Oval 20">
+            <a:extLst>
+              <a:ext uri="{FF2B5EF4-FFF2-40B4-BE49-F238E27FC236}">
+                <a16:creationId xmlns:a16="http://schemas.microsoft.com/office/drawing/2014/main" id="{913AC283-2856-4C45-9D97-71F0602BF6C3}"/>
+              </a:ext>
+            </a:extLst>
+          </p:cNvPr>
+          <p:cNvSpPr/>
+          <p:nvPr/>
+        </p:nvSpPr>
+        <p:spPr>
+          <a:xfrm>
+            <a:off x="5620555" y="5975262"/>
+            <a:ext cx="283335" cy="283335"/>
+          </a:xfrm>
+          <a:prstGeom prst="ellipse">
+            <a:avLst/>
+          </a:prstGeom>
+          <a:noFill/>
+          <a:ln>
+            <a:solidFill>
+              <a:schemeClr val="bg1"/>
+            </a:solidFill>
+          </a:ln>
+          <a:effectLst>
+            <a:outerShdw blurRad="50800" dist="38100" dir="2700000" algn="tl" rotWithShape="0">
+              <a:prstClr val="black">
+                <a:alpha val="40000"/>
+              </a:prstClr>
+            </a:outerShdw>
+          </a:effectLst>
+        </p:spPr>
+        <p:style>
+          <a:lnRef idx="2">
+            <a:schemeClr val="accent1">
+              <a:shade val="50000"/>
+            </a:schemeClr>
+          </a:lnRef>
+          <a:fillRef idx="1">
+            <a:schemeClr val="accent1"/>
+          </a:fillRef>
+          <a:effectRef idx="0">
+            <a:schemeClr val="accent1"/>
+          </a:effectRef>
+          <a:fontRef idx="minor">
+            <a:schemeClr val="lt1"/>
+          </a:fontRef>
+        </p:style>
+        <p:txBody>
+          <a:bodyPr rtlCol="0" anchor="ctr"/>
+          <a:lstStyle/>
+          <a:p>
+            <a:pPr algn="ctr"/>
+            <a:endParaRPr lang="en-US"/>
+          </a:p>
+        </p:txBody>
+      </p:sp>
+      <p:cxnSp>
+        <p:nvCxnSpPr>
+          <p:cNvPr id="25" name="Straight Connector 22">
+            <a:extLst>
+              <a:ext uri="{FF2B5EF4-FFF2-40B4-BE49-F238E27FC236}">
+                <a16:creationId xmlns:a16="http://schemas.microsoft.com/office/drawing/2014/main" id="{AB5D4995-9044-41A5-98E9-C4959BF2C6BA}"/>
+              </a:ext>
+            </a:extLst>
+          </p:cNvPr>
+          <p:cNvCxnSpPr>
+            <a:stCxn id="23" idx="6"/>
+            <a:endCxn id="24" idx="2"/>
+          </p:cNvCxnSpPr>
+          <p:nvPr/>
+        </p:nvCxnSpPr>
+        <p:spPr>
+          <a:xfrm flipV="1">
+            <a:off x="5236335" y="6116929"/>
+            <a:ext cx="384220" cy="0"/>
+          </a:xfrm>
+          <a:prstGeom prst="line">
+            <a:avLst/>
+          </a:prstGeom>
+          <a:noFill/>
+          <a:ln>
+            <a:solidFill>
+              <a:schemeClr val="bg1"/>
+            </a:solidFill>
+          </a:ln>
+        </p:spPr>
+        <p:style>
+          <a:lnRef idx="2">
+            <a:schemeClr val="dk1"/>
+          </a:lnRef>
+          <a:fillRef idx="0">
+            <a:schemeClr val="dk1"/>
+          </a:fillRef>
+          <a:effectRef idx="1">
+            <a:schemeClr val="dk1"/>
+          </a:effectRef>
+          <a:fontRef idx="minor">
+            <a:schemeClr val="tx1"/>
+          </a:fontRef>
+        </p:style>
+      </p:cxnSp>
+      <p:sp>
+        <p:nvSpPr>
+          <p:cNvPr id="26" name="Oval 23">
+            <a:extLst>
+              <a:ext uri="{FF2B5EF4-FFF2-40B4-BE49-F238E27FC236}">
+                <a16:creationId xmlns:a16="http://schemas.microsoft.com/office/drawing/2014/main" id="{9EAF93CA-6E3C-4E85-9B7F-0E20AC077B3E}"/>
+              </a:ext>
+            </a:extLst>
+          </p:cNvPr>
+          <p:cNvSpPr/>
+          <p:nvPr/>
+        </p:nvSpPr>
+        <p:spPr>
+          <a:xfrm>
+            <a:off x="6288110" y="5975261"/>
+            <a:ext cx="283335" cy="283335"/>
+          </a:xfrm>
+          <a:prstGeom prst="ellipse">
+            <a:avLst/>
+          </a:prstGeom>
+          <a:noFill/>
+          <a:ln>
+            <a:solidFill>
+              <a:schemeClr val="bg1"/>
+            </a:solidFill>
+          </a:ln>
+          <a:effectLst>
+            <a:outerShdw blurRad="50800" dist="38100" dir="2700000" algn="tl" rotWithShape="0">
+              <a:prstClr val="black">
+                <a:alpha val="40000"/>
+              </a:prstClr>
+            </a:outerShdw>
+          </a:effectLst>
+        </p:spPr>
+        <p:style>
+          <a:lnRef idx="2">
+            <a:schemeClr val="accent1">
+              <a:shade val="50000"/>
+            </a:schemeClr>
+          </a:lnRef>
+          <a:fillRef idx="1">
+            <a:schemeClr val="accent1"/>
+          </a:fillRef>
+          <a:effectRef idx="0">
+            <a:schemeClr val="accent1"/>
+          </a:effectRef>
+          <a:fontRef idx="minor">
+            <a:schemeClr val="lt1"/>
+          </a:fontRef>
+        </p:style>
+        <p:txBody>
+          <a:bodyPr rtlCol="0" anchor="ctr"/>
+          <a:lstStyle/>
+          <a:p>
+            <a:pPr algn="ctr"/>
+            <a:endParaRPr lang="en-US" dirty="0"/>
+          </a:p>
+        </p:txBody>
+      </p:sp>
+      <p:cxnSp>
+        <p:nvCxnSpPr>
+          <p:cNvPr id="27" name="Straight Connector 24">
+            <a:extLst>
+              <a:ext uri="{FF2B5EF4-FFF2-40B4-BE49-F238E27FC236}">
+                <a16:creationId xmlns:a16="http://schemas.microsoft.com/office/drawing/2014/main" id="{28F712E7-7DD9-45D4-B9D8-82B491A42EC4}"/>
+              </a:ext>
+            </a:extLst>
+          </p:cNvPr>
+          <p:cNvCxnSpPr>
+            <a:endCxn id="26" idx="2"/>
+          </p:cNvCxnSpPr>
+          <p:nvPr/>
+        </p:nvCxnSpPr>
+        <p:spPr>
+          <a:xfrm flipV="1">
+            <a:off x="5903890" y="6116928"/>
+            <a:ext cx="384220" cy="0"/>
+          </a:xfrm>
+          <a:prstGeom prst="line">
+            <a:avLst/>
+          </a:prstGeom>
+          <a:noFill/>
+          <a:ln>
+            <a:solidFill>
+              <a:schemeClr val="bg1"/>
+            </a:solidFill>
+          </a:ln>
+        </p:spPr>
+        <p:style>
+          <a:lnRef idx="2">
+            <a:schemeClr val="dk1"/>
+          </a:lnRef>
+          <a:fillRef idx="0">
+            <a:schemeClr val="dk1"/>
+          </a:fillRef>
+          <a:effectRef idx="1">
+            <a:schemeClr val="dk1"/>
+          </a:effectRef>
+          <a:fontRef idx="minor">
+            <a:schemeClr val="tx1"/>
+          </a:fontRef>
+        </p:style>
+      </p:cxnSp>
+      <p:sp>
+        <p:nvSpPr>
+          <p:cNvPr id="28" name="Oval 11">
+            <a:extLst>
+              <a:ext uri="{FF2B5EF4-FFF2-40B4-BE49-F238E27FC236}">
+                <a16:creationId xmlns:a16="http://schemas.microsoft.com/office/drawing/2014/main" id="{9655ED37-BD3F-4598-B7EC-8FD035098E49}"/>
+              </a:ext>
+            </a:extLst>
+          </p:cNvPr>
+          <p:cNvSpPr/>
+          <p:nvPr/>
+        </p:nvSpPr>
+        <p:spPr>
+          <a:xfrm>
+            <a:off x="4285445" y="5985995"/>
+            <a:ext cx="283335" cy="283335"/>
+          </a:xfrm>
+          <a:prstGeom prst="ellipse">
+            <a:avLst/>
+          </a:prstGeom>
+          <a:noFill/>
+          <a:ln>
+            <a:solidFill>
+              <a:schemeClr val="bg1"/>
+            </a:solidFill>
+          </a:ln>
+          <a:effectLst>
+            <a:outerShdw blurRad="50800" dist="38100" dir="2700000" algn="tl" rotWithShape="0">
+              <a:prstClr val="black">
+                <a:alpha val="40000"/>
+              </a:prstClr>
+            </a:outerShdw>
+          </a:effectLst>
+        </p:spPr>
+        <p:style>
+          <a:lnRef idx="2">
+            <a:schemeClr val="accent1">
+              <a:shade val="50000"/>
+            </a:schemeClr>
+          </a:lnRef>
+          <a:fillRef idx="1">
+            <a:schemeClr val="accent1"/>
+          </a:fillRef>
+          <a:effectRef idx="0">
+            <a:schemeClr val="accent1"/>
+          </a:effectRef>
+          <a:fontRef idx="minor">
+            <a:schemeClr val="lt1"/>
+          </a:fontRef>
+        </p:style>
+        <p:txBody>
+          <a:bodyPr rtlCol="0" anchor="ctr"/>
+          <a:lstStyle/>
+          <a:p>
+            <a:pPr algn="ctr"/>
+            <a:endParaRPr lang="en-US"/>
+          </a:p>
+        </p:txBody>
+      </p:sp>
+      <p:cxnSp>
+        <p:nvCxnSpPr>
+          <p:cNvPr id="29" name="Straight Connector 16">
+            <a:extLst>
+              <a:ext uri="{FF2B5EF4-FFF2-40B4-BE49-F238E27FC236}">
+                <a16:creationId xmlns:a16="http://schemas.microsoft.com/office/drawing/2014/main" id="{3E5BD531-AA15-464A-8E37-EB91788BA1D5}"/>
+              </a:ext>
+            </a:extLst>
+          </p:cNvPr>
+          <p:cNvCxnSpPr/>
+          <p:nvPr/>
+        </p:nvCxnSpPr>
+        <p:spPr>
+          <a:xfrm flipV="1">
+            <a:off x="4568780" y="6127662"/>
+            <a:ext cx="384220" cy="0"/>
+          </a:xfrm>
+          <a:prstGeom prst="line">
+            <a:avLst/>
+          </a:prstGeom>
+          <a:noFill/>
+          <a:ln>
+            <a:solidFill>
+              <a:schemeClr val="bg1"/>
+            </a:solidFill>
+          </a:ln>
+        </p:spPr>
+        <p:style>
+          <a:lnRef idx="2">
+            <a:schemeClr val="dk1"/>
+          </a:lnRef>
+          <a:fillRef idx="0">
+            <a:schemeClr val="dk1"/>
+          </a:fillRef>
+          <a:effectRef idx="1">
+            <a:schemeClr val="dk1"/>
+          </a:effectRef>
+          <a:fontRef idx="minor">
+            <a:schemeClr val="tx1"/>
+          </a:fontRef>
+        </p:style>
+      </p:cxnSp>
+      <p:sp>
+        <p:nvSpPr>
+          <p:cNvPr id="30" name="Oval 23">
+            <a:extLst>
+              <a:ext uri="{FF2B5EF4-FFF2-40B4-BE49-F238E27FC236}">
+                <a16:creationId xmlns:a16="http://schemas.microsoft.com/office/drawing/2014/main" id="{95496252-57C0-4F72-A023-90AB21EA19A7}"/>
+              </a:ext>
+            </a:extLst>
+          </p:cNvPr>
+          <p:cNvSpPr/>
+          <p:nvPr/>
+        </p:nvSpPr>
+        <p:spPr>
+          <a:xfrm>
+            <a:off x="6955665" y="5994398"/>
+            <a:ext cx="283335" cy="283335"/>
+          </a:xfrm>
+          <a:prstGeom prst="ellipse">
+            <a:avLst/>
+          </a:prstGeom>
+          <a:noFill/>
+          <a:ln>
+            <a:solidFill>
+              <a:schemeClr val="bg1"/>
+            </a:solidFill>
+          </a:ln>
+          <a:effectLst>
+            <a:outerShdw blurRad="50800" dist="38100" dir="2700000" algn="tl" rotWithShape="0">
+              <a:prstClr val="black">
+                <a:alpha val="40000"/>
+              </a:prstClr>
+            </a:outerShdw>
+          </a:effectLst>
+        </p:spPr>
+        <p:style>
+          <a:lnRef idx="2">
+            <a:schemeClr val="accent1">
+              <a:shade val="50000"/>
+            </a:schemeClr>
+          </a:lnRef>
+          <a:fillRef idx="1">
+            <a:schemeClr val="accent1"/>
+          </a:fillRef>
+          <a:effectRef idx="0">
+            <a:schemeClr val="accent1"/>
+          </a:effectRef>
+          <a:fontRef idx="minor">
+            <a:schemeClr val="lt1"/>
+          </a:fontRef>
+        </p:style>
+        <p:txBody>
+          <a:bodyPr rtlCol="0" anchor="ctr"/>
+          <a:lstStyle/>
+          <a:p>
+            <a:pPr algn="ctr"/>
+            <a:endParaRPr lang="en-US"/>
+          </a:p>
+        </p:txBody>
+      </p:sp>
+      <p:cxnSp>
+        <p:nvCxnSpPr>
+          <p:cNvPr id="31" name="Straight Connector 24">
+            <a:extLst>
+              <a:ext uri="{FF2B5EF4-FFF2-40B4-BE49-F238E27FC236}">
+                <a16:creationId xmlns:a16="http://schemas.microsoft.com/office/drawing/2014/main" id="{E9E457C3-311D-49DF-8865-68E22DA5A9F2}"/>
+              </a:ext>
+            </a:extLst>
+          </p:cNvPr>
+          <p:cNvCxnSpPr>
+            <a:endCxn id="30" idx="2"/>
+          </p:cNvCxnSpPr>
+          <p:nvPr/>
+        </p:nvCxnSpPr>
+        <p:spPr>
+          <a:xfrm flipV="1">
+            <a:off x="6571445" y="6136065"/>
+            <a:ext cx="384220" cy="0"/>
+          </a:xfrm>
+          <a:prstGeom prst="line">
+            <a:avLst/>
+          </a:prstGeom>
+          <a:noFill/>
+          <a:ln>
+            <a:solidFill>
+              <a:schemeClr val="bg1"/>
+            </a:solidFill>
+          </a:ln>
+        </p:spPr>
+        <p:style>
+          <a:lnRef idx="2">
+            <a:schemeClr val="dk1"/>
+          </a:lnRef>
+          <a:fillRef idx="0">
+            <a:schemeClr val="dk1"/>
+          </a:fillRef>
+          <a:effectRef idx="1">
+            <a:schemeClr val="dk1"/>
+          </a:effectRef>
+          <a:fontRef idx="minor">
+            <a:schemeClr val="tx1"/>
+          </a:fontRef>
+        </p:style>
+      </p:cxnSp>
+      <p:sp>
+        <p:nvSpPr>
+          <p:cNvPr id="32" name="Oval 23">
+            <a:extLst>
+              <a:ext uri="{FF2B5EF4-FFF2-40B4-BE49-F238E27FC236}">
+                <a16:creationId xmlns:a16="http://schemas.microsoft.com/office/drawing/2014/main" id="{BCB9174A-E94D-4733-B998-DDBFAF2FE374}"/>
+              </a:ext>
+            </a:extLst>
+          </p:cNvPr>
+          <p:cNvSpPr/>
+          <p:nvPr/>
+        </p:nvSpPr>
+        <p:spPr>
+          <a:xfrm>
+            <a:off x="7623220" y="5989665"/>
+            <a:ext cx="283335" cy="283335"/>
+          </a:xfrm>
+          <a:prstGeom prst="ellipse">
+            <a:avLst/>
+          </a:prstGeom>
+          <a:solidFill>
+            <a:schemeClr val="bg1"/>
+          </a:solidFill>
+          <a:ln>
+            <a:solidFill>
+              <a:schemeClr val="bg1"/>
+            </a:solidFill>
+          </a:ln>
+          <a:effectLst>
+            <a:outerShdw blurRad="50800" dist="38100" dir="2700000" algn="tl" rotWithShape="0">
+              <a:prstClr val="black">
+                <a:alpha val="40000"/>
+              </a:prstClr>
+            </a:outerShdw>
+          </a:effectLst>
+        </p:spPr>
+        <p:style>
+          <a:lnRef idx="2">
+            <a:schemeClr val="accent1">
+              <a:shade val="50000"/>
+            </a:schemeClr>
+          </a:lnRef>
+          <a:fillRef idx="1">
+            <a:schemeClr val="accent1"/>
+          </a:fillRef>
+          <a:effectRef idx="0">
+            <a:schemeClr val="accent1"/>
+          </a:effectRef>
+          <a:fontRef idx="minor">
+            <a:schemeClr val="lt1"/>
+          </a:fontRef>
+        </p:style>
+        <p:txBody>
+          <a:bodyPr rtlCol="0" anchor="ctr"/>
+          <a:lstStyle/>
+          <a:p>
+            <a:pPr algn="ctr"/>
+            <a:endParaRPr lang="en-US"/>
+          </a:p>
+        </p:txBody>
+      </p:sp>
+      <p:cxnSp>
+        <p:nvCxnSpPr>
+          <p:cNvPr id="33" name="Straight Connector 24">
+            <a:extLst>
+              <a:ext uri="{FF2B5EF4-FFF2-40B4-BE49-F238E27FC236}">
+                <a16:creationId xmlns:a16="http://schemas.microsoft.com/office/drawing/2014/main" id="{39DC2D7D-C8DC-43D5-A751-397D5054362E}"/>
+              </a:ext>
+            </a:extLst>
+          </p:cNvPr>
+          <p:cNvCxnSpPr>
+            <a:endCxn id="32" idx="2"/>
+          </p:cNvCxnSpPr>
+          <p:nvPr/>
+        </p:nvCxnSpPr>
+        <p:spPr>
+          <a:xfrm flipV="1">
+            <a:off x="7239000" y="6131332"/>
+            <a:ext cx="384220" cy="0"/>
+          </a:xfrm>
+          <a:prstGeom prst="line">
+            <a:avLst/>
+          </a:prstGeom>
+          <a:noFill/>
+          <a:ln>
+            <a:solidFill>
+              <a:schemeClr val="bg1"/>
+            </a:solidFill>
+          </a:ln>
+        </p:spPr>
+        <p:style>
+          <a:lnRef idx="2">
+            <a:schemeClr val="dk1"/>
+          </a:lnRef>
+          <a:fillRef idx="0">
+            <a:schemeClr val="dk1"/>
+          </a:fillRef>
+          <a:effectRef idx="1">
+            <a:schemeClr val="dk1"/>
+          </a:effectRef>
+          <a:fontRef idx="minor">
+            <a:schemeClr val="tx1"/>
+          </a:fontRef>
+        </p:style>
+      </p:cxnSp>
+      <p:sp>
+        <p:nvSpPr>
+          <p:cNvPr id="20" name="TextBox 3">
+            <a:extLst>
+              <a:ext uri="{FF2B5EF4-FFF2-40B4-BE49-F238E27FC236}">
+                <a16:creationId xmlns:a16="http://schemas.microsoft.com/office/drawing/2014/main" id="{ED444C71-E46D-44D9-A44C-A00844439A2F}"/>
+              </a:ext>
+            </a:extLst>
+          </p:cNvPr>
+          <p:cNvSpPr txBox="1"/>
+          <p:nvPr/>
+        </p:nvSpPr>
+        <p:spPr>
+          <a:xfrm>
+            <a:off x="0" y="6475247"/>
+            <a:ext cx="6096000" cy="307777"/>
+          </a:xfrm>
+          <a:prstGeom prst="rect">
+            <a:avLst/>
+          </a:prstGeom>
+          <a:noFill/>
+        </p:spPr>
+        <p:txBody>
+          <a:bodyPr wrap="square" rtlCol="0">
+            <a:spAutoFit/>
+          </a:bodyPr>
+          <a:lstStyle/>
+          <a:p>
+            <a:r>
+              <a:rPr lang="fr-FR" sz="1400" dirty="0">
+                <a:ln>
+                  <a:solidFill>
+                    <a:srgbClr val="7451EB"/>
+                  </a:solidFill>
+                </a:ln>
+                <a:solidFill>
+                  <a:srgbClr val="7451EB"/>
+                </a:solidFill>
+                <a:latin typeface="Calibri Light (En-têtes)"/>
               </a:rPr>
               <a:t>Project 4 -  Anticipation des besoins en consommation électrique de bâtiments</a:t>
             </a:r>
+            <a:endParaRPr lang="en-US" sz="1400" dirty="0">
+              <a:ln>
+                <a:solidFill>
+                  <a:srgbClr val="7451EB"/>
+                </a:solidFill>
+              </a:ln>
+              <a:solidFill>
+                <a:srgbClr val="7451EB"/>
+              </a:solidFill>
+              <a:latin typeface="Calibri Light (En-têtes)"/>
+            </a:endParaRPr>
           </a:p>
         </p:txBody>
       </p:sp>
     </p:spTree>
     <p:extLst>
       <p:ext uri="{BB962C8B-B14F-4D97-AF65-F5344CB8AC3E}">
-        <p14:creationId xmlns:p14="http://schemas.microsoft.com/office/powerpoint/2010/main" val="3869688879"/>
+        <p14:creationId xmlns:p14="http://schemas.microsoft.com/office/powerpoint/2010/main" val="4143129589"/>
       </p:ext>
     </p:extLst>
   </p:cSld>
@@ -42199,10 +42961,10 @@
       </p:grpSpPr>
       <p:sp>
         <p:nvSpPr>
-          <p:cNvPr id="10" name="Rectángulo 1">
-            <a:extLst>
-              <a:ext uri="{FF2B5EF4-FFF2-40B4-BE49-F238E27FC236}">
-                <a16:creationId xmlns:a16="http://schemas.microsoft.com/office/drawing/2014/main" id="{EC6BC2CE-B281-4F18-889E-16BEFF6CC2C6}"/>
+          <p:cNvPr id="5" name="Rectangle 4">
+            <a:extLst>
+              <a:ext uri="{FF2B5EF4-FFF2-40B4-BE49-F238E27FC236}">
+                <a16:creationId xmlns:a16="http://schemas.microsoft.com/office/drawing/2014/main" id="{A00233D2-38CE-441F-90C9-32F91999758A}"/>
               </a:ext>
             </a:extLst>
           </p:cNvPr>
@@ -42211,8 +42973,8 @@
         </p:nvSpPr>
         <p:spPr>
           <a:xfrm>
-            <a:off x="-72007" y="0"/>
-            <a:ext cx="7296540" cy="6858000"/>
+            <a:off x="0" y="6400273"/>
+            <a:ext cx="12192000" cy="457727"/>
           </a:xfrm>
           <a:prstGeom prst="rect">
             <a:avLst/>
@@ -42247,16 +43009,137 @@
           <a:lstStyle/>
           <a:p>
             <a:pPr algn="ctr"/>
-            <a:endParaRPr lang="es-AR"/>
-          </a:p>
-        </p:txBody>
-      </p:sp>
-      <p:sp>
-        <p:nvSpPr>
-          <p:cNvPr id="36" name="Rectángulo 4">
-            <a:extLst>
-              <a:ext uri="{FF2B5EF4-FFF2-40B4-BE49-F238E27FC236}">
-                <a16:creationId xmlns:a16="http://schemas.microsoft.com/office/drawing/2014/main" id="{3D7BED2F-80EC-4813-AFFE-DF338008BEBB}"/>
+            <a:endParaRPr lang="en-US" dirty="0"/>
+          </a:p>
+        </p:txBody>
+      </p:sp>
+      <p:sp>
+        <p:nvSpPr>
+          <p:cNvPr id="15" name="TextBox 3">
+            <a:extLst>
+              <a:ext uri="{FF2B5EF4-FFF2-40B4-BE49-F238E27FC236}">
+                <a16:creationId xmlns:a16="http://schemas.microsoft.com/office/drawing/2014/main" id="{47FC2DCC-BDE9-485D-AF79-4177B5479110}"/>
+              </a:ext>
+            </a:extLst>
+          </p:cNvPr>
+          <p:cNvSpPr txBox="1"/>
+          <p:nvPr/>
+        </p:nvSpPr>
+        <p:spPr>
+          <a:xfrm>
+            <a:off x="10543592" y="6475247"/>
+            <a:ext cx="1648408" cy="307777"/>
+          </a:xfrm>
+          <a:prstGeom prst="rect">
+            <a:avLst/>
+          </a:prstGeom>
+          <a:noFill/>
+        </p:spPr>
+        <p:txBody>
+          <a:bodyPr wrap="square" rtlCol="0">
+            <a:spAutoFit/>
+          </a:bodyPr>
+          <a:lstStyle/>
+          <a:p>
+            <a:pPr algn="r"/>
+            <a:r>
+              <a:rPr lang="es-CO" sz="1400" b="1" i="1" dirty="0" err="1">
+                <a:ln>
+                  <a:solidFill>
+                    <a:schemeClr val="bg1"/>
+                  </a:solidFill>
+                </a:ln>
+                <a:solidFill>
+                  <a:schemeClr val="bg1"/>
+                </a:solidFill>
+                <a:latin typeface="+mj-lt"/>
+              </a:rPr>
+              <a:t>OpenClassrooms</a:t>
+            </a:r>
+            <a:endParaRPr lang="en-US" sz="1400" b="1" i="1" dirty="0">
+              <a:ln>
+                <a:solidFill>
+                  <a:schemeClr val="bg1"/>
+                </a:solidFill>
+              </a:ln>
+              <a:solidFill>
+                <a:schemeClr val="bg1"/>
+              </a:solidFill>
+              <a:latin typeface="+mj-lt"/>
+            </a:endParaRPr>
+          </a:p>
+        </p:txBody>
+      </p:sp>
+      <p:sp>
+        <p:nvSpPr>
+          <p:cNvPr id="10" name="Titre 1">
+            <a:extLst>
+              <a:ext uri="{FF2B5EF4-FFF2-40B4-BE49-F238E27FC236}">
+                <a16:creationId xmlns:a16="http://schemas.microsoft.com/office/drawing/2014/main" id="{224E5C7D-3656-459F-9C01-61200508167F}"/>
+              </a:ext>
+            </a:extLst>
+          </p:cNvPr>
+          <p:cNvSpPr txBox="1">
+            <a:spLocks/>
+          </p:cNvSpPr>
+          <p:nvPr/>
+        </p:nvSpPr>
+        <p:spPr>
+          <a:xfrm>
+            <a:off x="279918" y="432794"/>
+            <a:ext cx="11001492" cy="820048"/>
+          </a:xfrm>
+          <a:prstGeom prst="rect">
+            <a:avLst/>
+          </a:prstGeom>
+        </p:spPr>
+        <p:txBody>
+          <a:bodyPr vert="horz" lIns="91440" tIns="45720" rIns="91440" bIns="45720" rtlCol="0" anchor="ctr">
+            <a:normAutofit/>
+          </a:bodyPr>
+          <a:lstStyle>
+            <a:lvl1pPr algn="l" defTabSz="914400" rtl="0" eaLnBrk="1" latinLnBrk="0" hangingPunct="1">
+              <a:lnSpc>
+                <a:spcPct val="90000"/>
+              </a:lnSpc>
+              <a:spcBef>
+                <a:spcPct val="0"/>
+              </a:spcBef>
+              <a:buNone/>
+              <a:defRPr sz="4400" kern="1200">
+                <a:solidFill>
+                  <a:schemeClr val="tx1"/>
+                </a:solidFill>
+                <a:latin typeface="+mj-lt"/>
+                <a:ea typeface="+mj-ea"/>
+                <a:cs typeface="+mj-cs"/>
+              </a:defRPr>
+            </a:lvl1pPr>
+          </a:lstStyle>
+          <a:p>
+            <a:r>
+              <a:rPr lang="fr-FR" sz="4000" b="1" dirty="0">
+                <a:ln>
+                  <a:solidFill>
+                    <a:srgbClr val="7451EB"/>
+                  </a:solidFill>
+                </a:ln>
+                <a:solidFill>
+                  <a:srgbClr val="7451EB"/>
+                </a:solidFill>
+                <a:latin typeface="Google Sans"/>
+              </a:rPr>
+              <a:t>Les conclusions de la mission</a:t>
+            </a:r>
+          </a:p>
+        </p:txBody>
+      </p:sp>
+      <p:sp>
+        <p:nvSpPr>
+          <p:cNvPr id="11" name="Rectángulo 4">
+            <a:extLst>
+              <a:ext uri="{FF2B5EF4-FFF2-40B4-BE49-F238E27FC236}">
+                <a16:creationId xmlns:a16="http://schemas.microsoft.com/office/drawing/2014/main" id="{B84F0FDC-2C73-4C87-9CC7-F9F129B3A699}"/>
               </a:ext>
             </a:extLst>
           </p:cNvPr>
@@ -42265,18 +43148,18 @@
         </p:nvSpPr>
         <p:spPr>
           <a:xfrm>
-            <a:off x="377906" y="1683233"/>
+            <a:off x="377906" y="378794"/>
             <a:ext cx="366721" cy="54000"/>
           </a:xfrm>
           <a:prstGeom prst="rect">
             <a:avLst/>
           </a:prstGeom>
           <a:solidFill>
-            <a:schemeClr val="bg1"/>
+            <a:srgbClr val="7451EB"/>
           </a:solidFill>
           <a:ln>
             <a:solidFill>
-              <a:schemeClr val="bg1"/>
+              <a:srgbClr val="7451EB"/>
             </a:solidFill>
           </a:ln>
         </p:spPr>
@@ -42301,16 +43184,25 @@
           <a:lstStyle/>
           <a:p>
             <a:pPr algn="ctr"/>
-            <a:endParaRPr lang="es-AR"/>
-          </a:p>
-        </p:txBody>
-      </p:sp>
-      <p:sp>
-        <p:nvSpPr>
-          <p:cNvPr id="30" name="ZoneTexte 29">
-            <a:extLst>
-              <a:ext uri="{FF2B5EF4-FFF2-40B4-BE49-F238E27FC236}">
-                <a16:creationId xmlns:a16="http://schemas.microsoft.com/office/drawing/2014/main" id="{1C59DD88-0231-4DD6-B63A-00DE1EDF79C4}"/>
+            <a:endParaRPr lang="es-AR">
+              <a:ln>
+                <a:solidFill>
+                  <a:srgbClr val="7451EB"/>
+                </a:solidFill>
+              </a:ln>
+              <a:solidFill>
+                <a:srgbClr val="7451EB"/>
+              </a:solidFill>
+            </a:endParaRPr>
+          </a:p>
+        </p:txBody>
+      </p:sp>
+      <p:sp>
+        <p:nvSpPr>
+          <p:cNvPr id="7" name="ZoneTexte 6">
+            <a:extLst>
+              <a:ext uri="{FF2B5EF4-FFF2-40B4-BE49-F238E27FC236}">
+                <a16:creationId xmlns:a16="http://schemas.microsoft.com/office/drawing/2014/main" id="{76B79EDD-083C-4DEA-B579-B7304BDD18CF}"/>
               </a:ext>
             </a:extLst>
           </p:cNvPr>
@@ -42319,8 +43211,8 @@
         </p:nvSpPr>
         <p:spPr>
           <a:xfrm>
-            <a:off x="279917" y="1737233"/>
-            <a:ext cx="6592692" cy="3939540"/>
+            <a:off x="844895" y="2478658"/>
+            <a:ext cx="10203406" cy="707886"/>
           </a:xfrm>
           <a:prstGeom prst="rect">
             <a:avLst/>
@@ -42334,7 +43226,479 @@
           <a:lstStyle/>
           <a:p>
             <a:r>
-              <a:rPr lang="fr-FR" sz="4800" b="1" i="1" dirty="0">
+              <a:rPr lang="fr-FR" sz="2000" dirty="0">
+                <a:latin typeface="Google Sans"/>
+              </a:rPr>
+              <a:t>Il faut prendre en compte des variables déclaratives numérique en relation avec la taille de </a:t>
+            </a:r>
+            <a:r>
+              <a:rPr lang="fr-FR" sz="2000" dirty="0" err="1">
+                <a:latin typeface="Google Sans"/>
+              </a:rPr>
+              <a:t>dataset</a:t>
+            </a:r>
+            <a:r>
+              <a:rPr lang="fr-FR" sz="2000" dirty="0">
+                <a:latin typeface="Google Sans"/>
+              </a:rPr>
+              <a:t>. </a:t>
+            </a:r>
+            <a:r>
+              <a:rPr lang="fr-FR" sz="1400" i="1" dirty="0" err="1">
+                <a:solidFill>
+                  <a:schemeClr val="bg1">
+                    <a:lumMod val="50000"/>
+                  </a:schemeClr>
+                </a:solidFill>
+                <a:latin typeface="Google Sans"/>
+              </a:rPr>
+              <a:t>PropertyGFABuilding</a:t>
+            </a:r>
+            <a:r>
+              <a:rPr lang="fr-FR" sz="1400" i="1" dirty="0">
+                <a:solidFill>
+                  <a:schemeClr val="bg1">
+                    <a:lumMod val="50000"/>
+                  </a:schemeClr>
+                </a:solidFill>
+                <a:latin typeface="Google Sans"/>
+              </a:rPr>
+              <a:t>(s), </a:t>
+            </a:r>
+            <a:r>
+              <a:rPr lang="fr-FR" sz="1400" i="1" dirty="0" err="1">
+                <a:solidFill>
+                  <a:schemeClr val="bg1">
+                    <a:lumMod val="50000"/>
+                  </a:schemeClr>
+                </a:solidFill>
+                <a:latin typeface="Google Sans"/>
+              </a:rPr>
+              <a:t>LargestPropertyUseTypeGFA</a:t>
+            </a:r>
+            <a:r>
+              <a:rPr lang="fr-FR" sz="1400" i="1" dirty="0">
+                <a:solidFill>
+                  <a:schemeClr val="bg1">
+                    <a:lumMod val="50000"/>
+                  </a:schemeClr>
+                </a:solidFill>
+                <a:latin typeface="Google Sans"/>
+              </a:rPr>
+              <a:t>, </a:t>
+            </a:r>
+            <a:r>
+              <a:rPr lang="fr-FR" sz="1400" i="1" dirty="0" err="1">
+                <a:solidFill>
+                  <a:schemeClr val="bg1">
+                    <a:lumMod val="50000"/>
+                  </a:schemeClr>
+                </a:solidFill>
+                <a:latin typeface="Google Sans"/>
+              </a:rPr>
+              <a:t>SecondLargestPropertyUseTypeGFA</a:t>
+            </a:r>
+            <a:r>
+              <a:rPr lang="fr-FR" sz="1400" i="1" dirty="0">
+                <a:solidFill>
+                  <a:schemeClr val="bg1">
+                    <a:lumMod val="50000"/>
+                  </a:schemeClr>
+                </a:solidFill>
+                <a:latin typeface="Google Sans"/>
+              </a:rPr>
+              <a:t>, etc.</a:t>
+            </a:r>
+            <a:endParaRPr lang="fr-FR" sz="1400" i="1" u="none" strike="noStrike" dirty="0">
+              <a:solidFill>
+                <a:schemeClr val="bg1">
+                  <a:lumMod val="50000"/>
+                </a:schemeClr>
+              </a:solidFill>
+              <a:effectLst/>
+              <a:latin typeface="Google Sans"/>
+            </a:endParaRPr>
+          </a:p>
+        </p:txBody>
+      </p:sp>
+      <p:pic>
+        <p:nvPicPr>
+          <p:cNvPr id="14" name="Image 13">
+            <a:extLst>
+              <a:ext uri="{FF2B5EF4-FFF2-40B4-BE49-F238E27FC236}">
+                <a16:creationId xmlns:a16="http://schemas.microsoft.com/office/drawing/2014/main" id="{A7C30329-4C74-49AC-9F32-4F3FEBA33001}"/>
+              </a:ext>
+            </a:extLst>
+          </p:cNvPr>
+          <p:cNvPicPr>
+            <a:picLocks noChangeAspect="1"/>
+          </p:cNvPicPr>
+          <p:nvPr/>
+        </p:nvPicPr>
+        <p:blipFill>
+          <a:blip r:embed="rId3">
+            <a:duotone>
+              <a:schemeClr val="accent6">
+                <a:shade val="45000"/>
+                <a:satMod val="135000"/>
+              </a:schemeClr>
+              <a:prstClr val="white"/>
+            </a:duotone>
+            <a:extLst>
+              <a:ext uri="{28A0092B-C50C-407E-A947-70E740481C1C}">
+                <a14:useLocalDpi xmlns:a14="http://schemas.microsoft.com/office/drawing/2010/main" val="0"/>
+              </a:ext>
+            </a:extLst>
+          </a:blip>
+          <a:stretch>
+            <a:fillRect/>
+          </a:stretch>
+        </p:blipFill>
+        <p:spPr>
+          <a:xfrm>
+            <a:off x="377906" y="1496447"/>
+            <a:ext cx="457727" cy="427272"/>
+          </a:xfrm>
+          <a:prstGeom prst="rect">
+            <a:avLst/>
+          </a:prstGeom>
+        </p:spPr>
+      </p:pic>
+      <p:sp>
+        <p:nvSpPr>
+          <p:cNvPr id="16" name="ZoneTexte 15">
+            <a:extLst>
+              <a:ext uri="{FF2B5EF4-FFF2-40B4-BE49-F238E27FC236}">
+                <a16:creationId xmlns:a16="http://schemas.microsoft.com/office/drawing/2014/main" id="{9575B878-1454-457A-B540-8EF6A5871670}"/>
+              </a:ext>
+            </a:extLst>
+          </p:cNvPr>
+          <p:cNvSpPr txBox="1"/>
+          <p:nvPr/>
+        </p:nvSpPr>
+        <p:spPr>
+          <a:xfrm>
+            <a:off x="844895" y="1491296"/>
+            <a:ext cx="10341550" cy="707886"/>
+          </a:xfrm>
+          <a:prstGeom prst="rect">
+            <a:avLst/>
+          </a:prstGeom>
+          <a:noFill/>
+        </p:spPr>
+        <p:txBody>
+          <a:bodyPr wrap="square">
+            <a:spAutoFit/>
+          </a:bodyPr>
+          <a:lstStyle/>
+          <a:p>
+            <a:r>
+              <a:rPr lang="fr-FR" sz="2000" dirty="0">
+                <a:latin typeface="Google Sans"/>
+              </a:rPr>
+              <a:t>Les courbes d’apprentissage montrent qu’il est nécessaire d’avoir plus de données pour obtenir de meilleurs résultats sur les modèles. </a:t>
+            </a:r>
+            <a:r>
+              <a:rPr lang="fr-FR" sz="1400" i="1" dirty="0">
+                <a:solidFill>
+                  <a:schemeClr val="bg1">
+                    <a:lumMod val="50000"/>
+                  </a:schemeClr>
+                </a:solidFill>
+                <a:latin typeface="Google Sans"/>
+              </a:rPr>
+              <a:t>La taille de </a:t>
+            </a:r>
+            <a:r>
+              <a:rPr lang="fr-FR" sz="1400" i="1" dirty="0" err="1">
+                <a:solidFill>
+                  <a:schemeClr val="bg1">
+                    <a:lumMod val="50000"/>
+                  </a:schemeClr>
+                </a:solidFill>
+                <a:latin typeface="Google Sans"/>
+              </a:rPr>
+              <a:t>datasets</a:t>
+            </a:r>
+            <a:r>
+              <a:rPr lang="fr-FR" sz="1400" i="1" dirty="0">
+                <a:solidFill>
+                  <a:schemeClr val="bg1">
+                    <a:lumMod val="50000"/>
+                  </a:schemeClr>
+                </a:solidFill>
+                <a:latin typeface="Google Sans"/>
+              </a:rPr>
+              <a:t> sans variables cibles est de 1614 x 11</a:t>
+            </a:r>
+            <a:endParaRPr lang="fr-FR" sz="2000" i="1" dirty="0">
+              <a:solidFill>
+                <a:schemeClr val="bg1">
+                  <a:lumMod val="50000"/>
+                </a:schemeClr>
+              </a:solidFill>
+              <a:latin typeface="Google Sans"/>
+            </a:endParaRPr>
+          </a:p>
+        </p:txBody>
+      </p:sp>
+      <p:pic>
+        <p:nvPicPr>
+          <p:cNvPr id="17" name="Image 16">
+            <a:extLst>
+              <a:ext uri="{FF2B5EF4-FFF2-40B4-BE49-F238E27FC236}">
+                <a16:creationId xmlns:a16="http://schemas.microsoft.com/office/drawing/2014/main" id="{C20AC3F1-B0BB-4E7D-8C73-85820D695E9A}"/>
+              </a:ext>
+            </a:extLst>
+          </p:cNvPr>
+          <p:cNvPicPr>
+            <a:picLocks noChangeAspect="1"/>
+          </p:cNvPicPr>
+          <p:nvPr/>
+        </p:nvPicPr>
+        <p:blipFill>
+          <a:blip r:embed="rId3">
+            <a:duotone>
+              <a:schemeClr val="accent6">
+                <a:shade val="45000"/>
+                <a:satMod val="135000"/>
+              </a:schemeClr>
+              <a:prstClr val="white"/>
+            </a:duotone>
+            <a:extLst>
+              <a:ext uri="{28A0092B-C50C-407E-A947-70E740481C1C}">
+                <a14:useLocalDpi xmlns:a14="http://schemas.microsoft.com/office/drawing/2010/main" val="0"/>
+              </a:ext>
+            </a:extLst>
+          </a:blip>
+          <a:stretch>
+            <a:fillRect/>
+          </a:stretch>
+        </p:blipFill>
+        <p:spPr>
+          <a:xfrm>
+            <a:off x="377906" y="2478658"/>
+            <a:ext cx="457727" cy="427272"/>
+          </a:xfrm>
+          <a:prstGeom prst="rect">
+            <a:avLst/>
+          </a:prstGeom>
+        </p:spPr>
+      </p:pic>
+      <p:sp>
+        <p:nvSpPr>
+          <p:cNvPr id="19" name="ZoneTexte 18">
+            <a:extLst>
+              <a:ext uri="{FF2B5EF4-FFF2-40B4-BE49-F238E27FC236}">
+                <a16:creationId xmlns:a16="http://schemas.microsoft.com/office/drawing/2014/main" id="{7FA8AB11-A5F4-4599-AF30-E2A153834B7D}"/>
+              </a:ext>
+            </a:extLst>
+          </p:cNvPr>
+          <p:cNvSpPr txBox="1"/>
+          <p:nvPr/>
+        </p:nvSpPr>
+        <p:spPr>
+          <a:xfrm>
+            <a:off x="844895" y="3479296"/>
+            <a:ext cx="10743202" cy="707886"/>
+          </a:xfrm>
+          <a:prstGeom prst="rect">
+            <a:avLst/>
+          </a:prstGeom>
+          <a:noFill/>
+        </p:spPr>
+        <p:txBody>
+          <a:bodyPr wrap="square">
+            <a:spAutoFit/>
+          </a:bodyPr>
+          <a:lstStyle/>
+          <a:p>
+            <a:r>
+              <a:rPr lang="fr-FR" sz="2000" dirty="0">
+                <a:latin typeface="Google Sans"/>
+              </a:rPr>
+              <a:t>Il est nécessaire de bien connaître le comportement de chaque modèle et ses paramètres pour en tirer le meilleur parti.</a:t>
+            </a:r>
+          </a:p>
+        </p:txBody>
+      </p:sp>
+      <p:pic>
+        <p:nvPicPr>
+          <p:cNvPr id="20" name="Image 19">
+            <a:extLst>
+              <a:ext uri="{FF2B5EF4-FFF2-40B4-BE49-F238E27FC236}">
+                <a16:creationId xmlns:a16="http://schemas.microsoft.com/office/drawing/2014/main" id="{F5EFC259-88FB-4D52-ABC5-921C62988A12}"/>
+              </a:ext>
+            </a:extLst>
+          </p:cNvPr>
+          <p:cNvPicPr>
+            <a:picLocks noChangeAspect="1"/>
+          </p:cNvPicPr>
+          <p:nvPr/>
+        </p:nvPicPr>
+        <p:blipFill>
+          <a:blip r:embed="rId3">
+            <a:duotone>
+              <a:schemeClr val="accent6">
+                <a:shade val="45000"/>
+                <a:satMod val="135000"/>
+              </a:schemeClr>
+              <a:prstClr val="white"/>
+            </a:duotone>
+            <a:extLst>
+              <a:ext uri="{28A0092B-C50C-407E-A947-70E740481C1C}">
+                <a14:useLocalDpi xmlns:a14="http://schemas.microsoft.com/office/drawing/2010/main" val="0"/>
+              </a:ext>
+            </a:extLst>
+          </a:blip>
+          <a:stretch>
+            <a:fillRect/>
+          </a:stretch>
+        </p:blipFill>
+        <p:spPr>
+          <a:xfrm>
+            <a:off x="377906" y="3479296"/>
+            <a:ext cx="457727" cy="427272"/>
+          </a:xfrm>
+          <a:prstGeom prst="rect">
+            <a:avLst/>
+          </a:prstGeom>
+        </p:spPr>
+      </p:pic>
+      <p:sp>
+        <p:nvSpPr>
+          <p:cNvPr id="18" name="ZoneTexte 17">
+            <a:extLst>
+              <a:ext uri="{FF2B5EF4-FFF2-40B4-BE49-F238E27FC236}">
+                <a16:creationId xmlns:a16="http://schemas.microsoft.com/office/drawing/2014/main" id="{4698BDD5-7EAD-4A55-8659-0C529C0E7C2C}"/>
+              </a:ext>
+            </a:extLst>
+          </p:cNvPr>
+          <p:cNvSpPr txBox="1"/>
+          <p:nvPr/>
+        </p:nvSpPr>
+        <p:spPr>
+          <a:xfrm>
+            <a:off x="830571" y="4333598"/>
+            <a:ext cx="10743202" cy="707886"/>
+          </a:xfrm>
+          <a:prstGeom prst="rect">
+            <a:avLst/>
+          </a:prstGeom>
+          <a:noFill/>
+        </p:spPr>
+        <p:txBody>
+          <a:bodyPr wrap="square">
+            <a:spAutoFit/>
+          </a:bodyPr>
+          <a:lstStyle/>
+          <a:p>
+            <a:r>
+              <a:rPr lang="fr-FR" sz="2000" dirty="0">
+                <a:latin typeface="Google Sans"/>
+              </a:rPr>
+              <a:t>Sur la base du meilleur résultat obtenu par Gradient </a:t>
+            </a:r>
+            <a:r>
+              <a:rPr lang="fr-FR" sz="2000" dirty="0" err="1">
+                <a:latin typeface="Google Sans"/>
+              </a:rPr>
+              <a:t>Boosting</a:t>
+            </a:r>
+            <a:r>
+              <a:rPr lang="fr-FR" sz="2000" dirty="0">
+                <a:latin typeface="Google Sans"/>
+              </a:rPr>
+              <a:t>, il faut prendre en compte le </a:t>
+            </a:r>
+            <a:r>
+              <a:rPr lang="fr-FR" sz="2000" dirty="0" err="1">
+                <a:latin typeface="Google Sans"/>
+              </a:rPr>
+              <a:t>XGBoost</a:t>
+            </a:r>
+            <a:r>
+              <a:rPr lang="fr-FR" sz="2000" dirty="0">
+                <a:latin typeface="Google Sans"/>
+              </a:rPr>
+              <a:t> pour faire la prédiction.</a:t>
+            </a:r>
+          </a:p>
+        </p:txBody>
+      </p:sp>
+      <p:pic>
+        <p:nvPicPr>
+          <p:cNvPr id="21" name="Image 20">
+            <a:extLst>
+              <a:ext uri="{FF2B5EF4-FFF2-40B4-BE49-F238E27FC236}">
+                <a16:creationId xmlns:a16="http://schemas.microsoft.com/office/drawing/2014/main" id="{64E6C78E-3D6E-42B1-8A3E-87391A96BEF9}"/>
+              </a:ext>
+            </a:extLst>
+          </p:cNvPr>
+          <p:cNvPicPr>
+            <a:picLocks noChangeAspect="1"/>
+          </p:cNvPicPr>
+          <p:nvPr/>
+        </p:nvPicPr>
+        <p:blipFill>
+          <a:blip r:embed="rId3">
+            <a:duotone>
+              <a:schemeClr val="accent6">
+                <a:shade val="45000"/>
+                <a:satMod val="135000"/>
+              </a:schemeClr>
+              <a:prstClr val="white"/>
+            </a:duotone>
+            <a:extLst>
+              <a:ext uri="{28A0092B-C50C-407E-A947-70E740481C1C}">
+                <a14:useLocalDpi xmlns:a14="http://schemas.microsoft.com/office/drawing/2010/main" val="0"/>
+              </a:ext>
+            </a:extLst>
+          </a:blip>
+          <a:stretch>
+            <a:fillRect/>
+          </a:stretch>
+        </p:blipFill>
+        <p:spPr>
+          <a:xfrm>
+            <a:off x="363581" y="4333598"/>
+            <a:ext cx="457727" cy="427272"/>
+          </a:xfrm>
+          <a:prstGeom prst="rect">
+            <a:avLst/>
+          </a:prstGeom>
+        </p:spPr>
+      </p:pic>
+      <p:sp>
+        <p:nvSpPr>
+          <p:cNvPr id="22" name="TextBox 3">
+            <a:extLst>
+              <a:ext uri="{FF2B5EF4-FFF2-40B4-BE49-F238E27FC236}">
+                <a16:creationId xmlns:a16="http://schemas.microsoft.com/office/drawing/2014/main" id="{2CE28751-E9A6-416A-97CD-5F27DC390646}"/>
+              </a:ext>
+            </a:extLst>
+          </p:cNvPr>
+          <p:cNvSpPr txBox="1"/>
+          <p:nvPr/>
+        </p:nvSpPr>
+        <p:spPr>
+          <a:xfrm>
+            <a:off x="0" y="6475247"/>
+            <a:ext cx="6743700" cy="307777"/>
+          </a:xfrm>
+          <a:prstGeom prst="rect">
+            <a:avLst/>
+          </a:prstGeom>
+          <a:noFill/>
+        </p:spPr>
+        <p:txBody>
+          <a:bodyPr wrap="square" rtlCol="0">
+            <a:spAutoFit/>
+          </a:bodyPr>
+          <a:lstStyle/>
+          <a:p>
+            <a:r>
+              <a:rPr lang="fr-FR" sz="1400" b="1" dirty="0">
                 <a:ln>
                   <a:solidFill>
                     <a:schemeClr val="bg1"/>
@@ -42343,295 +43707,109 @@
                 <a:solidFill>
                   <a:schemeClr val="bg1"/>
                 </a:solidFill>
+                <a:latin typeface="+mj-lt"/>
+              </a:rPr>
+              <a:t>Project 4 -  Anticipation des besoins en consommation électrique de bâtiments</a:t>
+            </a:r>
+          </a:p>
+        </p:txBody>
+      </p:sp>
+      <p:sp>
+        <p:nvSpPr>
+          <p:cNvPr id="23" name="ZoneTexte 22">
+            <a:extLst>
+              <a:ext uri="{FF2B5EF4-FFF2-40B4-BE49-F238E27FC236}">
+                <a16:creationId xmlns:a16="http://schemas.microsoft.com/office/drawing/2014/main" id="{1159D764-0A56-4863-B2CC-5954B09710CB}"/>
+              </a:ext>
+            </a:extLst>
+          </p:cNvPr>
+          <p:cNvSpPr txBox="1"/>
+          <p:nvPr/>
+        </p:nvSpPr>
+        <p:spPr>
+          <a:xfrm>
+            <a:off x="828946" y="5322222"/>
+            <a:ext cx="10743202" cy="400110"/>
+          </a:xfrm>
+          <a:prstGeom prst="rect">
+            <a:avLst/>
+          </a:prstGeom>
+          <a:noFill/>
+        </p:spPr>
+        <p:txBody>
+          <a:bodyPr wrap="square">
+            <a:spAutoFit/>
+          </a:bodyPr>
+          <a:lstStyle/>
+          <a:p>
+            <a:r>
+              <a:rPr lang="fr-FR" sz="2000" dirty="0">
                 <a:latin typeface="Google Sans"/>
               </a:rPr>
-              <a:t>MERCI</a:t>
-            </a:r>
-          </a:p>
-          <a:p>
-            <a:endParaRPr lang="fr-FR" sz="3200" b="1" dirty="0">
-              <a:ln>
-                <a:solidFill>
-                  <a:schemeClr val="bg1"/>
-                </a:solidFill>
-              </a:ln>
-              <a:solidFill>
-                <a:schemeClr val="bg1"/>
-              </a:solidFill>
-              <a:latin typeface="Google Sans"/>
-            </a:endParaRPr>
-          </a:p>
-          <a:p>
-            <a:endParaRPr lang="fr-FR" sz="3200" b="1" dirty="0">
-              <a:ln>
-                <a:solidFill>
-                  <a:schemeClr val="bg1"/>
-                </a:solidFill>
-              </a:ln>
-              <a:solidFill>
-                <a:schemeClr val="bg1"/>
-              </a:solidFill>
-              <a:latin typeface="Google Sans"/>
-            </a:endParaRPr>
-          </a:p>
-          <a:p>
+              <a:t>Il est recommandé de considérer </a:t>
+            </a:r>
+            <a:r>
+              <a:rPr lang="fr-FR" sz="2000" dirty="0" err="1">
+                <a:latin typeface="Google Sans"/>
+              </a:rPr>
+              <a:t>EnergySTARScore</a:t>
+            </a:r>
             <a:r>
               <a:rPr lang="fr-FR" sz="2000" dirty="0">
-                <a:ln>
-                  <a:solidFill>
-                    <a:schemeClr val="bg1"/>
-                  </a:solidFill>
-                </a:ln>
-                <a:solidFill>
-                  <a:schemeClr val="bg1"/>
-                </a:solidFill>
                 <a:latin typeface="Google Sans"/>
               </a:rPr>
-              <a:t>Soutenance de Projet</a:t>
-            </a:r>
-          </a:p>
-          <a:p>
-            <a:r>
-              <a:rPr lang="fr-FR" sz="3200" dirty="0">
-                <a:ln>
-                  <a:solidFill>
-                    <a:schemeClr val="bg1"/>
-                  </a:solidFill>
-                </a:ln>
-                <a:solidFill>
-                  <a:schemeClr val="bg1"/>
-                </a:solidFill>
-                <a:latin typeface="Google Sans"/>
-              </a:rPr>
-              <a:t>Samir HINOJOSA</a:t>
-            </a:r>
-          </a:p>
-          <a:p>
-            <a:endParaRPr lang="fr-FR" sz="3600" dirty="0">
-              <a:ln>
-                <a:solidFill>
-                  <a:schemeClr val="bg1"/>
-                </a:solidFill>
-              </a:ln>
-              <a:solidFill>
-                <a:schemeClr val="bg1"/>
-              </a:solidFill>
-              <a:latin typeface="Google Sans"/>
-            </a:endParaRPr>
-          </a:p>
-          <a:p>
-            <a:endParaRPr lang="fr-FR" sz="3600" dirty="0">
-              <a:ln>
-                <a:solidFill>
-                  <a:schemeClr val="bg1"/>
-                </a:solidFill>
-              </a:ln>
-              <a:solidFill>
-                <a:schemeClr val="bg1"/>
-              </a:solidFill>
-              <a:latin typeface="Google Sans"/>
-            </a:endParaRPr>
-          </a:p>
-          <a:p>
-            <a:r>
-              <a:rPr lang="fr-FR" sz="1400" dirty="0">
-                <a:ln>
-                  <a:solidFill>
-                    <a:schemeClr val="bg1"/>
-                  </a:solidFill>
-                </a:ln>
-                <a:solidFill>
-                  <a:schemeClr val="bg1"/>
-                </a:solidFill>
-                <a:latin typeface="Google Sans"/>
-              </a:rPr>
-              <a:t>24 avril 2021</a:t>
-            </a:r>
-          </a:p>
-        </p:txBody>
-      </p:sp>
-      <p:sp>
-        <p:nvSpPr>
-          <p:cNvPr id="14" name="Titre 1">
-            <a:extLst>
-              <a:ext uri="{FF2B5EF4-FFF2-40B4-BE49-F238E27FC236}">
-                <a16:creationId xmlns:a16="http://schemas.microsoft.com/office/drawing/2014/main" id="{01656CA7-067A-479C-9C22-03DB1C992AD9}"/>
-              </a:ext>
-            </a:extLst>
-          </p:cNvPr>
-          <p:cNvSpPr txBox="1">
-            <a:spLocks/>
-          </p:cNvSpPr>
-          <p:nvPr/>
-        </p:nvSpPr>
-        <p:spPr>
-          <a:xfrm>
-            <a:off x="7492481" y="5284014"/>
-            <a:ext cx="4002833" cy="946757"/>
-          </a:xfrm>
-          <a:prstGeom prst="rect">
-            <a:avLst/>
-          </a:prstGeom>
-        </p:spPr>
-        <p:txBody>
-          <a:bodyPr vert="horz" lIns="91440" tIns="45720" rIns="91440" bIns="45720" rtlCol="0" anchor="ctr">
-            <a:normAutofit/>
-          </a:bodyPr>
-          <a:lstStyle>
-            <a:lvl1pPr algn="l" defTabSz="914400" rtl="0" eaLnBrk="1" latinLnBrk="0" hangingPunct="1">
-              <a:lnSpc>
-                <a:spcPct val="90000"/>
-              </a:lnSpc>
-              <a:spcBef>
-                <a:spcPct val="0"/>
-              </a:spcBef>
-              <a:buNone/>
-              <a:defRPr sz="4400" kern="1200">
-                <a:solidFill>
-                  <a:schemeClr val="tx1"/>
-                </a:solidFill>
-                <a:latin typeface="+mj-lt"/>
-                <a:ea typeface="+mj-ea"/>
-                <a:cs typeface="+mj-cs"/>
-              </a:defRPr>
-            </a:lvl1pPr>
-          </a:lstStyle>
-          <a:p>
-            <a:r>
-              <a:rPr lang="es-ES" sz="3600" b="1" dirty="0">
-                <a:ln>
-                  <a:solidFill>
-                    <a:srgbClr val="7451EB"/>
-                  </a:solidFill>
-                </a:ln>
-                <a:solidFill>
-                  <a:srgbClr val="7451EB"/>
-                </a:solidFill>
-                <a:effectLst>
-                  <a:outerShdw blurRad="38100" dist="38100" dir="2700000" algn="tl">
-                    <a:srgbClr val="000000">
-                      <a:alpha val="43137"/>
-                    </a:srgbClr>
-                  </a:outerShdw>
-                </a:effectLst>
-              </a:rPr>
-              <a:t>OPENCLASSROOMS</a:t>
-            </a:r>
-            <a:endParaRPr lang="es-419" sz="5400" b="1" u="sng" dirty="0">
-              <a:ln>
-                <a:solidFill>
-                  <a:srgbClr val="7451EB"/>
-                </a:solidFill>
-              </a:ln>
-              <a:solidFill>
-                <a:srgbClr val="7451EB"/>
-              </a:solidFill>
-              <a:effectLst>
-                <a:outerShdw blurRad="38100" dist="38100" dir="2700000" algn="tl">
-                  <a:srgbClr val="000000">
-                    <a:alpha val="43137"/>
-                  </a:srgbClr>
-                </a:outerShdw>
-              </a:effectLst>
-            </a:endParaRPr>
+              <a:t> dès le début.</a:t>
+            </a:r>
           </a:p>
         </p:txBody>
       </p:sp>
       <p:pic>
         <p:nvPicPr>
-          <p:cNvPr id="1026" name="Picture 2" descr="OpenClassrooms — Wikipédia">
-            <a:extLst>
-              <a:ext uri="{FF2B5EF4-FFF2-40B4-BE49-F238E27FC236}">
-                <a16:creationId xmlns:a16="http://schemas.microsoft.com/office/drawing/2014/main" id="{1ED1A659-D6AB-4947-92C5-9E65D7B2889B}"/>
+          <p:cNvPr id="24" name="Image 23">
+            <a:extLst>
+              <a:ext uri="{FF2B5EF4-FFF2-40B4-BE49-F238E27FC236}">
+                <a16:creationId xmlns:a16="http://schemas.microsoft.com/office/drawing/2014/main" id="{E44DA846-4852-4498-9490-38E5F97B7719}"/>
               </a:ext>
             </a:extLst>
           </p:cNvPr>
           <p:cNvPicPr>
-            <a:picLocks noChangeAspect="1" noChangeArrowheads="1"/>
+            <a:picLocks noChangeAspect="1"/>
           </p:cNvPicPr>
           <p:nvPr/>
         </p:nvPicPr>
         <p:blipFill>
-          <a:blip r:embed="rId2">
+          <a:blip r:embed="rId3">
+            <a:duotone>
+              <a:schemeClr val="accent6">
+                <a:shade val="45000"/>
+                <a:satMod val="135000"/>
+              </a:schemeClr>
+              <a:prstClr val="white"/>
+            </a:duotone>
             <a:extLst>
               <a:ext uri="{28A0092B-C50C-407E-A947-70E740481C1C}">
                 <a14:useLocalDpi xmlns:a14="http://schemas.microsoft.com/office/drawing/2010/main" val="0"/>
               </a:ext>
             </a:extLst>
           </a:blip>
-          <a:srcRect/>
           <a:stretch>
             <a:fillRect/>
           </a:stretch>
         </p:blipFill>
-        <p:spPr bwMode="auto">
-          <a:xfrm>
-            <a:off x="7492481" y="3940235"/>
-            <a:ext cx="1380931" cy="1380931"/>
+        <p:spPr>
+          <a:xfrm>
+            <a:off x="361956" y="5322222"/>
+            <a:ext cx="457727" cy="427272"/>
           </a:xfrm>
           <a:prstGeom prst="rect">
             <a:avLst/>
           </a:prstGeom>
-          <a:noFill/>
-          <a:extLst>
-            <a:ext uri="{909E8E84-426E-40DD-AFC4-6F175D3DCCD1}">
-              <a14:hiddenFill xmlns:a14="http://schemas.microsoft.com/office/drawing/2010/main">
-                <a:solidFill>
-                  <a:srgbClr val="FFFFFF"/>
-                </a:solidFill>
-              </a14:hiddenFill>
-            </a:ext>
-          </a:extLst>
         </p:spPr>
       </p:pic>
-      <p:sp>
-        <p:nvSpPr>
-          <p:cNvPr id="7" name="ZoneTexte 6">
-            <a:extLst>
-              <a:ext uri="{FF2B5EF4-FFF2-40B4-BE49-F238E27FC236}">
-                <a16:creationId xmlns:a16="http://schemas.microsoft.com/office/drawing/2014/main" id="{13CA2201-3170-4DB3-B59B-957240822A25}"/>
-              </a:ext>
-            </a:extLst>
-          </p:cNvPr>
-          <p:cNvSpPr txBox="1"/>
-          <p:nvPr/>
-        </p:nvSpPr>
-        <p:spPr>
-          <a:xfrm>
-            <a:off x="122182" y="5368996"/>
-            <a:ext cx="2673008" cy="307777"/>
-          </a:xfrm>
-          <a:prstGeom prst="rect">
-            <a:avLst/>
-          </a:prstGeom>
-          <a:solidFill>
-            <a:srgbClr val="FF0000"/>
-          </a:solidFill>
-        </p:spPr>
-        <p:txBody>
-          <a:bodyPr wrap="square">
-            <a:spAutoFit/>
-          </a:bodyPr>
-          <a:lstStyle/>
-          <a:p>
-            <a:endParaRPr lang="fr-FR" sz="1400" dirty="0">
-              <a:ln>
-                <a:solidFill>
-                  <a:schemeClr val="bg1"/>
-                </a:solidFill>
-              </a:ln>
-              <a:solidFill>
-                <a:schemeClr val="bg1"/>
-              </a:solidFill>
-              <a:latin typeface="Google Sans"/>
-            </a:endParaRPr>
-          </a:p>
-        </p:txBody>
-      </p:sp>
     </p:spTree>
     <p:extLst>
       <p:ext uri="{BB962C8B-B14F-4D97-AF65-F5344CB8AC3E}">
-        <p14:creationId xmlns:p14="http://schemas.microsoft.com/office/powerpoint/2010/main" val="3980212274"/>
+        <p14:creationId xmlns:p14="http://schemas.microsoft.com/office/powerpoint/2010/main" val="887499924"/>
       </p:ext>
     </p:extLst>
   </p:cSld>
@@ -42644,14 +43822,6 @@
 <file path=ppt/slides/slide47.xml><?xml version="1.0" encoding="utf-8"?>
 <p:sld xmlns:a="http://schemas.openxmlformats.org/drawingml/2006/main" xmlns:r="http://schemas.openxmlformats.org/officeDocument/2006/relationships" xmlns:p="http://schemas.openxmlformats.org/presentationml/2006/main">
   <p:cSld>
-    <p:bg>
-      <p:bgPr>
-        <a:solidFill>
-          <a:srgbClr val="7451EB"/>
-        </a:solidFill>
-        <a:effectLst/>
-      </p:bgPr>
-    </p:bg>
     <p:spTree>
       <p:nvGrpSpPr>
         <p:cNvPr id="1" name=""/>
@@ -42687,11 +43857,11 @@
             <a:avLst/>
           </a:prstGeom>
           <a:solidFill>
-            <a:schemeClr val="bg1"/>
+            <a:srgbClr val="7451EB"/>
           </a:solidFill>
           <a:ln>
             <a:solidFill>
-              <a:schemeClr val="bg1"/>
+              <a:srgbClr val="7451EB"/>
             </a:solidFill>
           </a:ln>
         </p:spPr>
@@ -42753,11 +43923,11 @@
               <a:rPr lang="es-CO" sz="1400" b="1" i="1" dirty="0" err="1">
                 <a:ln>
                   <a:solidFill>
-                    <a:srgbClr val="7451EB"/>
+                    <a:schemeClr val="bg1"/>
                   </a:solidFill>
                 </a:ln>
                 <a:solidFill>
-                  <a:srgbClr val="7451EB"/>
+                  <a:schemeClr val="bg1"/>
                 </a:solidFill>
                 <a:latin typeface="+mj-lt"/>
               </a:rPr>
@@ -42766,11 +43936,11 @@
             <a:endParaRPr lang="en-US" sz="1400" b="1" i="1" dirty="0">
               <a:ln>
                 <a:solidFill>
-                  <a:srgbClr val="7451EB"/>
+                  <a:schemeClr val="bg1"/>
                 </a:solidFill>
               </a:ln>
               <a:solidFill>
-                <a:srgbClr val="7451EB"/>
+                <a:schemeClr val="bg1"/>
               </a:solidFill>
               <a:latin typeface="+mj-lt"/>
             </a:endParaRPr>
@@ -42782,7 +43952,7 @@
           <p:cNvPr id="10" name="Titre 1">
             <a:extLst>
               <a:ext uri="{FF2B5EF4-FFF2-40B4-BE49-F238E27FC236}">
-                <a16:creationId xmlns:a16="http://schemas.microsoft.com/office/drawing/2014/main" id="{56659258-1A46-4A0F-B0E4-1AF391BF8DF3}"/>
+                <a16:creationId xmlns:a16="http://schemas.microsoft.com/office/drawing/2014/main" id="{224E5C7D-3656-459F-9C01-61200508167F}"/>
               </a:ext>
             </a:extLst>
           </p:cNvPr>
@@ -42793,24 +43963,16 @@
         </p:nvSpPr>
         <p:spPr>
           <a:xfrm>
-            <a:off x="279917" y="3128369"/>
-            <a:ext cx="9559407" cy="820048"/>
+            <a:off x="279916" y="432794"/>
+            <a:ext cx="11112333" cy="820048"/>
           </a:xfrm>
           <a:prstGeom prst="rect">
             <a:avLst/>
           </a:prstGeom>
-          <a:solidFill>
-            <a:schemeClr val="bg1"/>
-          </a:solidFill>
-          <a:ln>
-            <a:solidFill>
-              <a:schemeClr val="bg1"/>
-            </a:solidFill>
-          </a:ln>
         </p:spPr>
         <p:txBody>
           <a:bodyPr vert="horz" lIns="91440" tIns="45720" rIns="91440" bIns="45720" rtlCol="0" anchor="ctr">
-            <a:normAutofit/>
+            <a:noAutofit/>
           </a:bodyPr>
           <a:lstStyle>
             <a:lvl1pPr algn="l" defTabSz="914400" rtl="0" eaLnBrk="1" latinLnBrk="0" hangingPunct="1">
@@ -42833,7 +43995,7 @@
           </a:lstStyle>
           <a:p>
             <a:r>
-              <a:rPr lang="fr-FR" b="1" dirty="0">
+              <a:rPr lang="fr-FR" sz="4000" b="1" dirty="0">
                 <a:ln>
                   <a:solidFill>
                     <a:srgbClr val="7451EB"/>
@@ -42842,25 +44004,135 @@
                 <a:solidFill>
                   <a:srgbClr val="7451EB"/>
                 </a:solidFill>
-                <a:effectLst>
-                  <a:outerShdw blurRad="38100" dist="38100" dir="2700000" algn="tl">
-                    <a:srgbClr val="000000">
-                      <a:alpha val="43137"/>
-                    </a:srgbClr>
-                  </a:outerShdw>
-                </a:effectLst>
-              </a:rPr>
-              <a:t>Annexes</a:t>
-            </a:r>
-          </a:p>
-        </p:txBody>
-      </p:sp>
-      <p:sp>
-        <p:nvSpPr>
-          <p:cNvPr id="6" name="TextBox 3">
-            <a:extLst>
-              <a:ext uri="{FF2B5EF4-FFF2-40B4-BE49-F238E27FC236}">
-                <a16:creationId xmlns:a16="http://schemas.microsoft.com/office/drawing/2014/main" id="{E54A00AA-CF7B-43BF-9A74-00FFAB8AB15F}"/>
+                <a:latin typeface="Google Sans"/>
+              </a:rPr>
+              <a:t>Avez-vous des questions ?</a:t>
+            </a:r>
+            <a:endParaRPr lang="es-419" sz="4000" b="1" u="sng" dirty="0">
+              <a:ln>
+                <a:solidFill>
+                  <a:srgbClr val="7451EB"/>
+                </a:solidFill>
+              </a:ln>
+              <a:solidFill>
+                <a:srgbClr val="7451EB"/>
+              </a:solidFill>
+              <a:effectLst>
+                <a:outerShdw blurRad="38100" dist="38100" dir="2700000" algn="tl">
+                  <a:srgbClr val="000000">
+                    <a:alpha val="43137"/>
+                  </a:srgbClr>
+                </a:outerShdw>
+              </a:effectLst>
+            </a:endParaRPr>
+          </a:p>
+        </p:txBody>
+      </p:sp>
+      <p:sp>
+        <p:nvSpPr>
+          <p:cNvPr id="11" name="Rectángulo 4">
+            <a:extLst>
+              <a:ext uri="{FF2B5EF4-FFF2-40B4-BE49-F238E27FC236}">
+                <a16:creationId xmlns:a16="http://schemas.microsoft.com/office/drawing/2014/main" id="{B84F0FDC-2C73-4C87-9CC7-F9F129B3A699}"/>
+              </a:ext>
+            </a:extLst>
+          </p:cNvPr>
+          <p:cNvSpPr/>
+          <p:nvPr/>
+        </p:nvSpPr>
+        <p:spPr>
+          <a:xfrm>
+            <a:off x="377906" y="378794"/>
+            <a:ext cx="366721" cy="54000"/>
+          </a:xfrm>
+          <a:prstGeom prst="rect">
+            <a:avLst/>
+          </a:prstGeom>
+          <a:solidFill>
+            <a:srgbClr val="7451EB"/>
+          </a:solidFill>
+          <a:ln>
+            <a:solidFill>
+              <a:srgbClr val="7451EB"/>
+            </a:solidFill>
+          </a:ln>
+        </p:spPr>
+        <p:style>
+          <a:lnRef idx="2">
+            <a:schemeClr val="accent1">
+              <a:shade val="50000"/>
+            </a:schemeClr>
+          </a:lnRef>
+          <a:fillRef idx="1">
+            <a:schemeClr val="accent1"/>
+          </a:fillRef>
+          <a:effectRef idx="0">
+            <a:schemeClr val="accent1"/>
+          </a:effectRef>
+          <a:fontRef idx="minor">
+            <a:schemeClr val="lt1"/>
+          </a:fontRef>
+        </p:style>
+        <p:txBody>
+          <a:bodyPr rtlCol="0" anchor="ctr"/>
+          <a:lstStyle/>
+          <a:p>
+            <a:pPr algn="ctr"/>
+            <a:endParaRPr lang="es-AR">
+              <a:ln>
+                <a:solidFill>
+                  <a:srgbClr val="7451EB"/>
+                </a:solidFill>
+              </a:ln>
+              <a:solidFill>
+                <a:srgbClr val="7451EB"/>
+              </a:solidFill>
+            </a:endParaRPr>
+          </a:p>
+        </p:txBody>
+      </p:sp>
+      <p:pic>
+        <p:nvPicPr>
+          <p:cNvPr id="17" name="Image 16">
+            <a:extLst>
+              <a:ext uri="{FF2B5EF4-FFF2-40B4-BE49-F238E27FC236}">
+                <a16:creationId xmlns:a16="http://schemas.microsoft.com/office/drawing/2014/main" id="{0C190DD1-771B-47D2-995B-97EE291D94F0}"/>
+              </a:ext>
+            </a:extLst>
+          </p:cNvPr>
+          <p:cNvPicPr>
+            <a:picLocks noChangeAspect="1"/>
+          </p:cNvPicPr>
+          <p:nvPr/>
+        </p:nvPicPr>
+        <p:blipFill>
+          <a:blip r:embed="rId2">
+            <a:extLst>
+              <a:ext uri="{28A0092B-C50C-407E-A947-70E740481C1C}">
+                <a14:useLocalDpi xmlns:a14="http://schemas.microsoft.com/office/drawing/2010/main" val="0"/>
+              </a:ext>
+            </a:extLst>
+          </a:blip>
+          <a:stretch>
+            <a:fillRect/>
+          </a:stretch>
+        </p:blipFill>
+        <p:spPr>
+          <a:xfrm>
+            <a:off x="2909481" y="1447892"/>
+            <a:ext cx="6373038" cy="4412022"/>
+          </a:xfrm>
+          <a:prstGeom prst="rect">
+            <a:avLst/>
+          </a:prstGeom>
+        </p:spPr>
+      </p:pic>
+      <p:sp>
+        <p:nvSpPr>
+          <p:cNvPr id="12" name="TextBox 3">
+            <a:extLst>
+              <a:ext uri="{FF2B5EF4-FFF2-40B4-BE49-F238E27FC236}">
+                <a16:creationId xmlns:a16="http://schemas.microsoft.com/office/drawing/2014/main" id="{523B975D-1A42-46D2-A986-E758F08E51C0}"/>
               </a:ext>
             </a:extLst>
           </p:cNvPr>
@@ -42870,7 +44142,7 @@
         <p:spPr>
           <a:xfrm>
             <a:off x="0" y="6475247"/>
-            <a:ext cx="6096000" cy="307777"/>
+            <a:ext cx="6743700" cy="307777"/>
           </a:xfrm>
           <a:prstGeom prst="rect">
             <a:avLst/>
@@ -42884,37 +44156,26 @@
           <a:lstStyle/>
           <a:p>
             <a:r>
-              <a:rPr lang="fr-FR" sz="1400" dirty="0">
+              <a:rPr lang="fr-FR" sz="1400" b="1" dirty="0">
                 <a:ln>
                   <a:solidFill>
-                    <a:srgbClr val="7451EB"/>
+                    <a:schemeClr val="bg1"/>
                   </a:solidFill>
                 </a:ln>
                 <a:solidFill>
-                  <a:srgbClr val="7451EB"/>
-                </a:solidFill>
-                <a:latin typeface="Calibri Light (En-têtes)"/>
+                  <a:schemeClr val="bg1"/>
+                </a:solidFill>
+                <a:latin typeface="+mj-lt"/>
               </a:rPr>
               <a:t>Project 4 -  Anticipation des besoins en consommation électrique de bâtiments</a:t>
             </a:r>
-            <a:endParaRPr lang="en-US" sz="1400" dirty="0">
-              <a:ln>
-                <a:solidFill>
-                  <a:srgbClr val="7451EB"/>
-                </a:solidFill>
-              </a:ln>
-              <a:solidFill>
-                <a:srgbClr val="7451EB"/>
-              </a:solidFill>
-              <a:latin typeface="Calibri Light (En-têtes)"/>
-            </a:endParaRPr>
           </a:p>
         </p:txBody>
       </p:sp>
     </p:spTree>
     <p:extLst>
       <p:ext uri="{BB962C8B-B14F-4D97-AF65-F5344CB8AC3E}">
-        <p14:creationId xmlns:p14="http://schemas.microsoft.com/office/powerpoint/2010/main" val="3146849906"/>
+        <p14:creationId xmlns:p14="http://schemas.microsoft.com/office/powerpoint/2010/main" val="3869688879"/>
       </p:ext>
     </p:extLst>
   </p:cSld>
@@ -42943,10 +44204,10 @@
       </p:grpSpPr>
       <p:sp>
         <p:nvSpPr>
-          <p:cNvPr id="5" name="Rectangle 4">
-            <a:extLst>
-              <a:ext uri="{FF2B5EF4-FFF2-40B4-BE49-F238E27FC236}">
-                <a16:creationId xmlns:a16="http://schemas.microsoft.com/office/drawing/2014/main" id="{A00233D2-38CE-441F-90C9-32F91999758A}"/>
+          <p:cNvPr id="10" name="Rectángulo 1">
+            <a:extLst>
+              <a:ext uri="{FF2B5EF4-FFF2-40B4-BE49-F238E27FC236}">
+                <a16:creationId xmlns:a16="http://schemas.microsoft.com/office/drawing/2014/main" id="{EC6BC2CE-B281-4F18-889E-16BEFF6CC2C6}"/>
               </a:ext>
             </a:extLst>
           </p:cNvPr>
@@ -42955,8 +44216,8 @@
         </p:nvSpPr>
         <p:spPr>
           <a:xfrm>
-            <a:off x="0" y="6400273"/>
-            <a:ext cx="12192000" cy="457727"/>
+            <a:off x="-72007" y="0"/>
+            <a:ext cx="7296540" cy="6858000"/>
           </a:xfrm>
           <a:prstGeom prst="rect">
             <a:avLst/>
@@ -42991,157 +44252,36 @@
           <a:lstStyle/>
           <a:p>
             <a:pPr algn="ctr"/>
-            <a:endParaRPr lang="en-US" dirty="0"/>
-          </a:p>
-        </p:txBody>
-      </p:sp>
-      <p:sp>
-        <p:nvSpPr>
-          <p:cNvPr id="15" name="TextBox 3">
-            <a:extLst>
-              <a:ext uri="{FF2B5EF4-FFF2-40B4-BE49-F238E27FC236}">
-                <a16:creationId xmlns:a16="http://schemas.microsoft.com/office/drawing/2014/main" id="{47FC2DCC-BDE9-485D-AF79-4177B5479110}"/>
-              </a:ext>
-            </a:extLst>
-          </p:cNvPr>
-          <p:cNvSpPr txBox="1"/>
-          <p:nvPr/>
-        </p:nvSpPr>
-        <p:spPr>
-          <a:xfrm>
-            <a:off x="10543592" y="6475247"/>
-            <a:ext cx="1648408" cy="307777"/>
+            <a:endParaRPr lang="es-AR"/>
+          </a:p>
+        </p:txBody>
+      </p:sp>
+      <p:sp>
+        <p:nvSpPr>
+          <p:cNvPr id="36" name="Rectángulo 4">
+            <a:extLst>
+              <a:ext uri="{FF2B5EF4-FFF2-40B4-BE49-F238E27FC236}">
+                <a16:creationId xmlns:a16="http://schemas.microsoft.com/office/drawing/2014/main" id="{3D7BED2F-80EC-4813-AFFE-DF338008BEBB}"/>
+              </a:ext>
+            </a:extLst>
+          </p:cNvPr>
+          <p:cNvSpPr/>
+          <p:nvPr/>
+        </p:nvSpPr>
+        <p:spPr>
+          <a:xfrm>
+            <a:off x="377906" y="1683233"/>
+            <a:ext cx="366721" cy="54000"/>
           </a:xfrm>
           <a:prstGeom prst="rect">
             <a:avLst/>
           </a:prstGeom>
-          <a:noFill/>
-        </p:spPr>
-        <p:txBody>
-          <a:bodyPr wrap="square" rtlCol="0">
-            <a:spAutoFit/>
-          </a:bodyPr>
-          <a:lstStyle/>
-          <a:p>
-            <a:pPr algn="r"/>
-            <a:r>
-              <a:rPr lang="es-CO" sz="1400" b="1" i="1" dirty="0" err="1">
-                <a:ln>
-                  <a:solidFill>
-                    <a:schemeClr val="bg1"/>
-                  </a:solidFill>
-                </a:ln>
-                <a:solidFill>
-                  <a:schemeClr val="bg1"/>
-                </a:solidFill>
-                <a:latin typeface="+mj-lt"/>
-              </a:rPr>
-              <a:t>OpenClassrooms</a:t>
-            </a:r>
-            <a:endParaRPr lang="en-US" sz="1400" b="1" i="1" dirty="0">
-              <a:ln>
-                <a:solidFill>
-                  <a:schemeClr val="bg1"/>
-                </a:solidFill>
-              </a:ln>
-              <a:solidFill>
-                <a:schemeClr val="bg1"/>
-              </a:solidFill>
-              <a:latin typeface="+mj-lt"/>
-            </a:endParaRPr>
-          </a:p>
-        </p:txBody>
-      </p:sp>
-      <p:sp>
-        <p:nvSpPr>
-          <p:cNvPr id="10" name="Titre 1">
-            <a:extLst>
-              <a:ext uri="{FF2B5EF4-FFF2-40B4-BE49-F238E27FC236}">
-                <a16:creationId xmlns:a16="http://schemas.microsoft.com/office/drawing/2014/main" id="{224E5C7D-3656-459F-9C01-61200508167F}"/>
-              </a:ext>
-            </a:extLst>
-          </p:cNvPr>
-          <p:cNvSpPr txBox="1">
-            <a:spLocks/>
-          </p:cNvSpPr>
-          <p:nvPr/>
-        </p:nvSpPr>
-        <p:spPr>
-          <a:xfrm>
-            <a:off x="279918" y="432794"/>
-            <a:ext cx="6944616" cy="820048"/>
-          </a:xfrm>
-          <a:prstGeom prst="rect">
-            <a:avLst/>
-          </a:prstGeom>
-        </p:spPr>
-        <p:txBody>
-          <a:bodyPr vert="horz" lIns="91440" tIns="45720" rIns="91440" bIns="45720" rtlCol="0" anchor="ctr">
-            <a:normAutofit/>
-          </a:bodyPr>
-          <a:lstStyle>
-            <a:lvl1pPr algn="l" defTabSz="914400" rtl="0" eaLnBrk="1" latinLnBrk="0" hangingPunct="1">
-              <a:lnSpc>
-                <a:spcPct val="90000"/>
-              </a:lnSpc>
-              <a:spcBef>
-                <a:spcPct val="0"/>
-              </a:spcBef>
-              <a:buNone/>
-              <a:defRPr sz="4400" kern="1200">
-                <a:solidFill>
-                  <a:schemeClr val="tx1"/>
-                </a:solidFill>
-                <a:latin typeface="+mj-lt"/>
-                <a:ea typeface="+mj-ea"/>
-                <a:cs typeface="+mj-cs"/>
-              </a:defRPr>
-            </a:lvl1pPr>
-          </a:lstStyle>
-          <a:p>
-            <a:r>
-              <a:rPr lang="fr-FR" sz="4000" b="1" dirty="0">
-                <a:ln>
-                  <a:solidFill>
-                    <a:srgbClr val="7451EB"/>
-                  </a:solidFill>
-                </a:ln>
-                <a:solidFill>
-                  <a:srgbClr val="7451EB"/>
-                </a:solidFill>
-                <a:latin typeface="Google Sans"/>
-              </a:rPr>
-              <a:t>Utilisation de données brutes</a:t>
-            </a:r>
-          </a:p>
-        </p:txBody>
-      </p:sp>
-      <p:sp>
-        <p:nvSpPr>
-          <p:cNvPr id="11" name="Rectángulo 4">
-            <a:extLst>
-              <a:ext uri="{FF2B5EF4-FFF2-40B4-BE49-F238E27FC236}">
-                <a16:creationId xmlns:a16="http://schemas.microsoft.com/office/drawing/2014/main" id="{B84F0FDC-2C73-4C87-9CC7-F9F129B3A699}"/>
-              </a:ext>
-            </a:extLst>
-          </p:cNvPr>
-          <p:cNvSpPr/>
-          <p:nvPr/>
-        </p:nvSpPr>
-        <p:spPr>
-          <a:xfrm>
-            <a:off x="377906" y="378794"/>
-            <a:ext cx="366721" cy="54000"/>
-          </a:xfrm>
-          <a:prstGeom prst="rect">
-            <a:avLst/>
-          </a:prstGeom>
           <a:solidFill>
-            <a:srgbClr val="7451EB"/>
+            <a:schemeClr val="bg1"/>
           </a:solidFill>
           <a:ln>
             <a:solidFill>
-              <a:srgbClr val="7451EB"/>
+              <a:schemeClr val="bg1"/>
             </a:solidFill>
           </a:ln>
         </p:spPr>
@@ -43166,25 +44306,16 @@
           <a:lstStyle/>
           <a:p>
             <a:pPr algn="ctr"/>
-            <a:endParaRPr lang="es-AR">
-              <a:ln>
-                <a:solidFill>
-                  <a:srgbClr val="7451EB"/>
-                </a:solidFill>
-              </a:ln>
-              <a:solidFill>
-                <a:srgbClr val="7451EB"/>
-              </a:solidFill>
-            </a:endParaRPr>
-          </a:p>
-        </p:txBody>
-      </p:sp>
-      <p:sp>
-        <p:nvSpPr>
-          <p:cNvPr id="19" name="TextBox 3">
-            <a:extLst>
-              <a:ext uri="{FF2B5EF4-FFF2-40B4-BE49-F238E27FC236}">
-                <a16:creationId xmlns:a16="http://schemas.microsoft.com/office/drawing/2014/main" id="{CCE82F76-2714-4FC6-B130-1CAB3A5EE413}"/>
+            <a:endParaRPr lang="es-AR"/>
+          </a:p>
+        </p:txBody>
+      </p:sp>
+      <p:sp>
+        <p:nvSpPr>
+          <p:cNvPr id="30" name="ZoneTexte 29">
+            <a:extLst>
+              <a:ext uri="{FF2B5EF4-FFF2-40B4-BE49-F238E27FC236}">
+                <a16:creationId xmlns:a16="http://schemas.microsoft.com/office/drawing/2014/main" id="{1C59DD88-0231-4DD6-B63A-00DE1EDF79C4}"/>
               </a:ext>
             </a:extLst>
           </p:cNvPr>
@@ -43193,8 +44324,8 @@
         </p:nvSpPr>
         <p:spPr>
           <a:xfrm>
-            <a:off x="0" y="6475247"/>
-            <a:ext cx="6743700" cy="307777"/>
+            <a:off x="279917" y="1737233"/>
+            <a:ext cx="6592692" cy="3939540"/>
           </a:xfrm>
           <a:prstGeom prst="rect">
             <a:avLst/>
@@ -43202,13 +44333,13 @@
           <a:noFill/>
         </p:spPr>
         <p:txBody>
-          <a:bodyPr wrap="square" rtlCol="0">
+          <a:bodyPr wrap="square">
             <a:spAutoFit/>
           </a:bodyPr>
           <a:lstStyle/>
           <a:p>
             <a:r>
-              <a:rPr lang="fr-FR" sz="1400" b="1" dirty="0">
+              <a:rPr lang="fr-FR" sz="4800" b="1" i="1" dirty="0">
                 <a:ln>
                   <a:solidFill>
                     <a:schemeClr val="bg1"/>
@@ -43217,213 +44348,578 @@
                 <a:solidFill>
                   <a:schemeClr val="bg1"/>
                 </a:solidFill>
+                <a:latin typeface="Google Sans"/>
+              </a:rPr>
+              <a:t>MERCI</a:t>
+            </a:r>
+          </a:p>
+          <a:p>
+            <a:endParaRPr lang="fr-FR" sz="3200" b="1" dirty="0">
+              <a:ln>
+                <a:solidFill>
+                  <a:schemeClr val="bg1"/>
+                </a:solidFill>
+              </a:ln>
+              <a:solidFill>
+                <a:schemeClr val="bg1"/>
+              </a:solidFill>
+              <a:latin typeface="Google Sans"/>
+            </a:endParaRPr>
+          </a:p>
+          <a:p>
+            <a:endParaRPr lang="fr-FR" sz="3200" b="1" dirty="0">
+              <a:ln>
+                <a:solidFill>
+                  <a:schemeClr val="bg1"/>
+                </a:solidFill>
+              </a:ln>
+              <a:solidFill>
+                <a:schemeClr val="bg1"/>
+              </a:solidFill>
+              <a:latin typeface="Google Sans"/>
+            </a:endParaRPr>
+          </a:p>
+          <a:p>
+            <a:r>
+              <a:rPr lang="fr-FR" sz="2000" dirty="0">
+                <a:ln>
+                  <a:solidFill>
+                    <a:schemeClr val="bg1"/>
+                  </a:solidFill>
+                </a:ln>
+                <a:solidFill>
+                  <a:schemeClr val="bg1"/>
+                </a:solidFill>
+                <a:latin typeface="Google Sans"/>
+              </a:rPr>
+              <a:t>Soutenance de Projet</a:t>
+            </a:r>
+          </a:p>
+          <a:p>
+            <a:r>
+              <a:rPr lang="fr-FR" sz="3200" dirty="0">
+                <a:ln>
+                  <a:solidFill>
+                    <a:schemeClr val="bg1"/>
+                  </a:solidFill>
+                </a:ln>
+                <a:solidFill>
+                  <a:schemeClr val="bg1"/>
+                </a:solidFill>
+                <a:latin typeface="Google Sans"/>
+              </a:rPr>
+              <a:t>Samir HINOJOSA</a:t>
+            </a:r>
+          </a:p>
+          <a:p>
+            <a:endParaRPr lang="fr-FR" sz="3600" dirty="0">
+              <a:ln>
+                <a:solidFill>
+                  <a:schemeClr val="bg1"/>
+                </a:solidFill>
+              </a:ln>
+              <a:solidFill>
+                <a:schemeClr val="bg1"/>
+              </a:solidFill>
+              <a:latin typeface="Google Sans"/>
+            </a:endParaRPr>
+          </a:p>
+          <a:p>
+            <a:endParaRPr lang="fr-FR" sz="3600" dirty="0">
+              <a:ln>
+                <a:solidFill>
+                  <a:schemeClr val="bg1"/>
+                </a:solidFill>
+              </a:ln>
+              <a:solidFill>
+                <a:schemeClr val="bg1"/>
+              </a:solidFill>
+              <a:latin typeface="Google Sans"/>
+            </a:endParaRPr>
+          </a:p>
+          <a:p>
+            <a:r>
+              <a:rPr lang="fr-FR" sz="1400" dirty="0">
+                <a:ln>
+                  <a:solidFill>
+                    <a:schemeClr val="bg1"/>
+                  </a:solidFill>
+                </a:ln>
+                <a:solidFill>
+                  <a:schemeClr val="bg1"/>
+                </a:solidFill>
+                <a:latin typeface="Google Sans"/>
+              </a:rPr>
+              <a:t>24 avril 2021</a:t>
+            </a:r>
+          </a:p>
+        </p:txBody>
+      </p:sp>
+      <p:sp>
+        <p:nvSpPr>
+          <p:cNvPr id="14" name="Titre 1">
+            <a:extLst>
+              <a:ext uri="{FF2B5EF4-FFF2-40B4-BE49-F238E27FC236}">
+                <a16:creationId xmlns:a16="http://schemas.microsoft.com/office/drawing/2014/main" id="{01656CA7-067A-479C-9C22-03DB1C992AD9}"/>
+              </a:ext>
+            </a:extLst>
+          </p:cNvPr>
+          <p:cNvSpPr txBox="1">
+            <a:spLocks/>
+          </p:cNvSpPr>
+          <p:nvPr/>
+        </p:nvSpPr>
+        <p:spPr>
+          <a:xfrm>
+            <a:off x="7492481" y="5284014"/>
+            <a:ext cx="4002833" cy="946757"/>
+          </a:xfrm>
+          <a:prstGeom prst="rect">
+            <a:avLst/>
+          </a:prstGeom>
+        </p:spPr>
+        <p:txBody>
+          <a:bodyPr vert="horz" lIns="91440" tIns="45720" rIns="91440" bIns="45720" rtlCol="0" anchor="ctr">
+            <a:normAutofit/>
+          </a:bodyPr>
+          <a:lstStyle>
+            <a:lvl1pPr algn="l" defTabSz="914400" rtl="0" eaLnBrk="1" latinLnBrk="0" hangingPunct="1">
+              <a:lnSpc>
+                <a:spcPct val="90000"/>
+              </a:lnSpc>
+              <a:spcBef>
+                <a:spcPct val="0"/>
+              </a:spcBef>
+              <a:buNone/>
+              <a:defRPr sz="4400" kern="1200">
+                <a:solidFill>
+                  <a:schemeClr val="tx1"/>
+                </a:solidFill>
                 <a:latin typeface="+mj-lt"/>
-              </a:rPr>
-              <a:t>Project 4 -  Anticipation des besoins en consommation électrique de bâtiments</a:t>
-            </a:r>
+                <a:ea typeface="+mj-ea"/>
+                <a:cs typeface="+mj-cs"/>
+              </a:defRPr>
+            </a:lvl1pPr>
+          </a:lstStyle>
+          <a:p>
+            <a:r>
+              <a:rPr lang="es-ES" sz="3600" b="1" dirty="0">
+                <a:ln>
+                  <a:solidFill>
+                    <a:srgbClr val="7451EB"/>
+                  </a:solidFill>
+                </a:ln>
+                <a:solidFill>
+                  <a:srgbClr val="7451EB"/>
+                </a:solidFill>
+                <a:effectLst>
+                  <a:outerShdw blurRad="38100" dist="38100" dir="2700000" algn="tl">
+                    <a:srgbClr val="000000">
+                      <a:alpha val="43137"/>
+                    </a:srgbClr>
+                  </a:outerShdw>
+                </a:effectLst>
+              </a:rPr>
+              <a:t>OPENCLASSROOMS</a:t>
+            </a:r>
+            <a:endParaRPr lang="es-419" sz="5400" b="1" u="sng" dirty="0">
+              <a:ln>
+                <a:solidFill>
+                  <a:srgbClr val="7451EB"/>
+                </a:solidFill>
+              </a:ln>
+              <a:solidFill>
+                <a:srgbClr val="7451EB"/>
+              </a:solidFill>
+              <a:effectLst>
+                <a:outerShdw blurRad="38100" dist="38100" dir="2700000" algn="tl">
+                  <a:srgbClr val="000000">
+                    <a:alpha val="43137"/>
+                  </a:srgbClr>
+                </a:outerShdw>
+              </a:effectLst>
+            </a:endParaRPr>
           </a:p>
         </p:txBody>
       </p:sp>
       <p:pic>
         <p:nvPicPr>
-          <p:cNvPr id="4" name="Image 3">
-            <a:extLst>
-              <a:ext uri="{FF2B5EF4-FFF2-40B4-BE49-F238E27FC236}">
-                <a16:creationId xmlns:a16="http://schemas.microsoft.com/office/drawing/2014/main" id="{27AFE08C-F4E0-4B53-82F0-C632D5861E91}"/>
+          <p:cNvPr id="1026" name="Picture 2" descr="OpenClassrooms — Wikipédia">
+            <a:extLst>
+              <a:ext uri="{FF2B5EF4-FFF2-40B4-BE49-F238E27FC236}">
+                <a16:creationId xmlns:a16="http://schemas.microsoft.com/office/drawing/2014/main" id="{1ED1A659-D6AB-4947-92C5-9E65D7B2889B}"/>
               </a:ext>
             </a:extLst>
           </p:cNvPr>
           <p:cNvPicPr>
-            <a:picLocks noChangeAspect="1"/>
+            <a:picLocks noChangeAspect="1" noChangeArrowheads="1"/>
           </p:cNvPicPr>
           <p:nvPr/>
         </p:nvPicPr>
         <p:blipFill>
-          <a:blip r:embed="rId3"/>
+          <a:blip r:embed="rId2">
+            <a:extLst>
+              <a:ext uri="{28A0092B-C50C-407E-A947-70E740481C1C}">
+                <a14:useLocalDpi xmlns:a14="http://schemas.microsoft.com/office/drawing/2010/main" val="0"/>
+              </a:ext>
+            </a:extLst>
+          </a:blip>
+          <a:srcRect/>
           <a:stretch>
             <a:fillRect/>
           </a:stretch>
         </p:blipFill>
-        <p:spPr>
-          <a:xfrm>
-            <a:off x="377906" y="1233967"/>
-            <a:ext cx="2941729" cy="1117701"/>
+        <p:spPr bwMode="auto">
+          <a:xfrm>
+            <a:off x="7492481" y="3940235"/>
+            <a:ext cx="1380931" cy="1380931"/>
           </a:xfrm>
           <a:prstGeom prst="rect">
             <a:avLst/>
           </a:prstGeom>
+          <a:noFill/>
+          <a:extLst>
+            <a:ext uri="{909E8E84-426E-40DD-AFC4-6F175D3DCCD1}">
+              <a14:hiddenFill xmlns:a14="http://schemas.microsoft.com/office/drawing/2010/main">
+                <a:solidFill>
+                  <a:srgbClr val="FFFFFF"/>
+                </a:solidFill>
+              </a14:hiddenFill>
+            </a:ext>
+          </a:extLst>
         </p:spPr>
       </p:pic>
-      <p:pic>
-        <p:nvPicPr>
-          <p:cNvPr id="7" name="Image 6">
-            <a:extLst>
-              <a:ext uri="{FF2B5EF4-FFF2-40B4-BE49-F238E27FC236}">
-                <a16:creationId xmlns:a16="http://schemas.microsoft.com/office/drawing/2014/main" id="{EE3FE864-6EFF-4D52-B466-AD16434533BA}"/>
-              </a:ext>
-            </a:extLst>
-          </p:cNvPr>
-          <p:cNvPicPr>
-            <a:picLocks noChangeAspect="1"/>
-          </p:cNvPicPr>
-          <p:nvPr/>
-        </p:nvPicPr>
-        <p:blipFill>
-          <a:blip r:embed="rId4"/>
-          <a:stretch>
-            <a:fillRect/>
-          </a:stretch>
-        </p:blipFill>
-        <p:spPr>
-          <a:xfrm>
-            <a:off x="376416" y="2461569"/>
-            <a:ext cx="6859367" cy="912938"/>
+      <p:sp>
+        <p:nvSpPr>
+          <p:cNvPr id="7" name="ZoneTexte 6">
+            <a:extLst>
+              <a:ext uri="{FF2B5EF4-FFF2-40B4-BE49-F238E27FC236}">
+                <a16:creationId xmlns:a16="http://schemas.microsoft.com/office/drawing/2014/main" id="{13CA2201-3170-4DB3-B59B-957240822A25}"/>
+              </a:ext>
+            </a:extLst>
+          </p:cNvPr>
+          <p:cNvSpPr txBox="1"/>
+          <p:nvPr/>
+        </p:nvSpPr>
+        <p:spPr>
+          <a:xfrm>
+            <a:off x="122182" y="5368996"/>
+            <a:ext cx="2673008" cy="307777"/>
           </a:xfrm>
           <a:prstGeom prst="rect">
             <a:avLst/>
           </a:prstGeom>
-        </p:spPr>
-      </p:pic>
-      <p:pic>
-        <p:nvPicPr>
-          <p:cNvPr id="9" name="Image 8">
-            <a:extLst>
-              <a:ext uri="{FF2B5EF4-FFF2-40B4-BE49-F238E27FC236}">
-                <a16:creationId xmlns:a16="http://schemas.microsoft.com/office/drawing/2014/main" id="{42172B9F-BD57-4EEA-8792-A1D8EA819978}"/>
-              </a:ext>
-            </a:extLst>
-          </p:cNvPr>
-          <p:cNvPicPr>
-            <a:picLocks noChangeAspect="1"/>
-          </p:cNvPicPr>
-          <p:nvPr/>
-        </p:nvPicPr>
-        <p:blipFill>
-          <a:blip r:embed="rId5"/>
-          <a:stretch>
-            <a:fillRect/>
-          </a:stretch>
-        </p:blipFill>
-        <p:spPr>
-          <a:xfrm>
-            <a:off x="376417" y="3484408"/>
-            <a:ext cx="5629706" cy="1425444"/>
-          </a:xfrm>
-          <a:prstGeom prst="rect">
-            <a:avLst/>
-          </a:prstGeom>
-        </p:spPr>
-      </p:pic>
-      <p:pic>
-        <p:nvPicPr>
-          <p:cNvPr id="13" name="Image 12">
-            <a:extLst>
-              <a:ext uri="{FF2B5EF4-FFF2-40B4-BE49-F238E27FC236}">
-                <a16:creationId xmlns:a16="http://schemas.microsoft.com/office/drawing/2014/main" id="{3F5159AF-AEA0-49E2-A4AE-C1F2178DCB26}"/>
-              </a:ext>
-            </a:extLst>
-          </p:cNvPr>
-          <p:cNvPicPr>
-            <a:picLocks noChangeAspect="1"/>
-          </p:cNvPicPr>
-          <p:nvPr/>
-        </p:nvPicPr>
-        <p:blipFill>
-          <a:blip r:embed="rId6"/>
-          <a:stretch>
-            <a:fillRect/>
-          </a:stretch>
-        </p:blipFill>
-        <p:spPr>
-          <a:xfrm>
-            <a:off x="376416" y="5019754"/>
-            <a:ext cx="3675467" cy="1120941"/>
-          </a:xfrm>
-          <a:prstGeom prst="rect">
-            <a:avLst/>
-          </a:prstGeom>
-        </p:spPr>
-      </p:pic>
-      <p:pic>
-        <p:nvPicPr>
-          <p:cNvPr id="36" name="Image 35">
-            <a:extLst>
-              <a:ext uri="{FF2B5EF4-FFF2-40B4-BE49-F238E27FC236}">
-                <a16:creationId xmlns:a16="http://schemas.microsoft.com/office/drawing/2014/main" id="{3C179360-17C0-4F5C-AA52-90305CD1BB9F}"/>
-              </a:ext>
-            </a:extLst>
-          </p:cNvPr>
-          <p:cNvPicPr>
-            <a:picLocks noChangeAspect="1"/>
-          </p:cNvPicPr>
-          <p:nvPr/>
-        </p:nvPicPr>
-        <p:blipFill>
-          <a:blip r:embed="rId7">
-            <a:extLst>
-              <a:ext uri="{28A0092B-C50C-407E-A947-70E740481C1C}">
-                <a14:useLocalDpi xmlns:a14="http://schemas.microsoft.com/office/drawing/2010/main" val="0"/>
-              </a:ext>
-            </a:extLst>
-          </a:blip>
-          <a:stretch>
-            <a:fillRect/>
-          </a:stretch>
-        </p:blipFill>
-        <p:spPr>
-          <a:xfrm>
-            <a:off x="10255453" y="113305"/>
-            <a:ext cx="1813177" cy="1515935"/>
-          </a:xfrm>
-          <a:prstGeom prst="rect">
-            <a:avLst/>
-          </a:prstGeom>
-        </p:spPr>
-      </p:pic>
-      <p:pic>
-        <p:nvPicPr>
-          <p:cNvPr id="25" name="Image 24">
-            <a:extLst>
-              <a:ext uri="{FF2B5EF4-FFF2-40B4-BE49-F238E27FC236}">
-                <a16:creationId xmlns:a16="http://schemas.microsoft.com/office/drawing/2014/main" id="{EEE30F9A-8D10-4A46-9BCF-7F79919528B6}"/>
-              </a:ext>
-            </a:extLst>
-          </p:cNvPr>
-          <p:cNvPicPr>
-            <a:picLocks noChangeAspect="1"/>
-          </p:cNvPicPr>
-          <p:nvPr/>
-        </p:nvPicPr>
-        <p:blipFill>
-          <a:blip r:embed="rId8"/>
-          <a:stretch>
-            <a:fillRect/>
-          </a:stretch>
-        </p:blipFill>
-        <p:spPr>
-          <a:xfrm>
-            <a:off x="5884769" y="5426462"/>
-            <a:ext cx="5048250" cy="457200"/>
-          </a:xfrm>
-          <a:prstGeom prst="rect">
-            <a:avLst/>
-          </a:prstGeom>
-          <a:ln>
-            <a:noFill/>
-          </a:ln>
-          <a:effectLst>
-            <a:outerShdw blurRad="292100" dist="139700" dir="2700000" algn="tl" rotWithShape="0">
-              <a:srgbClr val="333333">
-                <a:alpha val="65000"/>
-              </a:srgbClr>
-            </a:outerShdw>
-          </a:effectLst>
-        </p:spPr>
-      </p:pic>
+          <a:solidFill>
+            <a:srgbClr val="FF0000"/>
+          </a:solidFill>
+        </p:spPr>
+        <p:txBody>
+          <a:bodyPr wrap="square">
+            <a:spAutoFit/>
+          </a:bodyPr>
+          <a:lstStyle/>
+          <a:p>
+            <a:endParaRPr lang="fr-FR" sz="1400" dirty="0">
+              <a:ln>
+                <a:solidFill>
+                  <a:schemeClr val="bg1"/>
+                </a:solidFill>
+              </a:ln>
+              <a:solidFill>
+                <a:schemeClr val="bg1"/>
+              </a:solidFill>
+              <a:latin typeface="Google Sans"/>
+            </a:endParaRPr>
+          </a:p>
+        </p:txBody>
+      </p:sp>
     </p:spTree>
     <p:extLst>
       <p:ext uri="{BB962C8B-B14F-4D97-AF65-F5344CB8AC3E}">
-        <p14:creationId xmlns:p14="http://schemas.microsoft.com/office/powerpoint/2010/main" val="2892110721"/>
+        <p14:creationId xmlns:p14="http://schemas.microsoft.com/office/powerpoint/2010/main" val="3980212274"/>
+      </p:ext>
+    </p:extLst>
+  </p:cSld>
+  <p:clrMapOvr>
+    <a:masterClrMapping/>
+  </p:clrMapOvr>
+</p:sld>
+</file>
+
+<file path=ppt/slides/slide49.xml><?xml version="1.0" encoding="utf-8"?>
+<p:sld xmlns:a="http://schemas.openxmlformats.org/drawingml/2006/main" xmlns:r="http://schemas.openxmlformats.org/officeDocument/2006/relationships" xmlns:p="http://schemas.openxmlformats.org/presentationml/2006/main">
+  <p:cSld>
+    <p:bg>
+      <p:bgPr>
+        <a:solidFill>
+          <a:srgbClr val="7451EB"/>
+        </a:solidFill>
+        <a:effectLst/>
+      </p:bgPr>
+    </p:bg>
+    <p:spTree>
+      <p:nvGrpSpPr>
+        <p:cNvPr id="1" name=""/>
+        <p:cNvGrpSpPr/>
+        <p:nvPr/>
+      </p:nvGrpSpPr>
+      <p:grpSpPr>
+        <a:xfrm>
+          <a:off x="0" y="0"/>
+          <a:ext cx="0" cy="0"/>
+          <a:chOff x="0" y="0"/>
+          <a:chExt cx="0" cy="0"/>
+        </a:xfrm>
+      </p:grpSpPr>
+      <p:sp>
+        <p:nvSpPr>
+          <p:cNvPr id="5" name="Rectangle 4">
+            <a:extLst>
+              <a:ext uri="{FF2B5EF4-FFF2-40B4-BE49-F238E27FC236}">
+                <a16:creationId xmlns:a16="http://schemas.microsoft.com/office/drawing/2014/main" id="{A00233D2-38CE-441F-90C9-32F91999758A}"/>
+              </a:ext>
+            </a:extLst>
+          </p:cNvPr>
+          <p:cNvSpPr/>
+          <p:nvPr/>
+        </p:nvSpPr>
+        <p:spPr>
+          <a:xfrm>
+            <a:off x="0" y="6400273"/>
+            <a:ext cx="12192000" cy="457727"/>
+          </a:xfrm>
+          <a:prstGeom prst="rect">
+            <a:avLst/>
+          </a:prstGeom>
+          <a:solidFill>
+            <a:schemeClr val="bg1"/>
+          </a:solidFill>
+          <a:ln>
+            <a:solidFill>
+              <a:schemeClr val="bg1"/>
+            </a:solidFill>
+          </a:ln>
+        </p:spPr>
+        <p:style>
+          <a:lnRef idx="2">
+            <a:schemeClr val="accent1">
+              <a:shade val="50000"/>
+            </a:schemeClr>
+          </a:lnRef>
+          <a:fillRef idx="1">
+            <a:schemeClr val="accent1"/>
+          </a:fillRef>
+          <a:effectRef idx="0">
+            <a:schemeClr val="accent1"/>
+          </a:effectRef>
+          <a:fontRef idx="minor">
+            <a:schemeClr val="lt1"/>
+          </a:fontRef>
+        </p:style>
+        <p:txBody>
+          <a:bodyPr rtlCol="0" anchor="ctr"/>
+          <a:lstStyle/>
+          <a:p>
+            <a:pPr algn="ctr"/>
+            <a:endParaRPr lang="en-US" dirty="0"/>
+          </a:p>
+        </p:txBody>
+      </p:sp>
+      <p:sp>
+        <p:nvSpPr>
+          <p:cNvPr id="15" name="TextBox 3">
+            <a:extLst>
+              <a:ext uri="{FF2B5EF4-FFF2-40B4-BE49-F238E27FC236}">
+                <a16:creationId xmlns:a16="http://schemas.microsoft.com/office/drawing/2014/main" id="{47FC2DCC-BDE9-485D-AF79-4177B5479110}"/>
+              </a:ext>
+            </a:extLst>
+          </p:cNvPr>
+          <p:cNvSpPr txBox="1"/>
+          <p:nvPr/>
+        </p:nvSpPr>
+        <p:spPr>
+          <a:xfrm>
+            <a:off x="10543592" y="6475247"/>
+            <a:ext cx="1648408" cy="307777"/>
+          </a:xfrm>
+          <a:prstGeom prst="rect">
+            <a:avLst/>
+          </a:prstGeom>
+          <a:noFill/>
+        </p:spPr>
+        <p:txBody>
+          <a:bodyPr wrap="square" rtlCol="0">
+            <a:spAutoFit/>
+          </a:bodyPr>
+          <a:lstStyle/>
+          <a:p>
+            <a:pPr algn="r"/>
+            <a:r>
+              <a:rPr lang="es-CO" sz="1400" b="1" i="1" dirty="0" err="1">
+                <a:ln>
+                  <a:solidFill>
+                    <a:srgbClr val="7451EB"/>
+                  </a:solidFill>
+                </a:ln>
+                <a:solidFill>
+                  <a:srgbClr val="7451EB"/>
+                </a:solidFill>
+                <a:latin typeface="+mj-lt"/>
+              </a:rPr>
+              <a:t>OpenClassrooms</a:t>
+            </a:r>
+            <a:endParaRPr lang="en-US" sz="1400" b="1" i="1" dirty="0">
+              <a:ln>
+                <a:solidFill>
+                  <a:srgbClr val="7451EB"/>
+                </a:solidFill>
+              </a:ln>
+              <a:solidFill>
+                <a:srgbClr val="7451EB"/>
+              </a:solidFill>
+              <a:latin typeface="+mj-lt"/>
+            </a:endParaRPr>
+          </a:p>
+        </p:txBody>
+      </p:sp>
+      <p:sp>
+        <p:nvSpPr>
+          <p:cNvPr id="10" name="Titre 1">
+            <a:extLst>
+              <a:ext uri="{FF2B5EF4-FFF2-40B4-BE49-F238E27FC236}">
+                <a16:creationId xmlns:a16="http://schemas.microsoft.com/office/drawing/2014/main" id="{56659258-1A46-4A0F-B0E4-1AF391BF8DF3}"/>
+              </a:ext>
+            </a:extLst>
+          </p:cNvPr>
+          <p:cNvSpPr txBox="1">
+            <a:spLocks/>
+          </p:cNvSpPr>
+          <p:nvPr/>
+        </p:nvSpPr>
+        <p:spPr>
+          <a:xfrm>
+            <a:off x="279917" y="3128369"/>
+            <a:ext cx="9559407" cy="820048"/>
+          </a:xfrm>
+          <a:prstGeom prst="rect">
+            <a:avLst/>
+          </a:prstGeom>
+          <a:solidFill>
+            <a:schemeClr val="bg1"/>
+          </a:solidFill>
+          <a:ln>
+            <a:solidFill>
+              <a:schemeClr val="bg1"/>
+            </a:solidFill>
+          </a:ln>
+        </p:spPr>
+        <p:txBody>
+          <a:bodyPr vert="horz" lIns="91440" tIns="45720" rIns="91440" bIns="45720" rtlCol="0" anchor="ctr">
+            <a:normAutofit/>
+          </a:bodyPr>
+          <a:lstStyle>
+            <a:lvl1pPr algn="l" defTabSz="914400" rtl="0" eaLnBrk="1" latinLnBrk="0" hangingPunct="1">
+              <a:lnSpc>
+                <a:spcPct val="90000"/>
+              </a:lnSpc>
+              <a:spcBef>
+                <a:spcPct val="0"/>
+              </a:spcBef>
+              <a:buNone/>
+              <a:defRPr sz="4400" kern="1200">
+                <a:solidFill>
+                  <a:schemeClr val="tx1"/>
+                </a:solidFill>
+                <a:latin typeface="+mj-lt"/>
+                <a:ea typeface="+mj-ea"/>
+                <a:cs typeface="+mj-cs"/>
+              </a:defRPr>
+            </a:lvl1pPr>
+          </a:lstStyle>
+          <a:p>
+            <a:r>
+              <a:rPr lang="fr-FR" b="1" dirty="0">
+                <a:ln>
+                  <a:solidFill>
+                    <a:srgbClr val="7451EB"/>
+                  </a:solidFill>
+                </a:ln>
+                <a:solidFill>
+                  <a:srgbClr val="7451EB"/>
+                </a:solidFill>
+                <a:effectLst>
+                  <a:outerShdw blurRad="38100" dist="38100" dir="2700000" algn="tl">
+                    <a:srgbClr val="000000">
+                      <a:alpha val="43137"/>
+                    </a:srgbClr>
+                  </a:outerShdw>
+                </a:effectLst>
+              </a:rPr>
+              <a:t>Annexes</a:t>
+            </a:r>
+          </a:p>
+        </p:txBody>
+      </p:sp>
+      <p:sp>
+        <p:nvSpPr>
+          <p:cNvPr id="6" name="TextBox 3">
+            <a:extLst>
+              <a:ext uri="{FF2B5EF4-FFF2-40B4-BE49-F238E27FC236}">
+                <a16:creationId xmlns:a16="http://schemas.microsoft.com/office/drawing/2014/main" id="{E54A00AA-CF7B-43BF-9A74-00FFAB8AB15F}"/>
+              </a:ext>
+            </a:extLst>
+          </p:cNvPr>
+          <p:cNvSpPr txBox="1"/>
+          <p:nvPr/>
+        </p:nvSpPr>
+        <p:spPr>
+          <a:xfrm>
+            <a:off x="0" y="6475247"/>
+            <a:ext cx="6096000" cy="307777"/>
+          </a:xfrm>
+          <a:prstGeom prst="rect">
+            <a:avLst/>
+          </a:prstGeom>
+          <a:noFill/>
+        </p:spPr>
+        <p:txBody>
+          <a:bodyPr wrap="square" rtlCol="0">
+            <a:spAutoFit/>
+          </a:bodyPr>
+          <a:lstStyle/>
+          <a:p>
+            <a:r>
+              <a:rPr lang="fr-FR" sz="1400" dirty="0">
+                <a:ln>
+                  <a:solidFill>
+                    <a:srgbClr val="7451EB"/>
+                  </a:solidFill>
+                </a:ln>
+                <a:solidFill>
+                  <a:srgbClr val="7451EB"/>
+                </a:solidFill>
+                <a:latin typeface="Calibri Light (En-têtes)"/>
+              </a:rPr>
+              <a:t>Project 4 -  Anticipation des besoins en consommation électrique de bâtiments</a:t>
+            </a:r>
+            <a:endParaRPr lang="en-US" sz="1400" dirty="0">
+              <a:ln>
+                <a:solidFill>
+                  <a:srgbClr val="7451EB"/>
+                </a:solidFill>
+              </a:ln>
+              <a:solidFill>
+                <a:srgbClr val="7451EB"/>
+              </a:solidFill>
+              <a:latin typeface="Calibri Light (En-têtes)"/>
+            </a:endParaRPr>
+          </a:p>
+        </p:txBody>
+      </p:sp>
+    </p:spTree>
+    <p:extLst>
+      <p:ext uri="{BB962C8B-B14F-4D97-AF65-F5344CB8AC3E}">
+        <p14:creationId xmlns:p14="http://schemas.microsoft.com/office/powerpoint/2010/main" val="3146849906"/>
       </p:ext>
     </p:extLst>
   </p:cSld>
@@ -44403,6 +45899,515 @@
     <p:extLst>
       <p:ext uri="{BB962C8B-B14F-4D97-AF65-F5344CB8AC3E}">
         <p14:creationId xmlns:p14="http://schemas.microsoft.com/office/powerpoint/2010/main" val="808489650"/>
+      </p:ext>
+    </p:extLst>
+  </p:cSld>
+  <p:clrMapOvr>
+    <a:masterClrMapping/>
+  </p:clrMapOvr>
+</p:sld>
+</file>
+
+<file path=ppt/slides/slide50.xml><?xml version="1.0" encoding="utf-8"?>
+<p:sld xmlns:a="http://schemas.openxmlformats.org/drawingml/2006/main" xmlns:r="http://schemas.openxmlformats.org/officeDocument/2006/relationships" xmlns:p="http://schemas.openxmlformats.org/presentationml/2006/main">
+  <p:cSld>
+    <p:spTree>
+      <p:nvGrpSpPr>
+        <p:cNvPr id="1" name=""/>
+        <p:cNvGrpSpPr/>
+        <p:nvPr/>
+      </p:nvGrpSpPr>
+      <p:grpSpPr>
+        <a:xfrm>
+          <a:off x="0" y="0"/>
+          <a:ext cx="0" cy="0"/>
+          <a:chOff x="0" y="0"/>
+          <a:chExt cx="0" cy="0"/>
+        </a:xfrm>
+      </p:grpSpPr>
+      <p:sp>
+        <p:nvSpPr>
+          <p:cNvPr id="5" name="Rectangle 4">
+            <a:extLst>
+              <a:ext uri="{FF2B5EF4-FFF2-40B4-BE49-F238E27FC236}">
+                <a16:creationId xmlns:a16="http://schemas.microsoft.com/office/drawing/2014/main" id="{A00233D2-38CE-441F-90C9-32F91999758A}"/>
+              </a:ext>
+            </a:extLst>
+          </p:cNvPr>
+          <p:cNvSpPr/>
+          <p:nvPr/>
+        </p:nvSpPr>
+        <p:spPr>
+          <a:xfrm>
+            <a:off x="0" y="6400273"/>
+            <a:ext cx="12192000" cy="457727"/>
+          </a:xfrm>
+          <a:prstGeom prst="rect">
+            <a:avLst/>
+          </a:prstGeom>
+          <a:solidFill>
+            <a:srgbClr val="7451EB"/>
+          </a:solidFill>
+          <a:ln>
+            <a:solidFill>
+              <a:srgbClr val="7451EB"/>
+            </a:solidFill>
+          </a:ln>
+        </p:spPr>
+        <p:style>
+          <a:lnRef idx="2">
+            <a:schemeClr val="accent1">
+              <a:shade val="50000"/>
+            </a:schemeClr>
+          </a:lnRef>
+          <a:fillRef idx="1">
+            <a:schemeClr val="accent1"/>
+          </a:fillRef>
+          <a:effectRef idx="0">
+            <a:schemeClr val="accent1"/>
+          </a:effectRef>
+          <a:fontRef idx="minor">
+            <a:schemeClr val="lt1"/>
+          </a:fontRef>
+        </p:style>
+        <p:txBody>
+          <a:bodyPr rtlCol="0" anchor="ctr"/>
+          <a:lstStyle/>
+          <a:p>
+            <a:pPr algn="ctr"/>
+            <a:endParaRPr lang="en-US" dirty="0"/>
+          </a:p>
+        </p:txBody>
+      </p:sp>
+      <p:sp>
+        <p:nvSpPr>
+          <p:cNvPr id="15" name="TextBox 3">
+            <a:extLst>
+              <a:ext uri="{FF2B5EF4-FFF2-40B4-BE49-F238E27FC236}">
+                <a16:creationId xmlns:a16="http://schemas.microsoft.com/office/drawing/2014/main" id="{47FC2DCC-BDE9-485D-AF79-4177B5479110}"/>
+              </a:ext>
+            </a:extLst>
+          </p:cNvPr>
+          <p:cNvSpPr txBox="1"/>
+          <p:nvPr/>
+        </p:nvSpPr>
+        <p:spPr>
+          <a:xfrm>
+            <a:off x="10543592" y="6475247"/>
+            <a:ext cx="1648408" cy="307777"/>
+          </a:xfrm>
+          <a:prstGeom prst="rect">
+            <a:avLst/>
+          </a:prstGeom>
+          <a:noFill/>
+        </p:spPr>
+        <p:txBody>
+          <a:bodyPr wrap="square" rtlCol="0">
+            <a:spAutoFit/>
+          </a:bodyPr>
+          <a:lstStyle/>
+          <a:p>
+            <a:pPr algn="r"/>
+            <a:r>
+              <a:rPr lang="es-CO" sz="1400" b="1" i="1" dirty="0" err="1">
+                <a:ln>
+                  <a:solidFill>
+                    <a:schemeClr val="bg1"/>
+                  </a:solidFill>
+                </a:ln>
+                <a:solidFill>
+                  <a:schemeClr val="bg1"/>
+                </a:solidFill>
+                <a:latin typeface="+mj-lt"/>
+              </a:rPr>
+              <a:t>OpenClassrooms</a:t>
+            </a:r>
+            <a:endParaRPr lang="en-US" sz="1400" b="1" i="1" dirty="0">
+              <a:ln>
+                <a:solidFill>
+                  <a:schemeClr val="bg1"/>
+                </a:solidFill>
+              </a:ln>
+              <a:solidFill>
+                <a:schemeClr val="bg1"/>
+              </a:solidFill>
+              <a:latin typeface="+mj-lt"/>
+            </a:endParaRPr>
+          </a:p>
+        </p:txBody>
+      </p:sp>
+      <p:sp>
+        <p:nvSpPr>
+          <p:cNvPr id="10" name="Titre 1">
+            <a:extLst>
+              <a:ext uri="{FF2B5EF4-FFF2-40B4-BE49-F238E27FC236}">
+                <a16:creationId xmlns:a16="http://schemas.microsoft.com/office/drawing/2014/main" id="{224E5C7D-3656-459F-9C01-61200508167F}"/>
+              </a:ext>
+            </a:extLst>
+          </p:cNvPr>
+          <p:cNvSpPr txBox="1">
+            <a:spLocks/>
+          </p:cNvSpPr>
+          <p:nvPr/>
+        </p:nvSpPr>
+        <p:spPr>
+          <a:xfrm>
+            <a:off x="279918" y="432794"/>
+            <a:ext cx="6944616" cy="820048"/>
+          </a:xfrm>
+          <a:prstGeom prst="rect">
+            <a:avLst/>
+          </a:prstGeom>
+        </p:spPr>
+        <p:txBody>
+          <a:bodyPr vert="horz" lIns="91440" tIns="45720" rIns="91440" bIns="45720" rtlCol="0" anchor="ctr">
+            <a:normAutofit/>
+          </a:bodyPr>
+          <a:lstStyle>
+            <a:lvl1pPr algn="l" defTabSz="914400" rtl="0" eaLnBrk="1" latinLnBrk="0" hangingPunct="1">
+              <a:lnSpc>
+                <a:spcPct val="90000"/>
+              </a:lnSpc>
+              <a:spcBef>
+                <a:spcPct val="0"/>
+              </a:spcBef>
+              <a:buNone/>
+              <a:defRPr sz="4400" kern="1200">
+                <a:solidFill>
+                  <a:schemeClr val="tx1"/>
+                </a:solidFill>
+                <a:latin typeface="+mj-lt"/>
+                <a:ea typeface="+mj-ea"/>
+                <a:cs typeface="+mj-cs"/>
+              </a:defRPr>
+            </a:lvl1pPr>
+          </a:lstStyle>
+          <a:p>
+            <a:r>
+              <a:rPr lang="fr-FR" sz="4000" b="1" dirty="0">
+                <a:ln>
+                  <a:solidFill>
+                    <a:srgbClr val="7451EB"/>
+                  </a:solidFill>
+                </a:ln>
+                <a:solidFill>
+                  <a:srgbClr val="7451EB"/>
+                </a:solidFill>
+                <a:latin typeface="Google Sans"/>
+              </a:rPr>
+              <a:t>Utilisation de données brutes</a:t>
+            </a:r>
+          </a:p>
+        </p:txBody>
+      </p:sp>
+      <p:sp>
+        <p:nvSpPr>
+          <p:cNvPr id="11" name="Rectángulo 4">
+            <a:extLst>
+              <a:ext uri="{FF2B5EF4-FFF2-40B4-BE49-F238E27FC236}">
+                <a16:creationId xmlns:a16="http://schemas.microsoft.com/office/drawing/2014/main" id="{B84F0FDC-2C73-4C87-9CC7-F9F129B3A699}"/>
+              </a:ext>
+            </a:extLst>
+          </p:cNvPr>
+          <p:cNvSpPr/>
+          <p:nvPr/>
+        </p:nvSpPr>
+        <p:spPr>
+          <a:xfrm>
+            <a:off x="377906" y="378794"/>
+            <a:ext cx="366721" cy="54000"/>
+          </a:xfrm>
+          <a:prstGeom prst="rect">
+            <a:avLst/>
+          </a:prstGeom>
+          <a:solidFill>
+            <a:srgbClr val="7451EB"/>
+          </a:solidFill>
+          <a:ln>
+            <a:solidFill>
+              <a:srgbClr val="7451EB"/>
+            </a:solidFill>
+          </a:ln>
+        </p:spPr>
+        <p:style>
+          <a:lnRef idx="2">
+            <a:schemeClr val="accent1">
+              <a:shade val="50000"/>
+            </a:schemeClr>
+          </a:lnRef>
+          <a:fillRef idx="1">
+            <a:schemeClr val="accent1"/>
+          </a:fillRef>
+          <a:effectRef idx="0">
+            <a:schemeClr val="accent1"/>
+          </a:effectRef>
+          <a:fontRef idx="minor">
+            <a:schemeClr val="lt1"/>
+          </a:fontRef>
+        </p:style>
+        <p:txBody>
+          <a:bodyPr rtlCol="0" anchor="ctr"/>
+          <a:lstStyle/>
+          <a:p>
+            <a:pPr algn="ctr"/>
+            <a:endParaRPr lang="es-AR">
+              <a:ln>
+                <a:solidFill>
+                  <a:srgbClr val="7451EB"/>
+                </a:solidFill>
+              </a:ln>
+              <a:solidFill>
+                <a:srgbClr val="7451EB"/>
+              </a:solidFill>
+            </a:endParaRPr>
+          </a:p>
+        </p:txBody>
+      </p:sp>
+      <p:sp>
+        <p:nvSpPr>
+          <p:cNvPr id="19" name="TextBox 3">
+            <a:extLst>
+              <a:ext uri="{FF2B5EF4-FFF2-40B4-BE49-F238E27FC236}">
+                <a16:creationId xmlns:a16="http://schemas.microsoft.com/office/drawing/2014/main" id="{CCE82F76-2714-4FC6-B130-1CAB3A5EE413}"/>
+              </a:ext>
+            </a:extLst>
+          </p:cNvPr>
+          <p:cNvSpPr txBox="1"/>
+          <p:nvPr/>
+        </p:nvSpPr>
+        <p:spPr>
+          <a:xfrm>
+            <a:off x="0" y="6475247"/>
+            <a:ext cx="6743700" cy="307777"/>
+          </a:xfrm>
+          <a:prstGeom prst="rect">
+            <a:avLst/>
+          </a:prstGeom>
+          <a:noFill/>
+        </p:spPr>
+        <p:txBody>
+          <a:bodyPr wrap="square" rtlCol="0">
+            <a:spAutoFit/>
+          </a:bodyPr>
+          <a:lstStyle/>
+          <a:p>
+            <a:r>
+              <a:rPr lang="fr-FR" sz="1400" b="1" dirty="0">
+                <a:ln>
+                  <a:solidFill>
+                    <a:schemeClr val="bg1"/>
+                  </a:solidFill>
+                </a:ln>
+                <a:solidFill>
+                  <a:schemeClr val="bg1"/>
+                </a:solidFill>
+                <a:latin typeface="+mj-lt"/>
+              </a:rPr>
+              <a:t>Project 4 -  Anticipation des besoins en consommation électrique de bâtiments</a:t>
+            </a:r>
+          </a:p>
+        </p:txBody>
+      </p:sp>
+      <p:pic>
+        <p:nvPicPr>
+          <p:cNvPr id="4" name="Image 3">
+            <a:extLst>
+              <a:ext uri="{FF2B5EF4-FFF2-40B4-BE49-F238E27FC236}">
+                <a16:creationId xmlns:a16="http://schemas.microsoft.com/office/drawing/2014/main" id="{27AFE08C-F4E0-4B53-82F0-C632D5861E91}"/>
+              </a:ext>
+            </a:extLst>
+          </p:cNvPr>
+          <p:cNvPicPr>
+            <a:picLocks noChangeAspect="1"/>
+          </p:cNvPicPr>
+          <p:nvPr/>
+        </p:nvPicPr>
+        <p:blipFill>
+          <a:blip r:embed="rId3"/>
+          <a:stretch>
+            <a:fillRect/>
+          </a:stretch>
+        </p:blipFill>
+        <p:spPr>
+          <a:xfrm>
+            <a:off x="377906" y="1233967"/>
+            <a:ext cx="2941729" cy="1117701"/>
+          </a:xfrm>
+          <a:prstGeom prst="rect">
+            <a:avLst/>
+          </a:prstGeom>
+        </p:spPr>
+      </p:pic>
+      <p:pic>
+        <p:nvPicPr>
+          <p:cNvPr id="7" name="Image 6">
+            <a:extLst>
+              <a:ext uri="{FF2B5EF4-FFF2-40B4-BE49-F238E27FC236}">
+                <a16:creationId xmlns:a16="http://schemas.microsoft.com/office/drawing/2014/main" id="{EE3FE864-6EFF-4D52-B466-AD16434533BA}"/>
+              </a:ext>
+            </a:extLst>
+          </p:cNvPr>
+          <p:cNvPicPr>
+            <a:picLocks noChangeAspect="1"/>
+          </p:cNvPicPr>
+          <p:nvPr/>
+        </p:nvPicPr>
+        <p:blipFill>
+          <a:blip r:embed="rId4"/>
+          <a:stretch>
+            <a:fillRect/>
+          </a:stretch>
+        </p:blipFill>
+        <p:spPr>
+          <a:xfrm>
+            <a:off x="376416" y="2461569"/>
+            <a:ext cx="6859367" cy="912938"/>
+          </a:xfrm>
+          <a:prstGeom prst="rect">
+            <a:avLst/>
+          </a:prstGeom>
+        </p:spPr>
+      </p:pic>
+      <p:pic>
+        <p:nvPicPr>
+          <p:cNvPr id="9" name="Image 8">
+            <a:extLst>
+              <a:ext uri="{FF2B5EF4-FFF2-40B4-BE49-F238E27FC236}">
+                <a16:creationId xmlns:a16="http://schemas.microsoft.com/office/drawing/2014/main" id="{42172B9F-BD57-4EEA-8792-A1D8EA819978}"/>
+              </a:ext>
+            </a:extLst>
+          </p:cNvPr>
+          <p:cNvPicPr>
+            <a:picLocks noChangeAspect="1"/>
+          </p:cNvPicPr>
+          <p:nvPr/>
+        </p:nvPicPr>
+        <p:blipFill>
+          <a:blip r:embed="rId5"/>
+          <a:stretch>
+            <a:fillRect/>
+          </a:stretch>
+        </p:blipFill>
+        <p:spPr>
+          <a:xfrm>
+            <a:off x="376417" y="3484408"/>
+            <a:ext cx="5629706" cy="1425444"/>
+          </a:xfrm>
+          <a:prstGeom prst="rect">
+            <a:avLst/>
+          </a:prstGeom>
+        </p:spPr>
+      </p:pic>
+      <p:pic>
+        <p:nvPicPr>
+          <p:cNvPr id="13" name="Image 12">
+            <a:extLst>
+              <a:ext uri="{FF2B5EF4-FFF2-40B4-BE49-F238E27FC236}">
+                <a16:creationId xmlns:a16="http://schemas.microsoft.com/office/drawing/2014/main" id="{3F5159AF-AEA0-49E2-A4AE-C1F2178DCB26}"/>
+              </a:ext>
+            </a:extLst>
+          </p:cNvPr>
+          <p:cNvPicPr>
+            <a:picLocks noChangeAspect="1"/>
+          </p:cNvPicPr>
+          <p:nvPr/>
+        </p:nvPicPr>
+        <p:blipFill>
+          <a:blip r:embed="rId6"/>
+          <a:stretch>
+            <a:fillRect/>
+          </a:stretch>
+        </p:blipFill>
+        <p:spPr>
+          <a:xfrm>
+            <a:off x="376416" y="5019754"/>
+            <a:ext cx="3675467" cy="1120941"/>
+          </a:xfrm>
+          <a:prstGeom prst="rect">
+            <a:avLst/>
+          </a:prstGeom>
+        </p:spPr>
+      </p:pic>
+      <p:pic>
+        <p:nvPicPr>
+          <p:cNvPr id="36" name="Image 35">
+            <a:extLst>
+              <a:ext uri="{FF2B5EF4-FFF2-40B4-BE49-F238E27FC236}">
+                <a16:creationId xmlns:a16="http://schemas.microsoft.com/office/drawing/2014/main" id="{3C179360-17C0-4F5C-AA52-90305CD1BB9F}"/>
+              </a:ext>
+            </a:extLst>
+          </p:cNvPr>
+          <p:cNvPicPr>
+            <a:picLocks noChangeAspect="1"/>
+          </p:cNvPicPr>
+          <p:nvPr/>
+        </p:nvPicPr>
+        <p:blipFill>
+          <a:blip r:embed="rId7">
+            <a:extLst>
+              <a:ext uri="{28A0092B-C50C-407E-A947-70E740481C1C}">
+                <a14:useLocalDpi xmlns:a14="http://schemas.microsoft.com/office/drawing/2010/main" val="0"/>
+              </a:ext>
+            </a:extLst>
+          </a:blip>
+          <a:stretch>
+            <a:fillRect/>
+          </a:stretch>
+        </p:blipFill>
+        <p:spPr>
+          <a:xfrm>
+            <a:off x="10255453" y="113305"/>
+            <a:ext cx="1813177" cy="1515935"/>
+          </a:xfrm>
+          <a:prstGeom prst="rect">
+            <a:avLst/>
+          </a:prstGeom>
+        </p:spPr>
+      </p:pic>
+      <p:pic>
+        <p:nvPicPr>
+          <p:cNvPr id="25" name="Image 24">
+            <a:extLst>
+              <a:ext uri="{FF2B5EF4-FFF2-40B4-BE49-F238E27FC236}">
+                <a16:creationId xmlns:a16="http://schemas.microsoft.com/office/drawing/2014/main" id="{EEE30F9A-8D10-4A46-9BCF-7F79919528B6}"/>
+              </a:ext>
+            </a:extLst>
+          </p:cNvPr>
+          <p:cNvPicPr>
+            <a:picLocks noChangeAspect="1"/>
+          </p:cNvPicPr>
+          <p:nvPr/>
+        </p:nvPicPr>
+        <p:blipFill>
+          <a:blip r:embed="rId8"/>
+          <a:stretch>
+            <a:fillRect/>
+          </a:stretch>
+        </p:blipFill>
+        <p:spPr>
+          <a:xfrm>
+            <a:off x="5884769" y="5426462"/>
+            <a:ext cx="5048250" cy="457200"/>
+          </a:xfrm>
+          <a:prstGeom prst="rect">
+            <a:avLst/>
+          </a:prstGeom>
+          <a:ln>
+            <a:noFill/>
+          </a:ln>
+          <a:effectLst>
+            <a:outerShdw blurRad="292100" dist="139700" dir="2700000" algn="tl" rotWithShape="0">
+              <a:srgbClr val="333333">
+                <a:alpha val="65000"/>
+              </a:srgbClr>
+            </a:outerShdw>
+          </a:effectLst>
+        </p:spPr>
+      </p:pic>
+    </p:spTree>
+    <p:extLst>
+      <p:ext uri="{BB962C8B-B14F-4D97-AF65-F5344CB8AC3E}">
+        <p14:creationId xmlns:p14="http://schemas.microsoft.com/office/powerpoint/2010/main" val="2892110721"/>
       </p:ext>
     </p:extLst>
   </p:cSld>

--- a/supports/P4_presentation v1.pptx
+++ b/supports/P4_presentation v1.pptx
@@ -5,10 +5,10 @@
     <p:sldMasterId id="2147483648" r:id="rId1"/>
   </p:sldMasterIdLst>
   <p:notesMasterIdLst>
-    <p:notesMasterId r:id="rId52"/>
+    <p:notesMasterId r:id="rId53"/>
   </p:notesMasterIdLst>
   <p:handoutMasterIdLst>
-    <p:handoutMasterId r:id="rId53"/>
+    <p:handoutMasterId r:id="rId54"/>
   </p:handoutMasterIdLst>
   <p:sldIdLst>
     <p:sldId id="368" r:id="rId2"/>
@@ -55,12 +55,13 @@
     <p:sldId id="507" r:id="rId43"/>
     <p:sldId id="511" r:id="rId44"/>
     <p:sldId id="512" r:id="rId45"/>
-    <p:sldId id="452" r:id="rId46"/>
-    <p:sldId id="450" r:id="rId47"/>
-    <p:sldId id="425" r:id="rId48"/>
-    <p:sldId id="426" r:id="rId49"/>
-    <p:sldId id="483" r:id="rId50"/>
-    <p:sldId id="482" r:id="rId51"/>
+    <p:sldId id="513" r:id="rId46"/>
+    <p:sldId id="452" r:id="rId47"/>
+    <p:sldId id="450" r:id="rId48"/>
+    <p:sldId id="425" r:id="rId49"/>
+    <p:sldId id="426" r:id="rId50"/>
+    <p:sldId id="483" r:id="rId51"/>
+    <p:sldId id="482" r:id="rId52"/>
   </p:sldIdLst>
   <p:sldSz cx="12192000" cy="6858000"/>
   <p:notesSz cx="6858000" cy="9144000"/>
@@ -3513,9 +3514,9 @@
           <a:bodyPr/>
           <a:lstStyle/>
           <a:p>
-            <a:pPr marL="171450" indent="-171450">
-              <a:buFont typeface="Wingdings" panose="05000000000000000000" pitchFamily="2" charset="2"/>
-              <a:buChar char="§"/>
+            <a:pPr marL="457200" lvl="1" indent="0">
+              <a:buFontTx/>
+              <a:buNone/>
             </a:pPr>
             <a:endParaRPr lang="fr-FR" dirty="0"/>
           </a:p>
@@ -3538,7 +3539,7 @@
           <a:p>
             <a:fld id="{B2BE2823-3393-479C-B299-87C7B63AEB2B}" type="slidenum">
               <a:rPr lang="en-US" smtClean="0"/>
-              <a:t>46</a:t>
+              <a:t>45</a:t>
             </a:fld>
             <a:endParaRPr lang="en-US"/>
           </a:p>
@@ -3547,7 +3548,7 @@
     </p:spTree>
     <p:extLst>
       <p:ext uri="{BB962C8B-B14F-4D97-AF65-F5344CB8AC3E}">
-        <p14:creationId xmlns:p14="http://schemas.microsoft.com/office/powerpoint/2010/main" val="4170600326"/>
+        <p14:creationId xmlns:p14="http://schemas.microsoft.com/office/powerpoint/2010/main" val="375006189"/>
       </p:ext>
     </p:extLst>
   </p:cSld>
@@ -3601,29 +3602,10 @@
           <a:bodyPr/>
           <a:lstStyle/>
           <a:p>
-            <a:pPr marL="0" marR="0" lvl="0" indent="0" algn="l" defTabSz="914400" rtl="0" eaLnBrk="1" fontAlgn="auto" latinLnBrk="0" hangingPunct="1">
-              <a:lnSpc>
-                <a:spcPct val="100000"/>
-              </a:lnSpc>
-              <a:spcBef>
-                <a:spcPts val="0"/>
-              </a:spcBef>
-              <a:spcAft>
-                <a:spcPts val="0"/>
-              </a:spcAft>
-              <a:buClrTx/>
-              <a:buSzTx/>
-              <a:buFontTx/>
-              <a:buNone/>
-              <a:tabLst/>
-              <a:defRPr/>
+            <a:pPr marL="171450" indent="-171450">
+              <a:buFont typeface="Wingdings" panose="05000000000000000000" pitchFamily="2" charset="2"/>
+              <a:buChar char="§"/>
             </a:pPr>
-            <a:r>
-              <a:rPr lang="fr-FR" dirty="0"/>
-              <a:t>On arrive à le processus de Nettoyage de jeu de données</a:t>
-            </a:r>
-          </a:p>
-          <a:p>
             <a:endParaRPr lang="fr-FR" dirty="0"/>
           </a:p>
         </p:txBody>
@@ -3645,7 +3627,7 @@
           <a:p>
             <a:fld id="{B2BE2823-3393-479C-B299-87C7B63AEB2B}" type="slidenum">
               <a:rPr lang="en-US" smtClean="0"/>
-              <a:t>49</a:t>
+              <a:t>47</a:t>
             </a:fld>
             <a:endParaRPr lang="en-US"/>
           </a:p>
@@ -3654,7 +3636,7 @@
     </p:spTree>
     <p:extLst>
       <p:ext uri="{BB962C8B-B14F-4D97-AF65-F5344CB8AC3E}">
-        <p14:creationId xmlns:p14="http://schemas.microsoft.com/office/powerpoint/2010/main" val="1536806245"/>
+        <p14:creationId xmlns:p14="http://schemas.microsoft.com/office/powerpoint/2010/main" val="4170600326"/>
       </p:ext>
     </p:extLst>
   </p:cSld>
@@ -3792,10 +3774,29 @@
           <a:bodyPr/>
           <a:lstStyle/>
           <a:p>
-            <a:pPr marL="457200" lvl="1" indent="0">
+            <a:pPr marL="0" marR="0" lvl="0" indent="0" algn="l" defTabSz="914400" rtl="0" eaLnBrk="1" fontAlgn="auto" latinLnBrk="0" hangingPunct="1">
+              <a:lnSpc>
+                <a:spcPct val="100000"/>
+              </a:lnSpc>
+              <a:spcBef>
+                <a:spcPts val="0"/>
+              </a:spcBef>
+              <a:spcAft>
+                <a:spcPts val="0"/>
+              </a:spcAft>
+              <a:buClrTx/>
+              <a:buSzTx/>
               <a:buFontTx/>
               <a:buNone/>
+              <a:tabLst/>
+              <a:defRPr/>
             </a:pPr>
+            <a:r>
+              <a:rPr lang="fr-FR" dirty="0"/>
+              <a:t>On arrive à le processus de Nettoyage de jeu de données</a:t>
+            </a:r>
+          </a:p>
+          <a:p>
             <a:endParaRPr lang="fr-FR" dirty="0"/>
           </a:p>
         </p:txBody>
@@ -3818,6 +3819,94 @@
             <a:fld id="{B2BE2823-3393-479C-B299-87C7B63AEB2B}" type="slidenum">
               <a:rPr lang="en-US" smtClean="0"/>
               <a:t>50</a:t>
+            </a:fld>
+            <a:endParaRPr lang="en-US"/>
+          </a:p>
+        </p:txBody>
+      </p:sp>
+    </p:spTree>
+    <p:extLst>
+      <p:ext uri="{BB962C8B-B14F-4D97-AF65-F5344CB8AC3E}">
+        <p14:creationId xmlns:p14="http://schemas.microsoft.com/office/powerpoint/2010/main" val="1536806245"/>
+      </p:ext>
+    </p:extLst>
+  </p:cSld>
+  <p:clrMapOvr>
+    <a:masterClrMapping/>
+  </p:clrMapOvr>
+</p:notes>
+</file>
+
+<file path=ppt/notesSlides/notesSlide41.xml><?xml version="1.0" encoding="utf-8"?>
+<p:notes xmlns:a="http://schemas.openxmlformats.org/drawingml/2006/main" xmlns:r="http://schemas.openxmlformats.org/officeDocument/2006/relationships" xmlns:p="http://schemas.openxmlformats.org/presentationml/2006/main">
+  <p:cSld>
+    <p:spTree>
+      <p:nvGrpSpPr>
+        <p:cNvPr id="1" name=""/>
+        <p:cNvGrpSpPr/>
+        <p:nvPr/>
+      </p:nvGrpSpPr>
+      <p:grpSpPr>
+        <a:xfrm>
+          <a:off x="0" y="0"/>
+          <a:ext cx="0" cy="0"/>
+          <a:chOff x="0" y="0"/>
+          <a:chExt cx="0" cy="0"/>
+        </a:xfrm>
+      </p:grpSpPr>
+      <p:sp>
+        <p:nvSpPr>
+          <p:cNvPr id="2" name="Espace réservé de l'image des diapositives 1"/>
+          <p:cNvSpPr>
+            <a:spLocks noGrp="1" noRot="1" noChangeAspect="1"/>
+          </p:cNvSpPr>
+          <p:nvPr>
+            <p:ph type="sldImg"/>
+          </p:nvPr>
+        </p:nvSpPr>
+        <p:spPr/>
+      </p:sp>
+      <p:sp>
+        <p:nvSpPr>
+          <p:cNvPr id="3" name="Espace réservé des notes 2"/>
+          <p:cNvSpPr>
+            <a:spLocks noGrp="1"/>
+          </p:cNvSpPr>
+          <p:nvPr>
+            <p:ph type="body" idx="1"/>
+          </p:nvPr>
+        </p:nvSpPr>
+        <p:spPr/>
+        <p:txBody>
+          <a:bodyPr/>
+          <a:lstStyle/>
+          <a:p>
+            <a:pPr marL="457200" lvl="1" indent="0">
+              <a:buFontTx/>
+              <a:buNone/>
+            </a:pPr>
+            <a:endParaRPr lang="fr-FR" dirty="0"/>
+          </a:p>
+        </p:txBody>
+      </p:sp>
+      <p:sp>
+        <p:nvSpPr>
+          <p:cNvPr id="4" name="Espace réservé du numéro de diapositive 3"/>
+          <p:cNvSpPr>
+            <a:spLocks noGrp="1"/>
+          </p:cNvSpPr>
+          <p:nvPr>
+            <p:ph type="sldNum" sz="quarter" idx="5"/>
+          </p:nvPr>
+        </p:nvSpPr>
+        <p:spPr/>
+        <p:txBody>
+          <a:bodyPr/>
+          <a:lstStyle/>
+          <a:p>
+            <a:fld id="{B2BE2823-3393-479C-B299-87C7B63AEB2B}" type="slidenum">
+              <a:rPr lang="en-US" smtClean="0"/>
+              <a:t>51</a:t>
             </a:fld>
             <a:endParaRPr lang="en-US"/>
           </a:p>
@@ -8350,9 +8439,7 @@
           <a:prstGeom prst="rect">
             <a:avLst/>
           </a:prstGeom>
-          <a:solidFill>
-            <a:srgbClr val="FF0000"/>
-          </a:solidFill>
+          <a:noFill/>
         </p:spPr>
         <p:txBody>
           <a:bodyPr wrap="square">
@@ -8360,6 +8447,20 @@
           </a:bodyPr>
           <a:lstStyle/>
           <a:p>
+            <a:r>
+              <a:rPr lang="es-ES" sz="1400" dirty="0">
+                <a:ln>
+                  <a:solidFill>
+                    <a:schemeClr val="bg1"/>
+                  </a:solidFill>
+                </a:ln>
+                <a:solidFill>
+                  <a:schemeClr val="bg1"/>
+                </a:solidFill>
+                <a:latin typeface="Google Sans"/>
+              </a:rPr>
+              <a:t>8</a:t>
+            </a:r>
             <a:r>
               <a:rPr lang="fr-FR" sz="1400" dirty="0">
                 <a:ln>
@@ -8372,7 +8473,7 @@
                 </a:solidFill>
                 <a:latin typeface="Google Sans"/>
               </a:rPr>
-              <a:t>XX juin 2021</a:t>
+              <a:t> septembre 2021</a:t>
             </a:r>
           </a:p>
         </p:txBody>
@@ -22976,10 +23077,10 @@
       </p:grpSpPr>
       <p:pic>
         <p:nvPicPr>
-          <p:cNvPr id="3" name="Image 2">
-            <a:extLst>
-              <a:ext uri="{FF2B5EF4-FFF2-40B4-BE49-F238E27FC236}">
-                <a16:creationId xmlns:a16="http://schemas.microsoft.com/office/drawing/2014/main" id="{C4869FF7-C3B8-444A-815A-B4EEC6A983AD}"/>
+          <p:cNvPr id="6" name="Image 5">
+            <a:extLst>
+              <a:ext uri="{FF2B5EF4-FFF2-40B4-BE49-F238E27FC236}">
+                <a16:creationId xmlns:a16="http://schemas.microsoft.com/office/drawing/2014/main" id="{8D259163-26D8-4F77-B158-267CCD135341}"/>
               </a:ext>
             </a:extLst>
           </p:cNvPr>
@@ -23504,7 +23605,7 @@
         </p:nvSpPr>
         <p:spPr>
           <a:xfrm>
-            <a:off x="7146273" y="3562350"/>
+            <a:off x="7121106" y="3545572"/>
             <a:ext cx="1014434" cy="2110001"/>
           </a:xfrm>
           <a:prstGeom prst="rect">
@@ -23558,7 +23659,7 @@
         <p:spPr>
           <a:xfrm>
             <a:off x="9911098" y="2855741"/>
-            <a:ext cx="1366100" cy="2704493"/>
+            <a:ext cx="1290302" cy="2704493"/>
           </a:xfrm>
           <a:prstGeom prst="rect">
             <a:avLst/>
@@ -23612,8 +23713,8 @@
         </p:nvCxnSpPr>
         <p:spPr>
           <a:xfrm flipH="1">
-            <a:off x="8138476" y="5560234"/>
-            <a:ext cx="1772622" cy="112118"/>
+            <a:off x="8135540" y="5560234"/>
+            <a:ext cx="1775558" cy="95339"/>
           </a:xfrm>
           <a:prstGeom prst="straightConnector1">
             <a:avLst/>
@@ -23657,8 +23758,8 @@
         </p:nvCxnSpPr>
         <p:spPr>
           <a:xfrm flipH="1">
-            <a:off x="8160708" y="2855741"/>
-            <a:ext cx="1750390" cy="706609"/>
+            <a:off x="8135540" y="2855741"/>
+            <a:ext cx="1775558" cy="689831"/>
           </a:xfrm>
           <a:prstGeom prst="straightConnector1">
             <a:avLst/>
@@ -23688,10 +23789,10 @@
       </p:cxnSp>
       <p:pic>
         <p:nvPicPr>
-          <p:cNvPr id="9" name="Image 8">
-            <a:extLst>
-              <a:ext uri="{FF2B5EF4-FFF2-40B4-BE49-F238E27FC236}">
-                <a16:creationId xmlns:a16="http://schemas.microsoft.com/office/drawing/2014/main" id="{6BF3219C-9729-46DA-9838-E7717D447585}"/>
+          <p:cNvPr id="18" name="Image 17">
+            <a:extLst>
+              <a:ext uri="{FF2B5EF4-FFF2-40B4-BE49-F238E27FC236}">
+                <a16:creationId xmlns:a16="http://schemas.microsoft.com/office/drawing/2014/main" id="{003ACF36-B6C2-4421-8D7B-5BBEEF65BA82}"/>
               </a:ext>
             </a:extLst>
           </p:cNvPr>
@@ -23700,20 +23801,35 @@
           </p:cNvPicPr>
           <p:nvPr/>
         </p:nvPicPr>
-        <p:blipFill>
-          <a:blip r:embed="rId5"/>
-          <a:stretch>
-            <a:fillRect/>
-          </a:stretch>
+        <p:blipFill rotWithShape="1">
+          <a:blip r:embed="rId3">
+            <a:extLst>
+              <a:ext uri="{28A0092B-C50C-407E-A947-70E740481C1C}">
+                <a14:useLocalDpi xmlns:a14="http://schemas.microsoft.com/office/drawing/2010/main" val="0"/>
+              </a:ext>
+            </a:extLst>
+          </a:blip>
+          <a:srcRect l="78120" t="28024" r="10037" b="5858"/>
+          <a:stretch/>
         </p:blipFill>
         <p:spPr>
           <a:xfrm>
-            <a:off x="9977772" y="2901142"/>
-            <a:ext cx="1260743" cy="2578361"/>
+            <a:off x="9977714" y="2897807"/>
+            <a:ext cx="1169856" cy="2612405"/>
           </a:xfrm>
           <a:prstGeom prst="rect">
             <a:avLst/>
           </a:prstGeom>
+          <a:ln>
+            <a:noFill/>
+          </a:ln>
+          <a:effectLst>
+            <a:outerShdw blurRad="292100" dist="139700" dir="2700000" algn="tl" rotWithShape="0">
+              <a:srgbClr val="333333">
+                <a:alpha val="65000"/>
+              </a:srgbClr>
+            </a:outerShdw>
+          </a:effectLst>
         </p:spPr>
       </p:pic>
     </p:spTree>
@@ -23748,10 +23864,10 @@
       </p:grpSpPr>
       <p:pic>
         <p:nvPicPr>
-          <p:cNvPr id="41" name="Image 40">
-            <a:extLst>
-              <a:ext uri="{FF2B5EF4-FFF2-40B4-BE49-F238E27FC236}">
-                <a16:creationId xmlns:a16="http://schemas.microsoft.com/office/drawing/2014/main" id="{71A66121-2AEB-457F-9B2B-AEA1ACB81A0A}"/>
+          <p:cNvPr id="6" name="Image 5">
+            <a:extLst>
+              <a:ext uri="{FF2B5EF4-FFF2-40B4-BE49-F238E27FC236}">
+                <a16:creationId xmlns:a16="http://schemas.microsoft.com/office/drawing/2014/main" id="{71179456-2BD4-47E7-97C6-F3DD2B656B03}"/>
               </a:ext>
             </a:extLst>
           </p:cNvPr>
@@ -23760,8 +23876,53 @@
           </p:cNvPicPr>
           <p:nvPr/>
         </p:nvPicPr>
+        <p:blipFill rotWithShape="1">
+          <a:blip r:embed="rId3">
+            <a:extLst>
+              <a:ext uri="{28A0092B-C50C-407E-A947-70E740481C1C}">
+                <a14:useLocalDpi xmlns:a14="http://schemas.microsoft.com/office/drawing/2010/main" val="0"/>
+              </a:ext>
+            </a:extLst>
+          </a:blip>
+          <a:srcRect t="21722"/>
+          <a:stretch/>
+        </p:blipFill>
+        <p:spPr>
+          <a:xfrm>
+            <a:off x="2784246" y="1877776"/>
+            <a:ext cx="6665194" cy="3913009"/>
+          </a:xfrm>
+          <a:prstGeom prst="rect">
+            <a:avLst/>
+          </a:prstGeom>
+          <a:ln>
+            <a:noFill/>
+          </a:ln>
+          <a:effectLst>
+            <a:outerShdw blurRad="292100" dist="139700" dir="2700000" algn="tl" rotWithShape="0">
+              <a:srgbClr val="333333">
+                <a:alpha val="65000"/>
+              </a:srgbClr>
+            </a:outerShdw>
+          </a:effectLst>
+        </p:spPr>
+      </p:pic>
+      <p:pic>
+        <p:nvPicPr>
+          <p:cNvPr id="41" name="Image 40">
+            <a:extLst>
+              <a:ext uri="{FF2B5EF4-FFF2-40B4-BE49-F238E27FC236}">
+                <a16:creationId xmlns:a16="http://schemas.microsoft.com/office/drawing/2014/main" id="{71A66121-2AEB-457F-9B2B-AEA1ACB81A0A}"/>
+              </a:ext>
+            </a:extLst>
+          </p:cNvPr>
+          <p:cNvPicPr>
+            <a:picLocks noChangeAspect="1"/>
+          </p:cNvPicPr>
+          <p:nvPr/>
+        </p:nvPicPr>
         <p:blipFill>
-          <a:blip r:embed="rId3">
+          <a:blip r:embed="rId4">
             <a:extLst>
               <a:ext uri="{28A0092B-C50C-407E-A947-70E740481C1C}">
                 <a14:useLocalDpi xmlns:a14="http://schemas.microsoft.com/office/drawing/2010/main" val="0"/>
@@ -24090,51 +24251,6 @@
           </a:p>
         </p:txBody>
       </p:sp>
-      <p:pic>
-        <p:nvPicPr>
-          <p:cNvPr id="3" name="Image 2">
-            <a:extLst>
-              <a:ext uri="{FF2B5EF4-FFF2-40B4-BE49-F238E27FC236}">
-                <a16:creationId xmlns:a16="http://schemas.microsoft.com/office/drawing/2014/main" id="{96F4B9E7-3CB2-48E3-8A93-D7D546207F35}"/>
-              </a:ext>
-            </a:extLst>
-          </p:cNvPr>
-          <p:cNvPicPr>
-            <a:picLocks noChangeAspect="1"/>
-          </p:cNvPicPr>
-          <p:nvPr/>
-        </p:nvPicPr>
-        <p:blipFill rotWithShape="1">
-          <a:blip r:embed="rId4">
-            <a:extLst>
-              <a:ext uri="{28A0092B-C50C-407E-A947-70E740481C1C}">
-                <a14:useLocalDpi xmlns:a14="http://schemas.microsoft.com/office/drawing/2010/main" val="0"/>
-              </a:ext>
-            </a:extLst>
-          </a:blip>
-          <a:srcRect l="1636" t="22512" r="1446" b="2096"/>
-          <a:stretch/>
-        </p:blipFill>
-        <p:spPr>
-          <a:xfrm>
-            <a:off x="2742559" y="1877778"/>
-            <a:ext cx="6706881" cy="3913008"/>
-          </a:xfrm>
-          <a:prstGeom prst="rect">
-            <a:avLst/>
-          </a:prstGeom>
-          <a:ln>
-            <a:noFill/>
-          </a:ln>
-          <a:effectLst>
-            <a:outerShdw blurRad="292100" dist="139700" dir="2700000" algn="tl" rotWithShape="0">
-              <a:srgbClr val="333333">
-                <a:alpha val="65000"/>
-              </a:srgbClr>
-            </a:outerShdw>
-          </a:effectLst>
-        </p:spPr>
-      </p:pic>
       <p:cxnSp>
         <p:nvCxnSpPr>
           <p:cNvPr id="4" name="Connecteur droit avec flèche 3">
@@ -24343,10 +24459,10 @@
       </p:grpSpPr>
       <p:pic>
         <p:nvPicPr>
-          <p:cNvPr id="6" name="Image 5">
-            <a:extLst>
-              <a:ext uri="{FF2B5EF4-FFF2-40B4-BE49-F238E27FC236}">
-                <a16:creationId xmlns:a16="http://schemas.microsoft.com/office/drawing/2014/main" id="{1122567A-4A6D-443B-9D2E-AE1C3E62ABF7}"/>
+          <p:cNvPr id="4" name="Image 3">
+            <a:extLst>
+              <a:ext uri="{FF2B5EF4-FFF2-40B4-BE49-F238E27FC236}">
+                <a16:creationId xmlns:a16="http://schemas.microsoft.com/office/drawing/2014/main" id="{5A878BF4-871C-40EC-89A6-27C9C1D56500}"/>
               </a:ext>
             </a:extLst>
           </p:cNvPr>
@@ -24356,37 +24472,7 @@
           <p:nvPr/>
         </p:nvPicPr>
         <p:blipFill>
-          <a:blip r:embed="rId3"/>
-          <a:stretch>
-            <a:fillRect/>
-          </a:stretch>
-        </p:blipFill>
-        <p:spPr>
-          <a:xfrm>
-            <a:off x="8855908" y="2379228"/>
-            <a:ext cx="1249914" cy="2592415"/>
-          </a:xfrm>
-          <a:prstGeom prst="rect">
-            <a:avLst/>
-          </a:prstGeom>
-        </p:spPr>
-      </p:pic>
-      <p:pic>
-        <p:nvPicPr>
-          <p:cNvPr id="3" name="Image 2">
-            <a:extLst>
-              <a:ext uri="{FF2B5EF4-FFF2-40B4-BE49-F238E27FC236}">
-                <a16:creationId xmlns:a16="http://schemas.microsoft.com/office/drawing/2014/main" id="{2F989E06-47D2-4521-AEA6-331AB3B385B8}"/>
-              </a:ext>
-            </a:extLst>
-          </p:cNvPr>
-          <p:cNvPicPr>
-            <a:picLocks noChangeAspect="1"/>
-          </p:cNvPicPr>
-          <p:nvPr/>
-        </p:nvPicPr>
-        <p:blipFill>
-          <a:blip r:embed="rId4">
+          <a:blip r:embed="rId3">
             <a:extLst>
               <a:ext uri="{28A0092B-C50C-407E-A947-70E740481C1C}">
                 <a14:useLocalDpi xmlns:a14="http://schemas.microsoft.com/office/drawing/2010/main" val="0"/>
@@ -24399,7 +24485,7 @@
         </p:blipFill>
         <p:spPr>
           <a:xfrm>
-            <a:off x="377906" y="2503356"/>
+            <a:off x="377906" y="2502286"/>
             <a:ext cx="8004094" cy="3201638"/>
           </a:xfrm>
           <a:prstGeom prst="rect">
@@ -24432,7 +24518,7 @@
           <p:nvPr/>
         </p:nvPicPr>
         <p:blipFill>
-          <a:blip r:embed="rId5">
+          <a:blip r:embed="rId4">
             <a:extLst>
               <a:ext uri="{28A0092B-C50C-407E-A947-70E740481C1C}">
                 <a14:useLocalDpi xmlns:a14="http://schemas.microsoft.com/office/drawing/2010/main" val="0"/>
@@ -24857,7 +24943,7 @@
         <p:spPr>
           <a:xfrm>
             <a:off x="8813525" y="2328831"/>
-            <a:ext cx="1334878" cy="2693379"/>
+            <a:ext cx="1318100" cy="2693379"/>
           </a:xfrm>
           <a:prstGeom prst="rect">
             <a:avLst/>
@@ -25162,10 +25248,10 @@
       </p:sp>
       <p:sp>
         <p:nvSpPr>
-          <p:cNvPr id="24" name="Rectangle 23">
-            <a:extLst>
-              <a:ext uri="{FF2B5EF4-FFF2-40B4-BE49-F238E27FC236}">
-                <a16:creationId xmlns:a16="http://schemas.microsoft.com/office/drawing/2014/main" id="{D62507B8-A86B-4328-9780-5013A547594C}"/>
+          <p:cNvPr id="26" name="Rectangle 25">
+            <a:extLst>
+              <a:ext uri="{FF2B5EF4-FFF2-40B4-BE49-F238E27FC236}">
+                <a16:creationId xmlns:a16="http://schemas.microsoft.com/office/drawing/2014/main" id="{C4F66185-D8D4-41AB-A1B4-173C5E142426}"/>
               </a:ext>
             </a:extLst>
           </p:cNvPr>
@@ -25174,15 +25260,13 @@
         </p:nvSpPr>
         <p:spPr>
           <a:xfrm>
-            <a:off x="10504448" y="2328831"/>
-            <a:ext cx="1366100" cy="2704493"/>
+            <a:off x="10498839" y="2337162"/>
+            <a:ext cx="1290302" cy="2704493"/>
           </a:xfrm>
           <a:prstGeom prst="rect">
             <a:avLst/>
           </a:prstGeom>
-          <a:solidFill>
-            <a:srgbClr val="FF0000"/>
-          </a:solidFill>
+          <a:noFill/>
           <a:ln w="38100">
             <a:solidFill>
               <a:srgbClr val="FF0000"/>
@@ -25217,10 +25301,10 @@
       </p:sp>
       <p:pic>
         <p:nvPicPr>
-          <p:cNvPr id="25" name="Image 24">
-            <a:extLst>
-              <a:ext uri="{FF2B5EF4-FFF2-40B4-BE49-F238E27FC236}">
-                <a16:creationId xmlns:a16="http://schemas.microsoft.com/office/drawing/2014/main" id="{8937D697-7B20-48E7-975F-AAD2FDCDBBB2}"/>
+          <p:cNvPr id="27" name="Image 26">
+            <a:extLst>
+              <a:ext uri="{FF2B5EF4-FFF2-40B4-BE49-F238E27FC236}">
+                <a16:creationId xmlns:a16="http://schemas.microsoft.com/office/drawing/2014/main" id="{BD68C2BE-E53F-4B60-9D89-45112C40C3EF}"/>
               </a:ext>
             </a:extLst>
           </p:cNvPr>
@@ -25229,16 +25313,56 @@
           </p:cNvPicPr>
           <p:nvPr/>
         </p:nvPicPr>
-        <p:blipFill>
-          <a:blip r:embed="rId6"/>
-          <a:stretch>
-            <a:fillRect/>
-          </a:stretch>
+        <p:blipFill rotWithShape="1">
+          <a:blip r:embed="rId5">
+            <a:extLst>
+              <a:ext uri="{28A0092B-C50C-407E-A947-70E740481C1C}">
+                <a14:useLocalDpi xmlns:a14="http://schemas.microsoft.com/office/drawing/2010/main" val="0"/>
+              </a:ext>
+            </a:extLst>
+          </a:blip>
+          <a:srcRect l="78120" t="28024" r="10037" b="5858"/>
+          <a:stretch/>
         </p:blipFill>
         <p:spPr>
           <a:xfrm>
-            <a:off x="10552072" y="2393282"/>
-            <a:ext cx="1260743" cy="2578361"/>
+            <a:off x="10565455" y="2379228"/>
+            <a:ext cx="1169856" cy="2612405"/>
+          </a:xfrm>
+          <a:prstGeom prst="rect">
+            <a:avLst/>
+          </a:prstGeom>
+        </p:spPr>
+      </p:pic>
+      <p:pic>
+        <p:nvPicPr>
+          <p:cNvPr id="28" name="Image 27">
+            <a:extLst>
+              <a:ext uri="{FF2B5EF4-FFF2-40B4-BE49-F238E27FC236}">
+                <a16:creationId xmlns:a16="http://schemas.microsoft.com/office/drawing/2014/main" id="{30CDD1A4-CA21-45AE-86DF-57EE5C94C4F4}"/>
+              </a:ext>
+            </a:extLst>
+          </p:cNvPr>
+          <p:cNvPicPr>
+            <a:picLocks noChangeAspect="1"/>
+          </p:cNvPicPr>
+          <p:nvPr/>
+        </p:nvPicPr>
+        <p:blipFill rotWithShape="1">
+          <a:blip r:embed="rId3">
+            <a:extLst>
+              <a:ext uri="{28A0092B-C50C-407E-A947-70E740481C1C}">
+                <a14:useLocalDpi xmlns:a14="http://schemas.microsoft.com/office/drawing/2010/main" val="0"/>
+              </a:ext>
+            </a:extLst>
+          </a:blip>
+          <a:srcRect l="77628" t="29515" r="9677" b="4759"/>
+          <a:stretch/>
+        </p:blipFill>
+        <p:spPr>
+          <a:xfrm>
+            <a:off x="8846385" y="2368179"/>
+            <a:ext cx="1268462" cy="2626892"/>
           </a:xfrm>
           <a:prstGeom prst="rect">
             <a:avLst/>
@@ -26776,7 +26900,7 @@
         </p:blipFill>
         <p:spPr>
           <a:xfrm>
-            <a:off x="6290472" y="2556672"/>
+            <a:off x="6365484" y="2314998"/>
             <a:ext cx="4178108" cy="3634411"/>
           </a:xfrm>
           <a:prstGeom prst="rect">
@@ -26822,7 +26946,7 @@
         </p:blipFill>
         <p:spPr>
           <a:xfrm>
-            <a:off x="834653" y="1908252"/>
+            <a:off x="1122792" y="1924764"/>
             <a:ext cx="4743025" cy="3557269"/>
           </a:xfrm>
           <a:prstGeom prst="rect">
@@ -27490,10 +27614,10 @@
       </p:grpSpPr>
       <p:pic>
         <p:nvPicPr>
-          <p:cNvPr id="3" name="Image 2">
-            <a:extLst>
-              <a:ext uri="{FF2B5EF4-FFF2-40B4-BE49-F238E27FC236}">
-                <a16:creationId xmlns:a16="http://schemas.microsoft.com/office/drawing/2014/main" id="{17B2FA87-0731-49A5-B065-80D9C8A266B4}"/>
+          <p:cNvPr id="4" name="Image 3">
+            <a:extLst>
+              <a:ext uri="{FF2B5EF4-FFF2-40B4-BE49-F238E27FC236}">
+                <a16:creationId xmlns:a16="http://schemas.microsoft.com/office/drawing/2014/main" id="{C414965C-6A2E-41BB-9E18-F0EBA465F381}"/>
               </a:ext>
             </a:extLst>
           </p:cNvPr>
@@ -27503,15 +27627,21 @@
           <p:nvPr/>
         </p:nvPicPr>
         <p:blipFill>
-          <a:blip r:embed="rId3"/>
+          <a:blip r:embed="rId3">
+            <a:extLst>
+              <a:ext uri="{28A0092B-C50C-407E-A947-70E740481C1C}">
+                <a14:useLocalDpi xmlns:a14="http://schemas.microsoft.com/office/drawing/2010/main" val="0"/>
+              </a:ext>
+            </a:extLst>
+          </a:blip>
           <a:stretch>
             <a:fillRect/>
           </a:stretch>
         </p:blipFill>
         <p:spPr>
           <a:xfrm>
-            <a:off x="1927845" y="1730451"/>
-            <a:ext cx="4815856" cy="3823748"/>
+            <a:off x="1852342" y="1705284"/>
+            <a:ext cx="4815856" cy="3852684"/>
           </a:xfrm>
           <a:prstGeom prst="rect">
             <a:avLst/>
@@ -27995,7 +28125,7 @@
         </p:nvSpPr>
         <p:spPr>
           <a:xfrm>
-            <a:off x="1927844" y="1943148"/>
+            <a:off x="2306396" y="2253233"/>
             <a:ext cx="1082756" cy="524846"/>
           </a:xfrm>
           <a:prstGeom prst="rect">
@@ -28048,8 +28178,8 @@
         </p:nvSpPr>
         <p:spPr>
           <a:xfrm>
-            <a:off x="1927844" y="3120705"/>
-            <a:ext cx="1461308" cy="327497"/>
+            <a:off x="2306396" y="3110589"/>
+            <a:ext cx="1082756" cy="337613"/>
           </a:xfrm>
           <a:prstGeom prst="rect">
             <a:avLst/>
@@ -29137,10 +29267,10 @@
       </p:grpSpPr>
       <p:pic>
         <p:nvPicPr>
-          <p:cNvPr id="3" name="Image 2">
-            <a:extLst>
-              <a:ext uri="{FF2B5EF4-FFF2-40B4-BE49-F238E27FC236}">
-                <a16:creationId xmlns:a16="http://schemas.microsoft.com/office/drawing/2014/main" id="{3AA66263-9878-42B9-93BE-A707F01784F1}"/>
+          <p:cNvPr id="4" name="Image 3">
+            <a:extLst>
+              <a:ext uri="{FF2B5EF4-FFF2-40B4-BE49-F238E27FC236}">
+                <a16:creationId xmlns:a16="http://schemas.microsoft.com/office/drawing/2014/main" id="{A587AB90-2DB5-4D26-808A-F48F19D5E3BE}"/>
               </a:ext>
             </a:extLst>
           </p:cNvPr>
@@ -29163,7 +29293,7 @@
         </p:blipFill>
         <p:spPr>
           <a:xfrm>
-            <a:off x="1088231" y="1913951"/>
+            <a:off x="1021118" y="1797928"/>
             <a:ext cx="5074882" cy="3806162"/>
           </a:xfrm>
           <a:prstGeom prst="rect">
@@ -29525,46 +29655,6 @@
           </a:prstGeom>
         </p:spPr>
       </p:pic>
-      <p:pic>
-        <p:nvPicPr>
-          <p:cNvPr id="22" name="Image 21">
-            <a:extLst>
-              <a:ext uri="{FF2B5EF4-FFF2-40B4-BE49-F238E27FC236}">
-                <a16:creationId xmlns:a16="http://schemas.microsoft.com/office/drawing/2014/main" id="{8F66E2C4-8F2B-40A1-9598-4CF32ED79B82}"/>
-              </a:ext>
-            </a:extLst>
-          </p:cNvPr>
-          <p:cNvPicPr>
-            <a:picLocks noChangeAspect="1"/>
-          </p:cNvPicPr>
-          <p:nvPr/>
-        </p:nvPicPr>
-        <p:blipFill>
-          <a:blip r:embed="rId5"/>
-          <a:stretch>
-            <a:fillRect/>
-          </a:stretch>
-        </p:blipFill>
-        <p:spPr>
-          <a:xfrm>
-            <a:off x="6839823" y="2330215"/>
-            <a:ext cx="4263946" cy="3700980"/>
-          </a:xfrm>
-          <a:prstGeom prst="rect">
-            <a:avLst/>
-          </a:prstGeom>
-          <a:ln>
-            <a:noFill/>
-          </a:ln>
-          <a:effectLst>
-            <a:outerShdw blurRad="292100" dist="139700" dir="2700000" algn="tl" rotWithShape="0">
-              <a:srgbClr val="333333">
-                <a:alpha val="65000"/>
-              </a:srgbClr>
-            </a:outerShdw>
-          </a:effectLst>
-        </p:spPr>
-      </p:pic>
       <p:sp>
         <p:nvSpPr>
           <p:cNvPr id="14" name="Rectangle 13">
@@ -29668,7 +29758,7 @@
                 </a:solidFill>
                 <a:latin typeface="docs-Roboto"/>
               </a:rPr>
-              <a:t>1 - R2 : 0,377</a:t>
+              <a:t>1 - R2 : 0,317</a:t>
             </a:r>
             <a:endParaRPr lang="fr-FR" sz="1100" b="1" i="1" dirty="0">
               <a:ln>
@@ -29688,6 +29778,51 @@
           </a:p>
         </p:txBody>
       </p:sp>
+      <p:pic>
+        <p:nvPicPr>
+          <p:cNvPr id="7" name="Image 6">
+            <a:extLst>
+              <a:ext uri="{FF2B5EF4-FFF2-40B4-BE49-F238E27FC236}">
+                <a16:creationId xmlns:a16="http://schemas.microsoft.com/office/drawing/2014/main" id="{68D2EF82-B4E4-4EB5-B0C4-8848C840BA36}"/>
+              </a:ext>
+            </a:extLst>
+          </p:cNvPr>
+          <p:cNvPicPr>
+            <a:picLocks noChangeAspect="1"/>
+          </p:cNvPicPr>
+          <p:nvPr/>
+        </p:nvPicPr>
+        <p:blipFill rotWithShape="1">
+          <a:blip r:embed="rId5">
+            <a:extLst>
+              <a:ext uri="{28A0092B-C50C-407E-A947-70E740481C1C}">
+                <a14:useLocalDpi xmlns:a14="http://schemas.microsoft.com/office/drawing/2010/main" val="0"/>
+              </a:ext>
+            </a:extLst>
+          </a:blip>
+          <a:srcRect l="9770" t="5283" r="64083" b="3692"/>
+          <a:stretch/>
+        </p:blipFill>
+        <p:spPr>
+          <a:xfrm>
+            <a:off x="6465574" y="2418103"/>
+            <a:ext cx="4347835" cy="3784009"/>
+          </a:xfrm>
+          <a:prstGeom prst="rect">
+            <a:avLst/>
+          </a:prstGeom>
+          <a:ln>
+            <a:noFill/>
+          </a:ln>
+          <a:effectLst>
+            <a:outerShdw blurRad="292100" dist="139700" dir="2700000" algn="tl" rotWithShape="0">
+              <a:srgbClr val="333333">
+                <a:alpha val="65000"/>
+              </a:srgbClr>
+            </a:outerShdw>
+          </a:effectLst>
+        </p:spPr>
+      </p:pic>
     </p:spTree>
     <p:extLst>
       <p:ext uri="{BB962C8B-B14F-4D97-AF65-F5344CB8AC3E}">
@@ -30229,10 +30364,10 @@
       </p:grpSpPr>
       <p:pic>
         <p:nvPicPr>
-          <p:cNvPr id="7" name="Image 6">
-            <a:extLst>
-              <a:ext uri="{FF2B5EF4-FFF2-40B4-BE49-F238E27FC236}">
-                <a16:creationId xmlns:a16="http://schemas.microsoft.com/office/drawing/2014/main" id="{9FBC54A1-B23A-42C1-B58B-FDAD7B01CA34}"/>
+          <p:cNvPr id="3" name="Image 2">
+            <a:extLst>
+              <a:ext uri="{FF2B5EF4-FFF2-40B4-BE49-F238E27FC236}">
+                <a16:creationId xmlns:a16="http://schemas.microsoft.com/office/drawing/2014/main" id="{CCBCD395-A3AE-49A0-92C3-F6B570DF1BEC}"/>
               </a:ext>
             </a:extLst>
           </p:cNvPr>
@@ -30243,6 +30378,42 @@
         </p:nvPicPr>
         <p:blipFill>
           <a:blip r:embed="rId3">
+            <a:extLst>
+              <a:ext uri="{28A0092B-C50C-407E-A947-70E740481C1C}">
+                <a14:useLocalDpi xmlns:a14="http://schemas.microsoft.com/office/drawing/2010/main" val="0"/>
+              </a:ext>
+            </a:extLst>
+          </a:blip>
+          <a:stretch>
+            <a:fillRect/>
+          </a:stretch>
+        </p:blipFill>
+        <p:spPr>
+          <a:xfrm>
+            <a:off x="1783534" y="1730450"/>
+            <a:ext cx="5003348" cy="4002678"/>
+          </a:xfrm>
+          <a:prstGeom prst="rect">
+            <a:avLst/>
+          </a:prstGeom>
+        </p:spPr>
+      </p:pic>
+      <p:pic>
+        <p:nvPicPr>
+          <p:cNvPr id="7" name="Image 6">
+            <a:extLst>
+              <a:ext uri="{FF2B5EF4-FFF2-40B4-BE49-F238E27FC236}">
+                <a16:creationId xmlns:a16="http://schemas.microsoft.com/office/drawing/2014/main" id="{9FBC54A1-B23A-42C1-B58B-FDAD7B01CA34}"/>
+              </a:ext>
+            </a:extLst>
+          </p:cNvPr>
+          <p:cNvPicPr>
+            <a:picLocks noChangeAspect="1"/>
+          </p:cNvPicPr>
+          <p:nvPr/>
+        </p:nvPicPr>
+        <p:blipFill>
+          <a:blip r:embed="rId4">
             <a:extLst>
               <a:ext uri="{28A0092B-C50C-407E-A947-70E740481C1C}">
                 <a14:useLocalDpi xmlns:a14="http://schemas.microsoft.com/office/drawing/2010/main" val="0"/>
@@ -30582,7 +30753,7 @@
           <p:nvPr/>
         </p:nvPicPr>
         <p:blipFill>
-          <a:blip r:embed="rId4">
+          <a:blip r:embed="rId5">
             <a:extLst>
               <a:ext uri="{28A0092B-C50C-407E-A947-70E740481C1C}">
                 <a14:useLocalDpi xmlns:a14="http://schemas.microsoft.com/office/drawing/2010/main" val="0"/>
@@ -30864,10 +31035,10 @@
       </p:grpSpPr>
       <p:pic>
         <p:nvPicPr>
-          <p:cNvPr id="3" name="Image 2">
-            <a:extLst>
-              <a:ext uri="{FF2B5EF4-FFF2-40B4-BE49-F238E27FC236}">
-                <a16:creationId xmlns:a16="http://schemas.microsoft.com/office/drawing/2014/main" id="{631C7999-7E64-46DE-8210-280A22C69920}"/>
+          <p:cNvPr id="4" name="Image 3">
+            <a:extLst>
+              <a:ext uri="{FF2B5EF4-FFF2-40B4-BE49-F238E27FC236}">
+                <a16:creationId xmlns:a16="http://schemas.microsoft.com/office/drawing/2014/main" id="{764992E4-81DD-4E06-8FBA-D5F25A78510B}"/>
               </a:ext>
             </a:extLst>
           </p:cNvPr>
@@ -30890,12 +31061,22 @@
         </p:blipFill>
         <p:spPr>
           <a:xfrm>
-            <a:off x="377906" y="2550665"/>
-            <a:ext cx="8004094" cy="3201638"/>
+            <a:off x="360134" y="2550665"/>
+            <a:ext cx="8021865" cy="3208746"/>
           </a:xfrm>
           <a:prstGeom prst="rect">
             <a:avLst/>
           </a:prstGeom>
+          <a:ln>
+            <a:noFill/>
+          </a:ln>
+          <a:effectLst>
+            <a:outerShdw blurRad="292100" dist="139700" dir="2700000" algn="tl" rotWithShape="0">
+              <a:srgbClr val="333333">
+                <a:alpha val="65000"/>
+              </a:srgbClr>
+            </a:outerShdw>
+          </a:effectLst>
         </p:spPr>
       </p:pic>
       <p:pic>
@@ -31313,7 +31494,7 @@
         <p:spPr>
           <a:xfrm>
             <a:off x="8804000" y="2449999"/>
-            <a:ext cx="1169390" cy="2704493"/>
+            <a:ext cx="1160063" cy="2704493"/>
           </a:xfrm>
           <a:prstGeom prst="rect">
             <a:avLst/>
@@ -31592,12 +31773,47 @@
           </a:p>
         </p:txBody>
       </p:sp>
-      <p:sp>
-        <p:nvSpPr>
-          <p:cNvPr id="27" name="ZoneTexte 26">
-            <a:extLst>
-              <a:ext uri="{FF2B5EF4-FFF2-40B4-BE49-F238E27FC236}">
-                <a16:creationId xmlns:a16="http://schemas.microsoft.com/office/drawing/2014/main" id="{8FA0C809-3709-4B47-B316-3FE62491777C}"/>
+      <p:pic>
+        <p:nvPicPr>
+          <p:cNvPr id="21" name="Image 20">
+            <a:extLst>
+              <a:ext uri="{FF2B5EF4-FFF2-40B4-BE49-F238E27FC236}">
+                <a16:creationId xmlns:a16="http://schemas.microsoft.com/office/drawing/2014/main" id="{D7C962EC-7DB0-46AA-9BD9-A0E4ABDF24AD}"/>
+              </a:ext>
+            </a:extLst>
+          </p:cNvPr>
+          <p:cNvPicPr>
+            <a:picLocks noChangeAspect="1"/>
+          </p:cNvPicPr>
+          <p:nvPr/>
+        </p:nvPicPr>
+        <p:blipFill rotWithShape="1">
+          <a:blip r:embed="rId3">
+            <a:extLst>
+              <a:ext uri="{28A0092B-C50C-407E-A947-70E740481C1C}">
+                <a14:useLocalDpi xmlns:a14="http://schemas.microsoft.com/office/drawing/2010/main" val="0"/>
+              </a:ext>
+            </a:extLst>
+          </a:blip>
+          <a:srcRect l="77677" t="13277" r="9760" b="4563"/>
+          <a:stretch/>
+        </p:blipFill>
+        <p:spPr>
+          <a:xfrm>
+            <a:off x="8876791" y="2484102"/>
+            <a:ext cx="1007729" cy="2636287"/>
+          </a:xfrm>
+          <a:prstGeom prst="rect">
+            <a:avLst/>
+          </a:prstGeom>
+        </p:spPr>
+      </p:pic>
+      <p:sp>
+        <p:nvSpPr>
+          <p:cNvPr id="22" name="ZoneTexte 21">
+            <a:extLst>
+              <a:ext uri="{FF2B5EF4-FFF2-40B4-BE49-F238E27FC236}">
+                <a16:creationId xmlns:a16="http://schemas.microsoft.com/office/drawing/2014/main" id="{BB1F8895-49E6-4F03-AFCB-AF4C0A827ACC}"/>
               </a:ext>
             </a:extLst>
           </p:cNvPr>
@@ -31646,10 +31862,10 @@
       </p:sp>
       <p:sp>
         <p:nvSpPr>
-          <p:cNvPr id="28" name="Rectangle 27">
-            <a:extLst>
-              <a:ext uri="{FF2B5EF4-FFF2-40B4-BE49-F238E27FC236}">
-                <a16:creationId xmlns:a16="http://schemas.microsoft.com/office/drawing/2014/main" id="{B581D66F-B1C1-4EA5-8C5D-50690D3A2FC3}"/>
+          <p:cNvPr id="23" name="Rectangle 22">
+            <a:extLst>
+              <a:ext uri="{FF2B5EF4-FFF2-40B4-BE49-F238E27FC236}">
+                <a16:creationId xmlns:a16="http://schemas.microsoft.com/office/drawing/2014/main" id="{CCCCF571-FE14-4245-B3C6-91C3AF634327}"/>
               </a:ext>
             </a:extLst>
           </p:cNvPr>
@@ -31658,15 +31874,13 @@
         </p:nvSpPr>
         <p:spPr>
           <a:xfrm>
-            <a:off x="10504448" y="2328831"/>
-            <a:ext cx="1366100" cy="2704493"/>
+            <a:off x="10498839" y="2337162"/>
+            <a:ext cx="1290302" cy="2704493"/>
           </a:xfrm>
           <a:prstGeom prst="rect">
             <a:avLst/>
           </a:prstGeom>
-          <a:solidFill>
-            <a:srgbClr val="FF0000"/>
-          </a:solidFill>
+          <a:noFill/>
           <a:ln w="38100">
             <a:solidFill>
               <a:srgbClr val="FF0000"/>
@@ -31701,10 +31915,10 @@
       </p:sp>
       <p:pic>
         <p:nvPicPr>
-          <p:cNvPr id="29" name="Image 28">
-            <a:extLst>
-              <a:ext uri="{FF2B5EF4-FFF2-40B4-BE49-F238E27FC236}">
-                <a16:creationId xmlns:a16="http://schemas.microsoft.com/office/drawing/2014/main" id="{C9142EFE-B5A7-4F83-84C3-303C8794F47E}"/>
+          <p:cNvPr id="24" name="Image 23">
+            <a:extLst>
+              <a:ext uri="{FF2B5EF4-FFF2-40B4-BE49-F238E27FC236}">
+                <a16:creationId xmlns:a16="http://schemas.microsoft.com/office/drawing/2014/main" id="{6862984A-1D7B-4B0C-A896-3054460720DF}"/>
               </a:ext>
             </a:extLst>
           </p:cNvPr>
@@ -31713,46 +31927,21 @@
           </p:cNvPicPr>
           <p:nvPr/>
         </p:nvPicPr>
-        <p:blipFill>
-          <a:blip r:embed="rId5"/>
-          <a:stretch>
-            <a:fillRect/>
-          </a:stretch>
+        <p:blipFill rotWithShape="1">
+          <a:blip r:embed="rId5">
+            <a:extLst>
+              <a:ext uri="{28A0092B-C50C-407E-A947-70E740481C1C}">
+                <a14:useLocalDpi xmlns:a14="http://schemas.microsoft.com/office/drawing/2010/main" val="0"/>
+              </a:ext>
+            </a:extLst>
+          </a:blip>
+          <a:srcRect l="78120" t="28024" r="10037" b="5858"/>
+          <a:stretch/>
         </p:blipFill>
         <p:spPr>
           <a:xfrm>
-            <a:off x="10552072" y="2393282"/>
-            <a:ext cx="1260743" cy="2578361"/>
-          </a:xfrm>
-          <a:prstGeom prst="rect">
-            <a:avLst/>
-          </a:prstGeom>
-        </p:spPr>
-      </p:pic>
-      <p:pic>
-        <p:nvPicPr>
-          <p:cNvPr id="8" name="Image 7">
-            <a:extLst>
-              <a:ext uri="{FF2B5EF4-FFF2-40B4-BE49-F238E27FC236}">
-                <a16:creationId xmlns:a16="http://schemas.microsoft.com/office/drawing/2014/main" id="{6DB35039-B208-4BDD-B1BF-71A45BA3ED3F}"/>
-              </a:ext>
-            </a:extLst>
-          </p:cNvPr>
-          <p:cNvPicPr>
-            <a:picLocks noChangeAspect="1"/>
-          </p:cNvPicPr>
-          <p:nvPr/>
-        </p:nvPicPr>
-        <p:blipFill>
-          <a:blip r:embed="rId6"/>
-          <a:stretch>
-            <a:fillRect/>
-          </a:stretch>
-        </p:blipFill>
-        <p:spPr>
-          <a:xfrm>
-            <a:off x="8860949" y="2482945"/>
-            <a:ext cx="1044833" cy="2642812"/>
+            <a:off x="10565455" y="2379228"/>
+            <a:ext cx="1169856" cy="2612405"/>
           </a:xfrm>
           <a:prstGeom prst="rect">
             <a:avLst/>
@@ -38319,10 +38508,10 @@
       </p:grpSpPr>
       <p:pic>
         <p:nvPicPr>
-          <p:cNvPr id="7" name="Image 6">
-            <a:extLst>
-              <a:ext uri="{FF2B5EF4-FFF2-40B4-BE49-F238E27FC236}">
-                <a16:creationId xmlns:a16="http://schemas.microsoft.com/office/drawing/2014/main" id="{5949FC0D-1B15-4191-83E0-5600AD7329E6}"/>
+          <p:cNvPr id="6" name="Image 5">
+            <a:extLst>
+              <a:ext uri="{FF2B5EF4-FFF2-40B4-BE49-F238E27FC236}">
+                <a16:creationId xmlns:a16="http://schemas.microsoft.com/office/drawing/2014/main" id="{41B0D9E6-C0A0-47F3-A6DB-51ABABE17BB1}"/>
               </a:ext>
             </a:extLst>
           </p:cNvPr>
@@ -39192,10 +39381,10 @@
       </p:grpSpPr>
       <p:pic>
         <p:nvPicPr>
-          <p:cNvPr id="4" name="Image 3">
-            <a:extLst>
-              <a:ext uri="{FF2B5EF4-FFF2-40B4-BE49-F238E27FC236}">
-                <a16:creationId xmlns:a16="http://schemas.microsoft.com/office/drawing/2014/main" id="{728F47C4-1D8C-4753-B2F8-B970704ED7D8}"/>
+          <p:cNvPr id="3" name="Image 2">
+            <a:extLst>
+              <a:ext uri="{FF2B5EF4-FFF2-40B4-BE49-F238E27FC236}">
+                <a16:creationId xmlns:a16="http://schemas.microsoft.com/office/drawing/2014/main" id="{7FD39787-7766-4464-A68C-D8EE49CA1658}"/>
               </a:ext>
             </a:extLst>
           </p:cNvPr>
@@ -41107,10 +41296,10 @@
       </p:grpSpPr>
       <p:pic>
         <p:nvPicPr>
-          <p:cNvPr id="4" name="Image 3">
-            <a:extLst>
-              <a:ext uri="{FF2B5EF4-FFF2-40B4-BE49-F238E27FC236}">
-                <a16:creationId xmlns:a16="http://schemas.microsoft.com/office/drawing/2014/main" id="{728F47C4-1D8C-4753-B2F8-B970704ED7D8}"/>
+          <p:cNvPr id="3" name="Image 2">
+            <a:extLst>
+              <a:ext uri="{FF2B5EF4-FFF2-40B4-BE49-F238E27FC236}">
+                <a16:creationId xmlns:a16="http://schemas.microsoft.com/office/drawing/2014/main" id="{14A8418C-649D-4671-B1B5-9E3F2BA3BD37}"/>
               </a:ext>
             </a:extLst>
           </p:cNvPr>
@@ -41133,8 +41322,8 @@
         </p:blipFill>
         <p:spPr>
           <a:xfrm>
-            <a:off x="1399911" y="1261832"/>
-            <a:ext cx="8233474" cy="3293390"/>
+            <a:off x="2675000" y="2181071"/>
+            <a:ext cx="6427053" cy="3749114"/>
           </a:xfrm>
           <a:prstGeom prst="rect">
             <a:avLst/>
@@ -41429,17 +41618,17 @@
                 </a:solidFill>
                 <a:latin typeface="Google Sans"/>
               </a:rPr>
-              <a:t>Autres prédictions - CO2</a:t>
-            </a:r>
-          </a:p>
-        </p:txBody>
-      </p:sp>
-      <p:sp>
-        <p:nvSpPr>
-          <p:cNvPr id="23" name="Rectangle 22">
-            <a:extLst>
-              <a:ext uri="{FF2B5EF4-FFF2-40B4-BE49-F238E27FC236}">
-                <a16:creationId xmlns:a16="http://schemas.microsoft.com/office/drawing/2014/main" id="{8890A122-7E65-42B0-B106-E08AEE63351D}"/>
+              <a:t>De meilleurs résultats avec Energy Star Score</a:t>
+            </a:r>
+          </a:p>
+        </p:txBody>
+      </p:sp>
+      <p:sp>
+        <p:nvSpPr>
+          <p:cNvPr id="25" name="Rectangle 24">
+            <a:extLst>
+              <a:ext uri="{FF2B5EF4-FFF2-40B4-BE49-F238E27FC236}">
+                <a16:creationId xmlns:a16="http://schemas.microsoft.com/office/drawing/2014/main" id="{BE2A59BD-8D88-47C1-9F13-352A1C4813F7}"/>
               </a:ext>
             </a:extLst>
           </p:cNvPr>
@@ -41448,19 +41637,18 @@
         </p:nvSpPr>
         <p:spPr>
           <a:xfrm>
-            <a:off x="-1369" y="5676196"/>
-            <a:ext cx="5429045" cy="457727"/>
+            <a:off x="3229762" y="2465892"/>
+            <a:ext cx="5083728" cy="3398013"/>
           </a:xfrm>
           <a:prstGeom prst="rect">
             <a:avLst/>
           </a:prstGeom>
-          <a:solidFill>
-            <a:srgbClr val="70AD47"/>
-          </a:solidFill>
-          <a:ln>
+          <a:noFill/>
+          <a:ln w="38100">
             <a:solidFill>
-              <a:srgbClr val="70AD47"/>
+              <a:srgbClr val="00B0F0"/>
             </a:solidFill>
+            <a:prstDash val="lgDash"/>
           </a:ln>
         </p:spPr>
         <p:style>
@@ -41484,14 +41672,9 @@
           <a:lstStyle/>
           <a:p>
             <a:pPr algn="ctr"/>
-            <a:endParaRPr lang="en-US" dirty="0">
-              <a:ln>
-                <a:solidFill>
-                  <a:srgbClr val="70AD47"/>
-                </a:solidFill>
-              </a:ln>
+            <a:endParaRPr lang="fr-FR">
               <a:solidFill>
-                <a:srgbClr val="70AD47"/>
+                <a:srgbClr val="00B0F0"/>
               </a:solidFill>
             </a:endParaRPr>
           </a:p>
@@ -41499,10 +41682,97 @@
       </p:sp>
       <p:sp>
         <p:nvSpPr>
-          <p:cNvPr id="24" name="ZoneTexte 23">
-            <a:extLst>
-              <a:ext uri="{FF2B5EF4-FFF2-40B4-BE49-F238E27FC236}">
-                <a16:creationId xmlns:a16="http://schemas.microsoft.com/office/drawing/2014/main" id="{5F033AFB-4F6D-47CD-B76D-13C34DD58802}"/>
+          <p:cNvPr id="16" name="Accolade fermante 15">
+            <a:extLst>
+              <a:ext uri="{FF2B5EF4-FFF2-40B4-BE49-F238E27FC236}">
+                <a16:creationId xmlns:a16="http://schemas.microsoft.com/office/drawing/2014/main" id="{51DD03CB-2537-4928-9A8E-7ED060568A73}"/>
+              </a:ext>
+            </a:extLst>
+          </p:cNvPr>
+          <p:cNvSpPr/>
+          <p:nvPr/>
+        </p:nvSpPr>
+        <p:spPr>
+          <a:xfrm rot="10800000">
+            <a:off x="9213322" y="3374440"/>
+            <a:ext cx="443493" cy="1846655"/>
+          </a:xfrm>
+          <a:prstGeom prst="rightBrace">
+            <a:avLst>
+              <a:gd name="adj1" fmla="val 32071"/>
+              <a:gd name="adj2" fmla="val 50000"/>
+            </a:avLst>
+          </a:prstGeom>
+          <a:ln w="38100">
+            <a:solidFill>
+              <a:srgbClr val="00B0F0"/>
+            </a:solidFill>
+          </a:ln>
+        </p:spPr>
+        <p:style>
+          <a:lnRef idx="1">
+            <a:schemeClr val="accent1"/>
+          </a:lnRef>
+          <a:fillRef idx="0">
+            <a:schemeClr val="accent1"/>
+          </a:fillRef>
+          <a:effectRef idx="0">
+            <a:schemeClr val="accent1"/>
+          </a:effectRef>
+          <a:fontRef idx="minor">
+            <a:schemeClr val="tx1"/>
+          </a:fontRef>
+        </p:style>
+        <p:txBody>
+          <a:bodyPr rtlCol="0" anchor="ctr"/>
+          <a:lstStyle/>
+          <a:p>
+            <a:pPr algn="ctr"/>
+            <a:endParaRPr lang="fr-FR" dirty="0"/>
+          </a:p>
+        </p:txBody>
+      </p:sp>
+      <p:cxnSp>
+        <p:nvCxnSpPr>
+          <p:cNvPr id="17" name="Google Shape;1027;p27">
+            <a:extLst>
+              <a:ext uri="{FF2B5EF4-FFF2-40B4-BE49-F238E27FC236}">
+                <a16:creationId xmlns:a16="http://schemas.microsoft.com/office/drawing/2014/main" id="{EDE979A8-3F50-42EC-9927-3DF315847314}"/>
+              </a:ext>
+            </a:extLst>
+          </p:cNvPr>
+          <p:cNvCxnSpPr>
+            <a:cxnSpLocks/>
+            <a:endCxn id="16" idx="1"/>
+          </p:cNvCxnSpPr>
+          <p:nvPr/>
+        </p:nvCxnSpPr>
+        <p:spPr>
+          <a:xfrm flipV="1">
+            <a:off x="8313490" y="4297767"/>
+            <a:ext cx="899832" cy="1"/>
+          </a:xfrm>
+          <a:prstGeom prst="straightConnector1">
+            <a:avLst/>
+          </a:prstGeom>
+          <a:noFill/>
+          <a:ln w="38100" cap="flat" cmpd="sng">
+            <a:solidFill>
+              <a:srgbClr val="00B0F0"/>
+            </a:solidFill>
+            <a:prstDash val="solid"/>
+            <a:round/>
+            <a:headEnd type="none" w="med" len="med"/>
+            <a:tailEnd type="none" w="med" len="med"/>
+          </a:ln>
+        </p:spPr>
+      </p:cxnSp>
+      <p:sp>
+        <p:nvSpPr>
+          <p:cNvPr id="18" name="ZoneTexte 17">
+            <a:extLst>
+              <a:ext uri="{FF2B5EF4-FFF2-40B4-BE49-F238E27FC236}">
+                <a16:creationId xmlns:a16="http://schemas.microsoft.com/office/drawing/2014/main" id="{FF696E28-5487-4028-8367-2703569B7FF8}"/>
               </a:ext>
             </a:extLst>
           </p:cNvPr>
@@ -41511,8 +41781,8 @@
         </p:nvSpPr>
         <p:spPr>
           <a:xfrm>
-            <a:off x="16646" y="5712269"/>
-            <a:ext cx="5335530" cy="369332"/>
+            <a:off x="9514049" y="3374441"/>
+            <a:ext cx="2677951" cy="1846659"/>
           </a:xfrm>
           <a:prstGeom prst="rect">
             <a:avLst/>
@@ -41526,43 +41796,177 @@
           <a:lstStyle/>
           <a:p>
             <a:r>
-              <a:rPr lang="fr-FR" dirty="0">
-                <a:ln>
-                  <a:solidFill>
-                    <a:schemeClr val="bg1"/>
-                  </a:solidFill>
-                </a:ln>
-                <a:solidFill>
-                  <a:schemeClr val="bg1"/>
-                </a:solidFill>
-                <a:latin typeface="docs-Roboto"/>
-              </a:rPr>
-              <a:t>Les données originales ont obtenus le meilleur résultat</a:t>
-            </a:r>
-            <a:endParaRPr lang="fr-FR" sz="1100" b="1" i="1" dirty="0">
-              <a:ln>
-                <a:solidFill>
-                  <a:schemeClr val="bg1">
-                    <a:lumMod val="85000"/>
-                  </a:schemeClr>
-                </a:solidFill>
-              </a:ln>
+              <a:rPr lang="fr-FR" sz="1400" b="1" u="none" strike="noStrike" dirty="0">
+                <a:solidFill>
+                  <a:srgbClr val="000000"/>
+                </a:solidFill>
+                <a:effectLst/>
+                <a:latin typeface="Google Sans"/>
+              </a:rPr>
+              <a:t> Données effacées</a:t>
+            </a:r>
+          </a:p>
+          <a:p>
+            <a:pPr marL="342900" indent="-342900">
+              <a:buFont typeface="Wingdings" panose="05000000000000000000" pitchFamily="2" charset="2"/>
+              <a:buChar char="§"/>
+            </a:pPr>
+            <a:r>
+              <a:rPr lang="fr-FR" sz="1400" u="none" strike="noStrike" dirty="0" err="1">
+                <a:solidFill>
+                  <a:srgbClr val="000000"/>
+                </a:solidFill>
+                <a:effectLst/>
+                <a:latin typeface="Google Sans"/>
+              </a:rPr>
+              <a:t>Number</a:t>
+            </a:r>
+            <a:r>
+              <a:rPr lang="fr-FR" sz="1400" u="none" strike="noStrike" dirty="0">
+                <a:solidFill>
+                  <a:srgbClr val="000000"/>
+                </a:solidFill>
+                <a:effectLst/>
+                <a:latin typeface="Google Sans"/>
+              </a:rPr>
+              <a:t> of buildings</a:t>
+            </a:r>
+          </a:p>
+          <a:p>
+            <a:pPr marL="342900" indent="-342900">
+              <a:buFont typeface="Wingdings" panose="05000000000000000000" pitchFamily="2" charset="2"/>
+              <a:buChar char="§"/>
+            </a:pPr>
+            <a:r>
+              <a:rPr lang="fr-FR" sz="1400" dirty="0" err="1">
+                <a:solidFill>
+                  <a:srgbClr val="000000"/>
+                </a:solidFill>
+                <a:latin typeface="Google Sans"/>
+              </a:rPr>
+              <a:t>Property</a:t>
+            </a:r>
+            <a:r>
+              <a:rPr lang="fr-FR" sz="1400" dirty="0">
+                <a:solidFill>
+                  <a:srgbClr val="000000"/>
+                </a:solidFill>
+                <a:latin typeface="Google Sans"/>
+              </a:rPr>
+              <a:t> GFA total </a:t>
+            </a:r>
+            <a:r>
+              <a:rPr lang="fr-FR" sz="1400" dirty="0" err="1">
+                <a:solidFill>
+                  <a:srgbClr val="000000"/>
+                </a:solidFill>
+                <a:latin typeface="Google Sans"/>
+              </a:rPr>
+              <a:t>binned</a:t>
+            </a:r>
+            <a:endParaRPr lang="fr-FR" sz="1400" dirty="0">
               <a:solidFill>
-                <a:schemeClr val="bg1">
-                  <a:lumMod val="85000"/>
-                </a:schemeClr>
+                <a:srgbClr val="000000"/>
               </a:solidFill>
               <a:latin typeface="Google Sans"/>
             </a:endParaRPr>
           </a:p>
-        </p:txBody>
-      </p:sp>
-      <p:sp>
-        <p:nvSpPr>
-          <p:cNvPr id="25" name="Rectangle 24">
-            <a:extLst>
-              <a:ext uri="{FF2B5EF4-FFF2-40B4-BE49-F238E27FC236}">
-                <a16:creationId xmlns:a16="http://schemas.microsoft.com/office/drawing/2014/main" id="{BE2A59BD-8D88-47C1-9F13-352A1C4813F7}"/>
+          <a:p>
+            <a:pPr marL="342900" indent="-342900">
+              <a:buFont typeface="Wingdings" panose="05000000000000000000" pitchFamily="2" charset="2"/>
+              <a:buChar char="§"/>
+            </a:pPr>
+            <a:r>
+              <a:rPr lang="fr-FR" sz="1400" u="none" strike="noStrike" dirty="0">
+                <a:solidFill>
+                  <a:srgbClr val="000000"/>
+                </a:solidFill>
+                <a:effectLst/>
+                <a:latin typeface="Google Sans"/>
+              </a:rPr>
+              <a:t>Steam use</a:t>
+            </a:r>
+          </a:p>
+          <a:p>
+            <a:pPr marL="342900" indent="-342900">
+              <a:buFont typeface="Wingdings" panose="05000000000000000000" pitchFamily="2" charset="2"/>
+              <a:buChar char="§"/>
+            </a:pPr>
+            <a:r>
+              <a:rPr lang="fr-FR" sz="1400" dirty="0" err="1">
+                <a:solidFill>
+                  <a:srgbClr val="000000"/>
+                </a:solidFill>
+                <a:latin typeface="Google Sans"/>
+              </a:rPr>
+              <a:t>Other</a:t>
+            </a:r>
+            <a:r>
+              <a:rPr lang="fr-FR" sz="1400" dirty="0">
+                <a:solidFill>
+                  <a:srgbClr val="000000"/>
+                </a:solidFill>
+                <a:latin typeface="Google Sans"/>
+              </a:rPr>
+              <a:t> fuel use</a:t>
+            </a:r>
+            <a:br>
+              <a:rPr lang="fr-FR" sz="1400" dirty="0">
+                <a:solidFill>
+                  <a:srgbClr val="000000"/>
+                </a:solidFill>
+                <a:latin typeface="Google Sans"/>
+              </a:rPr>
+            </a:br>
+            <a:endParaRPr lang="fr-FR" sz="1400" dirty="0">
+              <a:solidFill>
+                <a:srgbClr val="000000"/>
+              </a:solidFill>
+              <a:latin typeface="Google Sans"/>
+            </a:endParaRPr>
+          </a:p>
+          <a:p>
+            <a:r>
+              <a:rPr lang="fr-FR" sz="1400" b="1" u="none" strike="noStrike" dirty="0">
+                <a:solidFill>
+                  <a:srgbClr val="000000"/>
+                </a:solidFill>
+                <a:effectLst/>
+                <a:latin typeface="Google Sans"/>
+              </a:rPr>
+              <a:t> Données agrégées</a:t>
+            </a:r>
+            <a:endParaRPr lang="fr-FR" sz="1400" dirty="0">
+              <a:solidFill>
+                <a:srgbClr val="000000"/>
+              </a:solidFill>
+              <a:latin typeface="Google Sans"/>
+            </a:endParaRPr>
+          </a:p>
+          <a:p>
+            <a:pPr marL="342900" indent="-342900">
+              <a:buFont typeface="Wingdings" panose="05000000000000000000" pitchFamily="2" charset="2"/>
+              <a:buChar char="§"/>
+            </a:pPr>
+            <a:r>
+              <a:rPr lang="fr-FR" sz="1600" b="1" u="none" strike="noStrike" dirty="0">
+                <a:solidFill>
+                  <a:srgbClr val="00B050"/>
+                </a:solidFill>
+                <a:effectLst/>
+                <a:latin typeface="Google Sans"/>
+              </a:rPr>
+              <a:t>Energy Star Score</a:t>
+            </a:r>
+          </a:p>
+        </p:txBody>
+      </p:sp>
+      <p:sp>
+        <p:nvSpPr>
+          <p:cNvPr id="21" name="Rectangle 20">
+            <a:extLst>
+              <a:ext uri="{FF2B5EF4-FFF2-40B4-BE49-F238E27FC236}">
+                <a16:creationId xmlns:a16="http://schemas.microsoft.com/office/drawing/2014/main" id="{893CC419-7ED2-4ED2-8F13-C3610C07BB39}"/>
               </a:ext>
             </a:extLst>
           </p:cNvPr>
@@ -41571,18 +41975,19 @@
         </p:nvSpPr>
         <p:spPr>
           <a:xfrm>
-            <a:off x="6682949" y="1781175"/>
-            <a:ext cx="2056928" cy="2599894"/>
+            <a:off x="0" y="1252842"/>
+            <a:ext cx="7399090" cy="628235"/>
           </a:xfrm>
           <a:prstGeom prst="rect">
             <a:avLst/>
           </a:prstGeom>
-          <a:noFill/>
-          <a:ln w="38100">
+          <a:solidFill>
+            <a:schemeClr val="accent5"/>
+          </a:solidFill>
+          <a:ln>
             <a:solidFill>
-              <a:srgbClr val="00B0F0"/>
+              <a:schemeClr val="accent5"/>
             </a:solidFill>
-            <a:prstDash val="lgDash"/>
           </a:ln>
         </p:spPr>
         <p:style>
@@ -41606,9 +42011,14 @@
           <a:lstStyle/>
           <a:p>
             <a:pPr algn="ctr"/>
-            <a:endParaRPr lang="fr-FR">
+            <a:endParaRPr lang="en-US" dirty="0">
+              <a:ln>
+                <a:solidFill>
+                  <a:srgbClr val="70AD47"/>
+                </a:solidFill>
+              </a:ln>
               <a:solidFill>
-                <a:srgbClr val="00B0F0"/>
+                <a:srgbClr val="70AD47"/>
               </a:solidFill>
             </a:endParaRPr>
           </a:p>
@@ -41616,10 +42026,258 @@
       </p:sp>
       <p:sp>
         <p:nvSpPr>
-          <p:cNvPr id="41" name="Rectangle 40">
-            <a:extLst>
-              <a:ext uri="{FF2B5EF4-FFF2-40B4-BE49-F238E27FC236}">
-                <a16:creationId xmlns:a16="http://schemas.microsoft.com/office/drawing/2014/main" id="{66114B24-9232-42AD-99A5-5E6ED9277342}"/>
+          <p:cNvPr id="22" name="ZoneTexte 21">
+            <a:extLst>
+              <a:ext uri="{FF2B5EF4-FFF2-40B4-BE49-F238E27FC236}">
+                <a16:creationId xmlns:a16="http://schemas.microsoft.com/office/drawing/2014/main" id="{EE4A3215-CAFA-4E14-AC32-1DBE16FF260E}"/>
+              </a:ext>
+            </a:extLst>
+          </p:cNvPr>
+          <p:cNvSpPr txBox="1"/>
+          <p:nvPr/>
+        </p:nvSpPr>
+        <p:spPr>
+          <a:xfrm>
+            <a:off x="0" y="1281786"/>
+            <a:ext cx="7323589" cy="584775"/>
+          </a:xfrm>
+          <a:prstGeom prst="rect">
+            <a:avLst/>
+          </a:prstGeom>
+          <a:noFill/>
+        </p:spPr>
+        <p:txBody>
+          <a:bodyPr wrap="square">
+            <a:spAutoFit/>
+          </a:bodyPr>
+          <a:lstStyle/>
+          <a:p>
+            <a:r>
+              <a:rPr lang="fr-FR" sz="1600" i="1" u="none" strike="noStrike" dirty="0">
+                <a:ln>
+                  <a:solidFill>
+                    <a:schemeClr val="bg1"/>
+                  </a:solidFill>
+                </a:ln>
+                <a:solidFill>
+                  <a:schemeClr val="bg1"/>
+                </a:solidFill>
+                <a:effectLst/>
+                <a:latin typeface="Google Sans"/>
+              </a:rPr>
+              <a:t>À cette </a:t>
+            </a:r>
+            <a:r>
+              <a:rPr lang="fr-FR" sz="1600" i="1" dirty="0">
+                <a:ln>
+                  <a:solidFill>
+                    <a:schemeClr val="bg1"/>
+                  </a:solidFill>
+                </a:ln>
+                <a:solidFill>
+                  <a:schemeClr val="bg1"/>
+                </a:solidFill>
+                <a:latin typeface="Google Sans"/>
+              </a:rPr>
+              <a:t>phase</a:t>
+            </a:r>
+            <a:r>
+              <a:rPr lang="fr-FR" sz="1600" i="1" u="none" strike="noStrike" dirty="0">
+                <a:ln>
+                  <a:solidFill>
+                    <a:schemeClr val="bg1"/>
+                  </a:solidFill>
+                </a:ln>
+                <a:solidFill>
+                  <a:schemeClr val="bg1"/>
+                </a:solidFill>
+                <a:effectLst/>
+                <a:latin typeface="Google Sans"/>
+              </a:rPr>
+              <a:t>, la taille du </a:t>
+            </a:r>
+            <a:r>
+              <a:rPr lang="fr-FR" sz="1600" i="1" u="none" strike="noStrike" dirty="0" err="1">
+                <a:ln>
+                  <a:solidFill>
+                    <a:schemeClr val="bg1"/>
+                  </a:solidFill>
+                </a:ln>
+                <a:solidFill>
+                  <a:schemeClr val="bg1"/>
+                </a:solidFill>
+                <a:effectLst/>
+                <a:latin typeface="Google Sans"/>
+              </a:rPr>
+              <a:t>dataset</a:t>
+            </a:r>
+            <a:r>
+              <a:rPr lang="fr-FR" sz="1600" i="1" u="none" strike="noStrike" dirty="0">
+                <a:ln>
+                  <a:solidFill>
+                    <a:schemeClr val="bg1"/>
+                  </a:solidFill>
+                </a:ln>
+                <a:solidFill>
+                  <a:schemeClr val="bg1"/>
+                </a:solidFill>
+                <a:effectLst/>
+                <a:latin typeface="Google Sans"/>
+              </a:rPr>
+              <a:t> est de 1614 x 10 </a:t>
+            </a:r>
+            <a:r>
+              <a:rPr lang="fr-FR" sz="1600" i="1" dirty="0">
+                <a:ln>
+                  <a:solidFill>
+                    <a:schemeClr val="bg1"/>
+                  </a:solidFill>
+                </a:ln>
+                <a:solidFill>
+                  <a:schemeClr val="bg1"/>
+                </a:solidFill>
+                <a:latin typeface="Google Sans"/>
+              </a:rPr>
+              <a:t> </a:t>
+            </a:r>
+            <a:r>
+              <a:rPr lang="fr-FR" sz="1600" i="1" u="none" strike="noStrike" dirty="0">
+                <a:ln>
+                  <a:solidFill>
+                    <a:schemeClr val="bg1"/>
+                  </a:solidFill>
+                </a:ln>
+                <a:solidFill>
+                  <a:schemeClr val="bg1"/>
+                </a:solidFill>
+                <a:effectLst/>
+                <a:latin typeface="Google Sans"/>
+              </a:rPr>
+              <a:t>et 3,52 % de valeurs manquantes. </a:t>
+            </a:r>
+          </a:p>
+          <a:p>
+            <a:r>
+              <a:rPr lang="fr-FR" sz="1600" i="1" dirty="0">
+                <a:ln>
+                  <a:solidFill>
+                    <a:schemeClr val="bg1"/>
+                  </a:solidFill>
+                </a:ln>
+                <a:solidFill>
+                  <a:schemeClr val="bg1"/>
+                </a:solidFill>
+                <a:latin typeface="Google Sans"/>
+              </a:rPr>
+              <a:t>Après fait la réduction selon </a:t>
+            </a:r>
+            <a:r>
+              <a:rPr lang="fr-FR" sz="1600" i="1" dirty="0" err="1">
+                <a:ln>
+                  <a:solidFill>
+                    <a:schemeClr val="bg1"/>
+                  </a:solidFill>
+                </a:ln>
+                <a:solidFill>
+                  <a:schemeClr val="bg1"/>
+                </a:solidFill>
+                <a:latin typeface="Google Sans"/>
+              </a:rPr>
+              <a:t>EnergyStarScore</a:t>
+            </a:r>
+            <a:r>
+              <a:rPr lang="fr-FR" sz="1600" i="1" dirty="0">
+                <a:ln>
+                  <a:solidFill>
+                    <a:schemeClr val="bg1"/>
+                  </a:solidFill>
+                </a:ln>
+                <a:solidFill>
+                  <a:schemeClr val="bg1"/>
+                </a:solidFill>
+                <a:latin typeface="Google Sans"/>
+              </a:rPr>
+              <a:t> NaN, la taille du </a:t>
+            </a:r>
+            <a:r>
+              <a:rPr lang="fr-FR" sz="1600" i="1" dirty="0" err="1">
+                <a:ln>
+                  <a:solidFill>
+                    <a:schemeClr val="bg1"/>
+                  </a:solidFill>
+                </a:ln>
+                <a:solidFill>
+                  <a:schemeClr val="bg1"/>
+                </a:solidFill>
+                <a:latin typeface="Google Sans"/>
+              </a:rPr>
+              <a:t>dataset</a:t>
+            </a:r>
+            <a:r>
+              <a:rPr lang="fr-FR" sz="1600" i="1" dirty="0">
+                <a:ln>
+                  <a:solidFill>
+                    <a:schemeClr val="bg1"/>
+                  </a:solidFill>
+                </a:ln>
+                <a:solidFill>
+                  <a:schemeClr val="bg1"/>
+                </a:solidFill>
+                <a:latin typeface="Google Sans"/>
+              </a:rPr>
+              <a:t> est de 0,29% </a:t>
+            </a:r>
+            <a:endParaRPr lang="fr-FR" sz="1600" i="1" u="none" strike="noStrike" dirty="0">
+              <a:ln>
+                <a:solidFill>
+                  <a:schemeClr val="bg1"/>
+                </a:solidFill>
+              </a:ln>
+              <a:solidFill>
+                <a:schemeClr val="bg1"/>
+              </a:solidFill>
+              <a:effectLst/>
+              <a:latin typeface="Google Sans"/>
+            </a:endParaRPr>
+          </a:p>
+        </p:txBody>
+      </p:sp>
+    </p:spTree>
+    <p:extLst>
+      <p:ext uri="{BB962C8B-B14F-4D97-AF65-F5344CB8AC3E}">
+        <p14:creationId xmlns:p14="http://schemas.microsoft.com/office/powerpoint/2010/main" val="921292472"/>
+      </p:ext>
+    </p:extLst>
+  </p:cSld>
+  <p:clrMapOvr>
+    <a:masterClrMapping/>
+  </p:clrMapOvr>
+</p:sld>
+</file>
+
+<file path=ppt/slides/slide45.xml><?xml version="1.0" encoding="utf-8"?>
+<p:sld xmlns:a="http://schemas.openxmlformats.org/drawingml/2006/main" xmlns:r="http://schemas.openxmlformats.org/officeDocument/2006/relationships" xmlns:p="http://schemas.openxmlformats.org/presentationml/2006/main">
+  <p:cSld>
+    <p:spTree>
+      <p:nvGrpSpPr>
+        <p:cNvPr id="1" name=""/>
+        <p:cNvGrpSpPr/>
+        <p:nvPr/>
+      </p:nvGrpSpPr>
+      <p:grpSpPr>
+        <a:xfrm>
+          <a:off x="0" y="0"/>
+          <a:ext cx="0" cy="0"/>
+          <a:chOff x="0" y="0"/>
+          <a:chExt cx="0" cy="0"/>
+        </a:xfrm>
+      </p:grpSpPr>
+      <p:sp>
+        <p:nvSpPr>
+          <p:cNvPr id="5" name="Rectangle 4">
+            <a:extLst>
+              <a:ext uri="{FF2B5EF4-FFF2-40B4-BE49-F238E27FC236}">
+                <a16:creationId xmlns:a16="http://schemas.microsoft.com/office/drawing/2014/main" id="{A00233D2-38CE-441F-90C9-32F91999758A}"/>
               </a:ext>
             </a:extLst>
           </p:cNvPr>
@@ -41628,18 +42286,19 @@
         </p:nvSpPr>
         <p:spPr>
           <a:xfrm>
-            <a:off x="1984502" y="1476462"/>
-            <a:ext cx="2056928" cy="2950037"/>
+            <a:off x="0" y="6400273"/>
+            <a:ext cx="12192000" cy="457727"/>
           </a:xfrm>
           <a:prstGeom prst="rect">
             <a:avLst/>
           </a:prstGeom>
-          <a:noFill/>
-          <a:ln w="38100">
+          <a:solidFill>
+            <a:srgbClr val="7451EB"/>
+          </a:solidFill>
+          <a:ln>
             <a:solidFill>
-              <a:srgbClr val="70AD47"/>
+              <a:srgbClr val="7451EB"/>
             </a:solidFill>
-            <a:prstDash val="solid"/>
           </a:ln>
         </p:spPr>
         <p:style>
@@ -41663,91 +42322,110 @@
           <a:lstStyle/>
           <a:p>
             <a:pPr algn="ctr"/>
-            <a:endParaRPr lang="fr-FR">
+            <a:endParaRPr lang="en-US" dirty="0"/>
+          </a:p>
+        </p:txBody>
+      </p:sp>
+      <p:sp>
+        <p:nvSpPr>
+          <p:cNvPr id="15" name="TextBox 3">
+            <a:extLst>
+              <a:ext uri="{FF2B5EF4-FFF2-40B4-BE49-F238E27FC236}">
+                <a16:creationId xmlns:a16="http://schemas.microsoft.com/office/drawing/2014/main" id="{47FC2DCC-BDE9-485D-AF79-4177B5479110}"/>
+              </a:ext>
+            </a:extLst>
+          </p:cNvPr>
+          <p:cNvSpPr txBox="1"/>
+          <p:nvPr/>
+        </p:nvSpPr>
+        <p:spPr>
+          <a:xfrm>
+            <a:off x="10543592" y="6475247"/>
+            <a:ext cx="1648408" cy="307777"/>
+          </a:xfrm>
+          <a:prstGeom prst="rect">
+            <a:avLst/>
+          </a:prstGeom>
+          <a:noFill/>
+        </p:spPr>
+        <p:txBody>
+          <a:bodyPr wrap="square" rtlCol="0">
+            <a:spAutoFit/>
+          </a:bodyPr>
+          <a:lstStyle/>
+          <a:p>
+            <a:pPr algn="r"/>
+            <a:r>
+              <a:rPr lang="es-CO" sz="1400" b="1" i="1" dirty="0" err="1">
+                <a:ln>
+                  <a:solidFill>
+                    <a:schemeClr val="bg1"/>
+                  </a:solidFill>
+                </a:ln>
+                <a:solidFill>
+                  <a:schemeClr val="bg1"/>
+                </a:solidFill>
+                <a:latin typeface="+mj-lt"/>
+              </a:rPr>
+              <a:t>OpenClassrooms</a:t>
+            </a:r>
+            <a:endParaRPr lang="en-US" sz="1400" b="1" i="1" dirty="0">
+              <a:ln>
+                <a:solidFill>
+                  <a:schemeClr val="bg1"/>
+                </a:solidFill>
+              </a:ln>
               <a:solidFill>
-                <a:srgbClr val="00B0F0"/>
+                <a:schemeClr val="bg1"/>
               </a:solidFill>
+              <a:latin typeface="+mj-lt"/>
             </a:endParaRPr>
           </a:p>
         </p:txBody>
       </p:sp>
-      <p:cxnSp>
-        <p:nvCxnSpPr>
-          <p:cNvPr id="42" name="Google Shape;1027;p27">
-            <a:extLst>
-              <a:ext uri="{FF2B5EF4-FFF2-40B4-BE49-F238E27FC236}">
-                <a16:creationId xmlns:a16="http://schemas.microsoft.com/office/drawing/2014/main" id="{BA5713CB-6EE8-40B0-AE0F-B3E31E3E2B75}"/>
-              </a:ext>
-            </a:extLst>
-          </p:cNvPr>
-          <p:cNvCxnSpPr>
-            <a:cxnSpLocks/>
-            <a:stCxn id="23" idx="0"/>
-            <a:endCxn id="41" idx="2"/>
-          </p:cNvCxnSpPr>
-          <p:nvPr/>
-        </p:nvCxnSpPr>
-        <p:spPr>
-          <a:xfrm flipV="1">
-            <a:off x="2713154" y="4426499"/>
-            <a:ext cx="299812" cy="1249697"/>
-          </a:xfrm>
-          <a:prstGeom prst="straightConnector1">
-            <a:avLst/>
-          </a:prstGeom>
-          <a:noFill/>
-          <a:ln w="38100" cap="flat" cmpd="sng">
+      <p:sp>
+        <p:nvSpPr>
+          <p:cNvPr id="11" name="Rectángulo 4">
+            <a:extLst>
+              <a:ext uri="{FF2B5EF4-FFF2-40B4-BE49-F238E27FC236}">
+                <a16:creationId xmlns:a16="http://schemas.microsoft.com/office/drawing/2014/main" id="{B84F0FDC-2C73-4C87-9CC7-F9F129B3A699}"/>
+              </a:ext>
+            </a:extLst>
+          </p:cNvPr>
+          <p:cNvSpPr/>
+          <p:nvPr/>
+        </p:nvSpPr>
+        <p:spPr>
+          <a:xfrm>
+            <a:off x="377906" y="378794"/>
+            <a:ext cx="366721" cy="54000"/>
+          </a:xfrm>
+          <a:prstGeom prst="rect">
+            <a:avLst/>
+          </a:prstGeom>
+          <a:solidFill>
+            <a:srgbClr val="7451EB"/>
+          </a:solidFill>
+          <a:ln>
             <a:solidFill>
-              <a:srgbClr val="70AD47"/>
-            </a:solidFill>
-            <a:prstDash val="solid"/>
-            <a:round/>
-            <a:headEnd type="none" w="med" len="med"/>
-            <a:tailEnd type="none" w="med" len="med"/>
-          </a:ln>
-        </p:spPr>
-      </p:cxnSp>
-      <p:sp>
-        <p:nvSpPr>
-          <p:cNvPr id="16" name="Accolade fermante 15">
-            <a:extLst>
-              <a:ext uri="{FF2B5EF4-FFF2-40B4-BE49-F238E27FC236}">
-                <a16:creationId xmlns:a16="http://schemas.microsoft.com/office/drawing/2014/main" id="{51DD03CB-2537-4928-9A8E-7ED060568A73}"/>
-              </a:ext>
-            </a:extLst>
-          </p:cNvPr>
-          <p:cNvSpPr/>
-          <p:nvPr/>
-        </p:nvSpPr>
-        <p:spPr>
-          <a:xfrm rot="10800000">
-            <a:off x="8964198" y="2643292"/>
-            <a:ext cx="443493" cy="1359511"/>
-          </a:xfrm>
-          <a:prstGeom prst="rightBrace">
-            <a:avLst>
-              <a:gd name="adj1" fmla="val 32071"/>
-              <a:gd name="adj2" fmla="val 50000"/>
-            </a:avLst>
-          </a:prstGeom>
-          <a:ln w="38100">
-            <a:solidFill>
-              <a:srgbClr val="00B0F0"/>
+              <a:srgbClr val="7451EB"/>
             </a:solidFill>
           </a:ln>
         </p:spPr>
         <p:style>
-          <a:lnRef idx="1">
-            <a:schemeClr val="accent1"/>
+          <a:lnRef idx="2">
+            <a:schemeClr val="accent1">
+              <a:shade val="50000"/>
+            </a:schemeClr>
           </a:lnRef>
-          <a:fillRef idx="0">
+          <a:fillRef idx="1">
             <a:schemeClr val="accent1"/>
           </a:fillRef>
           <a:effectRef idx="0">
             <a:schemeClr val="accent1"/>
           </a:effectRef>
           <a:fontRef idx="minor">
-            <a:schemeClr val="tx1"/>
+            <a:schemeClr val="lt1"/>
           </a:fontRef>
         </p:style>
         <p:txBody>
@@ -41755,50 +42433,197 @@
           <a:lstStyle/>
           <a:p>
             <a:pPr algn="ctr"/>
-            <a:endParaRPr lang="fr-FR" dirty="0"/>
-          </a:p>
-        </p:txBody>
-      </p:sp>
-      <p:cxnSp>
-        <p:nvCxnSpPr>
-          <p:cNvPr id="17" name="Google Shape;1027;p27">
-            <a:extLst>
-              <a:ext uri="{FF2B5EF4-FFF2-40B4-BE49-F238E27FC236}">
-                <a16:creationId xmlns:a16="http://schemas.microsoft.com/office/drawing/2014/main" id="{EDE979A8-3F50-42EC-9927-3DF315847314}"/>
-              </a:ext>
-            </a:extLst>
-          </p:cNvPr>
-          <p:cNvCxnSpPr>
-            <a:cxnSpLocks/>
-          </p:cNvCxnSpPr>
-          <p:nvPr/>
-        </p:nvCxnSpPr>
-        <p:spPr>
-          <a:xfrm>
-            <a:off x="8739877" y="3323049"/>
-            <a:ext cx="286677" cy="0"/>
-          </a:xfrm>
-          <a:prstGeom prst="straightConnector1">
+            <a:endParaRPr lang="es-AR">
+              <a:ln>
+                <a:solidFill>
+                  <a:srgbClr val="7451EB"/>
+                </a:solidFill>
+              </a:ln>
+              <a:solidFill>
+                <a:srgbClr val="7451EB"/>
+              </a:solidFill>
+            </a:endParaRPr>
+          </a:p>
+        </p:txBody>
+      </p:sp>
+      <p:sp>
+        <p:nvSpPr>
+          <p:cNvPr id="19" name="TextBox 3">
+            <a:extLst>
+              <a:ext uri="{FF2B5EF4-FFF2-40B4-BE49-F238E27FC236}">
+                <a16:creationId xmlns:a16="http://schemas.microsoft.com/office/drawing/2014/main" id="{CCE82F76-2714-4FC6-B130-1CAB3A5EE413}"/>
+              </a:ext>
+            </a:extLst>
+          </p:cNvPr>
+          <p:cNvSpPr txBox="1"/>
+          <p:nvPr/>
+        </p:nvSpPr>
+        <p:spPr>
+          <a:xfrm>
+            <a:off x="0" y="6475247"/>
+            <a:ext cx="6743700" cy="307777"/>
+          </a:xfrm>
+          <a:prstGeom prst="rect">
             <a:avLst/>
           </a:prstGeom>
           <a:noFill/>
-          <a:ln w="38100" cap="flat" cmpd="sng">
+        </p:spPr>
+        <p:txBody>
+          <a:bodyPr wrap="square" rtlCol="0">
+            <a:spAutoFit/>
+          </a:bodyPr>
+          <a:lstStyle/>
+          <a:p>
+            <a:r>
+              <a:rPr lang="fr-FR" sz="1400" b="1" dirty="0">
+                <a:ln>
+                  <a:solidFill>
+                    <a:schemeClr val="bg1"/>
+                  </a:solidFill>
+                </a:ln>
+                <a:solidFill>
+                  <a:schemeClr val="bg1"/>
+                </a:solidFill>
+                <a:latin typeface="+mj-lt"/>
+              </a:rPr>
+              <a:t>Project 4 -  Anticipation des besoins en consommation électrique de bâtiments</a:t>
+            </a:r>
+          </a:p>
+        </p:txBody>
+      </p:sp>
+      <p:sp>
+        <p:nvSpPr>
+          <p:cNvPr id="20" name="Titre 1">
+            <a:extLst>
+              <a:ext uri="{FF2B5EF4-FFF2-40B4-BE49-F238E27FC236}">
+                <a16:creationId xmlns:a16="http://schemas.microsoft.com/office/drawing/2014/main" id="{1C59AB74-1D0C-4180-BA64-D9640506B40D}"/>
+              </a:ext>
+            </a:extLst>
+          </p:cNvPr>
+          <p:cNvSpPr txBox="1">
+            <a:spLocks/>
+          </p:cNvSpPr>
+          <p:nvPr/>
+        </p:nvSpPr>
+        <p:spPr>
+          <a:xfrm>
+            <a:off x="279917" y="432793"/>
+            <a:ext cx="9975536" cy="628234"/>
+          </a:xfrm>
+          <a:prstGeom prst="rect">
+            <a:avLst/>
+          </a:prstGeom>
+        </p:spPr>
+        <p:txBody>
+          <a:bodyPr vert="horz" lIns="91440" tIns="45720" rIns="91440" bIns="45720" rtlCol="0" anchor="ctr">
+            <a:normAutofit lnSpcReduction="10000"/>
+          </a:bodyPr>
+          <a:lstStyle>
+            <a:lvl1pPr algn="l" defTabSz="914400" rtl="0" eaLnBrk="1" latinLnBrk="0" hangingPunct="1">
+              <a:lnSpc>
+                <a:spcPct val="90000"/>
+              </a:lnSpc>
+              <a:spcBef>
+                <a:spcPct val="0"/>
+              </a:spcBef>
+              <a:buNone/>
+              <a:defRPr sz="4400" kern="1200">
+                <a:solidFill>
+                  <a:schemeClr val="tx1"/>
+                </a:solidFill>
+                <a:latin typeface="+mj-lt"/>
+                <a:ea typeface="+mj-ea"/>
+                <a:cs typeface="+mj-cs"/>
+              </a:defRPr>
+            </a:lvl1pPr>
+          </a:lstStyle>
+          <a:p>
+            <a:r>
+              <a:rPr lang="fr-FR" sz="4000" b="1" dirty="0">
+                <a:ln>
+                  <a:solidFill>
+                    <a:srgbClr val="7451EB"/>
+                  </a:solidFill>
+                </a:ln>
+                <a:solidFill>
+                  <a:srgbClr val="7451EB"/>
+                </a:solidFill>
+                <a:latin typeface="Google Sans"/>
+              </a:rPr>
+              <a:t>De meilleurs résultats avec Energy Star Score</a:t>
+            </a:r>
+          </a:p>
+        </p:txBody>
+      </p:sp>
+      <p:sp>
+        <p:nvSpPr>
+          <p:cNvPr id="23" name="Rectangle 22">
+            <a:extLst>
+              <a:ext uri="{FF2B5EF4-FFF2-40B4-BE49-F238E27FC236}">
+                <a16:creationId xmlns:a16="http://schemas.microsoft.com/office/drawing/2014/main" id="{8890A122-7E65-42B0-B106-E08AEE63351D}"/>
+              </a:ext>
+            </a:extLst>
+          </p:cNvPr>
+          <p:cNvSpPr/>
+          <p:nvPr/>
+        </p:nvSpPr>
+        <p:spPr>
+          <a:xfrm>
+            <a:off x="-1368" y="5676196"/>
+            <a:ext cx="4879072" cy="464545"/>
+          </a:xfrm>
+          <a:prstGeom prst="rect">
+            <a:avLst/>
+          </a:prstGeom>
+          <a:solidFill>
+            <a:srgbClr val="70AD47"/>
+          </a:solidFill>
+          <a:ln>
             <a:solidFill>
-              <a:srgbClr val="00B0F0"/>
+              <a:srgbClr val="70AD47"/>
             </a:solidFill>
-            <a:prstDash val="solid"/>
-            <a:round/>
-            <a:headEnd type="none" w="med" len="med"/>
-            <a:tailEnd type="none" w="med" len="med"/>
           </a:ln>
         </p:spPr>
-      </p:cxnSp>
-      <p:sp>
-        <p:nvSpPr>
-          <p:cNvPr id="18" name="ZoneTexte 17">
-            <a:extLst>
-              <a:ext uri="{FF2B5EF4-FFF2-40B4-BE49-F238E27FC236}">
-                <a16:creationId xmlns:a16="http://schemas.microsoft.com/office/drawing/2014/main" id="{FF696E28-5487-4028-8367-2703569B7FF8}"/>
+        <p:style>
+          <a:lnRef idx="2">
+            <a:schemeClr val="accent1">
+              <a:shade val="50000"/>
+            </a:schemeClr>
+          </a:lnRef>
+          <a:fillRef idx="1">
+            <a:schemeClr val="accent1"/>
+          </a:fillRef>
+          <a:effectRef idx="0">
+            <a:schemeClr val="accent1"/>
+          </a:effectRef>
+          <a:fontRef idx="minor">
+            <a:schemeClr val="lt1"/>
+          </a:fontRef>
+        </p:style>
+        <p:txBody>
+          <a:bodyPr rtlCol="0" anchor="ctr"/>
+          <a:lstStyle/>
+          <a:p>
+            <a:pPr algn="ctr"/>
+            <a:endParaRPr lang="en-US" dirty="0">
+              <a:ln>
+                <a:solidFill>
+                  <a:srgbClr val="70AD47"/>
+                </a:solidFill>
+              </a:ln>
+              <a:solidFill>
+                <a:srgbClr val="70AD47"/>
+              </a:solidFill>
+            </a:endParaRPr>
+          </a:p>
+        </p:txBody>
+      </p:sp>
+      <p:sp>
+        <p:nvSpPr>
+          <p:cNvPr id="24" name="ZoneTexte 23">
+            <a:extLst>
+              <a:ext uri="{FF2B5EF4-FFF2-40B4-BE49-F238E27FC236}">
+                <a16:creationId xmlns:a16="http://schemas.microsoft.com/office/drawing/2014/main" id="{5F033AFB-4F6D-47CD-B76D-13C34DD58802}"/>
               </a:ext>
             </a:extLst>
           </p:cNvPr>
@@ -41807,8 +42632,8 @@
         </p:nvSpPr>
         <p:spPr>
           <a:xfrm>
-            <a:off x="9250875" y="2738271"/>
-            <a:ext cx="2677951" cy="1169551"/>
+            <a:off x="16646" y="5712269"/>
+            <a:ext cx="4832191" cy="369332"/>
           </a:xfrm>
           <a:prstGeom prst="rect">
             <a:avLst/>
@@ -41822,134 +42647,267 @@
           <a:lstStyle/>
           <a:p>
             <a:r>
-              <a:rPr lang="fr-FR" sz="1400" b="1" u="none" strike="noStrike" dirty="0">
-                <a:solidFill>
-                  <a:srgbClr val="000000"/>
-                </a:solidFill>
-                <a:effectLst/>
-                <a:latin typeface="Google Sans"/>
-              </a:rPr>
-              <a:t> Données effacées</a:t>
-            </a:r>
-          </a:p>
-          <a:p>
-            <a:pPr marL="342900" indent="-342900">
-              <a:buFont typeface="Wingdings" panose="05000000000000000000" pitchFamily="2" charset="2"/>
-              <a:buChar char="§"/>
-            </a:pPr>
-            <a:r>
-              <a:rPr lang="fr-FR" sz="1400" u="none" strike="noStrike" dirty="0" err="1">
-                <a:solidFill>
-                  <a:srgbClr val="000000"/>
-                </a:solidFill>
-                <a:effectLst/>
-                <a:latin typeface="Google Sans"/>
-              </a:rPr>
-              <a:t>Number</a:t>
-            </a:r>
-            <a:r>
-              <a:rPr lang="fr-FR" sz="1400" u="none" strike="noStrike" dirty="0">
-                <a:solidFill>
-                  <a:srgbClr val="000000"/>
-                </a:solidFill>
-                <a:effectLst/>
-                <a:latin typeface="Google Sans"/>
-              </a:rPr>
-              <a:t> of buildings</a:t>
-            </a:r>
-          </a:p>
-          <a:p>
-            <a:pPr marL="342900" indent="-342900">
-              <a:buFont typeface="Wingdings" panose="05000000000000000000" pitchFamily="2" charset="2"/>
-              <a:buChar char="§"/>
-            </a:pPr>
-            <a:r>
-              <a:rPr lang="fr-FR" sz="1400" dirty="0" err="1">
-                <a:solidFill>
-                  <a:srgbClr val="000000"/>
-                </a:solidFill>
-                <a:latin typeface="Google Sans"/>
-              </a:rPr>
-              <a:t>Property</a:t>
-            </a:r>
-            <a:r>
-              <a:rPr lang="fr-FR" sz="1400" dirty="0">
-                <a:solidFill>
-                  <a:srgbClr val="000000"/>
-                </a:solidFill>
-                <a:latin typeface="Google Sans"/>
-              </a:rPr>
-              <a:t> GFA total </a:t>
-            </a:r>
-            <a:r>
-              <a:rPr lang="fr-FR" sz="1400" dirty="0" err="1">
-                <a:solidFill>
-                  <a:srgbClr val="000000"/>
-                </a:solidFill>
-                <a:latin typeface="Google Sans"/>
-              </a:rPr>
-              <a:t>binned</a:t>
-            </a:r>
-            <a:endParaRPr lang="fr-FR" sz="1400" dirty="0">
+              <a:rPr lang="fr-FR" dirty="0">
+                <a:ln>
+                  <a:solidFill>
+                    <a:schemeClr val="bg1"/>
+                  </a:solidFill>
+                </a:ln>
+                <a:solidFill>
+                  <a:schemeClr val="bg1"/>
+                </a:solidFill>
+                <a:latin typeface="docs-Roboto"/>
+              </a:rPr>
+              <a:t>Il faut considérer l'</a:t>
+            </a:r>
+            <a:r>
+              <a:rPr lang="fr-FR" dirty="0" err="1">
+                <a:ln>
+                  <a:solidFill>
+                    <a:schemeClr val="bg1"/>
+                  </a:solidFill>
+                </a:ln>
+                <a:solidFill>
+                  <a:schemeClr val="bg1"/>
+                </a:solidFill>
+                <a:latin typeface="docs-Roboto"/>
+              </a:rPr>
+              <a:t>énergieStarScore</a:t>
+            </a:r>
+            <a:r>
+              <a:rPr lang="fr-FR" dirty="0">
+                <a:ln>
+                  <a:solidFill>
+                    <a:schemeClr val="bg1"/>
+                  </a:solidFill>
+                </a:ln>
+                <a:solidFill>
+                  <a:schemeClr val="bg1"/>
+                </a:solidFill>
+                <a:latin typeface="docs-Roboto"/>
+              </a:rPr>
+              <a:t> dès le début</a:t>
+            </a:r>
+            <a:endParaRPr lang="fr-FR" sz="1100" b="1" i="1" dirty="0">
+              <a:ln>
+                <a:solidFill>
+                  <a:schemeClr val="bg1">
+                    <a:lumMod val="85000"/>
+                  </a:schemeClr>
+                </a:solidFill>
+              </a:ln>
               <a:solidFill>
-                <a:srgbClr val="000000"/>
+                <a:schemeClr val="bg1">
+                  <a:lumMod val="85000"/>
+                </a:schemeClr>
               </a:solidFill>
               <a:latin typeface="Google Sans"/>
             </a:endParaRPr>
           </a:p>
-          <a:p>
-            <a:pPr marL="342900" indent="-342900">
-              <a:buFont typeface="Wingdings" panose="05000000000000000000" pitchFamily="2" charset="2"/>
-              <a:buChar char="§"/>
-            </a:pPr>
-            <a:r>
-              <a:rPr lang="fr-FR" sz="1400" u="none" strike="noStrike" dirty="0">
-                <a:solidFill>
-                  <a:srgbClr val="000000"/>
-                </a:solidFill>
-                <a:effectLst/>
-                <a:latin typeface="Google Sans"/>
-              </a:rPr>
-              <a:t>Steam use</a:t>
-            </a:r>
-          </a:p>
-          <a:p>
-            <a:pPr marL="342900" indent="-342900">
-              <a:buFont typeface="Wingdings" panose="05000000000000000000" pitchFamily="2" charset="2"/>
-              <a:buChar char="§"/>
-            </a:pPr>
-            <a:r>
-              <a:rPr lang="fr-FR" sz="1400" dirty="0" err="1">
-                <a:solidFill>
-                  <a:srgbClr val="000000"/>
-                </a:solidFill>
-                <a:latin typeface="Google Sans"/>
-              </a:rPr>
-              <a:t>Other</a:t>
-            </a:r>
-            <a:r>
-              <a:rPr lang="fr-FR" sz="1400" dirty="0">
-                <a:solidFill>
-                  <a:srgbClr val="000000"/>
-                </a:solidFill>
-                <a:latin typeface="Google Sans"/>
-              </a:rPr>
-              <a:t> fuel use</a:t>
-            </a:r>
-            <a:endParaRPr lang="fr-FR" sz="1400" u="none" strike="noStrike" dirty="0">
-              <a:solidFill>
-                <a:srgbClr val="000000"/>
-              </a:solidFill>
-              <a:effectLst/>
-              <a:latin typeface="Google Sans"/>
-            </a:endParaRPr>
+        </p:txBody>
+      </p:sp>
+      <p:pic>
+        <p:nvPicPr>
+          <p:cNvPr id="4" name="Image 3">
+            <a:extLst>
+              <a:ext uri="{FF2B5EF4-FFF2-40B4-BE49-F238E27FC236}">
+                <a16:creationId xmlns:a16="http://schemas.microsoft.com/office/drawing/2014/main" id="{B1CD63D4-24FD-48B6-AA1E-30D6E173DB28}"/>
+              </a:ext>
+            </a:extLst>
+          </p:cNvPr>
+          <p:cNvPicPr>
+            <a:picLocks noChangeAspect="1"/>
+          </p:cNvPicPr>
+          <p:nvPr/>
+        </p:nvPicPr>
+        <p:blipFill>
+          <a:blip r:embed="rId3">
+            <a:extLst>
+              <a:ext uri="{28A0092B-C50C-407E-A947-70E740481C1C}">
+                <a14:useLocalDpi xmlns:a14="http://schemas.microsoft.com/office/drawing/2010/main" val="0"/>
+              </a:ext>
+            </a:extLst>
+          </a:blip>
+          <a:stretch>
+            <a:fillRect/>
+          </a:stretch>
+        </p:blipFill>
+        <p:spPr>
+          <a:xfrm>
+            <a:off x="873446" y="1416983"/>
+            <a:ext cx="4879072" cy="3903257"/>
+          </a:xfrm>
+          <a:prstGeom prst="rect">
+            <a:avLst/>
+          </a:prstGeom>
+          <a:ln>
+            <a:noFill/>
+          </a:ln>
+          <a:effectLst>
+            <a:outerShdw blurRad="292100" dist="139700" dir="2700000" algn="tl" rotWithShape="0">
+              <a:srgbClr val="333333">
+                <a:alpha val="65000"/>
+              </a:srgbClr>
+            </a:outerShdw>
+          </a:effectLst>
+        </p:spPr>
+      </p:pic>
+      <p:pic>
+        <p:nvPicPr>
+          <p:cNvPr id="7" name="Image 6">
+            <a:extLst>
+              <a:ext uri="{FF2B5EF4-FFF2-40B4-BE49-F238E27FC236}">
+                <a16:creationId xmlns:a16="http://schemas.microsoft.com/office/drawing/2014/main" id="{38B03CF8-4BE2-4BFE-8AEA-EC6C341AFFEC}"/>
+              </a:ext>
+            </a:extLst>
+          </p:cNvPr>
+          <p:cNvPicPr>
+            <a:picLocks noChangeAspect="1"/>
+          </p:cNvPicPr>
+          <p:nvPr/>
+        </p:nvPicPr>
+        <p:blipFill>
+          <a:blip r:embed="rId4">
+            <a:extLst>
+              <a:ext uri="{28A0092B-C50C-407E-A947-70E740481C1C}">
+                <a14:useLocalDpi xmlns:a14="http://schemas.microsoft.com/office/drawing/2010/main" val="0"/>
+              </a:ext>
+            </a:extLst>
+          </a:blip>
+          <a:stretch>
+            <a:fillRect/>
+          </a:stretch>
+        </p:blipFill>
+        <p:spPr>
+          <a:xfrm>
+            <a:off x="6096000" y="1416983"/>
+            <a:ext cx="4787318" cy="3829854"/>
+          </a:xfrm>
+          <a:prstGeom prst="rect">
+            <a:avLst/>
+          </a:prstGeom>
+          <a:ln>
+            <a:noFill/>
+          </a:ln>
+          <a:effectLst>
+            <a:outerShdw blurRad="292100" dist="139700" dir="2700000" algn="tl" rotWithShape="0">
+              <a:srgbClr val="333333">
+                <a:alpha val="65000"/>
+              </a:srgbClr>
+            </a:outerShdw>
+          </a:effectLst>
+        </p:spPr>
+      </p:pic>
+      <p:sp>
+        <p:nvSpPr>
+          <p:cNvPr id="21" name="Rectangle 20">
+            <a:extLst>
+              <a:ext uri="{FF2B5EF4-FFF2-40B4-BE49-F238E27FC236}">
+                <a16:creationId xmlns:a16="http://schemas.microsoft.com/office/drawing/2014/main" id="{259875EA-6B16-4498-98F4-46870BC86B0A}"/>
+              </a:ext>
+            </a:extLst>
+          </p:cNvPr>
+          <p:cNvSpPr/>
+          <p:nvPr/>
+        </p:nvSpPr>
+        <p:spPr>
+          <a:xfrm>
+            <a:off x="1031846" y="3749879"/>
+            <a:ext cx="1736520" cy="411059"/>
+          </a:xfrm>
+          <a:prstGeom prst="rect">
+            <a:avLst/>
+          </a:prstGeom>
+          <a:noFill/>
+          <a:ln w="28575">
+            <a:solidFill>
+              <a:srgbClr val="00B050"/>
+            </a:solidFill>
+            <a:prstDash val="lgDash"/>
+          </a:ln>
+        </p:spPr>
+        <p:style>
+          <a:lnRef idx="2">
+            <a:schemeClr val="accent1">
+              <a:shade val="50000"/>
+            </a:schemeClr>
+          </a:lnRef>
+          <a:fillRef idx="1">
+            <a:schemeClr val="accent1"/>
+          </a:fillRef>
+          <a:effectRef idx="0">
+            <a:schemeClr val="accent1"/>
+          </a:effectRef>
+          <a:fontRef idx="minor">
+            <a:schemeClr val="lt1"/>
+          </a:fontRef>
+        </p:style>
+        <p:txBody>
+          <a:bodyPr rtlCol="0" anchor="ctr"/>
+          <a:lstStyle/>
+          <a:p>
+            <a:pPr algn="ctr"/>
+            <a:endParaRPr lang="fr-FR"/>
+          </a:p>
+        </p:txBody>
+      </p:sp>
+      <p:sp>
+        <p:nvSpPr>
+          <p:cNvPr id="22" name="Rectangle 21">
+            <a:extLst>
+              <a:ext uri="{FF2B5EF4-FFF2-40B4-BE49-F238E27FC236}">
+                <a16:creationId xmlns:a16="http://schemas.microsoft.com/office/drawing/2014/main" id="{DD4B9D12-5FEB-465F-8FD0-3B5065E20204}"/>
+              </a:ext>
+            </a:extLst>
+          </p:cNvPr>
+          <p:cNvSpPr/>
+          <p:nvPr/>
+        </p:nvSpPr>
+        <p:spPr>
+          <a:xfrm>
+            <a:off x="6251197" y="3260867"/>
+            <a:ext cx="1693177" cy="411059"/>
+          </a:xfrm>
+          <a:prstGeom prst="rect">
+            <a:avLst/>
+          </a:prstGeom>
+          <a:noFill/>
+          <a:ln w="28575">
+            <a:solidFill>
+              <a:srgbClr val="00B050"/>
+            </a:solidFill>
+            <a:prstDash val="lgDash"/>
+          </a:ln>
+        </p:spPr>
+        <p:style>
+          <a:lnRef idx="2">
+            <a:schemeClr val="accent1">
+              <a:shade val="50000"/>
+            </a:schemeClr>
+          </a:lnRef>
+          <a:fillRef idx="1">
+            <a:schemeClr val="accent1"/>
+          </a:fillRef>
+          <a:effectRef idx="0">
+            <a:schemeClr val="accent1"/>
+          </a:effectRef>
+          <a:fontRef idx="minor">
+            <a:schemeClr val="lt1"/>
+          </a:fontRef>
+        </p:style>
+        <p:txBody>
+          <a:bodyPr rtlCol="0" anchor="ctr"/>
+          <a:lstStyle/>
+          <a:p>
+            <a:pPr algn="ctr"/>
+            <a:endParaRPr lang="fr-FR"/>
           </a:p>
         </p:txBody>
       </p:sp>
     </p:spTree>
     <p:extLst>
       <p:ext uri="{BB962C8B-B14F-4D97-AF65-F5344CB8AC3E}">
-        <p14:creationId xmlns:p14="http://schemas.microsoft.com/office/powerpoint/2010/main" val="921292472"/>
+        <p14:creationId xmlns:p14="http://schemas.microsoft.com/office/powerpoint/2010/main" val="2203338735"/>
       </p:ext>
     </p:extLst>
   </p:cSld>
@@ -41959,7 +42917,7 @@
 </p:sld>
 </file>
 
-<file path=ppt/slides/slide45.xml><?xml version="1.0" encoding="utf-8"?>
+<file path=ppt/slides/slide46.xml><?xml version="1.0" encoding="utf-8"?>
 <p:sld xmlns:a="http://schemas.openxmlformats.org/drawingml/2006/main" xmlns:r="http://schemas.openxmlformats.org/officeDocument/2006/relationships" xmlns:p="http://schemas.openxmlformats.org/presentationml/2006/main">
   <p:cSld>
     <p:bg>
@@ -42933,883 +43891,6 @@
     <p:extLst>
       <p:ext uri="{BB962C8B-B14F-4D97-AF65-F5344CB8AC3E}">
         <p14:creationId xmlns:p14="http://schemas.microsoft.com/office/powerpoint/2010/main" val="4143129589"/>
-      </p:ext>
-    </p:extLst>
-  </p:cSld>
-  <p:clrMapOvr>
-    <a:masterClrMapping/>
-  </p:clrMapOvr>
-</p:sld>
-</file>
-
-<file path=ppt/slides/slide46.xml><?xml version="1.0" encoding="utf-8"?>
-<p:sld xmlns:a="http://schemas.openxmlformats.org/drawingml/2006/main" xmlns:r="http://schemas.openxmlformats.org/officeDocument/2006/relationships" xmlns:p="http://schemas.openxmlformats.org/presentationml/2006/main">
-  <p:cSld>
-    <p:spTree>
-      <p:nvGrpSpPr>
-        <p:cNvPr id="1" name=""/>
-        <p:cNvGrpSpPr/>
-        <p:nvPr/>
-      </p:nvGrpSpPr>
-      <p:grpSpPr>
-        <a:xfrm>
-          <a:off x="0" y="0"/>
-          <a:ext cx="0" cy="0"/>
-          <a:chOff x="0" y="0"/>
-          <a:chExt cx="0" cy="0"/>
-        </a:xfrm>
-      </p:grpSpPr>
-      <p:sp>
-        <p:nvSpPr>
-          <p:cNvPr id="5" name="Rectangle 4">
-            <a:extLst>
-              <a:ext uri="{FF2B5EF4-FFF2-40B4-BE49-F238E27FC236}">
-                <a16:creationId xmlns:a16="http://schemas.microsoft.com/office/drawing/2014/main" id="{A00233D2-38CE-441F-90C9-32F91999758A}"/>
-              </a:ext>
-            </a:extLst>
-          </p:cNvPr>
-          <p:cNvSpPr/>
-          <p:nvPr/>
-        </p:nvSpPr>
-        <p:spPr>
-          <a:xfrm>
-            <a:off x="0" y="6400273"/>
-            <a:ext cx="12192000" cy="457727"/>
-          </a:xfrm>
-          <a:prstGeom prst="rect">
-            <a:avLst/>
-          </a:prstGeom>
-          <a:solidFill>
-            <a:srgbClr val="7451EB"/>
-          </a:solidFill>
-          <a:ln>
-            <a:solidFill>
-              <a:srgbClr val="7451EB"/>
-            </a:solidFill>
-          </a:ln>
-        </p:spPr>
-        <p:style>
-          <a:lnRef idx="2">
-            <a:schemeClr val="accent1">
-              <a:shade val="50000"/>
-            </a:schemeClr>
-          </a:lnRef>
-          <a:fillRef idx="1">
-            <a:schemeClr val="accent1"/>
-          </a:fillRef>
-          <a:effectRef idx="0">
-            <a:schemeClr val="accent1"/>
-          </a:effectRef>
-          <a:fontRef idx="minor">
-            <a:schemeClr val="lt1"/>
-          </a:fontRef>
-        </p:style>
-        <p:txBody>
-          <a:bodyPr rtlCol="0" anchor="ctr"/>
-          <a:lstStyle/>
-          <a:p>
-            <a:pPr algn="ctr"/>
-            <a:endParaRPr lang="en-US" dirty="0"/>
-          </a:p>
-        </p:txBody>
-      </p:sp>
-      <p:sp>
-        <p:nvSpPr>
-          <p:cNvPr id="15" name="TextBox 3">
-            <a:extLst>
-              <a:ext uri="{FF2B5EF4-FFF2-40B4-BE49-F238E27FC236}">
-                <a16:creationId xmlns:a16="http://schemas.microsoft.com/office/drawing/2014/main" id="{47FC2DCC-BDE9-485D-AF79-4177B5479110}"/>
-              </a:ext>
-            </a:extLst>
-          </p:cNvPr>
-          <p:cNvSpPr txBox="1"/>
-          <p:nvPr/>
-        </p:nvSpPr>
-        <p:spPr>
-          <a:xfrm>
-            <a:off x="10543592" y="6475247"/>
-            <a:ext cx="1648408" cy="307777"/>
-          </a:xfrm>
-          <a:prstGeom prst="rect">
-            <a:avLst/>
-          </a:prstGeom>
-          <a:noFill/>
-        </p:spPr>
-        <p:txBody>
-          <a:bodyPr wrap="square" rtlCol="0">
-            <a:spAutoFit/>
-          </a:bodyPr>
-          <a:lstStyle/>
-          <a:p>
-            <a:pPr algn="r"/>
-            <a:r>
-              <a:rPr lang="es-CO" sz="1400" b="1" i="1" dirty="0" err="1">
-                <a:ln>
-                  <a:solidFill>
-                    <a:schemeClr val="bg1"/>
-                  </a:solidFill>
-                </a:ln>
-                <a:solidFill>
-                  <a:schemeClr val="bg1"/>
-                </a:solidFill>
-                <a:latin typeface="+mj-lt"/>
-              </a:rPr>
-              <a:t>OpenClassrooms</a:t>
-            </a:r>
-            <a:endParaRPr lang="en-US" sz="1400" b="1" i="1" dirty="0">
-              <a:ln>
-                <a:solidFill>
-                  <a:schemeClr val="bg1"/>
-                </a:solidFill>
-              </a:ln>
-              <a:solidFill>
-                <a:schemeClr val="bg1"/>
-              </a:solidFill>
-              <a:latin typeface="+mj-lt"/>
-            </a:endParaRPr>
-          </a:p>
-        </p:txBody>
-      </p:sp>
-      <p:sp>
-        <p:nvSpPr>
-          <p:cNvPr id="10" name="Titre 1">
-            <a:extLst>
-              <a:ext uri="{FF2B5EF4-FFF2-40B4-BE49-F238E27FC236}">
-                <a16:creationId xmlns:a16="http://schemas.microsoft.com/office/drawing/2014/main" id="{224E5C7D-3656-459F-9C01-61200508167F}"/>
-              </a:ext>
-            </a:extLst>
-          </p:cNvPr>
-          <p:cNvSpPr txBox="1">
-            <a:spLocks/>
-          </p:cNvSpPr>
-          <p:nvPr/>
-        </p:nvSpPr>
-        <p:spPr>
-          <a:xfrm>
-            <a:off x="279918" y="432794"/>
-            <a:ext cx="11001492" cy="820048"/>
-          </a:xfrm>
-          <a:prstGeom prst="rect">
-            <a:avLst/>
-          </a:prstGeom>
-        </p:spPr>
-        <p:txBody>
-          <a:bodyPr vert="horz" lIns="91440" tIns="45720" rIns="91440" bIns="45720" rtlCol="0" anchor="ctr">
-            <a:normAutofit/>
-          </a:bodyPr>
-          <a:lstStyle>
-            <a:lvl1pPr algn="l" defTabSz="914400" rtl="0" eaLnBrk="1" latinLnBrk="0" hangingPunct="1">
-              <a:lnSpc>
-                <a:spcPct val="90000"/>
-              </a:lnSpc>
-              <a:spcBef>
-                <a:spcPct val="0"/>
-              </a:spcBef>
-              <a:buNone/>
-              <a:defRPr sz="4400" kern="1200">
-                <a:solidFill>
-                  <a:schemeClr val="tx1"/>
-                </a:solidFill>
-                <a:latin typeface="+mj-lt"/>
-                <a:ea typeface="+mj-ea"/>
-                <a:cs typeface="+mj-cs"/>
-              </a:defRPr>
-            </a:lvl1pPr>
-          </a:lstStyle>
-          <a:p>
-            <a:r>
-              <a:rPr lang="fr-FR" sz="4000" b="1" dirty="0">
-                <a:ln>
-                  <a:solidFill>
-                    <a:srgbClr val="7451EB"/>
-                  </a:solidFill>
-                </a:ln>
-                <a:solidFill>
-                  <a:srgbClr val="7451EB"/>
-                </a:solidFill>
-                <a:latin typeface="Google Sans"/>
-              </a:rPr>
-              <a:t>Les conclusions de la mission</a:t>
-            </a:r>
-          </a:p>
-        </p:txBody>
-      </p:sp>
-      <p:sp>
-        <p:nvSpPr>
-          <p:cNvPr id="11" name="Rectángulo 4">
-            <a:extLst>
-              <a:ext uri="{FF2B5EF4-FFF2-40B4-BE49-F238E27FC236}">
-                <a16:creationId xmlns:a16="http://schemas.microsoft.com/office/drawing/2014/main" id="{B84F0FDC-2C73-4C87-9CC7-F9F129B3A699}"/>
-              </a:ext>
-            </a:extLst>
-          </p:cNvPr>
-          <p:cNvSpPr/>
-          <p:nvPr/>
-        </p:nvSpPr>
-        <p:spPr>
-          <a:xfrm>
-            <a:off x="377906" y="378794"/>
-            <a:ext cx="366721" cy="54000"/>
-          </a:xfrm>
-          <a:prstGeom prst="rect">
-            <a:avLst/>
-          </a:prstGeom>
-          <a:solidFill>
-            <a:srgbClr val="7451EB"/>
-          </a:solidFill>
-          <a:ln>
-            <a:solidFill>
-              <a:srgbClr val="7451EB"/>
-            </a:solidFill>
-          </a:ln>
-        </p:spPr>
-        <p:style>
-          <a:lnRef idx="2">
-            <a:schemeClr val="accent1">
-              <a:shade val="50000"/>
-            </a:schemeClr>
-          </a:lnRef>
-          <a:fillRef idx="1">
-            <a:schemeClr val="accent1"/>
-          </a:fillRef>
-          <a:effectRef idx="0">
-            <a:schemeClr val="accent1"/>
-          </a:effectRef>
-          <a:fontRef idx="minor">
-            <a:schemeClr val="lt1"/>
-          </a:fontRef>
-        </p:style>
-        <p:txBody>
-          <a:bodyPr rtlCol="0" anchor="ctr"/>
-          <a:lstStyle/>
-          <a:p>
-            <a:pPr algn="ctr"/>
-            <a:endParaRPr lang="es-AR">
-              <a:ln>
-                <a:solidFill>
-                  <a:srgbClr val="7451EB"/>
-                </a:solidFill>
-              </a:ln>
-              <a:solidFill>
-                <a:srgbClr val="7451EB"/>
-              </a:solidFill>
-            </a:endParaRPr>
-          </a:p>
-        </p:txBody>
-      </p:sp>
-      <p:sp>
-        <p:nvSpPr>
-          <p:cNvPr id="7" name="ZoneTexte 6">
-            <a:extLst>
-              <a:ext uri="{FF2B5EF4-FFF2-40B4-BE49-F238E27FC236}">
-                <a16:creationId xmlns:a16="http://schemas.microsoft.com/office/drawing/2014/main" id="{76B79EDD-083C-4DEA-B579-B7304BDD18CF}"/>
-              </a:ext>
-            </a:extLst>
-          </p:cNvPr>
-          <p:cNvSpPr txBox="1"/>
-          <p:nvPr/>
-        </p:nvSpPr>
-        <p:spPr>
-          <a:xfrm>
-            <a:off x="844895" y="2478658"/>
-            <a:ext cx="10203406" cy="707886"/>
-          </a:xfrm>
-          <a:prstGeom prst="rect">
-            <a:avLst/>
-          </a:prstGeom>
-          <a:noFill/>
-        </p:spPr>
-        <p:txBody>
-          <a:bodyPr wrap="square">
-            <a:spAutoFit/>
-          </a:bodyPr>
-          <a:lstStyle/>
-          <a:p>
-            <a:r>
-              <a:rPr lang="fr-FR" sz="2000" dirty="0">
-                <a:latin typeface="Google Sans"/>
-              </a:rPr>
-              <a:t>Il faut prendre en compte des variables déclaratives numérique en relation avec la taille de </a:t>
-            </a:r>
-            <a:r>
-              <a:rPr lang="fr-FR" sz="2000" dirty="0" err="1">
-                <a:latin typeface="Google Sans"/>
-              </a:rPr>
-              <a:t>dataset</a:t>
-            </a:r>
-            <a:r>
-              <a:rPr lang="fr-FR" sz="2000" dirty="0">
-                <a:latin typeface="Google Sans"/>
-              </a:rPr>
-              <a:t>. </a:t>
-            </a:r>
-            <a:r>
-              <a:rPr lang="fr-FR" sz="1400" i="1" dirty="0" err="1">
-                <a:solidFill>
-                  <a:schemeClr val="bg1">
-                    <a:lumMod val="50000"/>
-                  </a:schemeClr>
-                </a:solidFill>
-                <a:latin typeface="Google Sans"/>
-              </a:rPr>
-              <a:t>PropertyGFABuilding</a:t>
-            </a:r>
-            <a:r>
-              <a:rPr lang="fr-FR" sz="1400" i="1" dirty="0">
-                <a:solidFill>
-                  <a:schemeClr val="bg1">
-                    <a:lumMod val="50000"/>
-                  </a:schemeClr>
-                </a:solidFill>
-                <a:latin typeface="Google Sans"/>
-              </a:rPr>
-              <a:t>(s), </a:t>
-            </a:r>
-            <a:r>
-              <a:rPr lang="fr-FR" sz="1400" i="1" dirty="0" err="1">
-                <a:solidFill>
-                  <a:schemeClr val="bg1">
-                    <a:lumMod val="50000"/>
-                  </a:schemeClr>
-                </a:solidFill>
-                <a:latin typeface="Google Sans"/>
-              </a:rPr>
-              <a:t>LargestPropertyUseTypeGFA</a:t>
-            </a:r>
-            <a:r>
-              <a:rPr lang="fr-FR" sz="1400" i="1" dirty="0">
-                <a:solidFill>
-                  <a:schemeClr val="bg1">
-                    <a:lumMod val="50000"/>
-                  </a:schemeClr>
-                </a:solidFill>
-                <a:latin typeface="Google Sans"/>
-              </a:rPr>
-              <a:t>, </a:t>
-            </a:r>
-            <a:r>
-              <a:rPr lang="fr-FR" sz="1400" i="1" dirty="0" err="1">
-                <a:solidFill>
-                  <a:schemeClr val="bg1">
-                    <a:lumMod val="50000"/>
-                  </a:schemeClr>
-                </a:solidFill>
-                <a:latin typeface="Google Sans"/>
-              </a:rPr>
-              <a:t>SecondLargestPropertyUseTypeGFA</a:t>
-            </a:r>
-            <a:r>
-              <a:rPr lang="fr-FR" sz="1400" i="1" dirty="0">
-                <a:solidFill>
-                  <a:schemeClr val="bg1">
-                    <a:lumMod val="50000"/>
-                  </a:schemeClr>
-                </a:solidFill>
-                <a:latin typeface="Google Sans"/>
-              </a:rPr>
-              <a:t>, etc.</a:t>
-            </a:r>
-            <a:endParaRPr lang="fr-FR" sz="1400" i="1" u="none" strike="noStrike" dirty="0">
-              <a:solidFill>
-                <a:schemeClr val="bg1">
-                  <a:lumMod val="50000"/>
-                </a:schemeClr>
-              </a:solidFill>
-              <a:effectLst/>
-              <a:latin typeface="Google Sans"/>
-            </a:endParaRPr>
-          </a:p>
-        </p:txBody>
-      </p:sp>
-      <p:pic>
-        <p:nvPicPr>
-          <p:cNvPr id="14" name="Image 13">
-            <a:extLst>
-              <a:ext uri="{FF2B5EF4-FFF2-40B4-BE49-F238E27FC236}">
-                <a16:creationId xmlns:a16="http://schemas.microsoft.com/office/drawing/2014/main" id="{A7C30329-4C74-49AC-9F32-4F3FEBA33001}"/>
-              </a:ext>
-            </a:extLst>
-          </p:cNvPr>
-          <p:cNvPicPr>
-            <a:picLocks noChangeAspect="1"/>
-          </p:cNvPicPr>
-          <p:nvPr/>
-        </p:nvPicPr>
-        <p:blipFill>
-          <a:blip r:embed="rId3">
-            <a:duotone>
-              <a:schemeClr val="accent6">
-                <a:shade val="45000"/>
-                <a:satMod val="135000"/>
-              </a:schemeClr>
-              <a:prstClr val="white"/>
-            </a:duotone>
-            <a:extLst>
-              <a:ext uri="{28A0092B-C50C-407E-A947-70E740481C1C}">
-                <a14:useLocalDpi xmlns:a14="http://schemas.microsoft.com/office/drawing/2010/main" val="0"/>
-              </a:ext>
-            </a:extLst>
-          </a:blip>
-          <a:stretch>
-            <a:fillRect/>
-          </a:stretch>
-        </p:blipFill>
-        <p:spPr>
-          <a:xfrm>
-            <a:off x="377906" y="1496447"/>
-            <a:ext cx="457727" cy="427272"/>
-          </a:xfrm>
-          <a:prstGeom prst="rect">
-            <a:avLst/>
-          </a:prstGeom>
-        </p:spPr>
-      </p:pic>
-      <p:sp>
-        <p:nvSpPr>
-          <p:cNvPr id="16" name="ZoneTexte 15">
-            <a:extLst>
-              <a:ext uri="{FF2B5EF4-FFF2-40B4-BE49-F238E27FC236}">
-                <a16:creationId xmlns:a16="http://schemas.microsoft.com/office/drawing/2014/main" id="{9575B878-1454-457A-B540-8EF6A5871670}"/>
-              </a:ext>
-            </a:extLst>
-          </p:cNvPr>
-          <p:cNvSpPr txBox="1"/>
-          <p:nvPr/>
-        </p:nvSpPr>
-        <p:spPr>
-          <a:xfrm>
-            <a:off x="844895" y="1491296"/>
-            <a:ext cx="10341550" cy="707886"/>
-          </a:xfrm>
-          <a:prstGeom prst="rect">
-            <a:avLst/>
-          </a:prstGeom>
-          <a:noFill/>
-        </p:spPr>
-        <p:txBody>
-          <a:bodyPr wrap="square">
-            <a:spAutoFit/>
-          </a:bodyPr>
-          <a:lstStyle/>
-          <a:p>
-            <a:r>
-              <a:rPr lang="fr-FR" sz="2000" dirty="0">
-                <a:latin typeface="Google Sans"/>
-              </a:rPr>
-              <a:t>Les courbes d’apprentissage montrent qu’il est nécessaire d’avoir plus de données pour obtenir de meilleurs résultats sur les modèles. </a:t>
-            </a:r>
-            <a:r>
-              <a:rPr lang="fr-FR" sz="1400" i="1" dirty="0">
-                <a:solidFill>
-                  <a:schemeClr val="bg1">
-                    <a:lumMod val="50000"/>
-                  </a:schemeClr>
-                </a:solidFill>
-                <a:latin typeface="Google Sans"/>
-              </a:rPr>
-              <a:t>La taille de </a:t>
-            </a:r>
-            <a:r>
-              <a:rPr lang="fr-FR" sz="1400" i="1" dirty="0" err="1">
-                <a:solidFill>
-                  <a:schemeClr val="bg1">
-                    <a:lumMod val="50000"/>
-                  </a:schemeClr>
-                </a:solidFill>
-                <a:latin typeface="Google Sans"/>
-              </a:rPr>
-              <a:t>datasets</a:t>
-            </a:r>
-            <a:r>
-              <a:rPr lang="fr-FR" sz="1400" i="1" dirty="0">
-                <a:solidFill>
-                  <a:schemeClr val="bg1">
-                    <a:lumMod val="50000"/>
-                  </a:schemeClr>
-                </a:solidFill>
-                <a:latin typeface="Google Sans"/>
-              </a:rPr>
-              <a:t> sans variables cibles est de 1614 x 11</a:t>
-            </a:r>
-            <a:endParaRPr lang="fr-FR" sz="2000" i="1" dirty="0">
-              <a:solidFill>
-                <a:schemeClr val="bg1">
-                  <a:lumMod val="50000"/>
-                </a:schemeClr>
-              </a:solidFill>
-              <a:latin typeface="Google Sans"/>
-            </a:endParaRPr>
-          </a:p>
-        </p:txBody>
-      </p:sp>
-      <p:pic>
-        <p:nvPicPr>
-          <p:cNvPr id="17" name="Image 16">
-            <a:extLst>
-              <a:ext uri="{FF2B5EF4-FFF2-40B4-BE49-F238E27FC236}">
-                <a16:creationId xmlns:a16="http://schemas.microsoft.com/office/drawing/2014/main" id="{C20AC3F1-B0BB-4E7D-8C73-85820D695E9A}"/>
-              </a:ext>
-            </a:extLst>
-          </p:cNvPr>
-          <p:cNvPicPr>
-            <a:picLocks noChangeAspect="1"/>
-          </p:cNvPicPr>
-          <p:nvPr/>
-        </p:nvPicPr>
-        <p:blipFill>
-          <a:blip r:embed="rId3">
-            <a:duotone>
-              <a:schemeClr val="accent6">
-                <a:shade val="45000"/>
-                <a:satMod val="135000"/>
-              </a:schemeClr>
-              <a:prstClr val="white"/>
-            </a:duotone>
-            <a:extLst>
-              <a:ext uri="{28A0092B-C50C-407E-A947-70E740481C1C}">
-                <a14:useLocalDpi xmlns:a14="http://schemas.microsoft.com/office/drawing/2010/main" val="0"/>
-              </a:ext>
-            </a:extLst>
-          </a:blip>
-          <a:stretch>
-            <a:fillRect/>
-          </a:stretch>
-        </p:blipFill>
-        <p:spPr>
-          <a:xfrm>
-            <a:off x="377906" y="2478658"/>
-            <a:ext cx="457727" cy="427272"/>
-          </a:xfrm>
-          <a:prstGeom prst="rect">
-            <a:avLst/>
-          </a:prstGeom>
-        </p:spPr>
-      </p:pic>
-      <p:sp>
-        <p:nvSpPr>
-          <p:cNvPr id="19" name="ZoneTexte 18">
-            <a:extLst>
-              <a:ext uri="{FF2B5EF4-FFF2-40B4-BE49-F238E27FC236}">
-                <a16:creationId xmlns:a16="http://schemas.microsoft.com/office/drawing/2014/main" id="{7FA8AB11-A5F4-4599-AF30-E2A153834B7D}"/>
-              </a:ext>
-            </a:extLst>
-          </p:cNvPr>
-          <p:cNvSpPr txBox="1"/>
-          <p:nvPr/>
-        </p:nvSpPr>
-        <p:spPr>
-          <a:xfrm>
-            <a:off x="844895" y="3479296"/>
-            <a:ext cx="10743202" cy="707886"/>
-          </a:xfrm>
-          <a:prstGeom prst="rect">
-            <a:avLst/>
-          </a:prstGeom>
-          <a:noFill/>
-        </p:spPr>
-        <p:txBody>
-          <a:bodyPr wrap="square">
-            <a:spAutoFit/>
-          </a:bodyPr>
-          <a:lstStyle/>
-          <a:p>
-            <a:r>
-              <a:rPr lang="fr-FR" sz="2000" dirty="0">
-                <a:latin typeface="Google Sans"/>
-              </a:rPr>
-              <a:t>Il est nécessaire de bien connaître le comportement de chaque modèle et ses paramètres pour en tirer le meilleur parti.</a:t>
-            </a:r>
-          </a:p>
-        </p:txBody>
-      </p:sp>
-      <p:pic>
-        <p:nvPicPr>
-          <p:cNvPr id="20" name="Image 19">
-            <a:extLst>
-              <a:ext uri="{FF2B5EF4-FFF2-40B4-BE49-F238E27FC236}">
-                <a16:creationId xmlns:a16="http://schemas.microsoft.com/office/drawing/2014/main" id="{F5EFC259-88FB-4D52-ABC5-921C62988A12}"/>
-              </a:ext>
-            </a:extLst>
-          </p:cNvPr>
-          <p:cNvPicPr>
-            <a:picLocks noChangeAspect="1"/>
-          </p:cNvPicPr>
-          <p:nvPr/>
-        </p:nvPicPr>
-        <p:blipFill>
-          <a:blip r:embed="rId3">
-            <a:duotone>
-              <a:schemeClr val="accent6">
-                <a:shade val="45000"/>
-                <a:satMod val="135000"/>
-              </a:schemeClr>
-              <a:prstClr val="white"/>
-            </a:duotone>
-            <a:extLst>
-              <a:ext uri="{28A0092B-C50C-407E-A947-70E740481C1C}">
-                <a14:useLocalDpi xmlns:a14="http://schemas.microsoft.com/office/drawing/2010/main" val="0"/>
-              </a:ext>
-            </a:extLst>
-          </a:blip>
-          <a:stretch>
-            <a:fillRect/>
-          </a:stretch>
-        </p:blipFill>
-        <p:spPr>
-          <a:xfrm>
-            <a:off x="377906" y="3479296"/>
-            <a:ext cx="457727" cy="427272"/>
-          </a:xfrm>
-          <a:prstGeom prst="rect">
-            <a:avLst/>
-          </a:prstGeom>
-        </p:spPr>
-      </p:pic>
-      <p:sp>
-        <p:nvSpPr>
-          <p:cNvPr id="18" name="ZoneTexte 17">
-            <a:extLst>
-              <a:ext uri="{FF2B5EF4-FFF2-40B4-BE49-F238E27FC236}">
-                <a16:creationId xmlns:a16="http://schemas.microsoft.com/office/drawing/2014/main" id="{4698BDD5-7EAD-4A55-8659-0C529C0E7C2C}"/>
-              </a:ext>
-            </a:extLst>
-          </p:cNvPr>
-          <p:cNvSpPr txBox="1"/>
-          <p:nvPr/>
-        </p:nvSpPr>
-        <p:spPr>
-          <a:xfrm>
-            <a:off x="830571" y="4333598"/>
-            <a:ext cx="10743202" cy="707886"/>
-          </a:xfrm>
-          <a:prstGeom prst="rect">
-            <a:avLst/>
-          </a:prstGeom>
-          <a:noFill/>
-        </p:spPr>
-        <p:txBody>
-          <a:bodyPr wrap="square">
-            <a:spAutoFit/>
-          </a:bodyPr>
-          <a:lstStyle/>
-          <a:p>
-            <a:r>
-              <a:rPr lang="fr-FR" sz="2000" dirty="0">
-                <a:latin typeface="Google Sans"/>
-              </a:rPr>
-              <a:t>Sur la base du meilleur résultat obtenu par Gradient </a:t>
-            </a:r>
-            <a:r>
-              <a:rPr lang="fr-FR" sz="2000" dirty="0" err="1">
-                <a:latin typeface="Google Sans"/>
-              </a:rPr>
-              <a:t>Boosting</a:t>
-            </a:r>
-            <a:r>
-              <a:rPr lang="fr-FR" sz="2000" dirty="0">
-                <a:latin typeface="Google Sans"/>
-              </a:rPr>
-              <a:t>, il faut prendre en compte le </a:t>
-            </a:r>
-            <a:r>
-              <a:rPr lang="fr-FR" sz="2000" dirty="0" err="1">
-                <a:latin typeface="Google Sans"/>
-              </a:rPr>
-              <a:t>XGBoost</a:t>
-            </a:r>
-            <a:r>
-              <a:rPr lang="fr-FR" sz="2000" dirty="0">
-                <a:latin typeface="Google Sans"/>
-              </a:rPr>
-              <a:t> pour faire la prédiction.</a:t>
-            </a:r>
-          </a:p>
-        </p:txBody>
-      </p:sp>
-      <p:pic>
-        <p:nvPicPr>
-          <p:cNvPr id="21" name="Image 20">
-            <a:extLst>
-              <a:ext uri="{FF2B5EF4-FFF2-40B4-BE49-F238E27FC236}">
-                <a16:creationId xmlns:a16="http://schemas.microsoft.com/office/drawing/2014/main" id="{64E6C78E-3D6E-42B1-8A3E-87391A96BEF9}"/>
-              </a:ext>
-            </a:extLst>
-          </p:cNvPr>
-          <p:cNvPicPr>
-            <a:picLocks noChangeAspect="1"/>
-          </p:cNvPicPr>
-          <p:nvPr/>
-        </p:nvPicPr>
-        <p:blipFill>
-          <a:blip r:embed="rId3">
-            <a:duotone>
-              <a:schemeClr val="accent6">
-                <a:shade val="45000"/>
-                <a:satMod val="135000"/>
-              </a:schemeClr>
-              <a:prstClr val="white"/>
-            </a:duotone>
-            <a:extLst>
-              <a:ext uri="{28A0092B-C50C-407E-A947-70E740481C1C}">
-                <a14:useLocalDpi xmlns:a14="http://schemas.microsoft.com/office/drawing/2010/main" val="0"/>
-              </a:ext>
-            </a:extLst>
-          </a:blip>
-          <a:stretch>
-            <a:fillRect/>
-          </a:stretch>
-        </p:blipFill>
-        <p:spPr>
-          <a:xfrm>
-            <a:off x="363581" y="4333598"/>
-            <a:ext cx="457727" cy="427272"/>
-          </a:xfrm>
-          <a:prstGeom prst="rect">
-            <a:avLst/>
-          </a:prstGeom>
-        </p:spPr>
-      </p:pic>
-      <p:sp>
-        <p:nvSpPr>
-          <p:cNvPr id="22" name="TextBox 3">
-            <a:extLst>
-              <a:ext uri="{FF2B5EF4-FFF2-40B4-BE49-F238E27FC236}">
-                <a16:creationId xmlns:a16="http://schemas.microsoft.com/office/drawing/2014/main" id="{2CE28751-E9A6-416A-97CD-5F27DC390646}"/>
-              </a:ext>
-            </a:extLst>
-          </p:cNvPr>
-          <p:cNvSpPr txBox="1"/>
-          <p:nvPr/>
-        </p:nvSpPr>
-        <p:spPr>
-          <a:xfrm>
-            <a:off x="0" y="6475247"/>
-            <a:ext cx="6743700" cy="307777"/>
-          </a:xfrm>
-          <a:prstGeom prst="rect">
-            <a:avLst/>
-          </a:prstGeom>
-          <a:noFill/>
-        </p:spPr>
-        <p:txBody>
-          <a:bodyPr wrap="square" rtlCol="0">
-            <a:spAutoFit/>
-          </a:bodyPr>
-          <a:lstStyle/>
-          <a:p>
-            <a:r>
-              <a:rPr lang="fr-FR" sz="1400" b="1" dirty="0">
-                <a:ln>
-                  <a:solidFill>
-                    <a:schemeClr val="bg1"/>
-                  </a:solidFill>
-                </a:ln>
-                <a:solidFill>
-                  <a:schemeClr val="bg1"/>
-                </a:solidFill>
-                <a:latin typeface="+mj-lt"/>
-              </a:rPr>
-              <a:t>Project 4 -  Anticipation des besoins en consommation électrique de bâtiments</a:t>
-            </a:r>
-          </a:p>
-        </p:txBody>
-      </p:sp>
-      <p:sp>
-        <p:nvSpPr>
-          <p:cNvPr id="23" name="ZoneTexte 22">
-            <a:extLst>
-              <a:ext uri="{FF2B5EF4-FFF2-40B4-BE49-F238E27FC236}">
-                <a16:creationId xmlns:a16="http://schemas.microsoft.com/office/drawing/2014/main" id="{1159D764-0A56-4863-B2CC-5954B09710CB}"/>
-              </a:ext>
-            </a:extLst>
-          </p:cNvPr>
-          <p:cNvSpPr txBox="1"/>
-          <p:nvPr/>
-        </p:nvSpPr>
-        <p:spPr>
-          <a:xfrm>
-            <a:off x="828946" y="5322222"/>
-            <a:ext cx="10743202" cy="400110"/>
-          </a:xfrm>
-          <a:prstGeom prst="rect">
-            <a:avLst/>
-          </a:prstGeom>
-          <a:noFill/>
-        </p:spPr>
-        <p:txBody>
-          <a:bodyPr wrap="square">
-            <a:spAutoFit/>
-          </a:bodyPr>
-          <a:lstStyle/>
-          <a:p>
-            <a:r>
-              <a:rPr lang="fr-FR" sz="2000" dirty="0">
-                <a:latin typeface="Google Sans"/>
-              </a:rPr>
-              <a:t>Il est recommandé de considérer </a:t>
-            </a:r>
-            <a:r>
-              <a:rPr lang="fr-FR" sz="2000" dirty="0" err="1">
-                <a:latin typeface="Google Sans"/>
-              </a:rPr>
-              <a:t>EnergySTARScore</a:t>
-            </a:r>
-            <a:r>
-              <a:rPr lang="fr-FR" sz="2000" dirty="0">
-                <a:latin typeface="Google Sans"/>
-              </a:rPr>
-              <a:t> dès le début.</a:t>
-            </a:r>
-          </a:p>
-        </p:txBody>
-      </p:sp>
-      <p:pic>
-        <p:nvPicPr>
-          <p:cNvPr id="24" name="Image 23">
-            <a:extLst>
-              <a:ext uri="{FF2B5EF4-FFF2-40B4-BE49-F238E27FC236}">
-                <a16:creationId xmlns:a16="http://schemas.microsoft.com/office/drawing/2014/main" id="{E44DA846-4852-4498-9490-38E5F97B7719}"/>
-              </a:ext>
-            </a:extLst>
-          </p:cNvPr>
-          <p:cNvPicPr>
-            <a:picLocks noChangeAspect="1"/>
-          </p:cNvPicPr>
-          <p:nvPr/>
-        </p:nvPicPr>
-        <p:blipFill>
-          <a:blip r:embed="rId3">
-            <a:duotone>
-              <a:schemeClr val="accent6">
-                <a:shade val="45000"/>
-                <a:satMod val="135000"/>
-              </a:schemeClr>
-              <a:prstClr val="white"/>
-            </a:duotone>
-            <a:extLst>
-              <a:ext uri="{28A0092B-C50C-407E-A947-70E740481C1C}">
-                <a14:useLocalDpi xmlns:a14="http://schemas.microsoft.com/office/drawing/2010/main" val="0"/>
-              </a:ext>
-            </a:extLst>
-          </a:blip>
-          <a:stretch>
-            <a:fillRect/>
-          </a:stretch>
-        </p:blipFill>
-        <p:spPr>
-          <a:xfrm>
-            <a:off x="361956" y="5322222"/>
-            <a:ext cx="457727" cy="427272"/>
-          </a:xfrm>
-          <a:prstGeom prst="rect">
-            <a:avLst/>
-          </a:prstGeom>
-        </p:spPr>
-      </p:pic>
-    </p:spTree>
-    <p:extLst>
-      <p:ext uri="{BB962C8B-B14F-4D97-AF65-F5344CB8AC3E}">
-        <p14:creationId xmlns:p14="http://schemas.microsoft.com/office/powerpoint/2010/main" val="887499924"/>
       </p:ext>
     </p:extLst>
   </p:cSld>
@@ -43963,8 +44044,8 @@
         </p:nvSpPr>
         <p:spPr>
           <a:xfrm>
-            <a:off x="279916" y="432794"/>
-            <a:ext cx="11112333" cy="820048"/>
+            <a:off x="279918" y="432794"/>
+            <a:ext cx="11001492" cy="820048"/>
           </a:xfrm>
           <a:prstGeom prst="rect">
             <a:avLst/>
@@ -43972,7 +44053,7 @@
         </p:spPr>
         <p:txBody>
           <a:bodyPr vert="horz" lIns="91440" tIns="45720" rIns="91440" bIns="45720" rtlCol="0" anchor="ctr">
-            <a:noAutofit/>
+            <a:normAutofit/>
           </a:bodyPr>
           <a:lstStyle>
             <a:lvl1pPr algn="l" defTabSz="914400" rtl="0" eaLnBrk="1" latinLnBrk="0" hangingPunct="1">
@@ -44006,25 +44087,8 @@
                 </a:solidFill>
                 <a:latin typeface="Google Sans"/>
               </a:rPr>
-              <a:t>Avez-vous des questions ?</a:t>
-            </a:r>
-            <a:endParaRPr lang="es-419" sz="4000" b="1" u="sng" dirty="0">
-              <a:ln>
-                <a:solidFill>
-                  <a:srgbClr val="7451EB"/>
-                </a:solidFill>
-              </a:ln>
-              <a:solidFill>
-                <a:srgbClr val="7451EB"/>
-              </a:solidFill>
-              <a:effectLst>
-                <a:outerShdw blurRad="38100" dist="38100" dir="2700000" algn="tl">
-                  <a:srgbClr val="000000">
-                    <a:alpha val="43137"/>
-                  </a:srgbClr>
-                </a:outerShdw>
-              </a:effectLst>
-            </a:endParaRPr>
+              <a:t>Les conclusions de la mission</a:t>
+            </a:r>
           </a:p>
         </p:txBody>
       </p:sp>
@@ -44091,12 +44155,136 @@
           </a:p>
         </p:txBody>
       </p:sp>
+      <p:sp>
+        <p:nvSpPr>
+          <p:cNvPr id="7" name="ZoneTexte 6">
+            <a:extLst>
+              <a:ext uri="{FF2B5EF4-FFF2-40B4-BE49-F238E27FC236}">
+                <a16:creationId xmlns:a16="http://schemas.microsoft.com/office/drawing/2014/main" id="{76B79EDD-083C-4DEA-B579-B7304BDD18CF}"/>
+              </a:ext>
+            </a:extLst>
+          </p:cNvPr>
+          <p:cNvSpPr txBox="1"/>
+          <p:nvPr/>
+        </p:nvSpPr>
+        <p:spPr>
+          <a:xfrm>
+            <a:off x="844895" y="2478658"/>
+            <a:ext cx="10203406" cy="707886"/>
+          </a:xfrm>
+          <a:prstGeom prst="rect">
+            <a:avLst/>
+          </a:prstGeom>
+          <a:noFill/>
+        </p:spPr>
+        <p:txBody>
+          <a:bodyPr wrap="square">
+            <a:spAutoFit/>
+          </a:bodyPr>
+          <a:lstStyle/>
+          <a:p>
+            <a:r>
+              <a:rPr lang="fr-FR" sz="2000" dirty="0">
+                <a:latin typeface="Google Sans"/>
+              </a:rPr>
+              <a:t>Il faut prendre en compte des variables déclaratives numérique en relation avec la taille de </a:t>
+            </a:r>
+            <a:r>
+              <a:rPr lang="fr-FR" sz="2000" dirty="0" err="1">
+                <a:latin typeface="Google Sans"/>
+              </a:rPr>
+              <a:t>dataset</a:t>
+            </a:r>
+            <a:r>
+              <a:rPr lang="fr-FR" sz="2000" dirty="0">
+                <a:latin typeface="Google Sans"/>
+              </a:rPr>
+              <a:t>. </a:t>
+            </a:r>
+            <a:r>
+              <a:rPr lang="fr-FR" sz="1400" i="1" dirty="0" err="1">
+                <a:solidFill>
+                  <a:schemeClr val="bg1">
+                    <a:lumMod val="50000"/>
+                  </a:schemeClr>
+                </a:solidFill>
+                <a:latin typeface="Google Sans"/>
+              </a:rPr>
+              <a:t>PropertyGFABuilding</a:t>
+            </a:r>
+            <a:r>
+              <a:rPr lang="fr-FR" sz="1400" i="1" dirty="0">
+                <a:solidFill>
+                  <a:schemeClr val="bg1">
+                    <a:lumMod val="50000"/>
+                  </a:schemeClr>
+                </a:solidFill>
+                <a:latin typeface="Google Sans"/>
+              </a:rPr>
+              <a:t>(s), </a:t>
+            </a:r>
+            <a:r>
+              <a:rPr lang="fr-FR" sz="1400" i="1" dirty="0" err="1">
+                <a:solidFill>
+                  <a:schemeClr val="bg1">
+                    <a:lumMod val="50000"/>
+                  </a:schemeClr>
+                </a:solidFill>
+                <a:latin typeface="Google Sans"/>
+              </a:rPr>
+              <a:t>LargestPropertyUseTypeGFA</a:t>
+            </a:r>
+            <a:r>
+              <a:rPr lang="fr-FR" sz="1400" i="1" dirty="0">
+                <a:solidFill>
+                  <a:schemeClr val="bg1">
+                    <a:lumMod val="50000"/>
+                  </a:schemeClr>
+                </a:solidFill>
+                <a:latin typeface="Google Sans"/>
+              </a:rPr>
+              <a:t>, </a:t>
+            </a:r>
+            <a:r>
+              <a:rPr lang="fr-FR" sz="1400" i="1" dirty="0" err="1">
+                <a:solidFill>
+                  <a:schemeClr val="bg1">
+                    <a:lumMod val="50000"/>
+                  </a:schemeClr>
+                </a:solidFill>
+                <a:latin typeface="Google Sans"/>
+              </a:rPr>
+              <a:t>SecondLargestPropertyUseTypeGFA</a:t>
+            </a:r>
+            <a:r>
+              <a:rPr lang="fr-FR" sz="1400" i="1" dirty="0">
+                <a:solidFill>
+                  <a:schemeClr val="bg1">
+                    <a:lumMod val="50000"/>
+                  </a:schemeClr>
+                </a:solidFill>
+                <a:latin typeface="Google Sans"/>
+              </a:rPr>
+              <a:t>, etc.</a:t>
+            </a:r>
+            <a:endParaRPr lang="fr-FR" sz="1400" i="1" u="none" strike="noStrike" dirty="0">
+              <a:solidFill>
+                <a:schemeClr val="bg1">
+                  <a:lumMod val="50000"/>
+                </a:schemeClr>
+              </a:solidFill>
+              <a:effectLst/>
+              <a:latin typeface="Google Sans"/>
+            </a:endParaRPr>
+          </a:p>
+        </p:txBody>
+      </p:sp>
       <p:pic>
         <p:nvPicPr>
-          <p:cNvPr id="17" name="Image 16">
-            <a:extLst>
-              <a:ext uri="{FF2B5EF4-FFF2-40B4-BE49-F238E27FC236}">
-                <a16:creationId xmlns:a16="http://schemas.microsoft.com/office/drawing/2014/main" id="{0C190DD1-771B-47D2-995B-97EE291D94F0}"/>
+          <p:cNvPr id="14" name="Image 13">
+            <a:extLst>
+              <a:ext uri="{FF2B5EF4-FFF2-40B4-BE49-F238E27FC236}">
+                <a16:creationId xmlns:a16="http://schemas.microsoft.com/office/drawing/2014/main" id="{A7C30329-4C74-49AC-9F32-4F3FEBA33001}"/>
               </a:ext>
             </a:extLst>
           </p:cNvPr>
@@ -44106,7 +44294,14 @@
           <p:nvPr/>
         </p:nvPicPr>
         <p:blipFill>
-          <a:blip r:embed="rId2">
+          <a:blip r:embed="rId3">
+            <a:duotone>
+              <a:schemeClr val="accent6">
+                <a:shade val="45000"/>
+                <a:satMod val="135000"/>
+              </a:schemeClr>
+              <a:prstClr val="white"/>
+            </a:duotone>
             <a:extLst>
               <a:ext uri="{28A0092B-C50C-407E-A947-70E740481C1C}">
                 <a14:useLocalDpi xmlns:a14="http://schemas.microsoft.com/office/drawing/2010/main" val="0"/>
@@ -44119,8 +44314,8 @@
         </p:blipFill>
         <p:spPr>
           <a:xfrm>
-            <a:off x="2909481" y="1447892"/>
-            <a:ext cx="6373038" cy="4412022"/>
+            <a:off x="377906" y="1496447"/>
+            <a:ext cx="457727" cy="427272"/>
           </a:xfrm>
           <a:prstGeom prst="rect">
             <a:avLst/>
@@ -44129,10 +44324,315 @@
       </p:pic>
       <p:sp>
         <p:nvSpPr>
-          <p:cNvPr id="12" name="TextBox 3">
-            <a:extLst>
-              <a:ext uri="{FF2B5EF4-FFF2-40B4-BE49-F238E27FC236}">
-                <a16:creationId xmlns:a16="http://schemas.microsoft.com/office/drawing/2014/main" id="{523B975D-1A42-46D2-A986-E758F08E51C0}"/>
+          <p:cNvPr id="16" name="ZoneTexte 15">
+            <a:extLst>
+              <a:ext uri="{FF2B5EF4-FFF2-40B4-BE49-F238E27FC236}">
+                <a16:creationId xmlns:a16="http://schemas.microsoft.com/office/drawing/2014/main" id="{9575B878-1454-457A-B540-8EF6A5871670}"/>
+              </a:ext>
+            </a:extLst>
+          </p:cNvPr>
+          <p:cNvSpPr txBox="1"/>
+          <p:nvPr/>
+        </p:nvSpPr>
+        <p:spPr>
+          <a:xfrm>
+            <a:off x="844895" y="1491296"/>
+            <a:ext cx="10341550" cy="707886"/>
+          </a:xfrm>
+          <a:prstGeom prst="rect">
+            <a:avLst/>
+          </a:prstGeom>
+          <a:noFill/>
+        </p:spPr>
+        <p:txBody>
+          <a:bodyPr wrap="square">
+            <a:spAutoFit/>
+          </a:bodyPr>
+          <a:lstStyle/>
+          <a:p>
+            <a:r>
+              <a:rPr lang="fr-FR" sz="2000" dirty="0">
+                <a:latin typeface="Google Sans"/>
+              </a:rPr>
+              <a:t>Les courbes d’apprentissage montrent qu’il est nécessaire d’avoir plus de données pour obtenir de meilleurs résultats sur les modèles. </a:t>
+            </a:r>
+            <a:r>
+              <a:rPr lang="fr-FR" sz="1400" i="1" dirty="0">
+                <a:solidFill>
+                  <a:schemeClr val="bg1">
+                    <a:lumMod val="50000"/>
+                  </a:schemeClr>
+                </a:solidFill>
+                <a:latin typeface="Google Sans"/>
+              </a:rPr>
+              <a:t>La taille de </a:t>
+            </a:r>
+            <a:r>
+              <a:rPr lang="fr-FR" sz="1400" i="1" dirty="0" err="1">
+                <a:solidFill>
+                  <a:schemeClr val="bg1">
+                    <a:lumMod val="50000"/>
+                  </a:schemeClr>
+                </a:solidFill>
+                <a:latin typeface="Google Sans"/>
+              </a:rPr>
+              <a:t>datasets</a:t>
+            </a:r>
+            <a:r>
+              <a:rPr lang="fr-FR" sz="1400" i="1" dirty="0">
+                <a:solidFill>
+                  <a:schemeClr val="bg1">
+                    <a:lumMod val="50000"/>
+                  </a:schemeClr>
+                </a:solidFill>
+                <a:latin typeface="Google Sans"/>
+              </a:rPr>
+              <a:t> sans variables cibles est de 1614 x 11</a:t>
+            </a:r>
+            <a:endParaRPr lang="fr-FR" sz="2000" i="1" dirty="0">
+              <a:solidFill>
+                <a:schemeClr val="bg1">
+                  <a:lumMod val="50000"/>
+                </a:schemeClr>
+              </a:solidFill>
+              <a:latin typeface="Google Sans"/>
+            </a:endParaRPr>
+          </a:p>
+        </p:txBody>
+      </p:sp>
+      <p:pic>
+        <p:nvPicPr>
+          <p:cNvPr id="17" name="Image 16">
+            <a:extLst>
+              <a:ext uri="{FF2B5EF4-FFF2-40B4-BE49-F238E27FC236}">
+                <a16:creationId xmlns:a16="http://schemas.microsoft.com/office/drawing/2014/main" id="{C20AC3F1-B0BB-4E7D-8C73-85820D695E9A}"/>
+              </a:ext>
+            </a:extLst>
+          </p:cNvPr>
+          <p:cNvPicPr>
+            <a:picLocks noChangeAspect="1"/>
+          </p:cNvPicPr>
+          <p:nvPr/>
+        </p:nvPicPr>
+        <p:blipFill>
+          <a:blip r:embed="rId3">
+            <a:duotone>
+              <a:schemeClr val="accent6">
+                <a:shade val="45000"/>
+                <a:satMod val="135000"/>
+              </a:schemeClr>
+              <a:prstClr val="white"/>
+            </a:duotone>
+            <a:extLst>
+              <a:ext uri="{28A0092B-C50C-407E-A947-70E740481C1C}">
+                <a14:useLocalDpi xmlns:a14="http://schemas.microsoft.com/office/drawing/2010/main" val="0"/>
+              </a:ext>
+            </a:extLst>
+          </a:blip>
+          <a:stretch>
+            <a:fillRect/>
+          </a:stretch>
+        </p:blipFill>
+        <p:spPr>
+          <a:xfrm>
+            <a:off x="377906" y="2478658"/>
+            <a:ext cx="457727" cy="427272"/>
+          </a:xfrm>
+          <a:prstGeom prst="rect">
+            <a:avLst/>
+          </a:prstGeom>
+        </p:spPr>
+      </p:pic>
+      <p:sp>
+        <p:nvSpPr>
+          <p:cNvPr id="19" name="ZoneTexte 18">
+            <a:extLst>
+              <a:ext uri="{FF2B5EF4-FFF2-40B4-BE49-F238E27FC236}">
+                <a16:creationId xmlns:a16="http://schemas.microsoft.com/office/drawing/2014/main" id="{7FA8AB11-A5F4-4599-AF30-E2A153834B7D}"/>
+              </a:ext>
+            </a:extLst>
+          </p:cNvPr>
+          <p:cNvSpPr txBox="1"/>
+          <p:nvPr/>
+        </p:nvSpPr>
+        <p:spPr>
+          <a:xfrm>
+            <a:off x="844895" y="4135914"/>
+            <a:ext cx="10743202" cy="707886"/>
+          </a:xfrm>
+          <a:prstGeom prst="rect">
+            <a:avLst/>
+          </a:prstGeom>
+          <a:noFill/>
+        </p:spPr>
+        <p:txBody>
+          <a:bodyPr wrap="square">
+            <a:spAutoFit/>
+          </a:bodyPr>
+          <a:lstStyle/>
+          <a:p>
+            <a:r>
+              <a:rPr lang="fr-FR" sz="2000" dirty="0">
+                <a:latin typeface="Google Sans"/>
+              </a:rPr>
+              <a:t>Il est nécessaire de bien connaître le comportement de chaque modèle et ses paramètres pour en tirer le meilleur parti.</a:t>
+            </a:r>
+          </a:p>
+        </p:txBody>
+      </p:sp>
+      <p:pic>
+        <p:nvPicPr>
+          <p:cNvPr id="20" name="Image 19">
+            <a:extLst>
+              <a:ext uri="{FF2B5EF4-FFF2-40B4-BE49-F238E27FC236}">
+                <a16:creationId xmlns:a16="http://schemas.microsoft.com/office/drawing/2014/main" id="{F5EFC259-88FB-4D52-ABC5-921C62988A12}"/>
+              </a:ext>
+            </a:extLst>
+          </p:cNvPr>
+          <p:cNvPicPr>
+            <a:picLocks noChangeAspect="1"/>
+          </p:cNvPicPr>
+          <p:nvPr/>
+        </p:nvPicPr>
+        <p:blipFill>
+          <a:blip r:embed="rId3">
+            <a:duotone>
+              <a:schemeClr val="accent6">
+                <a:shade val="45000"/>
+                <a:satMod val="135000"/>
+              </a:schemeClr>
+              <a:prstClr val="white"/>
+            </a:duotone>
+            <a:extLst>
+              <a:ext uri="{28A0092B-C50C-407E-A947-70E740481C1C}">
+                <a14:useLocalDpi xmlns:a14="http://schemas.microsoft.com/office/drawing/2010/main" val="0"/>
+              </a:ext>
+            </a:extLst>
+          </a:blip>
+          <a:stretch>
+            <a:fillRect/>
+          </a:stretch>
+        </p:blipFill>
+        <p:spPr>
+          <a:xfrm>
+            <a:off x="377906" y="4135914"/>
+            <a:ext cx="457727" cy="427272"/>
+          </a:xfrm>
+          <a:prstGeom prst="rect">
+            <a:avLst/>
+          </a:prstGeom>
+        </p:spPr>
+      </p:pic>
+      <p:sp>
+        <p:nvSpPr>
+          <p:cNvPr id="18" name="ZoneTexte 17">
+            <a:extLst>
+              <a:ext uri="{FF2B5EF4-FFF2-40B4-BE49-F238E27FC236}">
+                <a16:creationId xmlns:a16="http://schemas.microsoft.com/office/drawing/2014/main" id="{4698BDD5-7EAD-4A55-8659-0C529C0E7C2C}"/>
+              </a:ext>
+            </a:extLst>
+          </p:cNvPr>
+          <p:cNvSpPr txBox="1"/>
+          <p:nvPr/>
+        </p:nvSpPr>
+        <p:spPr>
+          <a:xfrm>
+            <a:off x="830571" y="4990216"/>
+            <a:ext cx="10743202" cy="707886"/>
+          </a:xfrm>
+          <a:prstGeom prst="rect">
+            <a:avLst/>
+          </a:prstGeom>
+          <a:noFill/>
+        </p:spPr>
+        <p:txBody>
+          <a:bodyPr wrap="square">
+            <a:spAutoFit/>
+          </a:bodyPr>
+          <a:lstStyle/>
+          <a:p>
+            <a:r>
+              <a:rPr lang="fr-FR" sz="2000" dirty="0">
+                <a:latin typeface="Google Sans"/>
+              </a:rPr>
+              <a:t>Sur la base du meilleur résultat obtenu par Gradient </a:t>
+            </a:r>
+            <a:r>
+              <a:rPr lang="fr-FR" sz="2000" dirty="0" err="1">
+                <a:latin typeface="Google Sans"/>
+              </a:rPr>
+              <a:t>Boosting</a:t>
+            </a:r>
+            <a:r>
+              <a:rPr lang="fr-FR" sz="2000" dirty="0">
+                <a:latin typeface="Google Sans"/>
+              </a:rPr>
+              <a:t>, il faut prendre en compte le </a:t>
+            </a:r>
+            <a:r>
+              <a:rPr lang="fr-FR" sz="2000" dirty="0" err="1">
+                <a:latin typeface="Google Sans"/>
+              </a:rPr>
+              <a:t>XGBoost</a:t>
+            </a:r>
+            <a:r>
+              <a:rPr lang="fr-FR" sz="2000" dirty="0">
+                <a:latin typeface="Google Sans"/>
+              </a:rPr>
+              <a:t> pour faire la prédiction.</a:t>
+            </a:r>
+          </a:p>
+        </p:txBody>
+      </p:sp>
+      <p:pic>
+        <p:nvPicPr>
+          <p:cNvPr id="21" name="Image 20">
+            <a:extLst>
+              <a:ext uri="{FF2B5EF4-FFF2-40B4-BE49-F238E27FC236}">
+                <a16:creationId xmlns:a16="http://schemas.microsoft.com/office/drawing/2014/main" id="{64E6C78E-3D6E-42B1-8A3E-87391A96BEF9}"/>
+              </a:ext>
+            </a:extLst>
+          </p:cNvPr>
+          <p:cNvPicPr>
+            <a:picLocks noChangeAspect="1"/>
+          </p:cNvPicPr>
+          <p:nvPr/>
+        </p:nvPicPr>
+        <p:blipFill>
+          <a:blip r:embed="rId3">
+            <a:duotone>
+              <a:schemeClr val="accent6">
+                <a:shade val="45000"/>
+                <a:satMod val="135000"/>
+              </a:schemeClr>
+              <a:prstClr val="white"/>
+            </a:duotone>
+            <a:extLst>
+              <a:ext uri="{28A0092B-C50C-407E-A947-70E740481C1C}">
+                <a14:useLocalDpi xmlns:a14="http://schemas.microsoft.com/office/drawing/2010/main" val="0"/>
+              </a:ext>
+            </a:extLst>
+          </a:blip>
+          <a:stretch>
+            <a:fillRect/>
+          </a:stretch>
+        </p:blipFill>
+        <p:spPr>
+          <a:xfrm>
+            <a:off x="363581" y="4990216"/>
+            <a:ext cx="457727" cy="427272"/>
+          </a:xfrm>
+          <a:prstGeom prst="rect">
+            <a:avLst/>
+          </a:prstGeom>
+        </p:spPr>
+      </p:pic>
+      <p:sp>
+        <p:nvSpPr>
+          <p:cNvPr id="22" name="TextBox 3">
+            <a:extLst>
+              <a:ext uri="{FF2B5EF4-FFF2-40B4-BE49-F238E27FC236}">
+                <a16:creationId xmlns:a16="http://schemas.microsoft.com/office/drawing/2014/main" id="{2CE28751-E9A6-416A-97CD-5F27DC390646}"/>
               </a:ext>
             </a:extLst>
           </p:cNvPr>
@@ -44172,10 +44672,102 @@
           </a:p>
         </p:txBody>
       </p:sp>
+      <p:sp>
+        <p:nvSpPr>
+          <p:cNvPr id="23" name="ZoneTexte 22">
+            <a:extLst>
+              <a:ext uri="{FF2B5EF4-FFF2-40B4-BE49-F238E27FC236}">
+                <a16:creationId xmlns:a16="http://schemas.microsoft.com/office/drawing/2014/main" id="{1159D764-0A56-4863-B2CC-5954B09710CB}"/>
+              </a:ext>
+            </a:extLst>
+          </p:cNvPr>
+          <p:cNvSpPr txBox="1"/>
+          <p:nvPr/>
+        </p:nvSpPr>
+        <p:spPr>
+          <a:xfrm>
+            <a:off x="828946" y="3405925"/>
+            <a:ext cx="10743202" cy="400110"/>
+          </a:xfrm>
+          <a:prstGeom prst="rect">
+            <a:avLst/>
+          </a:prstGeom>
+          <a:noFill/>
+        </p:spPr>
+        <p:txBody>
+          <a:bodyPr wrap="square">
+            <a:spAutoFit/>
+          </a:bodyPr>
+          <a:lstStyle/>
+          <a:p>
+            <a:r>
+              <a:rPr lang="fr-FR" sz="2000" dirty="0">
+                <a:latin typeface="Google Sans"/>
+              </a:rPr>
+              <a:t>Il est recommandé de considérer </a:t>
+            </a:r>
+            <a:r>
+              <a:rPr lang="fr-FR" sz="2000" dirty="0" err="1">
+                <a:latin typeface="Google Sans"/>
+              </a:rPr>
+              <a:t>EnergySTARScore</a:t>
+            </a:r>
+            <a:r>
+              <a:rPr lang="fr-FR" sz="2000" dirty="0">
+                <a:latin typeface="Google Sans"/>
+              </a:rPr>
+              <a:t> dès le début.</a:t>
+            </a:r>
+          </a:p>
+        </p:txBody>
+      </p:sp>
+      <p:pic>
+        <p:nvPicPr>
+          <p:cNvPr id="24" name="Image 23">
+            <a:extLst>
+              <a:ext uri="{FF2B5EF4-FFF2-40B4-BE49-F238E27FC236}">
+                <a16:creationId xmlns:a16="http://schemas.microsoft.com/office/drawing/2014/main" id="{E44DA846-4852-4498-9490-38E5F97B7719}"/>
+              </a:ext>
+            </a:extLst>
+          </p:cNvPr>
+          <p:cNvPicPr>
+            <a:picLocks noChangeAspect="1"/>
+          </p:cNvPicPr>
+          <p:nvPr/>
+        </p:nvPicPr>
+        <p:blipFill>
+          <a:blip r:embed="rId3">
+            <a:duotone>
+              <a:schemeClr val="accent6">
+                <a:shade val="45000"/>
+                <a:satMod val="135000"/>
+              </a:schemeClr>
+              <a:prstClr val="white"/>
+            </a:duotone>
+            <a:extLst>
+              <a:ext uri="{28A0092B-C50C-407E-A947-70E740481C1C}">
+                <a14:useLocalDpi xmlns:a14="http://schemas.microsoft.com/office/drawing/2010/main" val="0"/>
+              </a:ext>
+            </a:extLst>
+          </a:blip>
+          <a:stretch>
+            <a:fillRect/>
+          </a:stretch>
+        </p:blipFill>
+        <p:spPr>
+          <a:xfrm>
+            <a:off x="361956" y="3405925"/>
+            <a:ext cx="457727" cy="427272"/>
+          </a:xfrm>
+          <a:prstGeom prst="rect">
+            <a:avLst/>
+          </a:prstGeom>
+        </p:spPr>
+      </p:pic>
     </p:spTree>
     <p:extLst>
       <p:ext uri="{BB962C8B-B14F-4D97-AF65-F5344CB8AC3E}">
-        <p14:creationId xmlns:p14="http://schemas.microsoft.com/office/powerpoint/2010/main" val="3869688879"/>
+        <p14:creationId xmlns:p14="http://schemas.microsoft.com/office/powerpoint/2010/main" val="887499924"/>
       </p:ext>
     </p:extLst>
   </p:cSld>
@@ -44204,10 +44796,10 @@
       </p:grpSpPr>
       <p:sp>
         <p:nvSpPr>
-          <p:cNvPr id="10" name="Rectángulo 1">
-            <a:extLst>
-              <a:ext uri="{FF2B5EF4-FFF2-40B4-BE49-F238E27FC236}">
-                <a16:creationId xmlns:a16="http://schemas.microsoft.com/office/drawing/2014/main" id="{EC6BC2CE-B281-4F18-889E-16BEFF6CC2C6}"/>
+          <p:cNvPr id="5" name="Rectangle 4">
+            <a:extLst>
+              <a:ext uri="{FF2B5EF4-FFF2-40B4-BE49-F238E27FC236}">
+                <a16:creationId xmlns:a16="http://schemas.microsoft.com/office/drawing/2014/main" id="{A00233D2-38CE-441F-90C9-32F91999758A}"/>
               </a:ext>
             </a:extLst>
           </p:cNvPr>
@@ -44216,8 +44808,8 @@
         </p:nvSpPr>
         <p:spPr>
           <a:xfrm>
-            <a:off x="-72007" y="0"/>
-            <a:ext cx="7296540" cy="6858000"/>
+            <a:off x="0" y="6400273"/>
+            <a:ext cx="12192000" cy="457727"/>
           </a:xfrm>
           <a:prstGeom prst="rect">
             <a:avLst/>
@@ -44252,16 +44844,154 @@
           <a:lstStyle/>
           <a:p>
             <a:pPr algn="ctr"/>
-            <a:endParaRPr lang="es-AR"/>
-          </a:p>
-        </p:txBody>
-      </p:sp>
-      <p:sp>
-        <p:nvSpPr>
-          <p:cNvPr id="36" name="Rectángulo 4">
-            <a:extLst>
-              <a:ext uri="{FF2B5EF4-FFF2-40B4-BE49-F238E27FC236}">
-                <a16:creationId xmlns:a16="http://schemas.microsoft.com/office/drawing/2014/main" id="{3D7BED2F-80EC-4813-AFFE-DF338008BEBB}"/>
+            <a:endParaRPr lang="en-US" dirty="0"/>
+          </a:p>
+        </p:txBody>
+      </p:sp>
+      <p:sp>
+        <p:nvSpPr>
+          <p:cNvPr id="15" name="TextBox 3">
+            <a:extLst>
+              <a:ext uri="{FF2B5EF4-FFF2-40B4-BE49-F238E27FC236}">
+                <a16:creationId xmlns:a16="http://schemas.microsoft.com/office/drawing/2014/main" id="{47FC2DCC-BDE9-485D-AF79-4177B5479110}"/>
+              </a:ext>
+            </a:extLst>
+          </p:cNvPr>
+          <p:cNvSpPr txBox="1"/>
+          <p:nvPr/>
+        </p:nvSpPr>
+        <p:spPr>
+          <a:xfrm>
+            <a:off x="10543592" y="6475247"/>
+            <a:ext cx="1648408" cy="307777"/>
+          </a:xfrm>
+          <a:prstGeom prst="rect">
+            <a:avLst/>
+          </a:prstGeom>
+          <a:noFill/>
+        </p:spPr>
+        <p:txBody>
+          <a:bodyPr wrap="square" rtlCol="0">
+            <a:spAutoFit/>
+          </a:bodyPr>
+          <a:lstStyle/>
+          <a:p>
+            <a:pPr algn="r"/>
+            <a:r>
+              <a:rPr lang="es-CO" sz="1400" b="1" i="1" dirty="0" err="1">
+                <a:ln>
+                  <a:solidFill>
+                    <a:schemeClr val="bg1"/>
+                  </a:solidFill>
+                </a:ln>
+                <a:solidFill>
+                  <a:schemeClr val="bg1"/>
+                </a:solidFill>
+                <a:latin typeface="+mj-lt"/>
+              </a:rPr>
+              <a:t>OpenClassrooms</a:t>
+            </a:r>
+            <a:endParaRPr lang="en-US" sz="1400" b="1" i="1" dirty="0">
+              <a:ln>
+                <a:solidFill>
+                  <a:schemeClr val="bg1"/>
+                </a:solidFill>
+              </a:ln>
+              <a:solidFill>
+                <a:schemeClr val="bg1"/>
+              </a:solidFill>
+              <a:latin typeface="+mj-lt"/>
+            </a:endParaRPr>
+          </a:p>
+        </p:txBody>
+      </p:sp>
+      <p:sp>
+        <p:nvSpPr>
+          <p:cNvPr id="10" name="Titre 1">
+            <a:extLst>
+              <a:ext uri="{FF2B5EF4-FFF2-40B4-BE49-F238E27FC236}">
+                <a16:creationId xmlns:a16="http://schemas.microsoft.com/office/drawing/2014/main" id="{224E5C7D-3656-459F-9C01-61200508167F}"/>
+              </a:ext>
+            </a:extLst>
+          </p:cNvPr>
+          <p:cNvSpPr txBox="1">
+            <a:spLocks/>
+          </p:cNvSpPr>
+          <p:nvPr/>
+        </p:nvSpPr>
+        <p:spPr>
+          <a:xfrm>
+            <a:off x="279916" y="432794"/>
+            <a:ext cx="11112333" cy="820048"/>
+          </a:xfrm>
+          <a:prstGeom prst="rect">
+            <a:avLst/>
+          </a:prstGeom>
+        </p:spPr>
+        <p:txBody>
+          <a:bodyPr vert="horz" lIns="91440" tIns="45720" rIns="91440" bIns="45720" rtlCol="0" anchor="ctr">
+            <a:noAutofit/>
+          </a:bodyPr>
+          <a:lstStyle>
+            <a:lvl1pPr algn="l" defTabSz="914400" rtl="0" eaLnBrk="1" latinLnBrk="0" hangingPunct="1">
+              <a:lnSpc>
+                <a:spcPct val="90000"/>
+              </a:lnSpc>
+              <a:spcBef>
+                <a:spcPct val="0"/>
+              </a:spcBef>
+              <a:buNone/>
+              <a:defRPr sz="4400" kern="1200">
+                <a:solidFill>
+                  <a:schemeClr val="tx1"/>
+                </a:solidFill>
+                <a:latin typeface="+mj-lt"/>
+                <a:ea typeface="+mj-ea"/>
+                <a:cs typeface="+mj-cs"/>
+              </a:defRPr>
+            </a:lvl1pPr>
+          </a:lstStyle>
+          <a:p>
+            <a:r>
+              <a:rPr lang="fr-FR" sz="4000" b="1" dirty="0">
+                <a:ln>
+                  <a:solidFill>
+                    <a:srgbClr val="7451EB"/>
+                  </a:solidFill>
+                </a:ln>
+                <a:solidFill>
+                  <a:srgbClr val="7451EB"/>
+                </a:solidFill>
+                <a:latin typeface="Google Sans"/>
+              </a:rPr>
+              <a:t>Avez-vous des questions ?</a:t>
+            </a:r>
+            <a:endParaRPr lang="es-419" sz="4000" b="1" u="sng" dirty="0">
+              <a:ln>
+                <a:solidFill>
+                  <a:srgbClr val="7451EB"/>
+                </a:solidFill>
+              </a:ln>
+              <a:solidFill>
+                <a:srgbClr val="7451EB"/>
+              </a:solidFill>
+              <a:effectLst>
+                <a:outerShdw blurRad="38100" dist="38100" dir="2700000" algn="tl">
+                  <a:srgbClr val="000000">
+                    <a:alpha val="43137"/>
+                  </a:srgbClr>
+                </a:outerShdw>
+              </a:effectLst>
+            </a:endParaRPr>
+          </a:p>
+        </p:txBody>
+      </p:sp>
+      <p:sp>
+        <p:nvSpPr>
+          <p:cNvPr id="11" name="Rectángulo 4">
+            <a:extLst>
+              <a:ext uri="{FF2B5EF4-FFF2-40B4-BE49-F238E27FC236}">
+                <a16:creationId xmlns:a16="http://schemas.microsoft.com/office/drawing/2014/main" id="{B84F0FDC-2C73-4C87-9CC7-F9F129B3A699}"/>
               </a:ext>
             </a:extLst>
           </p:cNvPr>
@@ -44270,18 +45000,18 @@
         </p:nvSpPr>
         <p:spPr>
           <a:xfrm>
-            <a:off x="377906" y="1683233"/>
+            <a:off x="377906" y="378794"/>
             <a:ext cx="366721" cy="54000"/>
           </a:xfrm>
           <a:prstGeom prst="rect">
             <a:avLst/>
           </a:prstGeom>
           <a:solidFill>
-            <a:schemeClr val="bg1"/>
+            <a:srgbClr val="7451EB"/>
           </a:solidFill>
           <a:ln>
             <a:solidFill>
-              <a:schemeClr val="bg1"/>
+              <a:srgbClr val="7451EB"/>
             </a:solidFill>
           </a:ln>
         </p:spPr>
@@ -44306,16 +45036,61 @@
           <a:lstStyle/>
           <a:p>
             <a:pPr algn="ctr"/>
-            <a:endParaRPr lang="es-AR"/>
-          </a:p>
-        </p:txBody>
-      </p:sp>
-      <p:sp>
-        <p:nvSpPr>
-          <p:cNvPr id="30" name="ZoneTexte 29">
-            <a:extLst>
-              <a:ext uri="{FF2B5EF4-FFF2-40B4-BE49-F238E27FC236}">
-                <a16:creationId xmlns:a16="http://schemas.microsoft.com/office/drawing/2014/main" id="{1C59DD88-0231-4DD6-B63A-00DE1EDF79C4}"/>
+            <a:endParaRPr lang="es-AR">
+              <a:ln>
+                <a:solidFill>
+                  <a:srgbClr val="7451EB"/>
+                </a:solidFill>
+              </a:ln>
+              <a:solidFill>
+                <a:srgbClr val="7451EB"/>
+              </a:solidFill>
+            </a:endParaRPr>
+          </a:p>
+        </p:txBody>
+      </p:sp>
+      <p:pic>
+        <p:nvPicPr>
+          <p:cNvPr id="17" name="Image 16">
+            <a:extLst>
+              <a:ext uri="{FF2B5EF4-FFF2-40B4-BE49-F238E27FC236}">
+                <a16:creationId xmlns:a16="http://schemas.microsoft.com/office/drawing/2014/main" id="{0C190DD1-771B-47D2-995B-97EE291D94F0}"/>
+              </a:ext>
+            </a:extLst>
+          </p:cNvPr>
+          <p:cNvPicPr>
+            <a:picLocks noChangeAspect="1"/>
+          </p:cNvPicPr>
+          <p:nvPr/>
+        </p:nvPicPr>
+        <p:blipFill>
+          <a:blip r:embed="rId2">
+            <a:extLst>
+              <a:ext uri="{28A0092B-C50C-407E-A947-70E740481C1C}">
+                <a14:useLocalDpi xmlns:a14="http://schemas.microsoft.com/office/drawing/2010/main" val="0"/>
+              </a:ext>
+            </a:extLst>
+          </a:blip>
+          <a:stretch>
+            <a:fillRect/>
+          </a:stretch>
+        </p:blipFill>
+        <p:spPr>
+          <a:xfrm>
+            <a:off x="2909481" y="1447892"/>
+            <a:ext cx="6373038" cy="4412022"/>
+          </a:xfrm>
+          <a:prstGeom prst="rect">
+            <a:avLst/>
+          </a:prstGeom>
+        </p:spPr>
+      </p:pic>
+      <p:sp>
+        <p:nvSpPr>
+          <p:cNvPr id="12" name="TextBox 3">
+            <a:extLst>
+              <a:ext uri="{FF2B5EF4-FFF2-40B4-BE49-F238E27FC236}">
+                <a16:creationId xmlns:a16="http://schemas.microsoft.com/office/drawing/2014/main" id="{523B975D-1A42-46D2-A986-E758F08E51C0}"/>
               </a:ext>
             </a:extLst>
           </p:cNvPr>
@@ -44324,8 +45099,8 @@
         </p:nvSpPr>
         <p:spPr>
           <a:xfrm>
-            <a:off x="279917" y="1737233"/>
-            <a:ext cx="6592692" cy="3939540"/>
+            <a:off x="0" y="6475247"/>
+            <a:ext cx="6743700" cy="307777"/>
           </a:xfrm>
           <a:prstGeom prst="rect">
             <a:avLst/>
@@ -44333,13 +45108,13 @@
           <a:noFill/>
         </p:spPr>
         <p:txBody>
-          <a:bodyPr wrap="square">
+          <a:bodyPr wrap="square" rtlCol="0">
             <a:spAutoFit/>
           </a:bodyPr>
           <a:lstStyle/>
           <a:p>
             <a:r>
-              <a:rPr lang="fr-FR" sz="4800" b="1" i="1" dirty="0">
+              <a:rPr lang="fr-FR" sz="1400" b="1" dirty="0">
                 <a:ln>
                   <a:solidFill>
                     <a:schemeClr val="bg1"/>
@@ -44348,295 +45123,17 @@
                 <a:solidFill>
                   <a:schemeClr val="bg1"/>
                 </a:solidFill>
-                <a:latin typeface="Google Sans"/>
-              </a:rPr>
-              <a:t>MERCI</a:t>
-            </a:r>
-          </a:p>
-          <a:p>
-            <a:endParaRPr lang="fr-FR" sz="3200" b="1" dirty="0">
-              <a:ln>
-                <a:solidFill>
-                  <a:schemeClr val="bg1"/>
-                </a:solidFill>
-              </a:ln>
-              <a:solidFill>
-                <a:schemeClr val="bg1"/>
-              </a:solidFill>
-              <a:latin typeface="Google Sans"/>
-            </a:endParaRPr>
-          </a:p>
-          <a:p>
-            <a:endParaRPr lang="fr-FR" sz="3200" b="1" dirty="0">
-              <a:ln>
-                <a:solidFill>
-                  <a:schemeClr val="bg1"/>
-                </a:solidFill>
-              </a:ln>
-              <a:solidFill>
-                <a:schemeClr val="bg1"/>
-              </a:solidFill>
-              <a:latin typeface="Google Sans"/>
-            </a:endParaRPr>
-          </a:p>
-          <a:p>
-            <a:r>
-              <a:rPr lang="fr-FR" sz="2000" dirty="0">
-                <a:ln>
-                  <a:solidFill>
-                    <a:schemeClr val="bg1"/>
-                  </a:solidFill>
-                </a:ln>
-                <a:solidFill>
-                  <a:schemeClr val="bg1"/>
-                </a:solidFill>
-                <a:latin typeface="Google Sans"/>
-              </a:rPr>
-              <a:t>Soutenance de Projet</a:t>
-            </a:r>
-          </a:p>
-          <a:p>
-            <a:r>
-              <a:rPr lang="fr-FR" sz="3200" dirty="0">
-                <a:ln>
-                  <a:solidFill>
-                    <a:schemeClr val="bg1"/>
-                  </a:solidFill>
-                </a:ln>
-                <a:solidFill>
-                  <a:schemeClr val="bg1"/>
-                </a:solidFill>
-                <a:latin typeface="Google Sans"/>
-              </a:rPr>
-              <a:t>Samir HINOJOSA</a:t>
-            </a:r>
-          </a:p>
-          <a:p>
-            <a:endParaRPr lang="fr-FR" sz="3600" dirty="0">
-              <a:ln>
-                <a:solidFill>
-                  <a:schemeClr val="bg1"/>
-                </a:solidFill>
-              </a:ln>
-              <a:solidFill>
-                <a:schemeClr val="bg1"/>
-              </a:solidFill>
-              <a:latin typeface="Google Sans"/>
-            </a:endParaRPr>
-          </a:p>
-          <a:p>
-            <a:endParaRPr lang="fr-FR" sz="3600" dirty="0">
-              <a:ln>
-                <a:solidFill>
-                  <a:schemeClr val="bg1"/>
-                </a:solidFill>
-              </a:ln>
-              <a:solidFill>
-                <a:schemeClr val="bg1"/>
-              </a:solidFill>
-              <a:latin typeface="Google Sans"/>
-            </a:endParaRPr>
-          </a:p>
-          <a:p>
-            <a:r>
-              <a:rPr lang="fr-FR" sz="1400" dirty="0">
-                <a:ln>
-                  <a:solidFill>
-                    <a:schemeClr val="bg1"/>
-                  </a:solidFill>
-                </a:ln>
-                <a:solidFill>
-                  <a:schemeClr val="bg1"/>
-                </a:solidFill>
-                <a:latin typeface="Google Sans"/>
-              </a:rPr>
-              <a:t>24 avril 2021</a:t>
-            </a:r>
-          </a:p>
-        </p:txBody>
-      </p:sp>
-      <p:sp>
-        <p:nvSpPr>
-          <p:cNvPr id="14" name="Titre 1">
-            <a:extLst>
-              <a:ext uri="{FF2B5EF4-FFF2-40B4-BE49-F238E27FC236}">
-                <a16:creationId xmlns:a16="http://schemas.microsoft.com/office/drawing/2014/main" id="{01656CA7-067A-479C-9C22-03DB1C992AD9}"/>
-              </a:ext>
-            </a:extLst>
-          </p:cNvPr>
-          <p:cNvSpPr txBox="1">
-            <a:spLocks/>
-          </p:cNvSpPr>
-          <p:nvPr/>
-        </p:nvSpPr>
-        <p:spPr>
-          <a:xfrm>
-            <a:off x="7492481" y="5284014"/>
-            <a:ext cx="4002833" cy="946757"/>
-          </a:xfrm>
-          <a:prstGeom prst="rect">
-            <a:avLst/>
-          </a:prstGeom>
-        </p:spPr>
-        <p:txBody>
-          <a:bodyPr vert="horz" lIns="91440" tIns="45720" rIns="91440" bIns="45720" rtlCol="0" anchor="ctr">
-            <a:normAutofit/>
-          </a:bodyPr>
-          <a:lstStyle>
-            <a:lvl1pPr algn="l" defTabSz="914400" rtl="0" eaLnBrk="1" latinLnBrk="0" hangingPunct="1">
-              <a:lnSpc>
-                <a:spcPct val="90000"/>
-              </a:lnSpc>
-              <a:spcBef>
-                <a:spcPct val="0"/>
-              </a:spcBef>
-              <a:buNone/>
-              <a:defRPr sz="4400" kern="1200">
-                <a:solidFill>
-                  <a:schemeClr val="tx1"/>
-                </a:solidFill>
                 <a:latin typeface="+mj-lt"/>
-                <a:ea typeface="+mj-ea"/>
-                <a:cs typeface="+mj-cs"/>
-              </a:defRPr>
-            </a:lvl1pPr>
-          </a:lstStyle>
-          <a:p>
-            <a:r>
-              <a:rPr lang="es-ES" sz="3600" b="1" dirty="0">
-                <a:ln>
-                  <a:solidFill>
-                    <a:srgbClr val="7451EB"/>
-                  </a:solidFill>
-                </a:ln>
-                <a:solidFill>
-                  <a:srgbClr val="7451EB"/>
-                </a:solidFill>
-                <a:effectLst>
-                  <a:outerShdw blurRad="38100" dist="38100" dir="2700000" algn="tl">
-                    <a:srgbClr val="000000">
-                      <a:alpha val="43137"/>
-                    </a:srgbClr>
-                  </a:outerShdw>
-                </a:effectLst>
-              </a:rPr>
-              <a:t>OPENCLASSROOMS</a:t>
-            </a:r>
-            <a:endParaRPr lang="es-419" sz="5400" b="1" u="sng" dirty="0">
-              <a:ln>
-                <a:solidFill>
-                  <a:srgbClr val="7451EB"/>
-                </a:solidFill>
-              </a:ln>
-              <a:solidFill>
-                <a:srgbClr val="7451EB"/>
-              </a:solidFill>
-              <a:effectLst>
-                <a:outerShdw blurRad="38100" dist="38100" dir="2700000" algn="tl">
-                  <a:srgbClr val="000000">
-                    <a:alpha val="43137"/>
-                  </a:srgbClr>
-                </a:outerShdw>
-              </a:effectLst>
-            </a:endParaRPr>
-          </a:p>
-        </p:txBody>
-      </p:sp>
-      <p:pic>
-        <p:nvPicPr>
-          <p:cNvPr id="1026" name="Picture 2" descr="OpenClassrooms — Wikipédia">
-            <a:extLst>
-              <a:ext uri="{FF2B5EF4-FFF2-40B4-BE49-F238E27FC236}">
-                <a16:creationId xmlns:a16="http://schemas.microsoft.com/office/drawing/2014/main" id="{1ED1A659-D6AB-4947-92C5-9E65D7B2889B}"/>
-              </a:ext>
-            </a:extLst>
-          </p:cNvPr>
-          <p:cNvPicPr>
-            <a:picLocks noChangeAspect="1" noChangeArrowheads="1"/>
-          </p:cNvPicPr>
-          <p:nvPr/>
-        </p:nvPicPr>
-        <p:blipFill>
-          <a:blip r:embed="rId2">
-            <a:extLst>
-              <a:ext uri="{28A0092B-C50C-407E-A947-70E740481C1C}">
-                <a14:useLocalDpi xmlns:a14="http://schemas.microsoft.com/office/drawing/2010/main" val="0"/>
-              </a:ext>
-            </a:extLst>
-          </a:blip>
-          <a:srcRect/>
-          <a:stretch>
-            <a:fillRect/>
-          </a:stretch>
-        </p:blipFill>
-        <p:spPr bwMode="auto">
-          <a:xfrm>
-            <a:off x="7492481" y="3940235"/>
-            <a:ext cx="1380931" cy="1380931"/>
-          </a:xfrm>
-          <a:prstGeom prst="rect">
-            <a:avLst/>
-          </a:prstGeom>
-          <a:noFill/>
-          <a:extLst>
-            <a:ext uri="{909E8E84-426E-40DD-AFC4-6F175D3DCCD1}">
-              <a14:hiddenFill xmlns:a14="http://schemas.microsoft.com/office/drawing/2010/main">
-                <a:solidFill>
-                  <a:srgbClr val="FFFFFF"/>
-                </a:solidFill>
-              </a14:hiddenFill>
-            </a:ext>
-          </a:extLst>
-        </p:spPr>
-      </p:pic>
-      <p:sp>
-        <p:nvSpPr>
-          <p:cNvPr id="7" name="ZoneTexte 6">
-            <a:extLst>
-              <a:ext uri="{FF2B5EF4-FFF2-40B4-BE49-F238E27FC236}">
-                <a16:creationId xmlns:a16="http://schemas.microsoft.com/office/drawing/2014/main" id="{13CA2201-3170-4DB3-B59B-957240822A25}"/>
-              </a:ext>
-            </a:extLst>
-          </p:cNvPr>
-          <p:cNvSpPr txBox="1"/>
-          <p:nvPr/>
-        </p:nvSpPr>
-        <p:spPr>
-          <a:xfrm>
-            <a:off x="122182" y="5368996"/>
-            <a:ext cx="2673008" cy="307777"/>
-          </a:xfrm>
-          <a:prstGeom prst="rect">
-            <a:avLst/>
-          </a:prstGeom>
-          <a:solidFill>
-            <a:srgbClr val="FF0000"/>
-          </a:solidFill>
-        </p:spPr>
-        <p:txBody>
-          <a:bodyPr wrap="square">
-            <a:spAutoFit/>
-          </a:bodyPr>
-          <a:lstStyle/>
-          <a:p>
-            <a:endParaRPr lang="fr-FR" sz="1400" dirty="0">
-              <a:ln>
-                <a:solidFill>
-                  <a:schemeClr val="bg1"/>
-                </a:solidFill>
-              </a:ln>
-              <a:solidFill>
-                <a:schemeClr val="bg1"/>
-              </a:solidFill>
-              <a:latin typeface="Google Sans"/>
-            </a:endParaRPr>
+              </a:rPr>
+              <a:t>Project 4 -  Anticipation des besoins en consommation électrique de bâtiments</a:t>
+            </a:r>
           </a:p>
         </p:txBody>
       </p:sp>
     </p:spTree>
     <p:extLst>
       <p:ext uri="{BB962C8B-B14F-4D97-AF65-F5344CB8AC3E}">
-        <p14:creationId xmlns:p14="http://schemas.microsoft.com/office/powerpoint/2010/main" val="3980212274"/>
+        <p14:creationId xmlns:p14="http://schemas.microsoft.com/office/powerpoint/2010/main" val="3869688879"/>
       </p:ext>
     </p:extLst>
   </p:cSld>
@@ -44649,14 +45146,6 @@
 <file path=ppt/slides/slide49.xml><?xml version="1.0" encoding="utf-8"?>
 <p:sld xmlns:a="http://schemas.openxmlformats.org/drawingml/2006/main" xmlns:r="http://schemas.openxmlformats.org/officeDocument/2006/relationships" xmlns:p="http://schemas.openxmlformats.org/presentationml/2006/main">
   <p:cSld>
-    <p:bg>
-      <p:bgPr>
-        <a:solidFill>
-          <a:srgbClr val="7451EB"/>
-        </a:solidFill>
-        <a:effectLst/>
-      </p:bgPr>
-    </p:bg>
     <p:spTree>
       <p:nvGrpSpPr>
         <p:cNvPr id="1" name=""/>
@@ -44673,10 +45162,10 @@
       </p:grpSpPr>
       <p:sp>
         <p:nvSpPr>
-          <p:cNvPr id="5" name="Rectangle 4">
-            <a:extLst>
-              <a:ext uri="{FF2B5EF4-FFF2-40B4-BE49-F238E27FC236}">
-                <a16:creationId xmlns:a16="http://schemas.microsoft.com/office/drawing/2014/main" id="{A00233D2-38CE-441F-90C9-32F91999758A}"/>
+          <p:cNvPr id="10" name="Rectángulo 1">
+            <a:extLst>
+              <a:ext uri="{FF2B5EF4-FFF2-40B4-BE49-F238E27FC236}">
+                <a16:creationId xmlns:a16="http://schemas.microsoft.com/office/drawing/2014/main" id="{EC6BC2CE-B281-4F18-889E-16BEFF6CC2C6}"/>
               </a:ext>
             </a:extLst>
           </p:cNvPr>
@@ -44685,18 +45174,18 @@
         </p:nvSpPr>
         <p:spPr>
           <a:xfrm>
-            <a:off x="0" y="6400273"/>
-            <a:ext cx="12192000" cy="457727"/>
+            <a:off x="-72007" y="0"/>
+            <a:ext cx="7296540" cy="6858000"/>
           </a:xfrm>
           <a:prstGeom prst="rect">
             <a:avLst/>
           </a:prstGeom>
           <a:solidFill>
-            <a:schemeClr val="bg1"/>
+            <a:srgbClr val="7451EB"/>
           </a:solidFill>
           <a:ln>
             <a:solidFill>
-              <a:schemeClr val="bg1"/>
+              <a:srgbClr val="7451EB"/>
             </a:solidFill>
           </a:ln>
         </p:spPr>
@@ -44721,85 +45210,26 @@
           <a:lstStyle/>
           <a:p>
             <a:pPr algn="ctr"/>
-            <a:endParaRPr lang="en-US" dirty="0"/>
-          </a:p>
-        </p:txBody>
-      </p:sp>
-      <p:sp>
-        <p:nvSpPr>
-          <p:cNvPr id="15" name="TextBox 3">
-            <a:extLst>
-              <a:ext uri="{FF2B5EF4-FFF2-40B4-BE49-F238E27FC236}">
-                <a16:creationId xmlns:a16="http://schemas.microsoft.com/office/drawing/2014/main" id="{47FC2DCC-BDE9-485D-AF79-4177B5479110}"/>
-              </a:ext>
-            </a:extLst>
-          </p:cNvPr>
-          <p:cNvSpPr txBox="1"/>
-          <p:nvPr/>
-        </p:nvSpPr>
-        <p:spPr>
-          <a:xfrm>
-            <a:off x="10543592" y="6475247"/>
-            <a:ext cx="1648408" cy="307777"/>
-          </a:xfrm>
-          <a:prstGeom prst="rect">
-            <a:avLst/>
-          </a:prstGeom>
-          <a:noFill/>
-        </p:spPr>
-        <p:txBody>
-          <a:bodyPr wrap="square" rtlCol="0">
-            <a:spAutoFit/>
-          </a:bodyPr>
-          <a:lstStyle/>
-          <a:p>
-            <a:pPr algn="r"/>
-            <a:r>
-              <a:rPr lang="es-CO" sz="1400" b="1" i="1" dirty="0" err="1">
-                <a:ln>
-                  <a:solidFill>
-                    <a:srgbClr val="7451EB"/>
-                  </a:solidFill>
-                </a:ln>
-                <a:solidFill>
-                  <a:srgbClr val="7451EB"/>
-                </a:solidFill>
-                <a:latin typeface="+mj-lt"/>
-              </a:rPr>
-              <a:t>OpenClassrooms</a:t>
-            </a:r>
-            <a:endParaRPr lang="en-US" sz="1400" b="1" i="1" dirty="0">
-              <a:ln>
-                <a:solidFill>
-                  <a:srgbClr val="7451EB"/>
-                </a:solidFill>
-              </a:ln>
-              <a:solidFill>
-                <a:srgbClr val="7451EB"/>
-              </a:solidFill>
-              <a:latin typeface="+mj-lt"/>
-            </a:endParaRPr>
-          </a:p>
-        </p:txBody>
-      </p:sp>
-      <p:sp>
-        <p:nvSpPr>
-          <p:cNvPr id="10" name="Titre 1">
-            <a:extLst>
-              <a:ext uri="{FF2B5EF4-FFF2-40B4-BE49-F238E27FC236}">
-                <a16:creationId xmlns:a16="http://schemas.microsoft.com/office/drawing/2014/main" id="{56659258-1A46-4A0F-B0E4-1AF391BF8DF3}"/>
-              </a:ext>
-            </a:extLst>
-          </p:cNvPr>
-          <p:cNvSpPr txBox="1">
-            <a:spLocks/>
-          </p:cNvSpPr>
-          <p:nvPr/>
-        </p:nvSpPr>
-        <p:spPr>
-          <a:xfrm>
-            <a:off x="279917" y="3128369"/>
-            <a:ext cx="9559407" cy="820048"/>
+            <a:endParaRPr lang="es-AR"/>
+          </a:p>
+        </p:txBody>
+      </p:sp>
+      <p:sp>
+        <p:nvSpPr>
+          <p:cNvPr id="36" name="Rectángulo 4">
+            <a:extLst>
+              <a:ext uri="{FF2B5EF4-FFF2-40B4-BE49-F238E27FC236}">
+                <a16:creationId xmlns:a16="http://schemas.microsoft.com/office/drawing/2014/main" id="{3D7BED2F-80EC-4813-AFFE-DF338008BEBB}"/>
+              </a:ext>
+            </a:extLst>
+          </p:cNvPr>
+          <p:cNvSpPr/>
+          <p:nvPr/>
+        </p:nvSpPr>
+        <p:spPr>
+          <a:xfrm>
+            <a:off x="377906" y="1683233"/>
+            <a:ext cx="366721" cy="54000"/>
           </a:xfrm>
           <a:prstGeom prst="rect">
             <a:avLst/>
@@ -44812,6 +45242,213 @@
               <a:schemeClr val="bg1"/>
             </a:solidFill>
           </a:ln>
+        </p:spPr>
+        <p:style>
+          <a:lnRef idx="2">
+            <a:schemeClr val="accent1">
+              <a:shade val="50000"/>
+            </a:schemeClr>
+          </a:lnRef>
+          <a:fillRef idx="1">
+            <a:schemeClr val="accent1"/>
+          </a:fillRef>
+          <a:effectRef idx="0">
+            <a:schemeClr val="accent1"/>
+          </a:effectRef>
+          <a:fontRef idx="minor">
+            <a:schemeClr val="lt1"/>
+          </a:fontRef>
+        </p:style>
+        <p:txBody>
+          <a:bodyPr rtlCol="0" anchor="ctr"/>
+          <a:lstStyle/>
+          <a:p>
+            <a:pPr algn="ctr"/>
+            <a:endParaRPr lang="es-AR"/>
+          </a:p>
+        </p:txBody>
+      </p:sp>
+      <p:sp>
+        <p:nvSpPr>
+          <p:cNvPr id="30" name="ZoneTexte 29">
+            <a:extLst>
+              <a:ext uri="{FF2B5EF4-FFF2-40B4-BE49-F238E27FC236}">
+                <a16:creationId xmlns:a16="http://schemas.microsoft.com/office/drawing/2014/main" id="{1C59DD88-0231-4DD6-B63A-00DE1EDF79C4}"/>
+              </a:ext>
+            </a:extLst>
+          </p:cNvPr>
+          <p:cNvSpPr txBox="1"/>
+          <p:nvPr/>
+        </p:nvSpPr>
+        <p:spPr>
+          <a:xfrm>
+            <a:off x="279917" y="1737233"/>
+            <a:ext cx="6592692" cy="3939540"/>
+          </a:xfrm>
+          <a:prstGeom prst="rect">
+            <a:avLst/>
+          </a:prstGeom>
+          <a:noFill/>
+        </p:spPr>
+        <p:txBody>
+          <a:bodyPr wrap="square">
+            <a:spAutoFit/>
+          </a:bodyPr>
+          <a:lstStyle/>
+          <a:p>
+            <a:r>
+              <a:rPr lang="fr-FR" sz="4800" b="1" i="1" dirty="0">
+                <a:ln>
+                  <a:solidFill>
+                    <a:schemeClr val="bg1"/>
+                  </a:solidFill>
+                </a:ln>
+                <a:solidFill>
+                  <a:schemeClr val="bg1"/>
+                </a:solidFill>
+                <a:latin typeface="Google Sans"/>
+              </a:rPr>
+              <a:t>MERCI</a:t>
+            </a:r>
+          </a:p>
+          <a:p>
+            <a:endParaRPr lang="fr-FR" sz="3200" b="1" dirty="0">
+              <a:ln>
+                <a:solidFill>
+                  <a:schemeClr val="bg1"/>
+                </a:solidFill>
+              </a:ln>
+              <a:solidFill>
+                <a:schemeClr val="bg1"/>
+              </a:solidFill>
+              <a:latin typeface="Google Sans"/>
+            </a:endParaRPr>
+          </a:p>
+          <a:p>
+            <a:endParaRPr lang="fr-FR" sz="3200" b="1" dirty="0">
+              <a:ln>
+                <a:solidFill>
+                  <a:schemeClr val="bg1"/>
+                </a:solidFill>
+              </a:ln>
+              <a:solidFill>
+                <a:schemeClr val="bg1"/>
+              </a:solidFill>
+              <a:latin typeface="Google Sans"/>
+            </a:endParaRPr>
+          </a:p>
+          <a:p>
+            <a:r>
+              <a:rPr lang="fr-FR" sz="2000" dirty="0">
+                <a:ln>
+                  <a:solidFill>
+                    <a:schemeClr val="bg1"/>
+                  </a:solidFill>
+                </a:ln>
+                <a:solidFill>
+                  <a:schemeClr val="bg1"/>
+                </a:solidFill>
+                <a:latin typeface="Google Sans"/>
+              </a:rPr>
+              <a:t>Soutenance de Projet</a:t>
+            </a:r>
+          </a:p>
+          <a:p>
+            <a:r>
+              <a:rPr lang="fr-FR" sz="3200" dirty="0">
+                <a:ln>
+                  <a:solidFill>
+                    <a:schemeClr val="bg1"/>
+                  </a:solidFill>
+                </a:ln>
+                <a:solidFill>
+                  <a:schemeClr val="bg1"/>
+                </a:solidFill>
+                <a:latin typeface="Google Sans"/>
+              </a:rPr>
+              <a:t>Samir HINOJOSA</a:t>
+            </a:r>
+          </a:p>
+          <a:p>
+            <a:endParaRPr lang="fr-FR" sz="3600" dirty="0">
+              <a:ln>
+                <a:solidFill>
+                  <a:schemeClr val="bg1"/>
+                </a:solidFill>
+              </a:ln>
+              <a:solidFill>
+                <a:schemeClr val="bg1"/>
+              </a:solidFill>
+              <a:latin typeface="Google Sans"/>
+            </a:endParaRPr>
+          </a:p>
+          <a:p>
+            <a:endParaRPr lang="fr-FR" sz="3600" dirty="0">
+              <a:ln>
+                <a:solidFill>
+                  <a:schemeClr val="bg1"/>
+                </a:solidFill>
+              </a:ln>
+              <a:solidFill>
+                <a:schemeClr val="bg1"/>
+              </a:solidFill>
+              <a:latin typeface="Google Sans"/>
+            </a:endParaRPr>
+          </a:p>
+          <a:p>
+            <a:r>
+              <a:rPr lang="es-ES" sz="1400" dirty="0">
+                <a:ln>
+                  <a:solidFill>
+                    <a:schemeClr val="bg1"/>
+                  </a:solidFill>
+                </a:ln>
+                <a:solidFill>
+                  <a:schemeClr val="bg1"/>
+                </a:solidFill>
+                <a:latin typeface="Google Sans"/>
+              </a:rPr>
+              <a:t>8</a:t>
+            </a:r>
+            <a:r>
+              <a:rPr lang="fr-FR" sz="1400" dirty="0">
+                <a:ln>
+                  <a:solidFill>
+                    <a:schemeClr val="bg1"/>
+                  </a:solidFill>
+                </a:ln>
+                <a:solidFill>
+                  <a:schemeClr val="bg1"/>
+                </a:solidFill>
+                <a:latin typeface="Google Sans"/>
+              </a:rPr>
+              <a:t> septembre 2021</a:t>
+            </a:r>
+          </a:p>
+        </p:txBody>
+      </p:sp>
+      <p:sp>
+        <p:nvSpPr>
+          <p:cNvPr id="14" name="Titre 1">
+            <a:extLst>
+              <a:ext uri="{FF2B5EF4-FFF2-40B4-BE49-F238E27FC236}">
+                <a16:creationId xmlns:a16="http://schemas.microsoft.com/office/drawing/2014/main" id="{01656CA7-067A-479C-9C22-03DB1C992AD9}"/>
+              </a:ext>
+            </a:extLst>
+          </p:cNvPr>
+          <p:cNvSpPr txBox="1">
+            <a:spLocks/>
+          </p:cNvSpPr>
+          <p:nvPr/>
+        </p:nvSpPr>
+        <p:spPr>
+          <a:xfrm>
+            <a:off x="7492481" y="5284014"/>
+            <a:ext cx="4002833" cy="946757"/>
+          </a:xfrm>
+          <a:prstGeom prst="rect">
+            <a:avLst/>
+          </a:prstGeom>
         </p:spPr>
         <p:txBody>
           <a:bodyPr vert="horz" lIns="91440" tIns="45720" rIns="91440" bIns="45720" rtlCol="0" anchor="ctr">
@@ -44838,7 +45475,7 @@
           </a:lstStyle>
           <a:p>
             <a:r>
-              <a:rPr lang="fr-FR" b="1" dirty="0">
+              <a:rPr lang="es-ES" sz="3600" b="1" dirty="0">
                 <a:ln>
                   <a:solidFill>
                     <a:srgbClr val="7451EB"/>
@@ -44855,54 +45492,9 @@
                   </a:outerShdw>
                 </a:effectLst>
               </a:rPr>
-              <a:t>Annexes</a:t>
-            </a:r>
-          </a:p>
-        </p:txBody>
-      </p:sp>
-      <p:sp>
-        <p:nvSpPr>
-          <p:cNvPr id="6" name="TextBox 3">
-            <a:extLst>
-              <a:ext uri="{FF2B5EF4-FFF2-40B4-BE49-F238E27FC236}">
-                <a16:creationId xmlns:a16="http://schemas.microsoft.com/office/drawing/2014/main" id="{E54A00AA-CF7B-43BF-9A74-00FFAB8AB15F}"/>
-              </a:ext>
-            </a:extLst>
-          </p:cNvPr>
-          <p:cNvSpPr txBox="1"/>
-          <p:nvPr/>
-        </p:nvSpPr>
-        <p:spPr>
-          <a:xfrm>
-            <a:off x="0" y="6475247"/>
-            <a:ext cx="6096000" cy="307777"/>
-          </a:xfrm>
-          <a:prstGeom prst="rect">
-            <a:avLst/>
-          </a:prstGeom>
-          <a:noFill/>
-        </p:spPr>
-        <p:txBody>
-          <a:bodyPr wrap="square" rtlCol="0">
-            <a:spAutoFit/>
-          </a:bodyPr>
-          <a:lstStyle/>
-          <a:p>
-            <a:r>
-              <a:rPr lang="fr-FR" sz="1400" dirty="0">
-                <a:ln>
-                  <a:solidFill>
-                    <a:srgbClr val="7451EB"/>
-                  </a:solidFill>
-                </a:ln>
-                <a:solidFill>
-                  <a:srgbClr val="7451EB"/>
-                </a:solidFill>
-                <a:latin typeface="Calibri Light (En-têtes)"/>
-              </a:rPr>
-              <a:t>Project 4 -  Anticipation des besoins en consommation électrique de bâtiments</a:t>
-            </a:r>
-            <a:endParaRPr lang="en-US" sz="1400" dirty="0">
+              <a:t>OPENCLASSROOMS</a:t>
+            </a:r>
+            <a:endParaRPr lang="es-419" sz="5400" b="1" u="sng" dirty="0">
               <a:ln>
                 <a:solidFill>
                   <a:srgbClr val="7451EB"/>
@@ -44911,15 +45503,68 @@
               <a:solidFill>
                 <a:srgbClr val="7451EB"/>
               </a:solidFill>
-              <a:latin typeface="Calibri Light (En-têtes)"/>
+              <a:effectLst>
+                <a:outerShdw blurRad="38100" dist="38100" dir="2700000" algn="tl">
+                  <a:srgbClr val="000000">
+                    <a:alpha val="43137"/>
+                  </a:srgbClr>
+                </a:outerShdw>
+              </a:effectLst>
             </a:endParaRPr>
           </a:p>
         </p:txBody>
       </p:sp>
+      <p:pic>
+        <p:nvPicPr>
+          <p:cNvPr id="1026" name="Picture 2" descr="OpenClassrooms — Wikipédia">
+            <a:extLst>
+              <a:ext uri="{FF2B5EF4-FFF2-40B4-BE49-F238E27FC236}">
+                <a16:creationId xmlns:a16="http://schemas.microsoft.com/office/drawing/2014/main" id="{1ED1A659-D6AB-4947-92C5-9E65D7B2889B}"/>
+              </a:ext>
+            </a:extLst>
+          </p:cNvPr>
+          <p:cNvPicPr>
+            <a:picLocks noChangeAspect="1" noChangeArrowheads="1"/>
+          </p:cNvPicPr>
+          <p:nvPr/>
+        </p:nvPicPr>
+        <p:blipFill>
+          <a:blip r:embed="rId2">
+            <a:extLst>
+              <a:ext uri="{28A0092B-C50C-407E-A947-70E740481C1C}">
+                <a14:useLocalDpi xmlns:a14="http://schemas.microsoft.com/office/drawing/2010/main" val="0"/>
+              </a:ext>
+            </a:extLst>
+          </a:blip>
+          <a:srcRect/>
+          <a:stretch>
+            <a:fillRect/>
+          </a:stretch>
+        </p:blipFill>
+        <p:spPr bwMode="auto">
+          <a:xfrm>
+            <a:off x="7492481" y="3940235"/>
+            <a:ext cx="1380931" cy="1380931"/>
+          </a:xfrm>
+          <a:prstGeom prst="rect">
+            <a:avLst/>
+          </a:prstGeom>
+          <a:noFill/>
+          <a:extLst>
+            <a:ext uri="{909E8E84-426E-40DD-AFC4-6F175D3DCCD1}">
+              <a14:hiddenFill xmlns:a14="http://schemas.microsoft.com/office/drawing/2010/main">
+                <a:solidFill>
+                  <a:srgbClr val="FFFFFF"/>
+                </a:solidFill>
+              </a14:hiddenFill>
+            </a:ext>
+          </a:extLst>
+        </p:spPr>
+      </p:pic>
     </p:spTree>
     <p:extLst>
       <p:ext uri="{BB962C8B-B14F-4D97-AF65-F5344CB8AC3E}">
-        <p14:creationId xmlns:p14="http://schemas.microsoft.com/office/powerpoint/2010/main" val="3146849906"/>
+        <p14:creationId xmlns:p14="http://schemas.microsoft.com/office/powerpoint/2010/main" val="3980212274"/>
       </p:ext>
     </p:extLst>
   </p:cSld>
@@ -45909,6 +46554,289 @@
 </file>
 
 <file path=ppt/slides/slide50.xml><?xml version="1.0" encoding="utf-8"?>
+<p:sld xmlns:a="http://schemas.openxmlformats.org/drawingml/2006/main" xmlns:r="http://schemas.openxmlformats.org/officeDocument/2006/relationships" xmlns:p="http://schemas.openxmlformats.org/presentationml/2006/main">
+  <p:cSld>
+    <p:bg>
+      <p:bgPr>
+        <a:solidFill>
+          <a:srgbClr val="7451EB"/>
+        </a:solidFill>
+        <a:effectLst/>
+      </p:bgPr>
+    </p:bg>
+    <p:spTree>
+      <p:nvGrpSpPr>
+        <p:cNvPr id="1" name=""/>
+        <p:cNvGrpSpPr/>
+        <p:nvPr/>
+      </p:nvGrpSpPr>
+      <p:grpSpPr>
+        <a:xfrm>
+          <a:off x="0" y="0"/>
+          <a:ext cx="0" cy="0"/>
+          <a:chOff x="0" y="0"/>
+          <a:chExt cx="0" cy="0"/>
+        </a:xfrm>
+      </p:grpSpPr>
+      <p:sp>
+        <p:nvSpPr>
+          <p:cNvPr id="5" name="Rectangle 4">
+            <a:extLst>
+              <a:ext uri="{FF2B5EF4-FFF2-40B4-BE49-F238E27FC236}">
+                <a16:creationId xmlns:a16="http://schemas.microsoft.com/office/drawing/2014/main" id="{A00233D2-38CE-441F-90C9-32F91999758A}"/>
+              </a:ext>
+            </a:extLst>
+          </p:cNvPr>
+          <p:cNvSpPr/>
+          <p:nvPr/>
+        </p:nvSpPr>
+        <p:spPr>
+          <a:xfrm>
+            <a:off x="0" y="6400273"/>
+            <a:ext cx="12192000" cy="457727"/>
+          </a:xfrm>
+          <a:prstGeom prst="rect">
+            <a:avLst/>
+          </a:prstGeom>
+          <a:solidFill>
+            <a:schemeClr val="bg1"/>
+          </a:solidFill>
+          <a:ln>
+            <a:solidFill>
+              <a:schemeClr val="bg1"/>
+            </a:solidFill>
+          </a:ln>
+        </p:spPr>
+        <p:style>
+          <a:lnRef idx="2">
+            <a:schemeClr val="accent1">
+              <a:shade val="50000"/>
+            </a:schemeClr>
+          </a:lnRef>
+          <a:fillRef idx="1">
+            <a:schemeClr val="accent1"/>
+          </a:fillRef>
+          <a:effectRef idx="0">
+            <a:schemeClr val="accent1"/>
+          </a:effectRef>
+          <a:fontRef idx="minor">
+            <a:schemeClr val="lt1"/>
+          </a:fontRef>
+        </p:style>
+        <p:txBody>
+          <a:bodyPr rtlCol="0" anchor="ctr"/>
+          <a:lstStyle/>
+          <a:p>
+            <a:pPr algn="ctr"/>
+            <a:endParaRPr lang="en-US" dirty="0"/>
+          </a:p>
+        </p:txBody>
+      </p:sp>
+      <p:sp>
+        <p:nvSpPr>
+          <p:cNvPr id="15" name="TextBox 3">
+            <a:extLst>
+              <a:ext uri="{FF2B5EF4-FFF2-40B4-BE49-F238E27FC236}">
+                <a16:creationId xmlns:a16="http://schemas.microsoft.com/office/drawing/2014/main" id="{47FC2DCC-BDE9-485D-AF79-4177B5479110}"/>
+              </a:ext>
+            </a:extLst>
+          </p:cNvPr>
+          <p:cNvSpPr txBox="1"/>
+          <p:nvPr/>
+        </p:nvSpPr>
+        <p:spPr>
+          <a:xfrm>
+            <a:off x="10543592" y="6475247"/>
+            <a:ext cx="1648408" cy="307777"/>
+          </a:xfrm>
+          <a:prstGeom prst="rect">
+            <a:avLst/>
+          </a:prstGeom>
+          <a:noFill/>
+        </p:spPr>
+        <p:txBody>
+          <a:bodyPr wrap="square" rtlCol="0">
+            <a:spAutoFit/>
+          </a:bodyPr>
+          <a:lstStyle/>
+          <a:p>
+            <a:pPr algn="r"/>
+            <a:r>
+              <a:rPr lang="es-CO" sz="1400" b="1" i="1" dirty="0" err="1">
+                <a:ln>
+                  <a:solidFill>
+                    <a:srgbClr val="7451EB"/>
+                  </a:solidFill>
+                </a:ln>
+                <a:solidFill>
+                  <a:srgbClr val="7451EB"/>
+                </a:solidFill>
+                <a:latin typeface="+mj-lt"/>
+              </a:rPr>
+              <a:t>OpenClassrooms</a:t>
+            </a:r>
+            <a:endParaRPr lang="en-US" sz="1400" b="1" i="1" dirty="0">
+              <a:ln>
+                <a:solidFill>
+                  <a:srgbClr val="7451EB"/>
+                </a:solidFill>
+              </a:ln>
+              <a:solidFill>
+                <a:srgbClr val="7451EB"/>
+              </a:solidFill>
+              <a:latin typeface="+mj-lt"/>
+            </a:endParaRPr>
+          </a:p>
+        </p:txBody>
+      </p:sp>
+      <p:sp>
+        <p:nvSpPr>
+          <p:cNvPr id="10" name="Titre 1">
+            <a:extLst>
+              <a:ext uri="{FF2B5EF4-FFF2-40B4-BE49-F238E27FC236}">
+                <a16:creationId xmlns:a16="http://schemas.microsoft.com/office/drawing/2014/main" id="{56659258-1A46-4A0F-B0E4-1AF391BF8DF3}"/>
+              </a:ext>
+            </a:extLst>
+          </p:cNvPr>
+          <p:cNvSpPr txBox="1">
+            <a:spLocks/>
+          </p:cNvSpPr>
+          <p:nvPr/>
+        </p:nvSpPr>
+        <p:spPr>
+          <a:xfrm>
+            <a:off x="279917" y="3128369"/>
+            <a:ext cx="9559407" cy="820048"/>
+          </a:xfrm>
+          <a:prstGeom prst="rect">
+            <a:avLst/>
+          </a:prstGeom>
+          <a:solidFill>
+            <a:schemeClr val="bg1"/>
+          </a:solidFill>
+          <a:ln>
+            <a:solidFill>
+              <a:schemeClr val="bg1"/>
+            </a:solidFill>
+          </a:ln>
+        </p:spPr>
+        <p:txBody>
+          <a:bodyPr vert="horz" lIns="91440" tIns="45720" rIns="91440" bIns="45720" rtlCol="0" anchor="ctr">
+            <a:normAutofit/>
+          </a:bodyPr>
+          <a:lstStyle>
+            <a:lvl1pPr algn="l" defTabSz="914400" rtl="0" eaLnBrk="1" latinLnBrk="0" hangingPunct="1">
+              <a:lnSpc>
+                <a:spcPct val="90000"/>
+              </a:lnSpc>
+              <a:spcBef>
+                <a:spcPct val="0"/>
+              </a:spcBef>
+              <a:buNone/>
+              <a:defRPr sz="4400" kern="1200">
+                <a:solidFill>
+                  <a:schemeClr val="tx1"/>
+                </a:solidFill>
+                <a:latin typeface="+mj-lt"/>
+                <a:ea typeface="+mj-ea"/>
+                <a:cs typeface="+mj-cs"/>
+              </a:defRPr>
+            </a:lvl1pPr>
+          </a:lstStyle>
+          <a:p>
+            <a:r>
+              <a:rPr lang="fr-FR" b="1" dirty="0">
+                <a:ln>
+                  <a:solidFill>
+                    <a:srgbClr val="7451EB"/>
+                  </a:solidFill>
+                </a:ln>
+                <a:solidFill>
+                  <a:srgbClr val="7451EB"/>
+                </a:solidFill>
+                <a:effectLst>
+                  <a:outerShdw blurRad="38100" dist="38100" dir="2700000" algn="tl">
+                    <a:srgbClr val="000000">
+                      <a:alpha val="43137"/>
+                    </a:srgbClr>
+                  </a:outerShdw>
+                </a:effectLst>
+              </a:rPr>
+              <a:t>Annexes</a:t>
+            </a:r>
+          </a:p>
+        </p:txBody>
+      </p:sp>
+      <p:sp>
+        <p:nvSpPr>
+          <p:cNvPr id="6" name="TextBox 3">
+            <a:extLst>
+              <a:ext uri="{FF2B5EF4-FFF2-40B4-BE49-F238E27FC236}">
+                <a16:creationId xmlns:a16="http://schemas.microsoft.com/office/drawing/2014/main" id="{E54A00AA-CF7B-43BF-9A74-00FFAB8AB15F}"/>
+              </a:ext>
+            </a:extLst>
+          </p:cNvPr>
+          <p:cNvSpPr txBox="1"/>
+          <p:nvPr/>
+        </p:nvSpPr>
+        <p:spPr>
+          <a:xfrm>
+            <a:off x="0" y="6475247"/>
+            <a:ext cx="6096000" cy="307777"/>
+          </a:xfrm>
+          <a:prstGeom prst="rect">
+            <a:avLst/>
+          </a:prstGeom>
+          <a:noFill/>
+        </p:spPr>
+        <p:txBody>
+          <a:bodyPr wrap="square" rtlCol="0">
+            <a:spAutoFit/>
+          </a:bodyPr>
+          <a:lstStyle/>
+          <a:p>
+            <a:r>
+              <a:rPr lang="fr-FR" sz="1400" dirty="0">
+                <a:ln>
+                  <a:solidFill>
+                    <a:srgbClr val="7451EB"/>
+                  </a:solidFill>
+                </a:ln>
+                <a:solidFill>
+                  <a:srgbClr val="7451EB"/>
+                </a:solidFill>
+                <a:latin typeface="Calibri Light (En-têtes)"/>
+              </a:rPr>
+              <a:t>Project 4 -  Anticipation des besoins en consommation électrique de bâtiments</a:t>
+            </a:r>
+            <a:endParaRPr lang="en-US" sz="1400" dirty="0">
+              <a:ln>
+                <a:solidFill>
+                  <a:srgbClr val="7451EB"/>
+                </a:solidFill>
+              </a:ln>
+              <a:solidFill>
+                <a:srgbClr val="7451EB"/>
+              </a:solidFill>
+              <a:latin typeface="Calibri Light (En-têtes)"/>
+            </a:endParaRPr>
+          </a:p>
+        </p:txBody>
+      </p:sp>
+    </p:spTree>
+    <p:extLst>
+      <p:ext uri="{BB962C8B-B14F-4D97-AF65-F5344CB8AC3E}">
+        <p14:creationId xmlns:p14="http://schemas.microsoft.com/office/powerpoint/2010/main" val="3146849906"/>
+      </p:ext>
+    </p:extLst>
+  </p:cSld>
+  <p:clrMapOvr>
+    <a:masterClrMapping/>
+  </p:clrMapOvr>
+</p:sld>
+</file>
+
+<file path=ppt/slides/slide51.xml><?xml version="1.0" encoding="utf-8"?>
 <p:sld xmlns:a="http://schemas.openxmlformats.org/drawingml/2006/main" xmlns:r="http://schemas.openxmlformats.org/officeDocument/2006/relationships" xmlns:p="http://schemas.openxmlformats.org/presentationml/2006/main">
   <p:cSld>
     <p:spTree>
